--- a/Webprograming/document/00457004+00457013.pptx
+++ b/Webprograming/document/00457004+00457013.pptx
@@ -9,8 +9,13 @@
     <p:sldId id="259" r:id="rId3"/>
     <p:sldId id="257" r:id="rId4"/>
     <p:sldId id="261" r:id="rId5"/>
-    <p:sldId id="258" r:id="rId6"/>
-    <p:sldId id="260" r:id="rId7"/>
+    <p:sldId id="262" r:id="rId6"/>
+    <p:sldId id="263" r:id="rId7"/>
+    <p:sldId id="266" r:id="rId8"/>
+    <p:sldId id="264" r:id="rId9"/>
+    <p:sldId id="265" r:id="rId10"/>
+    <p:sldId id="258" r:id="rId11"/>
+    <p:sldId id="260" r:id="rId12"/>
   </p:sldIdLst>
   <p:sldSz cx="12192000" cy="6858000"/>
   <p:notesSz cx="6858000" cy="9144000"/>
@@ -111,7 +116,7 @@
   </p:defaultTextStyle>
   <p:extLst>
     <p:ext uri="{EFAFB233-063F-42B5-8137-9DF3F51BA10A}">
-      <p15:sldGuideLst xmlns:p15="http://schemas.microsoft.com/office/powerpoint/2012/main"/>
+      <p15:sldGuideLst xmlns="" xmlns:p15="http://schemas.microsoft.com/office/powerpoint/2012/main"/>
     </p:ext>
   </p:extLst>
 </p:presentation>
@@ -1775,33 +1780,33 @@
     </dgm:pt>
   </dgm:ptLst>
   <dgm:cxnLst>
-    <dgm:cxn modelId="{B2BF82D8-6360-4F3C-AFBB-84CBABD3DD7D}" srcId="{80E086D4-8AF4-4DC9-909A-89071C512D03}" destId="{D36087A7-4E1F-4A6F-AFF9-2AEB5850EEEC}" srcOrd="4" destOrd="0" parTransId="{233B99EF-287F-4C92-9520-E4BBE054E016}" sibTransId="{18907592-E2D1-44ED-9384-EABD278FA3DA}"/>
+    <dgm:cxn modelId="{4FF924F4-3636-4558-81B1-D1B16496A808}" type="presOf" srcId="{942EEBBD-719A-4E60-81AB-5A163C490081}" destId="{2105AE26-7298-401F-9558-35641F84D83F}" srcOrd="0" destOrd="0" presId="urn:microsoft.com/office/officeart/2005/8/layout/hierarchy1"/>
+    <dgm:cxn modelId="{9F2249C1-DDAC-4E59-A64A-0F7BEE4F8467}" srcId="{942EEBBD-719A-4E60-81AB-5A163C490081}" destId="{E0EDAE46-9807-48AA-ACF0-25686B48C9C5}" srcOrd="1" destOrd="0" parTransId="{D2B57D22-D67E-4F27-B031-1FAE99035A7F}" sibTransId="{C0297761-4082-4992-892F-3E77692C205E}"/>
+    <dgm:cxn modelId="{FBD00F75-40C8-4783-BE7B-01C07FB93192}" type="presOf" srcId="{25708C8C-5BBA-48C9-B94C-B97274156E17}" destId="{5B2CAF19-7785-40AE-9412-F3C8193F9964}" srcOrd="0" destOrd="0" presId="urn:microsoft.com/office/officeart/2005/8/layout/hierarchy1"/>
     <dgm:cxn modelId="{AB418F07-57EC-42A6-A2C2-35DE3016C70C}" type="presOf" srcId="{35558115-465D-4208-89F3-87B190F4D001}" destId="{761162DF-DD37-49E1-938B-6B47C019EA58}" srcOrd="0" destOrd="0" presId="urn:microsoft.com/office/officeart/2005/8/layout/hierarchy1"/>
+    <dgm:cxn modelId="{37F067C4-8206-4491-BD50-BDEA50E0713F}" srcId="{942EEBBD-719A-4E60-81AB-5A163C490081}" destId="{947910A5-2ED1-4C87-BFAA-8B99A303BD1F}" srcOrd="0" destOrd="0" parTransId="{35558115-465D-4208-89F3-87B190F4D001}" sibTransId="{38934D6F-8DA7-490B-9F4A-ED28BCA50BC1}"/>
+    <dgm:cxn modelId="{0755827F-6F32-4854-B219-31A9D6B5FA1A}" type="presOf" srcId="{65E6B1D3-98DB-49FE-BC7B-8D02CC91EFD4}" destId="{EEA197E9-54DD-4A79-B2B2-0B73109648CF}" srcOrd="0" destOrd="0" presId="urn:microsoft.com/office/officeart/2005/8/layout/hierarchy1"/>
+    <dgm:cxn modelId="{845A85FE-3BA4-4105-8491-B52AD897BCF5}" srcId="{80E086D4-8AF4-4DC9-909A-89071C512D03}" destId="{6D46922F-2638-4ABF-BC3D-7FEA9CCB81A6}" srcOrd="3" destOrd="0" parTransId="{0BC006F6-64CC-4624-B17C-A0108656211F}" sibTransId="{0D5E3624-BB25-4E41-B131-64A1EB5661B7}"/>
+    <dgm:cxn modelId="{A8FAEDAF-B4A3-4C7A-BFED-E8649C4E6597}" srcId="{80E086D4-8AF4-4DC9-909A-89071C512D03}" destId="{8C4672CD-29D4-4CC0-A518-606805C5F8D2}" srcOrd="2" destOrd="0" parTransId="{65E6B1D3-98DB-49FE-BC7B-8D02CC91EFD4}" sibTransId="{14596D0B-C5CF-4893-9F00-B217498A1F78}"/>
+    <dgm:cxn modelId="{0D32DFB5-26B1-4E0A-94D9-E27342425B96}" type="presOf" srcId="{6D46922F-2638-4ABF-BC3D-7FEA9CCB81A6}" destId="{26FE4FE4-E44C-408F-A5EF-76D6BF6E55FC}" srcOrd="0" destOrd="0" presId="urn:microsoft.com/office/officeart/2005/8/layout/hierarchy1"/>
+    <dgm:cxn modelId="{6E44A9B4-A6D6-4FDD-A785-4A5DEA582EC1}" srcId="{2E007763-D639-4EBA-A957-7222CABE5D20}" destId="{80E086D4-8AF4-4DC9-909A-89071C512D03}" srcOrd="0" destOrd="0" parTransId="{2E319D96-F22C-4B56-81CA-466326F356A4}" sibTransId="{1B84EA08-9DEA-40C7-B201-4ECB0F34DFED}"/>
     <dgm:cxn modelId="{23BD35E7-82B5-4EB8-B24F-0A871AB9D33E}" type="presOf" srcId="{2E319D96-F22C-4B56-81CA-466326F356A4}" destId="{36811B36-195E-4CE9-9D79-8F5A635ABB72}" srcOrd="0" destOrd="0" presId="urn:microsoft.com/office/officeart/2005/8/layout/hierarchy1"/>
-    <dgm:cxn modelId="{959D2F15-AA8A-469B-A6CD-EDC403FC15C8}" type="presOf" srcId="{80E086D4-8AF4-4DC9-909A-89071C512D03}" destId="{04A6D6E8-69FD-435E-B7F6-9EAADF162BAC}" srcOrd="0" destOrd="0" presId="urn:microsoft.com/office/officeart/2005/8/layout/hierarchy1"/>
-    <dgm:cxn modelId="{675ECC0B-063C-4503-8E91-75F9B69062FE}" type="presOf" srcId="{233B99EF-287F-4C92-9520-E4BBE054E016}" destId="{F33758A1-CB7F-44AA-A713-E18CE72721EC}" srcOrd="0" destOrd="0" presId="urn:microsoft.com/office/officeart/2005/8/layout/hierarchy1"/>
-    <dgm:cxn modelId="{A8FAEDAF-B4A3-4C7A-BFED-E8649C4E6597}" srcId="{80E086D4-8AF4-4DC9-909A-89071C512D03}" destId="{8C4672CD-29D4-4CC0-A518-606805C5F8D2}" srcOrd="2" destOrd="0" parTransId="{65E6B1D3-98DB-49FE-BC7B-8D02CC91EFD4}" sibTransId="{14596D0B-C5CF-4893-9F00-B217498A1F78}"/>
-    <dgm:cxn modelId="{6D6F20D0-A1DE-4541-AE67-816D4DB3072E}" type="presOf" srcId="{D36087A7-4E1F-4A6F-AFF9-2AEB5850EEEC}" destId="{E5FA4415-11F8-46A9-BCD0-38A4441708B1}" srcOrd="0" destOrd="0" presId="urn:microsoft.com/office/officeart/2005/8/layout/hierarchy1"/>
-    <dgm:cxn modelId="{FBD00F75-40C8-4783-BE7B-01C07FB93192}" type="presOf" srcId="{25708C8C-5BBA-48C9-B94C-B97274156E17}" destId="{5B2CAF19-7785-40AE-9412-F3C8193F9964}" srcOrd="0" destOrd="0" presId="urn:microsoft.com/office/officeart/2005/8/layout/hierarchy1"/>
-    <dgm:cxn modelId="{6E44A9B4-A6D6-4FDD-A785-4A5DEA582EC1}" srcId="{2E007763-D639-4EBA-A957-7222CABE5D20}" destId="{80E086D4-8AF4-4DC9-909A-89071C512D03}" srcOrd="0" destOrd="0" parTransId="{2E319D96-F22C-4B56-81CA-466326F356A4}" sibTransId="{1B84EA08-9DEA-40C7-B201-4ECB0F34DFED}"/>
-    <dgm:cxn modelId="{9F2249C1-DDAC-4E59-A64A-0F7BEE4F8467}" srcId="{942EEBBD-719A-4E60-81AB-5A163C490081}" destId="{E0EDAE46-9807-48AA-ACF0-25686B48C9C5}" srcOrd="1" destOrd="0" parTransId="{D2B57D22-D67E-4F27-B031-1FAE99035A7F}" sibTransId="{C0297761-4082-4992-892F-3E77692C205E}"/>
-    <dgm:cxn modelId="{0755827F-6F32-4854-B219-31A9D6B5FA1A}" type="presOf" srcId="{65E6B1D3-98DB-49FE-BC7B-8D02CC91EFD4}" destId="{EEA197E9-54DD-4A79-B2B2-0B73109648CF}" srcOrd="0" destOrd="0" presId="urn:microsoft.com/office/officeart/2005/8/layout/hierarchy1"/>
-    <dgm:cxn modelId="{F6B6D9B2-B124-4F8E-9EA5-C640B214B9C6}" srcId="{80E086D4-8AF4-4DC9-909A-89071C512D03}" destId="{561BA732-D911-4441-8BB6-9A033D513B4F}" srcOrd="1" destOrd="0" parTransId="{128787E6-1F89-41BB-AE63-DDA2587D0B09}" sibTransId="{6D3FE95D-9CCD-4D30-B4E9-67F3753E2190}"/>
+    <dgm:cxn modelId="{0793DEE5-643A-494B-8912-DB8F6903F703}" type="presOf" srcId="{917088CC-E6AF-41D9-88BA-B79265D02F3A}" destId="{32E4CE03-6BD6-4E23-9533-FE2C9E291D50}" srcOrd="0" destOrd="0" presId="urn:microsoft.com/office/officeart/2005/8/layout/hierarchy1"/>
     <dgm:cxn modelId="{39B2684A-9698-4EC7-AA59-735AC1173A49}" type="presOf" srcId="{561BA732-D911-4441-8BB6-9A033D513B4F}" destId="{6559CBCD-0971-4B08-A018-8154E0642DC0}" srcOrd="0" destOrd="0" presId="urn:microsoft.com/office/officeart/2005/8/layout/hierarchy1"/>
     <dgm:cxn modelId="{F5319242-ADEC-4844-9D2E-EDA2BE04E342}" type="presOf" srcId="{128787E6-1F89-41BB-AE63-DDA2587D0B09}" destId="{454FB2B6-1B6D-4D29-8149-D973FB83F044}" srcOrd="0" destOrd="0" presId="urn:microsoft.com/office/officeart/2005/8/layout/hierarchy1"/>
+    <dgm:cxn modelId="{1B8DAB53-8575-448C-8875-70A392068554}" type="presOf" srcId="{0BC006F6-64CC-4624-B17C-A0108656211F}" destId="{D8FF3A0A-A261-4C4E-A484-C5C553E85B04}" srcOrd="0" destOrd="0" presId="urn:microsoft.com/office/officeart/2005/8/layout/hierarchy1"/>
+    <dgm:cxn modelId="{6CAECE49-CEE1-4B97-921C-FFD3056F1F3A}" type="presOf" srcId="{E0EDAE46-9807-48AA-ACF0-25686B48C9C5}" destId="{297C92E2-4493-4EC3-882A-FD0B3FB176F8}" srcOrd="0" destOrd="0" presId="urn:microsoft.com/office/officeart/2005/8/layout/hierarchy1"/>
+    <dgm:cxn modelId="{F6B6D9B2-B124-4F8E-9EA5-C640B214B9C6}" srcId="{80E086D4-8AF4-4DC9-909A-89071C512D03}" destId="{561BA732-D911-4441-8BB6-9A033D513B4F}" srcOrd="1" destOrd="0" parTransId="{128787E6-1F89-41BB-AE63-DDA2587D0B09}" sibTransId="{6D3FE95D-9CCD-4D30-B4E9-67F3753E2190}"/>
+    <dgm:cxn modelId="{5222A968-0EB0-48FF-BD19-CB1548EE76C8}" type="presOf" srcId="{947910A5-2ED1-4C87-BFAA-8B99A303BD1F}" destId="{7168D3D5-2B09-431D-878B-B06101669814}" srcOrd="0" destOrd="0" presId="urn:microsoft.com/office/officeart/2005/8/layout/hierarchy1"/>
+    <dgm:cxn modelId="{675ECC0B-063C-4503-8E91-75F9B69062FE}" type="presOf" srcId="{233B99EF-287F-4C92-9520-E4BBE054E016}" destId="{F33758A1-CB7F-44AA-A713-E18CE72721EC}" srcOrd="0" destOrd="0" presId="urn:microsoft.com/office/officeart/2005/8/layout/hierarchy1"/>
+    <dgm:cxn modelId="{B2BF82D8-6360-4F3C-AFBB-84CBABD3DD7D}" srcId="{80E086D4-8AF4-4DC9-909A-89071C512D03}" destId="{D36087A7-4E1F-4A6F-AFF9-2AEB5850EEEC}" srcOrd="4" destOrd="0" parTransId="{233B99EF-287F-4C92-9520-E4BBE054E016}" sibTransId="{18907592-E2D1-44ED-9384-EABD278FA3DA}"/>
+    <dgm:cxn modelId="{6D6F20D0-A1DE-4541-AE67-816D4DB3072E}" type="presOf" srcId="{D36087A7-4E1F-4A6F-AFF9-2AEB5850EEEC}" destId="{E5FA4415-11F8-46A9-BCD0-38A4441708B1}" srcOrd="0" destOrd="0" presId="urn:microsoft.com/office/officeart/2005/8/layout/hierarchy1"/>
     <dgm:cxn modelId="{467A0FA4-F59A-4E46-AD63-491A6FC9F127}" srcId="{80E086D4-8AF4-4DC9-909A-89071C512D03}" destId="{942EEBBD-719A-4E60-81AB-5A163C490081}" srcOrd="0" destOrd="0" parTransId="{917088CC-E6AF-41D9-88BA-B79265D02F3A}" sibTransId="{A841CA5E-C02A-43A0-BA9C-682C3B736911}"/>
-    <dgm:cxn modelId="{37F067C4-8206-4491-BD50-BDEA50E0713F}" srcId="{942EEBBD-719A-4E60-81AB-5A163C490081}" destId="{947910A5-2ED1-4C87-BFAA-8B99A303BD1F}" srcOrd="0" destOrd="0" parTransId="{35558115-465D-4208-89F3-87B190F4D001}" sibTransId="{38934D6F-8DA7-490B-9F4A-ED28BCA50BC1}"/>
-    <dgm:cxn modelId="{6CAECE49-CEE1-4B97-921C-FFD3056F1F3A}" type="presOf" srcId="{E0EDAE46-9807-48AA-ACF0-25686B48C9C5}" destId="{297C92E2-4493-4EC3-882A-FD0B3FB176F8}" srcOrd="0" destOrd="0" presId="urn:microsoft.com/office/officeart/2005/8/layout/hierarchy1"/>
-    <dgm:cxn modelId="{1B8DAB53-8575-448C-8875-70A392068554}" type="presOf" srcId="{0BC006F6-64CC-4624-B17C-A0108656211F}" destId="{D8FF3A0A-A261-4C4E-A484-C5C553E85B04}" srcOrd="0" destOrd="0" presId="urn:microsoft.com/office/officeart/2005/8/layout/hierarchy1"/>
-    <dgm:cxn modelId="{5222A968-0EB0-48FF-BD19-CB1548EE76C8}" type="presOf" srcId="{947910A5-2ED1-4C87-BFAA-8B99A303BD1F}" destId="{7168D3D5-2B09-431D-878B-B06101669814}" srcOrd="0" destOrd="0" presId="urn:microsoft.com/office/officeart/2005/8/layout/hierarchy1"/>
+    <dgm:cxn modelId="{D71BEDF2-DD97-402C-9355-EB8B6DB23BCD}" type="presOf" srcId="{2E007763-D639-4EBA-A957-7222CABE5D20}" destId="{334B2A56-92C8-4EDF-A520-218111B4E723}" srcOrd="0" destOrd="0" presId="urn:microsoft.com/office/officeart/2005/8/layout/hierarchy1"/>
     <dgm:cxn modelId="{C5053E56-4E6E-4486-A838-094B45103BDC}" type="presOf" srcId="{D2B57D22-D67E-4F27-B031-1FAE99035A7F}" destId="{3A3095A9-FCAF-48F6-9D97-B7B4F990EC64}" srcOrd="0" destOrd="0" presId="urn:microsoft.com/office/officeart/2005/8/layout/hierarchy1"/>
-    <dgm:cxn modelId="{0793DEE5-643A-494B-8912-DB8F6903F703}" type="presOf" srcId="{917088CC-E6AF-41D9-88BA-B79265D02F3A}" destId="{32E4CE03-6BD6-4E23-9533-FE2C9E291D50}" srcOrd="0" destOrd="0" presId="urn:microsoft.com/office/officeart/2005/8/layout/hierarchy1"/>
-    <dgm:cxn modelId="{845A85FE-3BA4-4105-8491-B52AD897BCF5}" srcId="{80E086D4-8AF4-4DC9-909A-89071C512D03}" destId="{6D46922F-2638-4ABF-BC3D-7FEA9CCB81A6}" srcOrd="3" destOrd="0" parTransId="{0BC006F6-64CC-4624-B17C-A0108656211F}" sibTransId="{0D5E3624-BB25-4E41-B131-64A1EB5661B7}"/>
     <dgm:cxn modelId="{480C990F-26DF-49B4-B914-4054E48A8F52}" type="presOf" srcId="{8C4672CD-29D4-4CC0-A518-606805C5F8D2}" destId="{75B1F74C-4B03-4F82-A9DB-3A1C8E01F465}" srcOrd="0" destOrd="0" presId="urn:microsoft.com/office/officeart/2005/8/layout/hierarchy1"/>
+    <dgm:cxn modelId="{959D2F15-AA8A-469B-A6CD-EDC403FC15C8}" type="presOf" srcId="{80E086D4-8AF4-4DC9-909A-89071C512D03}" destId="{04A6D6E8-69FD-435E-B7F6-9EAADF162BAC}" srcOrd="0" destOrd="0" presId="urn:microsoft.com/office/officeart/2005/8/layout/hierarchy1"/>
     <dgm:cxn modelId="{2C2A4F0E-C62C-4FB6-A30D-F17FCAE3208B}" srcId="{25708C8C-5BBA-48C9-B94C-B97274156E17}" destId="{2E007763-D639-4EBA-A957-7222CABE5D20}" srcOrd="0" destOrd="0" parTransId="{3573CC21-A4CB-40A2-9B30-5EC573BECD25}" sibTransId="{DC53678F-9A1A-4E84-88DB-8ED90F1CE492}"/>
-    <dgm:cxn modelId="{D71BEDF2-DD97-402C-9355-EB8B6DB23BCD}" type="presOf" srcId="{2E007763-D639-4EBA-A957-7222CABE5D20}" destId="{334B2A56-92C8-4EDF-A520-218111B4E723}" srcOrd="0" destOrd="0" presId="urn:microsoft.com/office/officeart/2005/8/layout/hierarchy1"/>
-    <dgm:cxn modelId="{0D32DFB5-26B1-4E0A-94D9-E27342425B96}" type="presOf" srcId="{6D46922F-2638-4ABF-BC3D-7FEA9CCB81A6}" destId="{26FE4FE4-E44C-408F-A5EF-76D6BF6E55FC}" srcOrd="0" destOrd="0" presId="urn:microsoft.com/office/officeart/2005/8/layout/hierarchy1"/>
-    <dgm:cxn modelId="{4FF924F4-3636-4558-81B1-D1B16496A808}" type="presOf" srcId="{942EEBBD-719A-4E60-81AB-5A163C490081}" destId="{2105AE26-7298-401F-9558-35641F84D83F}" srcOrd="0" destOrd="0" presId="urn:microsoft.com/office/officeart/2005/8/layout/hierarchy1"/>
     <dgm:cxn modelId="{FAABF070-55F4-4AF3-9799-637DB7D54A94}" type="presParOf" srcId="{5B2CAF19-7785-40AE-9412-F3C8193F9964}" destId="{C4E1B831-E210-473F-A8F5-801FFCDAE190}" srcOrd="0" destOrd="0" presId="urn:microsoft.com/office/officeart/2005/8/layout/hierarchy1"/>
     <dgm:cxn modelId="{5A1A2C73-C47A-44A4-8F4D-26CAD4C30B53}" type="presParOf" srcId="{C4E1B831-E210-473F-A8F5-801FFCDAE190}" destId="{572B5933-66BB-4744-A617-993E382FBED9}" srcOrd="0" destOrd="0" presId="urn:microsoft.com/office/officeart/2005/8/layout/hierarchy1"/>
     <dgm:cxn modelId="{C1B7382A-70D9-4C6B-93D2-C6B5E7B25AE1}" type="presParOf" srcId="{572B5933-66BB-4744-A617-993E382FBED9}" destId="{C39A39C5-FBD0-45D5-9C17-2E3903270AE1}" srcOrd="0" destOrd="0" presId="urn:microsoft.com/office/officeart/2005/8/layout/hierarchy1"/>
@@ -5831,7 +5836,7 @@
             <a:fld id="{B61BEF0D-F0BB-DE4B-95CE-6DB70DBA9567}" type="datetimeFigureOut">
               <a:rPr lang="en-US" dirty="0"/>
               <a:pPr/>
-              <a:t>5/9/2018</a:t>
+              <a:t>6/20/2018</a:t>
             </a:fld>
             <a:endParaRPr lang="en-US" dirty="0"/>
           </a:p>
@@ -6079,7 +6084,7 @@
             <a:fld id="{B61BEF0D-F0BB-DE4B-95CE-6DB70DBA9567}" type="datetimeFigureOut">
               <a:rPr lang="en-US" dirty="0"/>
               <a:pPr/>
-              <a:t>5/9/2018</a:t>
+              <a:t>6/20/2018</a:t>
             </a:fld>
             <a:endParaRPr lang="en-US" dirty="0"/>
           </a:p>
@@ -6390,7 +6395,7 @@
             <a:fld id="{B61BEF0D-F0BB-DE4B-95CE-6DB70DBA9567}" type="datetimeFigureOut">
               <a:rPr lang="en-US" dirty="0"/>
               <a:pPr/>
-              <a:t>5/9/2018</a:t>
+              <a:t>6/20/2018</a:t>
             </a:fld>
             <a:endParaRPr lang="en-US" dirty="0"/>
           </a:p>
@@ -6728,7 +6733,7 @@
             <a:fld id="{B61BEF0D-F0BB-DE4B-95CE-6DB70DBA9567}" type="datetimeFigureOut">
               <a:rPr lang="en-US" dirty="0"/>
               <a:pPr/>
-              <a:t>5/9/2018</a:t>
+              <a:t>6/20/2018</a:t>
             </a:fld>
             <a:endParaRPr lang="en-US" dirty="0"/>
           </a:p>
@@ -7039,7 +7044,7 @@
             <a:fld id="{B61BEF0D-F0BB-DE4B-95CE-6DB70DBA9567}" type="datetimeFigureOut">
               <a:rPr lang="en-US" dirty="0"/>
               <a:pPr/>
-              <a:t>5/9/2018</a:t>
+              <a:t>6/20/2018</a:t>
             </a:fld>
             <a:endParaRPr lang="en-US" dirty="0"/>
           </a:p>
@@ -7429,7 +7434,7 @@
             <a:fld id="{B61BEF0D-F0BB-DE4B-95CE-6DB70DBA9567}" type="datetimeFigureOut">
               <a:rPr lang="en-US" dirty="0"/>
               <a:pPr/>
-              <a:t>5/9/2018</a:t>
+              <a:t>6/20/2018</a:t>
             </a:fld>
             <a:endParaRPr lang="en-US" dirty="0"/>
           </a:p>
@@ -7595,7 +7600,7 @@
           <a:p>
             <a:fld id="{55C6B4A9-1611-4792-9094-5F34BCA07E0B}" type="datetimeFigureOut">
               <a:rPr lang="en-US" dirty="0"/>
-              <a:t>5/9/2018</a:t>
+              <a:t>6/20/2018</a:t>
             </a:fld>
             <a:endParaRPr lang="en-US" dirty="0"/>
           </a:p>
@@ -7771,7 +7776,7 @@
             <a:fld id="{B61BEF0D-F0BB-DE4B-95CE-6DB70DBA9567}" type="datetimeFigureOut">
               <a:rPr lang="en-US" dirty="0"/>
               <a:pPr/>
-              <a:t>5/9/2018</a:t>
+              <a:t>6/20/2018</a:t>
             </a:fld>
             <a:endParaRPr lang="en-US" dirty="0"/>
           </a:p>
@@ -7944,7 +7949,7 @@
             <a:fld id="{B61BEF0D-F0BB-DE4B-95CE-6DB70DBA9567}" type="datetimeFigureOut">
               <a:rPr lang="en-US" dirty="0"/>
               <a:pPr/>
-              <a:t>5/9/2018</a:t>
+              <a:t>6/20/2018</a:t>
             </a:fld>
             <a:endParaRPr lang="en-US" dirty="0"/>
           </a:p>
@@ -8188,7 +8193,7 @@
             <a:fld id="{B61BEF0D-F0BB-DE4B-95CE-6DB70DBA9567}" type="datetimeFigureOut">
               <a:rPr lang="en-US" dirty="0"/>
               <a:pPr/>
-              <a:t>5/9/2018</a:t>
+              <a:t>6/20/2018</a:t>
             </a:fld>
             <a:endParaRPr lang="en-US" dirty="0"/>
           </a:p>
@@ -8416,7 +8421,7 @@
           <a:p>
             <a:fld id="{EB712588-04B1-427B-82EE-E8DB90309F08}" type="datetimeFigureOut">
               <a:rPr lang="en-US" dirty="0"/>
-              <a:t>5/9/2018</a:t>
+              <a:t>6/20/2018</a:t>
             </a:fld>
             <a:endParaRPr lang="en-US" dirty="0"/>
           </a:p>
@@ -8786,7 +8791,7 @@
             <a:fld id="{B61BEF0D-F0BB-DE4B-95CE-6DB70DBA9567}" type="datetimeFigureOut">
               <a:rPr lang="en-US" dirty="0"/>
               <a:pPr/>
-              <a:t>5/9/2018</a:t>
+              <a:t>6/20/2018</a:t>
             </a:fld>
             <a:endParaRPr lang="en-US" dirty="0"/>
           </a:p>
@@ -8906,7 +8911,7 @@
             <a:fld id="{B61BEF0D-F0BB-DE4B-95CE-6DB70DBA9567}" type="datetimeFigureOut">
               <a:rPr lang="en-US" dirty="0"/>
               <a:pPr/>
-              <a:t>5/9/2018</a:t>
+              <a:t>6/20/2018</a:t>
             </a:fld>
             <a:endParaRPr lang="en-US" dirty="0"/>
           </a:p>
@@ -8998,7 +9003,7 @@
             <a:fld id="{B61BEF0D-F0BB-DE4B-95CE-6DB70DBA9567}" type="datetimeFigureOut">
               <a:rPr lang="en-US" dirty="0"/>
               <a:pPr/>
-              <a:t>5/9/2018</a:t>
+              <a:t>6/20/2018</a:t>
             </a:fld>
             <a:endParaRPr lang="en-US" dirty="0"/>
           </a:p>
@@ -9249,7 +9254,7 @@
           <a:p>
             <a:fld id="{42A54C80-263E-416B-A8E0-580EDEADCBDC}" type="datetimeFigureOut">
               <a:rPr lang="en-US" dirty="0"/>
-              <a:t>5/9/2018</a:t>
+              <a:t>6/20/2018</a:t>
             </a:fld>
             <a:endParaRPr lang="en-US" dirty="0"/>
           </a:p>
@@ -9508,7 +9513,7 @@
             <a:fld id="{B61BEF0D-F0BB-DE4B-95CE-6DB70DBA9567}" type="datetimeFigureOut">
               <a:rPr lang="en-US" dirty="0"/>
               <a:pPr/>
-              <a:t>5/9/2018</a:t>
+              <a:t>6/20/2018</a:t>
             </a:fld>
             <a:endParaRPr lang="en-US" dirty="0"/>
           </a:p>
@@ -10248,7 +10253,7 @@
             <a:fld id="{B61BEF0D-F0BB-DE4B-95CE-6DB70DBA9567}" type="datetimeFigureOut">
               <a:rPr lang="en-US" dirty="0"/>
               <a:pPr/>
-              <a:t>5/9/2018</a:t>
+              <a:t>6/20/2018</a:t>
             </a:fld>
             <a:endParaRPr lang="en-US" dirty="0"/>
           </a:p>
@@ -10935,6 +10940,297 @@
 </p:sld>
 </file>
 
+<file path=ppt/slides/slide10.xml><?xml version="1.0" encoding="utf-8"?>
+<p:sld xmlns:a="http://schemas.openxmlformats.org/drawingml/2006/main" xmlns:r="http://schemas.openxmlformats.org/officeDocument/2006/relationships" xmlns:p="http://schemas.openxmlformats.org/presentationml/2006/main">
+  <p:cSld>
+    <p:spTree>
+      <p:nvGrpSpPr>
+        <p:cNvPr id="1" name=""/>
+        <p:cNvGrpSpPr/>
+        <p:nvPr/>
+      </p:nvGrpSpPr>
+      <p:grpSpPr>
+        <a:xfrm>
+          <a:off x="0" y="0"/>
+          <a:ext cx="0" cy="0"/>
+          <a:chOff x="0" y="0"/>
+          <a:chExt cx="0" cy="0"/>
+        </a:xfrm>
+      </p:grpSpPr>
+      <p:sp>
+        <p:nvSpPr>
+          <p:cNvPr id="2" name="標題 1"/>
+          <p:cNvSpPr>
+            <a:spLocks noGrp="1"/>
+          </p:cNvSpPr>
+          <p:nvPr>
+            <p:ph type="title"/>
+          </p:nvPr>
+        </p:nvSpPr>
+        <p:spPr/>
+        <p:txBody>
+          <a:bodyPr>
+            <a:normAutofit/>
+          </a:bodyPr>
+          <a:lstStyle/>
+          <a:p>
+            <a:pPr algn="ctr"/>
+            <a:r>
+              <a:rPr lang="zh-TW" altLang="en-US" sz="5400" b="1" dirty="0" smtClean="0"/>
+              <a:t>特色</a:t>
+            </a:r>
+            <a:endParaRPr lang="zh-TW" altLang="en-US" sz="5400" b="1" dirty="0"/>
+          </a:p>
+        </p:txBody>
+      </p:sp>
+      <p:sp>
+        <p:nvSpPr>
+          <p:cNvPr id="3" name="內容版面配置區 2"/>
+          <p:cNvSpPr>
+            <a:spLocks noGrp="1"/>
+          </p:cNvSpPr>
+          <p:nvPr>
+            <p:ph idx="1"/>
+          </p:nvPr>
+        </p:nvSpPr>
+        <p:spPr>
+          <a:xfrm>
+            <a:off x="1067859" y="2170114"/>
+            <a:ext cx="8596668" cy="3880773"/>
+          </a:xfrm>
+        </p:spPr>
+        <p:txBody>
+          <a:bodyPr/>
+          <a:lstStyle/>
+          <a:p>
+            <a:pPr>
+              <a:lnSpc>
+                <a:spcPct val="150000"/>
+              </a:lnSpc>
+            </a:pPr>
+            <a:r>
+              <a:rPr lang="en-US" altLang="zh-TW" sz="2800" dirty="0" smtClean="0"/>
+              <a:t>1.</a:t>
+            </a:r>
+            <a:r>
+              <a:rPr lang="zh-TW" altLang="en-US" sz="2800" dirty="0" smtClean="0"/>
+              <a:t>衣櫃系統以類似紙娃娃的方式，自我搭配。</a:t>
+            </a:r>
+            <a:endParaRPr lang="en-US" altLang="zh-TW" sz="2800" dirty="0" smtClean="0"/>
+          </a:p>
+          <a:p>
+            <a:pPr>
+              <a:lnSpc>
+                <a:spcPct val="150000"/>
+              </a:lnSpc>
+            </a:pPr>
+            <a:r>
+              <a:rPr lang="en-US" altLang="zh-TW" sz="2800" dirty="0" smtClean="0"/>
+              <a:t>2.</a:t>
+            </a:r>
+            <a:r>
+              <a:rPr lang="zh-TW" altLang="en-US" sz="2800" dirty="0" smtClean="0"/>
+              <a:t>連結至其他網站、影音</a:t>
+            </a:r>
+            <a:r>
+              <a:rPr lang="zh-TW" altLang="en-US" sz="2800" dirty="0"/>
+              <a:t>提供穿搭</a:t>
+            </a:r>
+            <a:r>
+              <a:rPr lang="zh-TW" altLang="en-US" sz="2800" dirty="0" smtClean="0"/>
+              <a:t>參考。</a:t>
+            </a:r>
+            <a:endParaRPr lang="en-US" altLang="zh-TW" sz="2800" dirty="0" smtClean="0"/>
+          </a:p>
+          <a:p>
+            <a:pPr>
+              <a:lnSpc>
+                <a:spcPct val="150000"/>
+              </a:lnSpc>
+            </a:pPr>
+            <a:r>
+              <a:rPr lang="en-US" altLang="zh-TW" sz="2800" dirty="0" smtClean="0"/>
+              <a:t>3.</a:t>
+            </a:r>
+            <a:r>
+              <a:rPr lang="zh-TW" altLang="en-US" sz="2800" dirty="0" smtClean="0"/>
+              <a:t>匯集其他品牌衣著介紹。</a:t>
+            </a:r>
+            <a:endParaRPr lang="en-US" altLang="zh-TW" sz="2800" dirty="0" smtClean="0"/>
+          </a:p>
+          <a:p>
+            <a:endParaRPr lang="zh-TW" altLang="en-US" dirty="0"/>
+          </a:p>
+        </p:txBody>
+      </p:sp>
+    </p:spTree>
+    <p:extLst>
+      <p:ext uri="{BB962C8B-B14F-4D97-AF65-F5344CB8AC3E}">
+        <p14:creationId xmlns:p14="http://schemas.microsoft.com/office/powerpoint/2010/main" val="3738001807"/>
+      </p:ext>
+    </p:extLst>
+  </p:cSld>
+  <p:clrMapOvr>
+    <a:masterClrMapping/>
+  </p:clrMapOvr>
+</p:sld>
+</file>
+
+<file path=ppt/slides/slide11.xml><?xml version="1.0" encoding="utf-8"?>
+<p:sld xmlns:a="http://schemas.openxmlformats.org/drawingml/2006/main" xmlns:r="http://schemas.openxmlformats.org/officeDocument/2006/relationships" xmlns:p="http://schemas.openxmlformats.org/presentationml/2006/main">
+  <p:cSld>
+    <p:spTree>
+      <p:nvGrpSpPr>
+        <p:cNvPr id="1" name=""/>
+        <p:cNvGrpSpPr/>
+        <p:nvPr/>
+      </p:nvGrpSpPr>
+      <p:grpSpPr>
+        <a:xfrm>
+          <a:off x="0" y="0"/>
+          <a:ext cx="0" cy="0"/>
+          <a:chOff x="0" y="0"/>
+          <a:chExt cx="0" cy="0"/>
+        </a:xfrm>
+      </p:grpSpPr>
+      <p:sp>
+        <p:nvSpPr>
+          <p:cNvPr id="2" name="標題 1"/>
+          <p:cNvSpPr>
+            <a:spLocks noGrp="1"/>
+          </p:cNvSpPr>
+          <p:nvPr>
+            <p:ph type="title"/>
+          </p:nvPr>
+        </p:nvSpPr>
+        <p:spPr/>
+        <p:txBody>
+          <a:bodyPr>
+            <a:normAutofit/>
+          </a:bodyPr>
+          <a:lstStyle/>
+          <a:p>
+            <a:pPr algn="ctr"/>
+            <a:r>
+              <a:rPr lang="zh-TW" altLang="en-US" sz="4400" b="1" dirty="0" smtClean="0"/>
+              <a:t>使用技術</a:t>
+            </a:r>
+            <a:endParaRPr lang="zh-TW" altLang="en-US" sz="4400" b="1" dirty="0"/>
+          </a:p>
+        </p:txBody>
+      </p:sp>
+      <p:sp>
+        <p:nvSpPr>
+          <p:cNvPr id="3" name="內容版面配置區 2"/>
+          <p:cNvSpPr>
+            <a:spLocks noGrp="1"/>
+          </p:cNvSpPr>
+          <p:nvPr>
+            <p:ph idx="1"/>
+          </p:nvPr>
+        </p:nvSpPr>
+        <p:spPr>
+          <a:xfrm>
+            <a:off x="1029759" y="2103439"/>
+            <a:ext cx="8596668" cy="3880773"/>
+          </a:xfrm>
+        </p:spPr>
+        <p:txBody>
+          <a:bodyPr/>
+          <a:lstStyle/>
+          <a:p>
+            <a:pPr>
+              <a:lnSpc>
+                <a:spcPct val="150000"/>
+              </a:lnSpc>
+            </a:pPr>
+            <a:r>
+              <a:rPr lang="zh-TW" altLang="en-US" sz="3200" dirty="0" smtClean="0"/>
+              <a:t>美工</a:t>
+            </a:r>
+            <a:r>
+              <a:rPr lang="zh-TW" altLang="en-US" sz="3200" dirty="0"/>
+              <a:t>：</a:t>
+            </a:r>
+            <a:r>
+              <a:rPr lang="en-US" altLang="zh-TW" sz="3200" dirty="0" smtClean="0"/>
+              <a:t>CSS</a:t>
+            </a:r>
+            <a:endParaRPr lang="en-US" altLang="zh-TW" sz="3200" dirty="0"/>
+          </a:p>
+          <a:p>
+            <a:pPr>
+              <a:lnSpc>
+                <a:spcPct val="150000"/>
+              </a:lnSpc>
+            </a:pPr>
+            <a:r>
+              <a:rPr lang="zh-TW" altLang="en-US" sz="3200" dirty="0" smtClean="0"/>
+              <a:t>架構</a:t>
+            </a:r>
+            <a:r>
+              <a:rPr lang="zh-TW" altLang="en-US" sz="3200" dirty="0"/>
+              <a:t>：</a:t>
+            </a:r>
+            <a:r>
+              <a:rPr lang="en-US" altLang="zh-TW" sz="3200" dirty="0" smtClean="0"/>
+              <a:t>HTML5</a:t>
+            </a:r>
+            <a:r>
+              <a:rPr lang="zh-TW" altLang="en-US" sz="3200" dirty="0" smtClean="0"/>
+              <a:t>、</a:t>
+            </a:r>
+            <a:r>
+              <a:rPr lang="en-US" altLang="zh-TW" sz="3200" dirty="0" smtClean="0"/>
+              <a:t>JavaScript</a:t>
+            </a:r>
+          </a:p>
+          <a:p>
+            <a:pPr>
+              <a:lnSpc>
+                <a:spcPct val="150000"/>
+              </a:lnSpc>
+            </a:pPr>
+            <a:r>
+              <a:rPr lang="zh-TW" altLang="en-US" sz="3200" dirty="0" smtClean="0"/>
+              <a:t>其他連結：</a:t>
+            </a:r>
+            <a:r>
+              <a:rPr lang="en-US" altLang="zh-TW" sz="3200" dirty="0" smtClean="0"/>
+              <a:t>YouTube</a:t>
+            </a:r>
+            <a:r>
+              <a:rPr lang="zh-TW" altLang="en-US" sz="3200" dirty="0" smtClean="0"/>
+              <a:t>、</a:t>
+            </a:r>
+            <a:r>
+              <a:rPr lang="en-US" altLang="zh-TW" sz="3200" dirty="0"/>
+              <a:t>Google </a:t>
+            </a:r>
+            <a:r>
+              <a:rPr lang="en-US" altLang="zh-TW" sz="3200" dirty="0" smtClean="0"/>
+              <a:t>Search</a:t>
+            </a:r>
+            <a:endParaRPr lang="en-US" altLang="zh-TW" sz="3200" dirty="0"/>
+          </a:p>
+          <a:p>
+            <a:endParaRPr lang="zh-TW" altLang="en-US" dirty="0"/>
+          </a:p>
+        </p:txBody>
+      </p:sp>
+    </p:spTree>
+    <p:extLst>
+      <p:ext uri="{BB962C8B-B14F-4D97-AF65-F5344CB8AC3E}">
+        <p14:creationId xmlns:p14="http://schemas.microsoft.com/office/powerpoint/2010/main" val="4185133950"/>
+      </p:ext>
+    </p:extLst>
+  </p:cSld>
+  <p:clrMapOvr>
+    <a:masterClrMapping/>
+  </p:clrMapOvr>
+</p:sld>
+</file>
+
 <file path=ppt/slides/slide2.xml><?xml version="1.0" encoding="utf-8"?>
 <p:sld xmlns:a="http://schemas.openxmlformats.org/drawingml/2006/main" xmlns:r="http://schemas.openxmlformats.org/officeDocument/2006/relationships" xmlns:p="http://schemas.openxmlformats.org/presentationml/2006/main">
   <p:cSld>
@@ -11165,7 +11461,6 @@
               <a:rPr lang="zh-TW" altLang="en-US" sz="4400" b="1" dirty="0"/>
               <a:t>分頁說明</a:t>
             </a:r>
-            <a:endParaRPr lang="zh-TW" altLang="en-US" sz="4400" b="1" dirty="0"/>
           </a:p>
         </p:txBody>
       </p:sp>
@@ -11187,7 +11482,7 @@
         </p:spPr>
         <p:txBody>
           <a:bodyPr>
-            <a:normAutofit lnSpcReduction="10000"/>
+            <a:normAutofit fontScale="85000" lnSpcReduction="10000"/>
           </a:bodyPr>
           <a:lstStyle/>
           <a:p>
@@ -11246,7 +11541,11 @@
             </a:pPr>
             <a:r>
               <a:rPr lang="zh-TW" altLang="en-US" sz="2400" dirty="0" smtClean="0"/>
-              <a:t>品牌連結：連結時尚品牌網路商店</a:t>
+              <a:t>品牌連結：連結時尚品牌網路</a:t>
+            </a:r>
+            <a:r>
+              <a:rPr lang="zh-TW" altLang="en-US" sz="2400" dirty="0" smtClean="0"/>
+              <a:t>商店</a:t>
             </a:r>
             <a:endParaRPr lang="en-US" altLang="zh-TW" sz="2400" dirty="0" smtClean="0"/>
           </a:p>
@@ -11257,10 +11556,13 @@
               </a:lnSpc>
             </a:pPr>
             <a:r>
-              <a:rPr lang="zh-TW" altLang="en-US" sz="2400" dirty="0" smtClean="0"/>
-              <a:t>作者介紹：我們的介紹</a:t>
-            </a:r>
-            <a:endParaRPr lang="en-US" altLang="zh-TW" sz="2400" dirty="0" smtClean="0"/>
+              <a:rPr lang="zh-TW" altLang="en-US" sz="2400" dirty="0"/>
+              <a:t>網站介紹</a:t>
+            </a:r>
+            <a:r>
+              <a:rPr lang="en-US" altLang="zh-TW" sz="2400" dirty="0" smtClean="0"/>
+              <a:t>:</a:t>
+            </a:r>
           </a:p>
           <a:p>
             <a:pPr>
@@ -11270,7 +11572,23 @@
             </a:pPr>
             <a:r>
               <a:rPr lang="zh-TW" altLang="en-US" sz="2400" dirty="0" smtClean="0"/>
-              <a:t>參考資料</a:t>
+              <a:t>作者介紹：我們的介紹</a:t>
+            </a:r>
+            <a:endParaRPr lang="en-US" altLang="zh-TW" sz="2400" dirty="0" smtClean="0"/>
+          </a:p>
+          <a:p>
+            <a:pPr>
+              <a:lnSpc>
+                <a:spcPct val="150000"/>
+              </a:lnSpc>
+            </a:pPr>
+            <a:r>
+              <a:rPr lang="zh-TW" altLang="en-US" sz="2400" dirty="0" smtClean="0"/>
+              <a:t>參考</a:t>
+            </a:r>
+            <a:r>
+              <a:rPr lang="zh-TW" altLang="en-US" sz="2400" dirty="0" smtClean="0"/>
+              <a:t>資料</a:t>
             </a:r>
             <a:endParaRPr lang="zh-TW" altLang="en-US" sz="2400" dirty="0"/>
           </a:p>
@@ -11321,104 +11639,51 @@
         </p:nvSpPr>
         <p:spPr/>
         <p:txBody>
-          <a:bodyPr>
-            <a:normAutofit/>
-          </a:bodyPr>
+          <a:bodyPr/>
           <a:lstStyle/>
           <a:p>
             <a:pPr algn="ctr"/>
             <a:r>
-              <a:rPr lang="zh-TW" altLang="en-US" sz="5400" b="1" dirty="0" smtClean="0"/>
-              <a:t>特色</a:t>
-            </a:r>
-            <a:endParaRPr lang="zh-TW" altLang="en-US" sz="5400" b="1" dirty="0"/>
+              <a:rPr lang="zh-TW" altLang="en-US" dirty="0" smtClean="0"/>
+              <a:t>功能選擇</a:t>
+            </a:r>
+            <a:endParaRPr lang="zh-TW" altLang="en-US" dirty="0"/>
           </a:p>
         </p:txBody>
       </p:sp>
-      <p:sp>
-        <p:nvSpPr>
-          <p:cNvPr id="3" name="內容版面配置區 2"/>
-          <p:cNvSpPr>
-            <a:spLocks noGrp="1"/>
-          </p:cNvSpPr>
+      <p:pic>
+        <p:nvPicPr>
+          <p:cNvPr id="4" name="內容版面配置區 3"/>
+          <p:cNvPicPr>
+            <a:picLocks noGrp="1" noChangeAspect="1"/>
+          </p:cNvPicPr>
           <p:nvPr>
             <p:ph idx="1"/>
           </p:nvPr>
-        </p:nvSpPr>
+        </p:nvPicPr>
+        <p:blipFill>
+          <a:blip r:embed="rId2">
+            <a:extLst>
+              <a:ext uri="{28A0092B-C50C-407E-A947-70E740481C1C}">
+                <a14:useLocalDpi xmlns:a14="http://schemas.microsoft.com/office/drawing/2010/main" val="0"/>
+              </a:ext>
+            </a:extLst>
+          </a:blip>
+          <a:stretch>
+            <a:fillRect/>
+          </a:stretch>
+        </p:blipFill>
         <p:spPr>
           <a:xfrm>
-            <a:off x="1067859" y="2170114"/>
-            <a:ext cx="8596668" cy="3880773"/>
+            <a:off x="1011024" y="1853967"/>
+            <a:ext cx="7246846" cy="4230003"/>
           </a:xfrm>
         </p:spPr>
-        <p:txBody>
-          <a:bodyPr/>
-          <a:lstStyle/>
-          <a:p>
-            <a:pPr>
-              <a:lnSpc>
-                <a:spcPct val="150000"/>
-              </a:lnSpc>
-            </a:pPr>
-            <a:r>
-              <a:rPr lang="en-US" altLang="zh-TW" sz="2800" dirty="0" smtClean="0"/>
-              <a:t>1.</a:t>
-            </a:r>
-            <a:r>
-              <a:rPr lang="zh-TW" altLang="en-US" sz="2800" dirty="0" smtClean="0"/>
-              <a:t>衣櫃系統以類似紙娃娃的方式，自我搭配。</a:t>
-            </a:r>
-            <a:endParaRPr lang="en-US" altLang="zh-TW" sz="2800" dirty="0" smtClean="0"/>
-          </a:p>
-          <a:p>
-            <a:pPr>
-              <a:lnSpc>
-                <a:spcPct val="150000"/>
-              </a:lnSpc>
-            </a:pPr>
-            <a:r>
-              <a:rPr lang="en-US" altLang="zh-TW" sz="2800" dirty="0" smtClean="0"/>
-              <a:t>2.</a:t>
-            </a:r>
-            <a:r>
-              <a:rPr lang="zh-TW" altLang="en-US" sz="2800" dirty="0" smtClean="0"/>
-              <a:t>連結至其他網站、影音</a:t>
-            </a:r>
-            <a:r>
-              <a:rPr lang="zh-TW" altLang="en-US" sz="2800" dirty="0"/>
-              <a:t>提供穿搭</a:t>
-            </a:r>
-            <a:r>
-              <a:rPr lang="zh-TW" altLang="en-US" sz="2800" dirty="0" smtClean="0"/>
-              <a:t>參考。</a:t>
-            </a:r>
-            <a:endParaRPr lang="en-US" altLang="zh-TW" sz="2800" dirty="0" smtClean="0"/>
-          </a:p>
-          <a:p>
-            <a:pPr>
-              <a:lnSpc>
-                <a:spcPct val="150000"/>
-              </a:lnSpc>
-            </a:pPr>
-            <a:r>
-              <a:rPr lang="en-US" altLang="zh-TW" sz="2800" dirty="0" smtClean="0"/>
-              <a:t>3.</a:t>
-            </a:r>
-            <a:r>
-              <a:rPr lang="zh-TW" altLang="en-US" sz="2800" dirty="0" smtClean="0"/>
-              <a:t>匯集其他品牌衣著介紹。</a:t>
-            </a:r>
-            <a:endParaRPr lang="en-US" altLang="zh-TW" sz="2800" dirty="0" smtClean="0"/>
-          </a:p>
-          <a:p>
-            <a:endParaRPr lang="zh-TW" altLang="en-US" dirty="0"/>
-          </a:p>
-        </p:txBody>
-      </p:sp>
+      </p:pic>
     </p:spTree>
     <p:extLst>
       <p:ext uri="{BB962C8B-B14F-4D97-AF65-F5344CB8AC3E}">
-        <p14:creationId xmlns:p14="http://schemas.microsoft.com/office/powerpoint/2010/main" val="3738001807"/>
+        <p14:creationId xmlns:p14="http://schemas.microsoft.com/office/powerpoint/2010/main" val="653688782"/>
       </p:ext>
     </p:extLst>
   </p:cSld>
@@ -11457,123 +11722,510 @@
         </p:nvSpPr>
         <p:spPr/>
         <p:txBody>
-          <a:bodyPr>
-            <a:normAutofit/>
-          </a:bodyPr>
+          <a:bodyPr/>
           <a:lstStyle/>
           <a:p>
             <a:pPr algn="ctr"/>
             <a:r>
-              <a:rPr lang="zh-TW" altLang="en-US" sz="4400" b="1" dirty="0" smtClean="0"/>
-              <a:t>使用技術</a:t>
-            </a:r>
-            <a:endParaRPr lang="zh-TW" altLang="en-US" sz="4400" b="1" dirty="0"/>
+              <a:rPr lang="zh-TW" altLang="en-US" dirty="0" smtClean="0"/>
+              <a:t>男女衣櫃</a:t>
+            </a:r>
+            <a:endParaRPr lang="zh-TW" altLang="en-US" dirty="0"/>
+          </a:p>
+        </p:txBody>
+      </p:sp>
+      <p:pic>
+        <p:nvPicPr>
+          <p:cNvPr id="4" name="內容版面配置區 3"/>
+          <p:cNvPicPr>
+            <a:picLocks noGrp="1" noChangeAspect="1"/>
+          </p:cNvPicPr>
+          <p:nvPr>
+            <p:ph idx="1"/>
+          </p:nvPr>
+        </p:nvPicPr>
+        <p:blipFill>
+          <a:blip r:embed="rId2">
+            <a:extLst>
+              <a:ext uri="{28A0092B-C50C-407E-A947-70E740481C1C}">
+                <a14:useLocalDpi xmlns:a14="http://schemas.microsoft.com/office/drawing/2010/main" val="0"/>
+              </a:ext>
+            </a:extLst>
+          </a:blip>
+          <a:stretch>
+            <a:fillRect/>
+          </a:stretch>
+        </p:blipFill>
+        <p:spPr>
+          <a:xfrm>
+            <a:off x="206159" y="1421934"/>
+            <a:ext cx="5691302" cy="4362275"/>
+          </a:xfrm>
+        </p:spPr>
+      </p:pic>
+      <p:pic>
+        <p:nvPicPr>
+          <p:cNvPr id="5" name="圖片 4"/>
+          <p:cNvPicPr>
+            <a:picLocks noChangeAspect="1"/>
+          </p:cNvPicPr>
+          <p:nvPr/>
+        </p:nvPicPr>
+        <p:blipFill>
+          <a:blip r:embed="rId3">
+            <a:extLst>
+              <a:ext uri="{28A0092B-C50C-407E-A947-70E740481C1C}">
+                <a14:useLocalDpi xmlns:a14="http://schemas.microsoft.com/office/drawing/2010/main" val="0"/>
+              </a:ext>
+            </a:extLst>
+          </a:blip>
+          <a:stretch>
+            <a:fillRect/>
+          </a:stretch>
+        </p:blipFill>
+        <p:spPr>
+          <a:xfrm>
+            <a:off x="6271938" y="1325461"/>
+            <a:ext cx="5685170" cy="4626528"/>
+          </a:xfrm>
+          <a:prstGeom prst="rect">
+            <a:avLst/>
+          </a:prstGeom>
+        </p:spPr>
+      </p:pic>
+    </p:spTree>
+    <p:extLst>
+      <p:ext uri="{BB962C8B-B14F-4D97-AF65-F5344CB8AC3E}">
+        <p14:creationId xmlns:p14="http://schemas.microsoft.com/office/powerpoint/2010/main" val="2460846978"/>
+      </p:ext>
+    </p:extLst>
+  </p:cSld>
+  <p:clrMapOvr>
+    <a:masterClrMapping/>
+  </p:clrMapOvr>
+</p:sld>
+</file>
+
+<file path=ppt/slides/slide7.xml><?xml version="1.0" encoding="utf-8"?>
+<p:sld xmlns:a="http://schemas.openxmlformats.org/drawingml/2006/main" xmlns:r="http://schemas.openxmlformats.org/officeDocument/2006/relationships" xmlns:p="http://schemas.openxmlformats.org/presentationml/2006/main">
+  <p:cSld>
+    <p:spTree>
+      <p:nvGrpSpPr>
+        <p:cNvPr id="1" name=""/>
+        <p:cNvGrpSpPr/>
+        <p:nvPr/>
+      </p:nvGrpSpPr>
+      <p:grpSpPr>
+        <a:xfrm>
+          <a:off x="0" y="0"/>
+          <a:ext cx="0" cy="0"/>
+          <a:chOff x="0" y="0"/>
+          <a:chExt cx="0" cy="0"/>
+        </a:xfrm>
+      </p:grpSpPr>
+      <p:sp>
+        <p:nvSpPr>
+          <p:cNvPr id="2" name="標題 1"/>
+          <p:cNvSpPr>
+            <a:spLocks noGrp="1"/>
+          </p:cNvSpPr>
+          <p:nvPr>
+            <p:ph type="title"/>
+          </p:nvPr>
+        </p:nvSpPr>
+        <p:spPr/>
+        <p:txBody>
+          <a:bodyPr/>
+          <a:lstStyle/>
+          <a:p>
+            <a:pPr algn="ctr"/>
+            <a:r>
+              <a:rPr lang="zh-TW" altLang="en-US" dirty="0"/>
+              <a:t>男女</a:t>
+            </a:r>
+            <a:r>
+              <a:rPr lang="zh-TW" altLang="en-US" dirty="0" smtClean="0"/>
+              <a:t>衣櫃詳細作法</a:t>
+            </a:r>
+            <a:endParaRPr lang="zh-TW" altLang="en-US" dirty="0"/>
+          </a:p>
+        </p:txBody>
+      </p:sp>
+      <p:pic>
+        <p:nvPicPr>
+          <p:cNvPr id="4" name="內容版面配置區 3"/>
+          <p:cNvPicPr>
+            <a:picLocks noGrp="1" noChangeAspect="1"/>
+          </p:cNvPicPr>
+          <p:nvPr>
+            <p:ph idx="1"/>
+          </p:nvPr>
+        </p:nvPicPr>
+        <p:blipFill>
+          <a:blip r:embed="rId2">
+            <a:extLst>
+              <a:ext uri="{28A0092B-C50C-407E-A947-70E740481C1C}">
+                <a14:useLocalDpi xmlns:a14="http://schemas.microsoft.com/office/drawing/2010/main" val="0"/>
+              </a:ext>
+            </a:extLst>
+          </a:blip>
+          <a:stretch>
+            <a:fillRect/>
+          </a:stretch>
+        </p:blipFill>
+        <p:spPr>
+          <a:xfrm>
+            <a:off x="766847" y="2177366"/>
+            <a:ext cx="5482195" cy="3881437"/>
+          </a:xfrm>
+        </p:spPr>
+      </p:pic>
+      <p:sp>
+        <p:nvSpPr>
+          <p:cNvPr id="7" name="直線圖說文字 1 6"/>
+          <p:cNvSpPr/>
+          <p:nvPr/>
+        </p:nvSpPr>
+        <p:spPr>
+          <a:xfrm>
+            <a:off x="5931017" y="1900107"/>
+            <a:ext cx="3028425" cy="696286"/>
+          </a:xfrm>
+          <a:prstGeom prst="borderCallout1">
+            <a:avLst/>
+          </a:prstGeom>
+          <a:solidFill>
+            <a:schemeClr val="accent2">
+              <a:lumMod val="40000"/>
+              <a:lumOff val="60000"/>
+            </a:schemeClr>
+          </a:solidFill>
+        </p:spPr>
+        <p:style>
+          <a:lnRef idx="2">
+            <a:schemeClr val="accent1">
+              <a:shade val="50000"/>
+            </a:schemeClr>
+          </a:lnRef>
+          <a:fillRef idx="1">
+            <a:schemeClr val="accent1"/>
+          </a:fillRef>
+          <a:effectRef idx="0">
+            <a:schemeClr val="accent1"/>
+          </a:effectRef>
+          <a:fontRef idx="minor">
+            <a:schemeClr val="lt1"/>
+          </a:fontRef>
+        </p:style>
+        <p:txBody>
+          <a:bodyPr rtlCol="0" anchor="ctr"/>
+          <a:lstStyle/>
+          <a:p>
+            <a:pPr algn="ctr"/>
+            <a:endParaRPr lang="zh-TW" altLang="en-US"/>
           </a:p>
         </p:txBody>
       </p:sp>
       <p:sp>
         <p:nvSpPr>
-          <p:cNvPr id="3" name="內容版面配置區 2"/>
-          <p:cNvSpPr>
-            <a:spLocks noGrp="1"/>
-          </p:cNvSpPr>
-          <p:nvPr>
-            <p:ph idx="1"/>
-          </p:nvPr>
+          <p:cNvPr id="8" name="直線圖說文字 1 7"/>
+          <p:cNvSpPr/>
+          <p:nvPr/>
         </p:nvSpPr>
         <p:spPr>
           <a:xfrm>
-            <a:off x="1029759" y="2103439"/>
-            <a:ext cx="8596668" cy="3880773"/>
+            <a:off x="5998129" y="3749879"/>
+            <a:ext cx="3112315" cy="1090569"/>
           </a:xfrm>
+          <a:prstGeom prst="borderCallout1">
+            <a:avLst/>
+          </a:prstGeom>
+          <a:solidFill>
+            <a:schemeClr val="accent2">
+              <a:lumMod val="40000"/>
+              <a:lumOff val="60000"/>
+            </a:schemeClr>
+          </a:solidFill>
         </p:spPr>
+        <p:style>
+          <a:lnRef idx="2">
+            <a:schemeClr val="accent1">
+              <a:shade val="50000"/>
+            </a:schemeClr>
+          </a:lnRef>
+          <a:fillRef idx="1">
+            <a:schemeClr val="accent1"/>
+          </a:fillRef>
+          <a:effectRef idx="0">
+            <a:schemeClr val="accent1"/>
+          </a:effectRef>
+          <a:fontRef idx="minor">
+            <a:schemeClr val="lt1"/>
+          </a:fontRef>
+        </p:style>
         <p:txBody>
-          <a:bodyPr/>
+          <a:bodyPr rtlCol="0" anchor="ctr"/>
           <a:lstStyle/>
           <a:p>
-            <a:pPr>
-              <a:lnSpc>
-                <a:spcPct val="150000"/>
-              </a:lnSpc>
-            </a:pPr>
-            <a:r>
-              <a:rPr lang="zh-TW" altLang="en-US" sz="3200" dirty="0" smtClean="0"/>
-              <a:t>美工</a:t>
-            </a:r>
-            <a:r>
-              <a:rPr lang="zh-TW" altLang="en-US" sz="3200" dirty="0"/>
-              <a:t>：</a:t>
-            </a:r>
-            <a:r>
-              <a:rPr lang="en-US" altLang="zh-TW" sz="3200" dirty="0" smtClean="0"/>
-              <a:t>CSS</a:t>
-            </a:r>
-            <a:endParaRPr lang="en-US" altLang="zh-TW" sz="3200" dirty="0"/>
-          </a:p>
-          <a:p>
-            <a:pPr>
-              <a:lnSpc>
-                <a:spcPct val="150000"/>
-              </a:lnSpc>
-            </a:pPr>
-            <a:r>
-              <a:rPr lang="zh-TW" altLang="en-US" sz="3200" dirty="0" smtClean="0"/>
-              <a:t>架構</a:t>
-            </a:r>
-            <a:r>
-              <a:rPr lang="zh-TW" altLang="en-US" sz="3200" dirty="0"/>
-              <a:t>：</a:t>
-            </a:r>
-            <a:r>
-              <a:rPr lang="en-US" altLang="zh-TW" sz="3200" dirty="0" smtClean="0"/>
-              <a:t>HTML5</a:t>
-            </a:r>
-            <a:r>
-              <a:rPr lang="zh-TW" altLang="en-US" sz="3200" dirty="0" smtClean="0"/>
-              <a:t>、</a:t>
-            </a:r>
-            <a:r>
-              <a:rPr lang="en-US" altLang="zh-TW" sz="3200" dirty="0" smtClean="0"/>
-              <a:t>JavaScript</a:t>
-            </a:r>
-          </a:p>
-          <a:p>
-            <a:pPr>
-              <a:lnSpc>
-                <a:spcPct val="150000"/>
-              </a:lnSpc>
-            </a:pPr>
-            <a:r>
-              <a:rPr lang="zh-TW" altLang="en-US" sz="3200" dirty="0" smtClean="0"/>
-              <a:t>其他連結：</a:t>
-            </a:r>
-            <a:r>
-              <a:rPr lang="en-US" altLang="zh-TW" sz="3200" dirty="0" smtClean="0"/>
-              <a:t>YouTube</a:t>
-            </a:r>
-            <a:r>
-              <a:rPr lang="zh-TW" altLang="en-US" sz="3200" dirty="0" smtClean="0"/>
-              <a:t>、</a:t>
-            </a:r>
-            <a:r>
-              <a:rPr lang="en-US" altLang="zh-TW" sz="3200" dirty="0"/>
-              <a:t>Google </a:t>
-            </a:r>
-            <a:r>
-              <a:rPr lang="en-US" altLang="zh-TW" sz="3200" dirty="0" smtClean="0"/>
-              <a:t>Search</a:t>
-            </a:r>
-            <a:endParaRPr lang="en-US" altLang="zh-TW" sz="3200" dirty="0"/>
-          </a:p>
-          <a:p>
-            <a:endParaRPr lang="zh-TW" altLang="en-US" dirty="0"/>
+            <a:pPr algn="ctr"/>
+            <a:endParaRPr lang="zh-TW" altLang="en-US"/>
           </a:p>
         </p:txBody>
       </p:sp>
     </p:spTree>
     <p:extLst>
       <p:ext uri="{BB962C8B-B14F-4D97-AF65-F5344CB8AC3E}">
-        <p14:creationId xmlns:p14="http://schemas.microsoft.com/office/powerpoint/2010/main" val="4185133950"/>
+        <p14:creationId xmlns:p14="http://schemas.microsoft.com/office/powerpoint/2010/main" val="3928238835"/>
+      </p:ext>
+    </p:extLst>
+  </p:cSld>
+  <p:clrMapOvr>
+    <a:masterClrMapping/>
+  </p:clrMapOvr>
+</p:sld>
+</file>
+
+<file path=ppt/slides/slide8.xml><?xml version="1.0" encoding="utf-8"?>
+<p:sld xmlns:a="http://schemas.openxmlformats.org/drawingml/2006/main" xmlns:r="http://schemas.openxmlformats.org/officeDocument/2006/relationships" xmlns:p="http://schemas.openxmlformats.org/presentationml/2006/main">
+  <p:cSld>
+    <p:spTree>
+      <p:nvGrpSpPr>
+        <p:cNvPr id="1" name=""/>
+        <p:cNvGrpSpPr/>
+        <p:nvPr/>
+      </p:nvGrpSpPr>
+      <p:grpSpPr>
+        <a:xfrm>
+          <a:off x="0" y="0"/>
+          <a:ext cx="0" cy="0"/>
+          <a:chOff x="0" y="0"/>
+          <a:chExt cx="0" cy="0"/>
+        </a:xfrm>
+      </p:grpSpPr>
+      <p:sp>
+        <p:nvSpPr>
+          <p:cNvPr id="2" name="標題 1"/>
+          <p:cNvSpPr>
+            <a:spLocks noGrp="1"/>
+          </p:cNvSpPr>
+          <p:nvPr>
+            <p:ph type="title"/>
+          </p:nvPr>
+        </p:nvSpPr>
+        <p:spPr/>
+        <p:txBody>
+          <a:bodyPr/>
+          <a:lstStyle/>
+          <a:p>
+            <a:pPr algn="ctr"/>
+            <a:r>
+              <a:rPr lang="zh-TW" altLang="en-US" dirty="0"/>
+              <a:t>影音</a:t>
+            </a:r>
+            <a:r>
+              <a:rPr lang="zh-TW" altLang="en-US" dirty="0" smtClean="0"/>
+              <a:t>參考</a:t>
+            </a:r>
+            <a:r>
+              <a:rPr lang="en-US" altLang="zh-TW" dirty="0" smtClean="0"/>
+              <a:t>&amp;</a:t>
+            </a:r>
+            <a:r>
+              <a:rPr lang="zh-TW" altLang="en-US" dirty="0" smtClean="0"/>
+              <a:t>品牌連結</a:t>
+            </a:r>
+            <a:endParaRPr lang="zh-TW" altLang="en-US" dirty="0"/>
+          </a:p>
+        </p:txBody>
+      </p:sp>
+      <p:pic>
+        <p:nvPicPr>
+          <p:cNvPr id="4" name="內容版面配置區 3"/>
+          <p:cNvPicPr>
+            <a:picLocks noGrp="1" noChangeAspect="1"/>
+          </p:cNvPicPr>
+          <p:nvPr>
+            <p:ph idx="1"/>
+          </p:nvPr>
+        </p:nvPicPr>
+        <p:blipFill>
+          <a:blip r:embed="rId2">
+            <a:extLst>
+              <a:ext uri="{28A0092B-C50C-407E-A947-70E740481C1C}">
+                <a14:useLocalDpi xmlns:a14="http://schemas.microsoft.com/office/drawing/2010/main" val="0"/>
+              </a:ext>
+            </a:extLst>
+          </a:blip>
+          <a:stretch>
+            <a:fillRect/>
+          </a:stretch>
+        </p:blipFill>
+        <p:spPr>
+          <a:xfrm>
+            <a:off x="66310" y="1786856"/>
+            <a:ext cx="6066665" cy="3938124"/>
+          </a:xfrm>
+        </p:spPr>
+      </p:pic>
+      <p:pic>
+        <p:nvPicPr>
+          <p:cNvPr id="5" name="圖片 4"/>
+          <p:cNvPicPr>
+            <a:picLocks noChangeAspect="1"/>
+          </p:cNvPicPr>
+          <p:nvPr/>
+        </p:nvPicPr>
+        <p:blipFill>
+          <a:blip r:embed="rId3">
+            <a:extLst>
+              <a:ext uri="{28A0092B-C50C-407E-A947-70E740481C1C}">
+                <a14:useLocalDpi xmlns:a14="http://schemas.microsoft.com/office/drawing/2010/main" val="0"/>
+              </a:ext>
+            </a:extLst>
+          </a:blip>
+          <a:stretch>
+            <a:fillRect/>
+          </a:stretch>
+        </p:blipFill>
+        <p:spPr>
+          <a:xfrm>
+            <a:off x="6222997" y="1786856"/>
+            <a:ext cx="5828853" cy="4332406"/>
+          </a:xfrm>
+          <a:prstGeom prst="rect">
+            <a:avLst/>
+          </a:prstGeom>
+        </p:spPr>
+      </p:pic>
+    </p:spTree>
+    <p:extLst>
+      <p:ext uri="{BB962C8B-B14F-4D97-AF65-F5344CB8AC3E}">
+        <p14:creationId xmlns:p14="http://schemas.microsoft.com/office/powerpoint/2010/main" val="3759668717"/>
+      </p:ext>
+    </p:extLst>
+  </p:cSld>
+  <p:clrMapOvr>
+    <a:masterClrMapping/>
+  </p:clrMapOvr>
+</p:sld>
+</file>
+
+<file path=ppt/slides/slide9.xml><?xml version="1.0" encoding="utf-8"?>
+<p:sld xmlns:a="http://schemas.openxmlformats.org/drawingml/2006/main" xmlns:r="http://schemas.openxmlformats.org/officeDocument/2006/relationships" xmlns:p="http://schemas.openxmlformats.org/presentationml/2006/main">
+  <p:cSld>
+    <p:spTree>
+      <p:nvGrpSpPr>
+        <p:cNvPr id="1" name=""/>
+        <p:cNvGrpSpPr/>
+        <p:nvPr/>
+      </p:nvGrpSpPr>
+      <p:grpSpPr>
+        <a:xfrm>
+          <a:off x="0" y="0"/>
+          <a:ext cx="0" cy="0"/>
+          <a:chOff x="0" y="0"/>
+          <a:chExt cx="0" cy="0"/>
+        </a:xfrm>
+      </p:grpSpPr>
+      <p:sp>
+        <p:nvSpPr>
+          <p:cNvPr id="2" name="標題 1"/>
+          <p:cNvSpPr>
+            <a:spLocks noGrp="1"/>
+          </p:cNvSpPr>
+          <p:nvPr>
+            <p:ph type="title"/>
+          </p:nvPr>
+        </p:nvSpPr>
+        <p:spPr/>
+        <p:txBody>
+          <a:bodyPr/>
+          <a:lstStyle/>
+          <a:p>
+            <a:pPr algn="ctr"/>
+            <a:r>
+              <a:rPr lang="zh-TW" altLang="en-US" dirty="0"/>
+              <a:t>作者</a:t>
+            </a:r>
+            <a:r>
+              <a:rPr lang="zh-TW" altLang="en-US" dirty="0" smtClean="0"/>
+              <a:t>介紹</a:t>
+            </a:r>
+            <a:r>
+              <a:rPr lang="en-US" altLang="zh-TW" dirty="0" smtClean="0"/>
+              <a:t>&amp;</a:t>
+            </a:r>
+            <a:r>
+              <a:rPr lang="zh-TW" altLang="en-US" dirty="0" smtClean="0"/>
+              <a:t>網站介紹</a:t>
+            </a:r>
+            <a:endParaRPr lang="zh-TW" altLang="en-US" dirty="0"/>
+          </a:p>
+        </p:txBody>
+      </p:sp>
+      <p:pic>
+        <p:nvPicPr>
+          <p:cNvPr id="4" name="內容版面配置區 3"/>
+          <p:cNvPicPr>
+            <a:picLocks noGrp="1" noChangeAspect="1"/>
+          </p:cNvPicPr>
+          <p:nvPr>
+            <p:ph idx="1"/>
+          </p:nvPr>
+        </p:nvPicPr>
+        <p:blipFill>
+          <a:blip r:embed="rId2">
+            <a:extLst>
+              <a:ext uri="{28A0092B-C50C-407E-A947-70E740481C1C}">
+                <a14:useLocalDpi xmlns:a14="http://schemas.microsoft.com/office/drawing/2010/main" val="0"/>
+              </a:ext>
+            </a:extLst>
+          </a:blip>
+          <a:stretch>
+            <a:fillRect/>
+          </a:stretch>
+        </p:blipFill>
+        <p:spPr>
+          <a:xfrm>
+            <a:off x="83890" y="1858849"/>
+            <a:ext cx="5805181" cy="4397783"/>
+          </a:xfrm>
+        </p:spPr>
+      </p:pic>
+      <p:pic>
+        <p:nvPicPr>
+          <p:cNvPr id="5" name="圖片 4"/>
+          <p:cNvPicPr>
+            <a:picLocks noChangeAspect="1"/>
+          </p:cNvPicPr>
+          <p:nvPr/>
+        </p:nvPicPr>
+        <p:blipFill>
+          <a:blip r:embed="rId3">
+            <a:extLst>
+              <a:ext uri="{28A0092B-C50C-407E-A947-70E740481C1C}">
+                <a14:useLocalDpi xmlns:a14="http://schemas.microsoft.com/office/drawing/2010/main" val="0"/>
+              </a:ext>
+            </a:extLst>
+          </a:blip>
+          <a:stretch>
+            <a:fillRect/>
+          </a:stretch>
+        </p:blipFill>
+        <p:spPr>
+          <a:xfrm>
+            <a:off x="6098796" y="1820412"/>
+            <a:ext cx="5989740" cy="4436220"/>
+          </a:xfrm>
+          <a:prstGeom prst="rect">
+            <a:avLst/>
+          </a:prstGeom>
+        </p:spPr>
+      </p:pic>
+    </p:spTree>
+    <p:extLst>
+      <p:ext uri="{BB962C8B-B14F-4D97-AF65-F5344CB8AC3E}">
+        <p14:creationId xmlns:p14="http://schemas.microsoft.com/office/powerpoint/2010/main" val="1953919702"/>
       </p:ext>
     </p:extLst>
   </p:cSld>
@@ -11834,7 +12486,7 @@
   <a:extraClrSchemeLst/>
   <a:extLst>
     <a:ext uri="{05A4C25C-085E-4340-85A3-A5531E510DB2}">
-      <thm15:themeFamily xmlns:thm15="http://schemas.microsoft.com/office/thememl/2012/main" name="Facet" id="{C0C680CD-088A-49FC-A102-D699147F32B2}" vid="{CFBC31BA-B70F-4F30-BCAA-4F3011E16C4D}"/>
+      <thm15:themeFamily xmlns="" xmlns:thm15="http://schemas.microsoft.com/office/thememl/2012/main" name="Facet" id="{C0C680CD-088A-49FC-A102-D699147F32B2}" vid="{CFBC31BA-B70F-4F30-BCAA-4F3011E16C4D}"/>
     </a:ext>
   </a:extLst>
 </a:theme>

--- a/Webprograming/document/00457004+00457013.pptx
+++ b/Webprograming/document/00457004+00457013.pptx
@@ -16,6 +16,8 @@
     <p:sldId id="265" r:id="rId10"/>
     <p:sldId id="258" r:id="rId11"/>
     <p:sldId id="260" r:id="rId12"/>
+    <p:sldId id="268" r:id="rId13"/>
+    <p:sldId id="267" r:id="rId14"/>
   </p:sldIdLst>
   <p:sldSz cx="12192000" cy="6858000"/>
   <p:notesSz cx="6858000" cy="9144000"/>
@@ -116,7 +118,18 @@
   </p:defaultTextStyle>
   <p:extLst>
     <p:ext uri="{EFAFB233-063F-42B5-8137-9DF3F51BA10A}">
-      <p15:sldGuideLst xmlns="" xmlns:p15="http://schemas.microsoft.com/office/powerpoint/2012/main"/>
+      <p15:sldGuideLst xmlns:p15="http://schemas.microsoft.com/office/powerpoint/2012/main">
+        <p15:guide id="1" orient="horz" pos="2160">
+          <p15:clr>
+            <a:srgbClr val="A4A3A4"/>
+          </p15:clr>
+        </p15:guide>
+        <p15:guide id="2" pos="3840">
+          <p15:clr>
+            <a:srgbClr val="A4A3A4"/>
+          </p15:clr>
+        </p15:guide>
+      </p15:sldGuideLst>
     </p:ext>
   </p:extLst>
 </p:presentation>
@@ -1064,7 +1077,7 @@
         <a:p>
           <a:r>
             <a:rPr lang="zh-TW" altLang="en-US" dirty="0" smtClean="0"/>
-            <a:t>首頁</a:t>
+            <a:t>功能選擇</a:t>
           </a:r>
           <a:endParaRPr lang="zh-TW" altLang="en-US" dirty="0"/>
         </a:p>
@@ -1212,7 +1225,7 @@
         <a:p>
           <a:r>
             <a:rPr lang="zh-TW" altLang="en-US" dirty="0" smtClean="0"/>
-            <a:t>功能選擇</a:t>
+            <a:t>首頁</a:t>
           </a:r>
           <a:endParaRPr lang="zh-TW" altLang="en-US" dirty="0"/>
         </a:p>
@@ -1420,11 +1433,11 @@
       <dgm:spPr/>
     </dgm:pt>
     <dgm:pt modelId="{C39A39C5-FBD0-45D5-9C17-2E3903270AE1}" type="pres">
-      <dgm:prSet presAssocID="{2E007763-D639-4EBA-A957-7222CABE5D20}" presName="background" presStyleLbl="node0" presStyleIdx="0" presStyleCnt="1"/>
+      <dgm:prSet presAssocID="{2E007763-D639-4EBA-A957-7222CABE5D20}" presName="background" presStyleLbl="node0" presStyleIdx="0" presStyleCnt="2"/>
       <dgm:spPr/>
     </dgm:pt>
     <dgm:pt modelId="{334B2A56-92C8-4EDF-A520-218111B4E723}" type="pres">
-      <dgm:prSet presAssocID="{2E007763-D639-4EBA-A957-7222CABE5D20}" presName="text" presStyleLbl="fgAcc0" presStyleIdx="0" presStyleCnt="1">
+      <dgm:prSet presAssocID="{2E007763-D639-4EBA-A957-7222CABE5D20}" presName="text" presStyleLbl="fgAcc0" presStyleIdx="0" presStyleCnt="2">
         <dgm:presLayoutVars>
           <dgm:chPref val="3"/>
         </dgm:presLayoutVars>
@@ -1442,31 +1455,20 @@
       <dgm:prSet presAssocID="{2E007763-D639-4EBA-A957-7222CABE5D20}" presName="hierChild2" presStyleCnt="0"/>
       <dgm:spPr/>
     </dgm:pt>
-    <dgm:pt modelId="{36811B36-195E-4CE9-9D79-8F5A635ABB72}" type="pres">
-      <dgm:prSet presAssocID="{2E319D96-F22C-4B56-81CA-466326F356A4}" presName="Name10" presStyleLbl="parChTrans1D2" presStyleIdx="0" presStyleCnt="1"/>
-      <dgm:spPr/>
-      <dgm:t>
-        <a:bodyPr/>
-        <a:lstStyle/>
-        <a:p>
-          <a:endParaRPr lang="zh-TW" altLang="en-US"/>
-        </a:p>
-      </dgm:t>
-    </dgm:pt>
-    <dgm:pt modelId="{C8380D18-A339-4F9E-91BE-E13617F13ABA}" type="pres">
-      <dgm:prSet presAssocID="{80E086D4-8AF4-4DC9-909A-89071C512D03}" presName="hierRoot2" presStyleCnt="0"/>
+    <dgm:pt modelId="{74DEA0E7-BD81-494C-9280-31DE25D2D931}" type="pres">
+      <dgm:prSet presAssocID="{80E086D4-8AF4-4DC9-909A-89071C512D03}" presName="hierRoot1" presStyleCnt="0"/>
       <dgm:spPr/>
     </dgm:pt>
-    <dgm:pt modelId="{255A0445-4B4E-4F82-B7CE-29F677509B86}" type="pres">
-      <dgm:prSet presAssocID="{80E086D4-8AF4-4DC9-909A-89071C512D03}" presName="composite2" presStyleCnt="0"/>
+    <dgm:pt modelId="{05C0A35C-94D8-484A-BDF0-A7258C80AECC}" type="pres">
+      <dgm:prSet presAssocID="{80E086D4-8AF4-4DC9-909A-89071C512D03}" presName="composite" presStyleCnt="0"/>
       <dgm:spPr/>
     </dgm:pt>
-    <dgm:pt modelId="{6DA792BB-418D-4625-8603-6A0FCA2EE64F}" type="pres">
-      <dgm:prSet presAssocID="{80E086D4-8AF4-4DC9-909A-89071C512D03}" presName="background2" presStyleLbl="node2" presStyleIdx="0" presStyleCnt="1"/>
+    <dgm:pt modelId="{700D015B-AFA3-42BD-AB2A-27B0BB858A4E}" type="pres">
+      <dgm:prSet presAssocID="{80E086D4-8AF4-4DC9-909A-89071C512D03}" presName="background" presStyleLbl="node0" presStyleIdx="1" presStyleCnt="2"/>
       <dgm:spPr/>
     </dgm:pt>
-    <dgm:pt modelId="{04A6D6E8-69FD-435E-B7F6-9EAADF162BAC}" type="pres">
-      <dgm:prSet presAssocID="{80E086D4-8AF4-4DC9-909A-89071C512D03}" presName="text2" presStyleLbl="fgAcc2" presStyleIdx="0" presStyleCnt="1">
+    <dgm:pt modelId="{B3A9F12F-1A23-47D5-B037-71CF066C5B93}" type="pres">
+      <dgm:prSet presAssocID="{80E086D4-8AF4-4DC9-909A-89071C512D03}" presName="text" presStyleLbl="fgAcc0" presStyleIdx="1" presStyleCnt="2">
         <dgm:presLayoutVars>
           <dgm:chPref val="3"/>
         </dgm:presLayoutVars>
@@ -1480,12 +1482,12 @@
         </a:p>
       </dgm:t>
     </dgm:pt>
-    <dgm:pt modelId="{4EDAE9AE-E24F-4E39-9762-EB3936D65FD6}" type="pres">
-      <dgm:prSet presAssocID="{80E086D4-8AF4-4DC9-909A-89071C512D03}" presName="hierChild3" presStyleCnt="0"/>
+    <dgm:pt modelId="{F082CEA5-D7F5-4E8A-B28B-98416D2F30A8}" type="pres">
+      <dgm:prSet presAssocID="{80E086D4-8AF4-4DC9-909A-89071C512D03}" presName="hierChild2" presStyleCnt="0"/>
       <dgm:spPr/>
     </dgm:pt>
-    <dgm:pt modelId="{32E4CE03-6BD6-4E23-9533-FE2C9E291D50}" type="pres">
-      <dgm:prSet presAssocID="{917088CC-E6AF-41D9-88BA-B79265D02F3A}" presName="Name17" presStyleLbl="parChTrans1D3" presStyleIdx="0" presStyleCnt="5"/>
+    <dgm:pt modelId="{0D26666D-E0C7-41C1-AD6A-BAAF53322805}" type="pres">
+      <dgm:prSet presAssocID="{917088CC-E6AF-41D9-88BA-B79265D02F3A}" presName="Name10" presStyleLbl="parChTrans1D2" presStyleIdx="0" presStyleCnt="5"/>
       <dgm:spPr/>
       <dgm:t>
         <a:bodyPr/>
@@ -1495,20 +1497,20 @@
         </a:p>
       </dgm:t>
     </dgm:pt>
-    <dgm:pt modelId="{914700B5-1988-49AF-9553-C981C7170AB8}" type="pres">
-      <dgm:prSet presAssocID="{942EEBBD-719A-4E60-81AB-5A163C490081}" presName="hierRoot3" presStyleCnt="0"/>
+    <dgm:pt modelId="{A8715FE7-A315-4416-B4CE-389B29C311EE}" type="pres">
+      <dgm:prSet presAssocID="{942EEBBD-719A-4E60-81AB-5A163C490081}" presName="hierRoot2" presStyleCnt="0"/>
       <dgm:spPr/>
     </dgm:pt>
-    <dgm:pt modelId="{1E70C956-D743-4173-8067-6691F69344BF}" type="pres">
-      <dgm:prSet presAssocID="{942EEBBD-719A-4E60-81AB-5A163C490081}" presName="composite3" presStyleCnt="0"/>
+    <dgm:pt modelId="{11E7B09C-66E1-443B-A0E3-050BE9B7DCB1}" type="pres">
+      <dgm:prSet presAssocID="{942EEBBD-719A-4E60-81AB-5A163C490081}" presName="composite2" presStyleCnt="0"/>
       <dgm:spPr/>
     </dgm:pt>
-    <dgm:pt modelId="{73189D5D-295E-4710-A67A-DB7EC7090F3A}" type="pres">
-      <dgm:prSet presAssocID="{942EEBBD-719A-4E60-81AB-5A163C490081}" presName="background3" presStyleLbl="node3" presStyleIdx="0" presStyleCnt="5"/>
+    <dgm:pt modelId="{198B5CB9-012D-4ED7-BF20-6818AEAD4F86}" type="pres">
+      <dgm:prSet presAssocID="{942EEBBD-719A-4E60-81AB-5A163C490081}" presName="background2" presStyleLbl="node2" presStyleIdx="0" presStyleCnt="5"/>
       <dgm:spPr/>
     </dgm:pt>
-    <dgm:pt modelId="{2105AE26-7298-401F-9558-35641F84D83F}" type="pres">
-      <dgm:prSet presAssocID="{942EEBBD-719A-4E60-81AB-5A163C490081}" presName="text3" presStyleLbl="fgAcc3" presStyleIdx="0" presStyleCnt="5">
+    <dgm:pt modelId="{3E214654-705B-46B4-B3C4-D9E378BDF068}" type="pres">
+      <dgm:prSet presAssocID="{942EEBBD-719A-4E60-81AB-5A163C490081}" presName="text2" presStyleLbl="fgAcc2" presStyleIdx="0" presStyleCnt="5">
         <dgm:presLayoutVars>
           <dgm:chPref val="3"/>
         </dgm:presLayoutVars>
@@ -1522,12 +1524,12 @@
         </a:p>
       </dgm:t>
     </dgm:pt>
-    <dgm:pt modelId="{9DAF1B0D-7FA3-45B0-A3B3-302D479AB65B}" type="pres">
-      <dgm:prSet presAssocID="{942EEBBD-719A-4E60-81AB-5A163C490081}" presName="hierChild4" presStyleCnt="0"/>
+    <dgm:pt modelId="{03B47080-7876-474A-BCAA-84CF8147E4B1}" type="pres">
+      <dgm:prSet presAssocID="{942EEBBD-719A-4E60-81AB-5A163C490081}" presName="hierChild3" presStyleCnt="0"/>
       <dgm:spPr/>
     </dgm:pt>
-    <dgm:pt modelId="{761162DF-DD37-49E1-938B-6B47C019EA58}" type="pres">
-      <dgm:prSet presAssocID="{35558115-465D-4208-89F3-87B190F4D001}" presName="Name23" presStyleLbl="parChTrans1D4" presStyleIdx="0" presStyleCnt="2"/>
+    <dgm:pt modelId="{8F88C318-1FB4-4FB5-89D3-7562EB46706F}" type="pres">
+      <dgm:prSet presAssocID="{35558115-465D-4208-89F3-87B190F4D001}" presName="Name17" presStyleLbl="parChTrans1D3" presStyleIdx="0" presStyleCnt="2"/>
       <dgm:spPr/>
       <dgm:t>
         <a:bodyPr/>
@@ -1537,20 +1539,20 @@
         </a:p>
       </dgm:t>
     </dgm:pt>
-    <dgm:pt modelId="{B05A281E-B557-4E10-89F9-150F1060BEE4}" type="pres">
-      <dgm:prSet presAssocID="{947910A5-2ED1-4C87-BFAA-8B99A303BD1F}" presName="hierRoot4" presStyleCnt="0"/>
+    <dgm:pt modelId="{23E6F760-C4CF-4F61-B568-E3BAF0F3C275}" type="pres">
+      <dgm:prSet presAssocID="{947910A5-2ED1-4C87-BFAA-8B99A303BD1F}" presName="hierRoot3" presStyleCnt="0"/>
       <dgm:spPr/>
     </dgm:pt>
-    <dgm:pt modelId="{2E33AD35-215B-43D2-9D23-4634436A8F23}" type="pres">
-      <dgm:prSet presAssocID="{947910A5-2ED1-4C87-BFAA-8B99A303BD1F}" presName="composite4" presStyleCnt="0"/>
+    <dgm:pt modelId="{408368DC-D4AC-4C58-A00D-3BAA50D0B434}" type="pres">
+      <dgm:prSet presAssocID="{947910A5-2ED1-4C87-BFAA-8B99A303BD1F}" presName="composite3" presStyleCnt="0"/>
       <dgm:spPr/>
     </dgm:pt>
-    <dgm:pt modelId="{0A68DD06-1E8E-4739-AA89-6975366A98A7}" type="pres">
-      <dgm:prSet presAssocID="{947910A5-2ED1-4C87-BFAA-8B99A303BD1F}" presName="background4" presStyleLbl="node4" presStyleIdx="0" presStyleCnt="2"/>
+    <dgm:pt modelId="{69114182-2411-4547-BCB0-E961F29EE7BA}" type="pres">
+      <dgm:prSet presAssocID="{947910A5-2ED1-4C87-BFAA-8B99A303BD1F}" presName="background3" presStyleLbl="node3" presStyleIdx="0" presStyleCnt="2"/>
       <dgm:spPr/>
     </dgm:pt>
-    <dgm:pt modelId="{7168D3D5-2B09-431D-878B-B06101669814}" type="pres">
-      <dgm:prSet presAssocID="{947910A5-2ED1-4C87-BFAA-8B99A303BD1F}" presName="text4" presStyleLbl="fgAcc4" presStyleIdx="0" presStyleCnt="2">
+    <dgm:pt modelId="{85F1F78F-A02B-44C8-8B3E-083D3186FC23}" type="pres">
+      <dgm:prSet presAssocID="{947910A5-2ED1-4C87-BFAA-8B99A303BD1F}" presName="text3" presStyleLbl="fgAcc3" presStyleIdx="0" presStyleCnt="2">
         <dgm:presLayoutVars>
           <dgm:chPref val="3"/>
         </dgm:presLayoutVars>
@@ -1564,12 +1566,12 @@
         </a:p>
       </dgm:t>
     </dgm:pt>
-    <dgm:pt modelId="{0ECCBA03-00AE-4FE1-9FED-90AB2D6000D5}" type="pres">
-      <dgm:prSet presAssocID="{947910A5-2ED1-4C87-BFAA-8B99A303BD1F}" presName="hierChild5" presStyleCnt="0"/>
+    <dgm:pt modelId="{B5FFBD84-FEF6-4E77-885C-95B97461A493}" type="pres">
+      <dgm:prSet presAssocID="{947910A5-2ED1-4C87-BFAA-8B99A303BD1F}" presName="hierChild4" presStyleCnt="0"/>
       <dgm:spPr/>
     </dgm:pt>
-    <dgm:pt modelId="{3A3095A9-FCAF-48F6-9D97-B7B4F990EC64}" type="pres">
-      <dgm:prSet presAssocID="{D2B57D22-D67E-4F27-B031-1FAE99035A7F}" presName="Name23" presStyleLbl="parChTrans1D4" presStyleIdx="1" presStyleCnt="2"/>
+    <dgm:pt modelId="{9E3A0485-679B-4A42-946A-81FE00B4E484}" type="pres">
+      <dgm:prSet presAssocID="{D2B57D22-D67E-4F27-B031-1FAE99035A7F}" presName="Name17" presStyleLbl="parChTrans1D3" presStyleIdx="1" presStyleCnt="2"/>
       <dgm:spPr/>
       <dgm:t>
         <a:bodyPr/>
@@ -1579,20 +1581,20 @@
         </a:p>
       </dgm:t>
     </dgm:pt>
-    <dgm:pt modelId="{A058BEDD-05D9-418A-B20D-FB3AACE45C6C}" type="pres">
-      <dgm:prSet presAssocID="{E0EDAE46-9807-48AA-ACF0-25686B48C9C5}" presName="hierRoot4" presStyleCnt="0"/>
+    <dgm:pt modelId="{F4059196-6432-4006-B59B-8FC9AA782349}" type="pres">
+      <dgm:prSet presAssocID="{E0EDAE46-9807-48AA-ACF0-25686B48C9C5}" presName="hierRoot3" presStyleCnt="0"/>
       <dgm:spPr/>
     </dgm:pt>
-    <dgm:pt modelId="{CC79C6B0-004A-42E0-8E0F-19BDC123DC32}" type="pres">
-      <dgm:prSet presAssocID="{E0EDAE46-9807-48AA-ACF0-25686B48C9C5}" presName="composite4" presStyleCnt="0"/>
+    <dgm:pt modelId="{52F737E1-5474-428F-99B5-9B22F911764E}" type="pres">
+      <dgm:prSet presAssocID="{E0EDAE46-9807-48AA-ACF0-25686B48C9C5}" presName="composite3" presStyleCnt="0"/>
       <dgm:spPr/>
     </dgm:pt>
-    <dgm:pt modelId="{98637F26-FAB9-4697-B0B2-0BDB32DA9F46}" type="pres">
-      <dgm:prSet presAssocID="{E0EDAE46-9807-48AA-ACF0-25686B48C9C5}" presName="background4" presStyleLbl="node4" presStyleIdx="1" presStyleCnt="2"/>
+    <dgm:pt modelId="{AF17A29E-60B7-4261-90F0-B496B17E6AF2}" type="pres">
+      <dgm:prSet presAssocID="{E0EDAE46-9807-48AA-ACF0-25686B48C9C5}" presName="background3" presStyleLbl="node3" presStyleIdx="1" presStyleCnt="2"/>
       <dgm:spPr/>
     </dgm:pt>
-    <dgm:pt modelId="{297C92E2-4493-4EC3-882A-FD0B3FB176F8}" type="pres">
-      <dgm:prSet presAssocID="{E0EDAE46-9807-48AA-ACF0-25686B48C9C5}" presName="text4" presStyleLbl="fgAcc4" presStyleIdx="1" presStyleCnt="2">
+    <dgm:pt modelId="{05E1CE2C-9F59-4B8D-AA6B-875C99D9C74F}" type="pres">
+      <dgm:prSet presAssocID="{E0EDAE46-9807-48AA-ACF0-25686B48C9C5}" presName="text3" presStyleLbl="fgAcc3" presStyleIdx="1" presStyleCnt="2">
         <dgm:presLayoutVars>
           <dgm:chPref val="3"/>
         </dgm:presLayoutVars>
@@ -1606,12 +1608,12 @@
         </a:p>
       </dgm:t>
     </dgm:pt>
-    <dgm:pt modelId="{036053AB-B1A9-4E19-B43E-AE985AFAC13A}" type="pres">
-      <dgm:prSet presAssocID="{E0EDAE46-9807-48AA-ACF0-25686B48C9C5}" presName="hierChild5" presStyleCnt="0"/>
+    <dgm:pt modelId="{9E3F7AC9-FF8F-4957-ADF3-5F341C5E6CAC}" type="pres">
+      <dgm:prSet presAssocID="{E0EDAE46-9807-48AA-ACF0-25686B48C9C5}" presName="hierChild4" presStyleCnt="0"/>
       <dgm:spPr/>
     </dgm:pt>
-    <dgm:pt modelId="{454FB2B6-1B6D-4D29-8149-D973FB83F044}" type="pres">
-      <dgm:prSet presAssocID="{128787E6-1F89-41BB-AE63-DDA2587D0B09}" presName="Name17" presStyleLbl="parChTrans1D3" presStyleIdx="1" presStyleCnt="5"/>
+    <dgm:pt modelId="{3A05B3A4-9FAB-4540-BD44-CBCF8DC7C8E6}" type="pres">
+      <dgm:prSet presAssocID="{128787E6-1F89-41BB-AE63-DDA2587D0B09}" presName="Name10" presStyleLbl="parChTrans1D2" presStyleIdx="1" presStyleCnt="5"/>
       <dgm:spPr/>
       <dgm:t>
         <a:bodyPr/>
@@ -1621,20 +1623,20 @@
         </a:p>
       </dgm:t>
     </dgm:pt>
-    <dgm:pt modelId="{131195C7-B484-474A-B7D8-21C7C2F4367C}" type="pres">
-      <dgm:prSet presAssocID="{561BA732-D911-4441-8BB6-9A033D513B4F}" presName="hierRoot3" presStyleCnt="0"/>
+    <dgm:pt modelId="{D2103F22-E340-40F7-89E3-C0D59AB5F2A0}" type="pres">
+      <dgm:prSet presAssocID="{561BA732-D911-4441-8BB6-9A033D513B4F}" presName="hierRoot2" presStyleCnt="0"/>
       <dgm:spPr/>
     </dgm:pt>
-    <dgm:pt modelId="{B3CBA81C-D984-455D-9F36-5E097278B4A1}" type="pres">
-      <dgm:prSet presAssocID="{561BA732-D911-4441-8BB6-9A033D513B4F}" presName="composite3" presStyleCnt="0"/>
+    <dgm:pt modelId="{EA74C249-4D7C-4624-81F5-0BC3F472C5A5}" type="pres">
+      <dgm:prSet presAssocID="{561BA732-D911-4441-8BB6-9A033D513B4F}" presName="composite2" presStyleCnt="0"/>
       <dgm:spPr/>
     </dgm:pt>
-    <dgm:pt modelId="{D8CE0653-1A96-483B-BA20-AC4E94BC00D7}" type="pres">
-      <dgm:prSet presAssocID="{561BA732-D911-4441-8BB6-9A033D513B4F}" presName="background3" presStyleLbl="node3" presStyleIdx="1" presStyleCnt="5"/>
+    <dgm:pt modelId="{34D8B88C-46A1-4485-AE0B-2260F6D52822}" type="pres">
+      <dgm:prSet presAssocID="{561BA732-D911-4441-8BB6-9A033D513B4F}" presName="background2" presStyleLbl="node2" presStyleIdx="1" presStyleCnt="5"/>
       <dgm:spPr/>
     </dgm:pt>
-    <dgm:pt modelId="{6559CBCD-0971-4B08-A018-8154E0642DC0}" type="pres">
-      <dgm:prSet presAssocID="{561BA732-D911-4441-8BB6-9A033D513B4F}" presName="text3" presStyleLbl="fgAcc3" presStyleIdx="1" presStyleCnt="5">
+    <dgm:pt modelId="{6109C40D-5F71-46EE-87E7-2F61B4AAB7F0}" type="pres">
+      <dgm:prSet presAssocID="{561BA732-D911-4441-8BB6-9A033D513B4F}" presName="text2" presStyleLbl="fgAcc2" presStyleIdx="1" presStyleCnt="5">
         <dgm:presLayoutVars>
           <dgm:chPref val="3"/>
         </dgm:presLayoutVars>
@@ -1648,12 +1650,12 @@
         </a:p>
       </dgm:t>
     </dgm:pt>
-    <dgm:pt modelId="{EAC5A0B0-768E-44D5-A133-A02A5B17BCB4}" type="pres">
-      <dgm:prSet presAssocID="{561BA732-D911-4441-8BB6-9A033D513B4F}" presName="hierChild4" presStyleCnt="0"/>
+    <dgm:pt modelId="{81CB43EA-0286-4418-9A64-BCB08CC57000}" type="pres">
+      <dgm:prSet presAssocID="{561BA732-D911-4441-8BB6-9A033D513B4F}" presName="hierChild3" presStyleCnt="0"/>
       <dgm:spPr/>
     </dgm:pt>
-    <dgm:pt modelId="{EEA197E9-54DD-4A79-B2B2-0B73109648CF}" type="pres">
-      <dgm:prSet presAssocID="{65E6B1D3-98DB-49FE-BC7B-8D02CC91EFD4}" presName="Name17" presStyleLbl="parChTrans1D3" presStyleIdx="2" presStyleCnt="5"/>
+    <dgm:pt modelId="{4B2F8318-E95C-472D-B310-7E82E7B3D4EA}" type="pres">
+      <dgm:prSet presAssocID="{65E6B1D3-98DB-49FE-BC7B-8D02CC91EFD4}" presName="Name10" presStyleLbl="parChTrans1D2" presStyleIdx="2" presStyleCnt="5"/>
       <dgm:spPr/>
       <dgm:t>
         <a:bodyPr/>
@@ -1663,20 +1665,20 @@
         </a:p>
       </dgm:t>
     </dgm:pt>
-    <dgm:pt modelId="{3587B552-73E5-4FA2-BE64-F95A105F9FFA}" type="pres">
-      <dgm:prSet presAssocID="{8C4672CD-29D4-4CC0-A518-606805C5F8D2}" presName="hierRoot3" presStyleCnt="0"/>
+    <dgm:pt modelId="{62E4F4C4-5849-4DDA-B26F-EC03D91CC366}" type="pres">
+      <dgm:prSet presAssocID="{8C4672CD-29D4-4CC0-A518-606805C5F8D2}" presName="hierRoot2" presStyleCnt="0"/>
       <dgm:spPr/>
     </dgm:pt>
-    <dgm:pt modelId="{1A9AF896-DB43-403C-B692-D29F857BAF95}" type="pres">
-      <dgm:prSet presAssocID="{8C4672CD-29D4-4CC0-A518-606805C5F8D2}" presName="composite3" presStyleCnt="0"/>
+    <dgm:pt modelId="{BF42F58D-6948-41A2-853A-042C8AD2FD4C}" type="pres">
+      <dgm:prSet presAssocID="{8C4672CD-29D4-4CC0-A518-606805C5F8D2}" presName="composite2" presStyleCnt="0"/>
       <dgm:spPr/>
     </dgm:pt>
-    <dgm:pt modelId="{5C2D9B54-1C8A-4722-BF75-9974E5A27B78}" type="pres">
-      <dgm:prSet presAssocID="{8C4672CD-29D4-4CC0-A518-606805C5F8D2}" presName="background3" presStyleLbl="node3" presStyleIdx="2" presStyleCnt="5"/>
+    <dgm:pt modelId="{201B9BB5-326C-4775-B2D2-FAF54AA7DED8}" type="pres">
+      <dgm:prSet presAssocID="{8C4672CD-29D4-4CC0-A518-606805C5F8D2}" presName="background2" presStyleLbl="node2" presStyleIdx="2" presStyleCnt="5"/>
       <dgm:spPr/>
     </dgm:pt>
-    <dgm:pt modelId="{75B1F74C-4B03-4F82-A9DB-3A1C8E01F465}" type="pres">
-      <dgm:prSet presAssocID="{8C4672CD-29D4-4CC0-A518-606805C5F8D2}" presName="text3" presStyleLbl="fgAcc3" presStyleIdx="2" presStyleCnt="5">
+    <dgm:pt modelId="{14B0BB6C-B295-4C7C-A331-B24145486038}" type="pres">
+      <dgm:prSet presAssocID="{8C4672CD-29D4-4CC0-A518-606805C5F8D2}" presName="text2" presStyleLbl="fgAcc2" presStyleIdx="2" presStyleCnt="5">
         <dgm:presLayoutVars>
           <dgm:chPref val="3"/>
         </dgm:presLayoutVars>
@@ -1690,12 +1692,12 @@
         </a:p>
       </dgm:t>
     </dgm:pt>
-    <dgm:pt modelId="{3ABA47A0-2847-4C62-BADF-716858982D6F}" type="pres">
-      <dgm:prSet presAssocID="{8C4672CD-29D4-4CC0-A518-606805C5F8D2}" presName="hierChild4" presStyleCnt="0"/>
+    <dgm:pt modelId="{505C30BE-9EDB-4FC4-A868-EC28798B47E2}" type="pres">
+      <dgm:prSet presAssocID="{8C4672CD-29D4-4CC0-A518-606805C5F8D2}" presName="hierChild3" presStyleCnt="0"/>
       <dgm:spPr/>
     </dgm:pt>
-    <dgm:pt modelId="{D8FF3A0A-A261-4C4E-A484-C5C553E85B04}" type="pres">
-      <dgm:prSet presAssocID="{0BC006F6-64CC-4624-B17C-A0108656211F}" presName="Name17" presStyleLbl="parChTrans1D3" presStyleIdx="3" presStyleCnt="5"/>
+    <dgm:pt modelId="{FFFB992C-BD62-41FC-9F12-2F98C6725967}" type="pres">
+      <dgm:prSet presAssocID="{0BC006F6-64CC-4624-B17C-A0108656211F}" presName="Name10" presStyleLbl="parChTrans1D2" presStyleIdx="3" presStyleCnt="5"/>
       <dgm:spPr/>
       <dgm:t>
         <a:bodyPr/>
@@ -1705,20 +1707,20 @@
         </a:p>
       </dgm:t>
     </dgm:pt>
-    <dgm:pt modelId="{63604EBA-1453-46EF-91FA-3DFB2CA0BA49}" type="pres">
-      <dgm:prSet presAssocID="{6D46922F-2638-4ABF-BC3D-7FEA9CCB81A6}" presName="hierRoot3" presStyleCnt="0"/>
+    <dgm:pt modelId="{3F0DE67C-33CB-4549-BA25-4F8EACDB9FA2}" type="pres">
+      <dgm:prSet presAssocID="{6D46922F-2638-4ABF-BC3D-7FEA9CCB81A6}" presName="hierRoot2" presStyleCnt="0"/>
       <dgm:spPr/>
     </dgm:pt>
-    <dgm:pt modelId="{6F7E9EB2-8663-4C34-86E6-A8A8324B30EB}" type="pres">
-      <dgm:prSet presAssocID="{6D46922F-2638-4ABF-BC3D-7FEA9CCB81A6}" presName="composite3" presStyleCnt="0"/>
+    <dgm:pt modelId="{242B953B-6399-46B1-95C7-767547FFB793}" type="pres">
+      <dgm:prSet presAssocID="{6D46922F-2638-4ABF-BC3D-7FEA9CCB81A6}" presName="composite2" presStyleCnt="0"/>
       <dgm:spPr/>
     </dgm:pt>
-    <dgm:pt modelId="{2F9BECCF-BF0C-47BC-B078-C367A8F67CC0}" type="pres">
-      <dgm:prSet presAssocID="{6D46922F-2638-4ABF-BC3D-7FEA9CCB81A6}" presName="background3" presStyleLbl="node3" presStyleIdx="3" presStyleCnt="5"/>
+    <dgm:pt modelId="{E82329AD-5AE1-4847-8F65-722893B8F6CD}" type="pres">
+      <dgm:prSet presAssocID="{6D46922F-2638-4ABF-BC3D-7FEA9CCB81A6}" presName="background2" presStyleLbl="node2" presStyleIdx="3" presStyleCnt="5"/>
       <dgm:spPr/>
     </dgm:pt>
-    <dgm:pt modelId="{26FE4FE4-E44C-408F-A5EF-76D6BF6E55FC}" type="pres">
-      <dgm:prSet presAssocID="{6D46922F-2638-4ABF-BC3D-7FEA9CCB81A6}" presName="text3" presStyleLbl="fgAcc3" presStyleIdx="3" presStyleCnt="5">
+    <dgm:pt modelId="{9363CBE9-4805-41A1-8E99-B58790EC05D9}" type="pres">
+      <dgm:prSet presAssocID="{6D46922F-2638-4ABF-BC3D-7FEA9CCB81A6}" presName="text2" presStyleLbl="fgAcc2" presStyleIdx="3" presStyleCnt="5">
         <dgm:presLayoutVars>
           <dgm:chPref val="3"/>
         </dgm:presLayoutVars>
@@ -1732,12 +1734,12 @@
         </a:p>
       </dgm:t>
     </dgm:pt>
-    <dgm:pt modelId="{5A3AACE3-FC9A-444F-A082-A97E2D41946E}" type="pres">
-      <dgm:prSet presAssocID="{6D46922F-2638-4ABF-BC3D-7FEA9CCB81A6}" presName="hierChild4" presStyleCnt="0"/>
+    <dgm:pt modelId="{F33D9C36-A56B-4434-A4CD-09DAB8EA9720}" type="pres">
+      <dgm:prSet presAssocID="{6D46922F-2638-4ABF-BC3D-7FEA9CCB81A6}" presName="hierChild3" presStyleCnt="0"/>
       <dgm:spPr/>
     </dgm:pt>
-    <dgm:pt modelId="{F33758A1-CB7F-44AA-A713-E18CE72721EC}" type="pres">
-      <dgm:prSet presAssocID="{233B99EF-287F-4C92-9520-E4BBE054E016}" presName="Name17" presStyleLbl="parChTrans1D3" presStyleIdx="4" presStyleCnt="5"/>
+    <dgm:pt modelId="{4CDE7DD9-2B1C-4CB1-9CEB-E0D8041096DD}" type="pres">
+      <dgm:prSet presAssocID="{233B99EF-287F-4C92-9520-E4BBE054E016}" presName="Name10" presStyleLbl="parChTrans1D2" presStyleIdx="4" presStyleCnt="5"/>
       <dgm:spPr/>
       <dgm:t>
         <a:bodyPr/>
@@ -1747,20 +1749,20 @@
         </a:p>
       </dgm:t>
     </dgm:pt>
-    <dgm:pt modelId="{4F6FD16D-561A-405E-9EFC-B8827F4451DA}" type="pres">
-      <dgm:prSet presAssocID="{D36087A7-4E1F-4A6F-AFF9-2AEB5850EEEC}" presName="hierRoot3" presStyleCnt="0"/>
+    <dgm:pt modelId="{A8CA3109-7384-4B5A-A558-28ADC2F8A19B}" type="pres">
+      <dgm:prSet presAssocID="{D36087A7-4E1F-4A6F-AFF9-2AEB5850EEEC}" presName="hierRoot2" presStyleCnt="0"/>
       <dgm:spPr/>
     </dgm:pt>
-    <dgm:pt modelId="{D7E7C238-4EBF-47D6-9133-0569AC7E1AC3}" type="pres">
-      <dgm:prSet presAssocID="{D36087A7-4E1F-4A6F-AFF9-2AEB5850EEEC}" presName="composite3" presStyleCnt="0"/>
+    <dgm:pt modelId="{E5BC9752-5763-45AB-A009-6AD784262571}" type="pres">
+      <dgm:prSet presAssocID="{D36087A7-4E1F-4A6F-AFF9-2AEB5850EEEC}" presName="composite2" presStyleCnt="0"/>
       <dgm:spPr/>
     </dgm:pt>
-    <dgm:pt modelId="{B4A47A28-26F2-44E5-9A2D-AE8A0B1C0946}" type="pres">
-      <dgm:prSet presAssocID="{D36087A7-4E1F-4A6F-AFF9-2AEB5850EEEC}" presName="background3" presStyleLbl="node3" presStyleIdx="4" presStyleCnt="5"/>
+    <dgm:pt modelId="{6AE033C5-5252-44DA-94C3-499D33540D4C}" type="pres">
+      <dgm:prSet presAssocID="{D36087A7-4E1F-4A6F-AFF9-2AEB5850EEEC}" presName="background2" presStyleLbl="node2" presStyleIdx="4" presStyleCnt="5"/>
       <dgm:spPr/>
     </dgm:pt>
-    <dgm:pt modelId="{E5FA4415-11F8-46A9-BCD0-38A4441708B1}" type="pres">
-      <dgm:prSet presAssocID="{D36087A7-4E1F-4A6F-AFF9-2AEB5850EEEC}" presName="text3" presStyleLbl="fgAcc3" presStyleIdx="4" presStyleCnt="5">
+    <dgm:pt modelId="{CA9C1DC5-E930-4CBE-BEF3-B39299F08B4E}" type="pres">
+      <dgm:prSet presAssocID="{D36087A7-4E1F-4A6F-AFF9-2AEB5850EEEC}" presName="text2" presStyleLbl="fgAcc2" presStyleIdx="4" presStyleCnt="5">
         <dgm:presLayoutVars>
           <dgm:chPref val="3"/>
         </dgm:presLayoutVars>
@@ -1774,92 +1776,90 @@
         </a:p>
       </dgm:t>
     </dgm:pt>
-    <dgm:pt modelId="{05C01AF7-6765-48C0-A525-DECE936ACB34}" type="pres">
-      <dgm:prSet presAssocID="{D36087A7-4E1F-4A6F-AFF9-2AEB5850EEEC}" presName="hierChild4" presStyleCnt="0"/>
+    <dgm:pt modelId="{ED7979DF-DC56-4FB0-AF16-53DD588C5EFB}" type="pres">
+      <dgm:prSet presAssocID="{D36087A7-4E1F-4A6F-AFF9-2AEB5850EEEC}" presName="hierChild3" presStyleCnt="0"/>
       <dgm:spPr/>
     </dgm:pt>
   </dgm:ptLst>
   <dgm:cxnLst>
-    <dgm:cxn modelId="{4FF924F4-3636-4558-81B1-D1B16496A808}" type="presOf" srcId="{942EEBBD-719A-4E60-81AB-5A163C490081}" destId="{2105AE26-7298-401F-9558-35641F84D83F}" srcOrd="0" destOrd="0" presId="urn:microsoft.com/office/officeart/2005/8/layout/hierarchy1"/>
+    <dgm:cxn modelId="{D71BEDF2-DD97-402C-9355-EB8B6DB23BCD}" type="presOf" srcId="{2E007763-D639-4EBA-A957-7222CABE5D20}" destId="{334B2A56-92C8-4EDF-A520-218111B4E723}" srcOrd="0" destOrd="0" presId="urn:microsoft.com/office/officeart/2005/8/layout/hierarchy1"/>
+    <dgm:cxn modelId="{845A85FE-3BA4-4105-8491-B52AD897BCF5}" srcId="{80E086D4-8AF4-4DC9-909A-89071C512D03}" destId="{6D46922F-2638-4ABF-BC3D-7FEA9CCB81A6}" srcOrd="3" destOrd="0" parTransId="{0BC006F6-64CC-4624-B17C-A0108656211F}" sibTransId="{0D5E3624-BB25-4E41-B131-64A1EB5661B7}"/>
     <dgm:cxn modelId="{9F2249C1-DDAC-4E59-A64A-0F7BEE4F8467}" srcId="{942EEBBD-719A-4E60-81AB-5A163C490081}" destId="{E0EDAE46-9807-48AA-ACF0-25686B48C9C5}" srcOrd="1" destOrd="0" parTransId="{D2B57D22-D67E-4F27-B031-1FAE99035A7F}" sibTransId="{C0297761-4082-4992-892F-3E77692C205E}"/>
     <dgm:cxn modelId="{FBD00F75-40C8-4783-BE7B-01C07FB93192}" type="presOf" srcId="{25708C8C-5BBA-48C9-B94C-B97274156E17}" destId="{5B2CAF19-7785-40AE-9412-F3C8193F9964}" srcOrd="0" destOrd="0" presId="urn:microsoft.com/office/officeart/2005/8/layout/hierarchy1"/>
-    <dgm:cxn modelId="{AB418F07-57EC-42A6-A2C2-35DE3016C70C}" type="presOf" srcId="{35558115-465D-4208-89F3-87B190F4D001}" destId="{761162DF-DD37-49E1-938B-6B47C019EA58}" srcOrd="0" destOrd="0" presId="urn:microsoft.com/office/officeart/2005/8/layout/hierarchy1"/>
+    <dgm:cxn modelId="{A8FAEDAF-B4A3-4C7A-BFED-E8649C4E6597}" srcId="{80E086D4-8AF4-4DC9-909A-89071C512D03}" destId="{8C4672CD-29D4-4CC0-A518-606805C5F8D2}" srcOrd="2" destOrd="0" parTransId="{65E6B1D3-98DB-49FE-BC7B-8D02CC91EFD4}" sibTransId="{14596D0B-C5CF-4893-9F00-B217498A1F78}"/>
+    <dgm:cxn modelId="{6E44A9B4-A6D6-4FDD-A785-4A5DEA582EC1}" srcId="{25708C8C-5BBA-48C9-B94C-B97274156E17}" destId="{80E086D4-8AF4-4DC9-909A-89071C512D03}" srcOrd="1" destOrd="0" parTransId="{2E319D96-F22C-4B56-81CA-466326F356A4}" sibTransId="{1B84EA08-9DEA-40C7-B201-4ECB0F34DFED}"/>
+    <dgm:cxn modelId="{AB0F548A-71C8-4C5A-A8C7-EE8A133483EE}" type="presOf" srcId="{6D46922F-2638-4ABF-BC3D-7FEA9CCB81A6}" destId="{9363CBE9-4805-41A1-8E99-B58790EC05D9}" srcOrd="0" destOrd="0" presId="urn:microsoft.com/office/officeart/2005/8/layout/hierarchy1"/>
+    <dgm:cxn modelId="{A0D02609-7264-4CEB-A703-D694D129610B}" type="presOf" srcId="{128787E6-1F89-41BB-AE63-DDA2587D0B09}" destId="{3A05B3A4-9FAB-4540-BD44-CBCF8DC7C8E6}" srcOrd="0" destOrd="0" presId="urn:microsoft.com/office/officeart/2005/8/layout/hierarchy1"/>
+    <dgm:cxn modelId="{F4F06DD8-FA0F-4AB7-AC70-19B83074ACFB}" type="presOf" srcId="{80E086D4-8AF4-4DC9-909A-89071C512D03}" destId="{B3A9F12F-1A23-47D5-B037-71CF066C5B93}" srcOrd="0" destOrd="0" presId="urn:microsoft.com/office/officeart/2005/8/layout/hierarchy1"/>
+    <dgm:cxn modelId="{5DFDF2C6-F2E0-4DA8-B2FC-BE199A008DF7}" type="presOf" srcId="{D36087A7-4E1F-4A6F-AFF9-2AEB5850EEEC}" destId="{CA9C1DC5-E930-4CBE-BEF3-B39299F08B4E}" srcOrd="0" destOrd="0" presId="urn:microsoft.com/office/officeart/2005/8/layout/hierarchy1"/>
+    <dgm:cxn modelId="{467A0FA4-F59A-4E46-AD63-491A6FC9F127}" srcId="{80E086D4-8AF4-4DC9-909A-89071C512D03}" destId="{942EEBBD-719A-4E60-81AB-5A163C490081}" srcOrd="0" destOrd="0" parTransId="{917088CC-E6AF-41D9-88BA-B79265D02F3A}" sibTransId="{A841CA5E-C02A-43A0-BA9C-682C3B736911}"/>
+    <dgm:cxn modelId="{974EF680-488F-497D-8A7C-99899F30FD0B}" type="presOf" srcId="{E0EDAE46-9807-48AA-ACF0-25686B48C9C5}" destId="{05E1CE2C-9F59-4B8D-AA6B-875C99D9C74F}" srcOrd="0" destOrd="0" presId="urn:microsoft.com/office/officeart/2005/8/layout/hierarchy1"/>
+    <dgm:cxn modelId="{873177D6-75E4-4D9A-BAC9-BD5E5AE3F097}" type="presOf" srcId="{561BA732-D911-4441-8BB6-9A033D513B4F}" destId="{6109C40D-5F71-46EE-87E7-2F61B4AAB7F0}" srcOrd="0" destOrd="0" presId="urn:microsoft.com/office/officeart/2005/8/layout/hierarchy1"/>
     <dgm:cxn modelId="{37F067C4-8206-4491-BD50-BDEA50E0713F}" srcId="{942EEBBD-719A-4E60-81AB-5A163C490081}" destId="{947910A5-2ED1-4C87-BFAA-8B99A303BD1F}" srcOrd="0" destOrd="0" parTransId="{35558115-465D-4208-89F3-87B190F4D001}" sibTransId="{38934D6F-8DA7-490B-9F4A-ED28BCA50BC1}"/>
-    <dgm:cxn modelId="{0755827F-6F32-4854-B219-31A9D6B5FA1A}" type="presOf" srcId="{65E6B1D3-98DB-49FE-BC7B-8D02CC91EFD4}" destId="{EEA197E9-54DD-4A79-B2B2-0B73109648CF}" srcOrd="0" destOrd="0" presId="urn:microsoft.com/office/officeart/2005/8/layout/hierarchy1"/>
-    <dgm:cxn modelId="{845A85FE-3BA4-4105-8491-B52AD897BCF5}" srcId="{80E086D4-8AF4-4DC9-909A-89071C512D03}" destId="{6D46922F-2638-4ABF-BC3D-7FEA9CCB81A6}" srcOrd="3" destOrd="0" parTransId="{0BC006F6-64CC-4624-B17C-A0108656211F}" sibTransId="{0D5E3624-BB25-4E41-B131-64A1EB5661B7}"/>
-    <dgm:cxn modelId="{A8FAEDAF-B4A3-4C7A-BFED-E8649C4E6597}" srcId="{80E086D4-8AF4-4DC9-909A-89071C512D03}" destId="{8C4672CD-29D4-4CC0-A518-606805C5F8D2}" srcOrd="2" destOrd="0" parTransId="{65E6B1D3-98DB-49FE-BC7B-8D02CC91EFD4}" sibTransId="{14596D0B-C5CF-4893-9F00-B217498A1F78}"/>
-    <dgm:cxn modelId="{0D32DFB5-26B1-4E0A-94D9-E27342425B96}" type="presOf" srcId="{6D46922F-2638-4ABF-BC3D-7FEA9CCB81A6}" destId="{26FE4FE4-E44C-408F-A5EF-76D6BF6E55FC}" srcOrd="0" destOrd="0" presId="urn:microsoft.com/office/officeart/2005/8/layout/hierarchy1"/>
-    <dgm:cxn modelId="{6E44A9B4-A6D6-4FDD-A785-4A5DEA582EC1}" srcId="{2E007763-D639-4EBA-A957-7222CABE5D20}" destId="{80E086D4-8AF4-4DC9-909A-89071C512D03}" srcOrd="0" destOrd="0" parTransId="{2E319D96-F22C-4B56-81CA-466326F356A4}" sibTransId="{1B84EA08-9DEA-40C7-B201-4ECB0F34DFED}"/>
-    <dgm:cxn modelId="{23BD35E7-82B5-4EB8-B24F-0A871AB9D33E}" type="presOf" srcId="{2E319D96-F22C-4B56-81CA-466326F356A4}" destId="{36811B36-195E-4CE9-9D79-8F5A635ABB72}" srcOrd="0" destOrd="0" presId="urn:microsoft.com/office/officeart/2005/8/layout/hierarchy1"/>
-    <dgm:cxn modelId="{0793DEE5-643A-494B-8912-DB8F6903F703}" type="presOf" srcId="{917088CC-E6AF-41D9-88BA-B79265D02F3A}" destId="{32E4CE03-6BD6-4E23-9533-FE2C9E291D50}" srcOrd="0" destOrd="0" presId="urn:microsoft.com/office/officeart/2005/8/layout/hierarchy1"/>
-    <dgm:cxn modelId="{39B2684A-9698-4EC7-AA59-735AC1173A49}" type="presOf" srcId="{561BA732-D911-4441-8BB6-9A033D513B4F}" destId="{6559CBCD-0971-4B08-A018-8154E0642DC0}" srcOrd="0" destOrd="0" presId="urn:microsoft.com/office/officeart/2005/8/layout/hierarchy1"/>
-    <dgm:cxn modelId="{F5319242-ADEC-4844-9D2E-EDA2BE04E342}" type="presOf" srcId="{128787E6-1F89-41BB-AE63-DDA2587D0B09}" destId="{454FB2B6-1B6D-4D29-8149-D973FB83F044}" srcOrd="0" destOrd="0" presId="urn:microsoft.com/office/officeart/2005/8/layout/hierarchy1"/>
-    <dgm:cxn modelId="{1B8DAB53-8575-448C-8875-70A392068554}" type="presOf" srcId="{0BC006F6-64CC-4624-B17C-A0108656211F}" destId="{D8FF3A0A-A261-4C4E-A484-C5C553E85B04}" srcOrd="0" destOrd="0" presId="urn:microsoft.com/office/officeart/2005/8/layout/hierarchy1"/>
-    <dgm:cxn modelId="{6CAECE49-CEE1-4B97-921C-FFD3056F1F3A}" type="presOf" srcId="{E0EDAE46-9807-48AA-ACF0-25686B48C9C5}" destId="{297C92E2-4493-4EC3-882A-FD0B3FB176F8}" srcOrd="0" destOrd="0" presId="urn:microsoft.com/office/officeart/2005/8/layout/hierarchy1"/>
+    <dgm:cxn modelId="{5DC9316C-931C-4DDF-921B-659F8BD9830B}" type="presOf" srcId="{8C4672CD-29D4-4CC0-A518-606805C5F8D2}" destId="{14B0BB6C-B295-4C7C-A331-B24145486038}" srcOrd="0" destOrd="0" presId="urn:microsoft.com/office/officeart/2005/8/layout/hierarchy1"/>
+    <dgm:cxn modelId="{B4F3434A-EAD4-4254-B5DD-3F176DC10019}" type="presOf" srcId="{0BC006F6-64CC-4624-B17C-A0108656211F}" destId="{FFFB992C-BD62-41FC-9F12-2F98C6725967}" srcOrd="0" destOrd="0" presId="urn:microsoft.com/office/officeart/2005/8/layout/hierarchy1"/>
     <dgm:cxn modelId="{F6B6D9B2-B124-4F8E-9EA5-C640B214B9C6}" srcId="{80E086D4-8AF4-4DC9-909A-89071C512D03}" destId="{561BA732-D911-4441-8BB6-9A033D513B4F}" srcOrd="1" destOrd="0" parTransId="{128787E6-1F89-41BB-AE63-DDA2587D0B09}" sibTransId="{6D3FE95D-9CCD-4D30-B4E9-67F3753E2190}"/>
-    <dgm:cxn modelId="{5222A968-0EB0-48FF-BD19-CB1548EE76C8}" type="presOf" srcId="{947910A5-2ED1-4C87-BFAA-8B99A303BD1F}" destId="{7168D3D5-2B09-431D-878B-B06101669814}" srcOrd="0" destOrd="0" presId="urn:microsoft.com/office/officeart/2005/8/layout/hierarchy1"/>
-    <dgm:cxn modelId="{675ECC0B-063C-4503-8E91-75F9B69062FE}" type="presOf" srcId="{233B99EF-287F-4C92-9520-E4BBE054E016}" destId="{F33758A1-CB7F-44AA-A713-E18CE72721EC}" srcOrd="0" destOrd="0" presId="urn:microsoft.com/office/officeart/2005/8/layout/hierarchy1"/>
+    <dgm:cxn modelId="{43107609-82D6-4CDF-B0CC-E49A0530813E}" type="presOf" srcId="{35558115-465D-4208-89F3-87B190F4D001}" destId="{8F88C318-1FB4-4FB5-89D3-7562EB46706F}" srcOrd="0" destOrd="0" presId="urn:microsoft.com/office/officeart/2005/8/layout/hierarchy1"/>
+    <dgm:cxn modelId="{1A1B37DF-B535-4922-A09A-F1B78E1DB203}" type="presOf" srcId="{233B99EF-287F-4C92-9520-E4BBE054E016}" destId="{4CDE7DD9-2B1C-4CB1-9CEB-E0D8041096DD}" srcOrd="0" destOrd="0" presId="urn:microsoft.com/office/officeart/2005/8/layout/hierarchy1"/>
+    <dgm:cxn modelId="{2C2A4F0E-C62C-4FB6-A30D-F17FCAE3208B}" srcId="{25708C8C-5BBA-48C9-B94C-B97274156E17}" destId="{2E007763-D639-4EBA-A957-7222CABE5D20}" srcOrd="0" destOrd="0" parTransId="{3573CC21-A4CB-40A2-9B30-5EC573BECD25}" sibTransId="{DC53678F-9A1A-4E84-88DB-8ED90F1CE492}"/>
+    <dgm:cxn modelId="{5DB62B4C-14E2-4F8B-9162-B25B42015E29}" type="presOf" srcId="{947910A5-2ED1-4C87-BFAA-8B99A303BD1F}" destId="{85F1F78F-A02B-44C8-8B3E-083D3186FC23}" srcOrd="0" destOrd="0" presId="urn:microsoft.com/office/officeart/2005/8/layout/hierarchy1"/>
     <dgm:cxn modelId="{B2BF82D8-6360-4F3C-AFBB-84CBABD3DD7D}" srcId="{80E086D4-8AF4-4DC9-909A-89071C512D03}" destId="{D36087A7-4E1F-4A6F-AFF9-2AEB5850EEEC}" srcOrd="4" destOrd="0" parTransId="{233B99EF-287F-4C92-9520-E4BBE054E016}" sibTransId="{18907592-E2D1-44ED-9384-EABD278FA3DA}"/>
-    <dgm:cxn modelId="{6D6F20D0-A1DE-4541-AE67-816D4DB3072E}" type="presOf" srcId="{D36087A7-4E1F-4A6F-AFF9-2AEB5850EEEC}" destId="{E5FA4415-11F8-46A9-BCD0-38A4441708B1}" srcOrd="0" destOrd="0" presId="urn:microsoft.com/office/officeart/2005/8/layout/hierarchy1"/>
-    <dgm:cxn modelId="{467A0FA4-F59A-4E46-AD63-491A6FC9F127}" srcId="{80E086D4-8AF4-4DC9-909A-89071C512D03}" destId="{942EEBBD-719A-4E60-81AB-5A163C490081}" srcOrd="0" destOrd="0" parTransId="{917088CC-E6AF-41D9-88BA-B79265D02F3A}" sibTransId="{A841CA5E-C02A-43A0-BA9C-682C3B736911}"/>
-    <dgm:cxn modelId="{D71BEDF2-DD97-402C-9355-EB8B6DB23BCD}" type="presOf" srcId="{2E007763-D639-4EBA-A957-7222CABE5D20}" destId="{334B2A56-92C8-4EDF-A520-218111B4E723}" srcOrd="0" destOrd="0" presId="urn:microsoft.com/office/officeart/2005/8/layout/hierarchy1"/>
-    <dgm:cxn modelId="{C5053E56-4E6E-4486-A838-094B45103BDC}" type="presOf" srcId="{D2B57D22-D67E-4F27-B031-1FAE99035A7F}" destId="{3A3095A9-FCAF-48F6-9D97-B7B4F990EC64}" srcOrd="0" destOrd="0" presId="urn:microsoft.com/office/officeart/2005/8/layout/hierarchy1"/>
-    <dgm:cxn modelId="{480C990F-26DF-49B4-B914-4054E48A8F52}" type="presOf" srcId="{8C4672CD-29D4-4CC0-A518-606805C5F8D2}" destId="{75B1F74C-4B03-4F82-A9DB-3A1C8E01F465}" srcOrd="0" destOrd="0" presId="urn:microsoft.com/office/officeart/2005/8/layout/hierarchy1"/>
-    <dgm:cxn modelId="{959D2F15-AA8A-469B-A6CD-EDC403FC15C8}" type="presOf" srcId="{80E086D4-8AF4-4DC9-909A-89071C512D03}" destId="{04A6D6E8-69FD-435E-B7F6-9EAADF162BAC}" srcOrd="0" destOrd="0" presId="urn:microsoft.com/office/officeart/2005/8/layout/hierarchy1"/>
-    <dgm:cxn modelId="{2C2A4F0E-C62C-4FB6-A30D-F17FCAE3208B}" srcId="{25708C8C-5BBA-48C9-B94C-B97274156E17}" destId="{2E007763-D639-4EBA-A957-7222CABE5D20}" srcOrd="0" destOrd="0" parTransId="{3573CC21-A4CB-40A2-9B30-5EC573BECD25}" sibTransId="{DC53678F-9A1A-4E84-88DB-8ED90F1CE492}"/>
+    <dgm:cxn modelId="{3FF86C61-BD40-4227-A915-D088EF7C49D4}" type="presOf" srcId="{65E6B1D3-98DB-49FE-BC7B-8D02CC91EFD4}" destId="{4B2F8318-E95C-472D-B310-7E82E7B3D4EA}" srcOrd="0" destOrd="0" presId="urn:microsoft.com/office/officeart/2005/8/layout/hierarchy1"/>
+    <dgm:cxn modelId="{3430F363-792E-4915-93E2-6B86BF267F33}" type="presOf" srcId="{D2B57D22-D67E-4F27-B031-1FAE99035A7F}" destId="{9E3A0485-679B-4A42-946A-81FE00B4E484}" srcOrd="0" destOrd="0" presId="urn:microsoft.com/office/officeart/2005/8/layout/hierarchy1"/>
+    <dgm:cxn modelId="{C7600F07-A569-4868-BF54-567399CD6076}" type="presOf" srcId="{917088CC-E6AF-41D9-88BA-B79265D02F3A}" destId="{0D26666D-E0C7-41C1-AD6A-BAAF53322805}" srcOrd="0" destOrd="0" presId="urn:microsoft.com/office/officeart/2005/8/layout/hierarchy1"/>
+    <dgm:cxn modelId="{F116F06D-F942-47A6-9D65-1BDEDC2D1A23}" type="presOf" srcId="{942EEBBD-719A-4E60-81AB-5A163C490081}" destId="{3E214654-705B-46B4-B3C4-D9E378BDF068}" srcOrd="0" destOrd="0" presId="urn:microsoft.com/office/officeart/2005/8/layout/hierarchy1"/>
     <dgm:cxn modelId="{FAABF070-55F4-4AF3-9799-637DB7D54A94}" type="presParOf" srcId="{5B2CAF19-7785-40AE-9412-F3C8193F9964}" destId="{C4E1B831-E210-473F-A8F5-801FFCDAE190}" srcOrd="0" destOrd="0" presId="urn:microsoft.com/office/officeart/2005/8/layout/hierarchy1"/>
     <dgm:cxn modelId="{5A1A2C73-C47A-44A4-8F4D-26CAD4C30B53}" type="presParOf" srcId="{C4E1B831-E210-473F-A8F5-801FFCDAE190}" destId="{572B5933-66BB-4744-A617-993E382FBED9}" srcOrd="0" destOrd="0" presId="urn:microsoft.com/office/officeart/2005/8/layout/hierarchy1"/>
     <dgm:cxn modelId="{C1B7382A-70D9-4C6B-93D2-C6B5E7B25AE1}" type="presParOf" srcId="{572B5933-66BB-4744-A617-993E382FBED9}" destId="{C39A39C5-FBD0-45D5-9C17-2E3903270AE1}" srcOrd="0" destOrd="0" presId="urn:microsoft.com/office/officeart/2005/8/layout/hierarchy1"/>
     <dgm:cxn modelId="{7F5F925C-EFB8-4AEF-9046-3413CB21155D}" type="presParOf" srcId="{572B5933-66BB-4744-A617-993E382FBED9}" destId="{334B2A56-92C8-4EDF-A520-218111B4E723}" srcOrd="1" destOrd="0" presId="urn:microsoft.com/office/officeart/2005/8/layout/hierarchy1"/>
     <dgm:cxn modelId="{5B34A456-79BF-42C9-BC75-52E4EA0AE635}" type="presParOf" srcId="{C4E1B831-E210-473F-A8F5-801FFCDAE190}" destId="{0698C2D2-5B87-4059-A47A-D64EB4F33011}" srcOrd="1" destOrd="0" presId="urn:microsoft.com/office/officeart/2005/8/layout/hierarchy1"/>
-    <dgm:cxn modelId="{8D536CE3-55D3-4628-A89B-F96D0FF0C746}" type="presParOf" srcId="{0698C2D2-5B87-4059-A47A-D64EB4F33011}" destId="{36811B36-195E-4CE9-9D79-8F5A635ABB72}" srcOrd="0" destOrd="0" presId="urn:microsoft.com/office/officeart/2005/8/layout/hierarchy1"/>
-    <dgm:cxn modelId="{3E459115-ED63-4A0B-A0D5-939DB1A65EC5}" type="presParOf" srcId="{0698C2D2-5B87-4059-A47A-D64EB4F33011}" destId="{C8380D18-A339-4F9E-91BE-E13617F13ABA}" srcOrd="1" destOrd="0" presId="urn:microsoft.com/office/officeart/2005/8/layout/hierarchy1"/>
-    <dgm:cxn modelId="{413DF3DB-4BE8-4CDF-91DD-7F5393FD3CE5}" type="presParOf" srcId="{C8380D18-A339-4F9E-91BE-E13617F13ABA}" destId="{255A0445-4B4E-4F82-B7CE-29F677509B86}" srcOrd="0" destOrd="0" presId="urn:microsoft.com/office/officeart/2005/8/layout/hierarchy1"/>
-    <dgm:cxn modelId="{4CC9463D-15AE-41BB-B907-088DB9D829A3}" type="presParOf" srcId="{255A0445-4B4E-4F82-B7CE-29F677509B86}" destId="{6DA792BB-418D-4625-8603-6A0FCA2EE64F}" srcOrd="0" destOrd="0" presId="urn:microsoft.com/office/officeart/2005/8/layout/hierarchy1"/>
-    <dgm:cxn modelId="{37C68B06-978B-42CB-B7CD-9B2A6E322E48}" type="presParOf" srcId="{255A0445-4B4E-4F82-B7CE-29F677509B86}" destId="{04A6D6E8-69FD-435E-B7F6-9EAADF162BAC}" srcOrd="1" destOrd="0" presId="urn:microsoft.com/office/officeart/2005/8/layout/hierarchy1"/>
-    <dgm:cxn modelId="{D3260E5F-DE81-4979-8A91-B900B69A7100}" type="presParOf" srcId="{C8380D18-A339-4F9E-91BE-E13617F13ABA}" destId="{4EDAE9AE-E24F-4E39-9762-EB3936D65FD6}" srcOrd="1" destOrd="0" presId="urn:microsoft.com/office/officeart/2005/8/layout/hierarchy1"/>
-    <dgm:cxn modelId="{1E6AE8D2-9D69-438F-89B5-C89D0B517BEF}" type="presParOf" srcId="{4EDAE9AE-E24F-4E39-9762-EB3936D65FD6}" destId="{32E4CE03-6BD6-4E23-9533-FE2C9E291D50}" srcOrd="0" destOrd="0" presId="urn:microsoft.com/office/officeart/2005/8/layout/hierarchy1"/>
-    <dgm:cxn modelId="{FC7F27A9-8C87-4FDA-B21B-50204D1246FF}" type="presParOf" srcId="{4EDAE9AE-E24F-4E39-9762-EB3936D65FD6}" destId="{914700B5-1988-49AF-9553-C981C7170AB8}" srcOrd="1" destOrd="0" presId="urn:microsoft.com/office/officeart/2005/8/layout/hierarchy1"/>
-    <dgm:cxn modelId="{F0B1354B-2165-4CD7-B992-0132DA45298F}" type="presParOf" srcId="{914700B5-1988-49AF-9553-C981C7170AB8}" destId="{1E70C956-D743-4173-8067-6691F69344BF}" srcOrd="0" destOrd="0" presId="urn:microsoft.com/office/officeart/2005/8/layout/hierarchy1"/>
-    <dgm:cxn modelId="{8F21ABC5-202D-48ED-A14C-773ACBFFE060}" type="presParOf" srcId="{1E70C956-D743-4173-8067-6691F69344BF}" destId="{73189D5D-295E-4710-A67A-DB7EC7090F3A}" srcOrd="0" destOrd="0" presId="urn:microsoft.com/office/officeart/2005/8/layout/hierarchy1"/>
-    <dgm:cxn modelId="{00E5B649-807A-43C2-9CB5-E772A1FDF655}" type="presParOf" srcId="{1E70C956-D743-4173-8067-6691F69344BF}" destId="{2105AE26-7298-401F-9558-35641F84D83F}" srcOrd="1" destOrd="0" presId="urn:microsoft.com/office/officeart/2005/8/layout/hierarchy1"/>
-    <dgm:cxn modelId="{A5CA17EC-E751-43B4-B60E-29043D253E1A}" type="presParOf" srcId="{914700B5-1988-49AF-9553-C981C7170AB8}" destId="{9DAF1B0D-7FA3-45B0-A3B3-302D479AB65B}" srcOrd="1" destOrd="0" presId="urn:microsoft.com/office/officeart/2005/8/layout/hierarchy1"/>
-    <dgm:cxn modelId="{11BA4424-BE70-4510-911E-FEDC32379BC9}" type="presParOf" srcId="{9DAF1B0D-7FA3-45B0-A3B3-302D479AB65B}" destId="{761162DF-DD37-49E1-938B-6B47C019EA58}" srcOrd="0" destOrd="0" presId="urn:microsoft.com/office/officeart/2005/8/layout/hierarchy1"/>
-    <dgm:cxn modelId="{F252420E-04AE-42B2-9F78-7BC6B1A1F35C}" type="presParOf" srcId="{9DAF1B0D-7FA3-45B0-A3B3-302D479AB65B}" destId="{B05A281E-B557-4E10-89F9-150F1060BEE4}" srcOrd="1" destOrd="0" presId="urn:microsoft.com/office/officeart/2005/8/layout/hierarchy1"/>
-    <dgm:cxn modelId="{1C83B74C-5665-4B96-9EF7-8B027DDFE4CD}" type="presParOf" srcId="{B05A281E-B557-4E10-89F9-150F1060BEE4}" destId="{2E33AD35-215B-43D2-9D23-4634436A8F23}" srcOrd="0" destOrd="0" presId="urn:microsoft.com/office/officeart/2005/8/layout/hierarchy1"/>
-    <dgm:cxn modelId="{6A6686B2-73B1-4EDB-81EC-AB9C9FE90868}" type="presParOf" srcId="{2E33AD35-215B-43D2-9D23-4634436A8F23}" destId="{0A68DD06-1E8E-4739-AA89-6975366A98A7}" srcOrd="0" destOrd="0" presId="urn:microsoft.com/office/officeart/2005/8/layout/hierarchy1"/>
-    <dgm:cxn modelId="{C98F6ACF-0F5F-4B20-86C3-469826E5EECE}" type="presParOf" srcId="{2E33AD35-215B-43D2-9D23-4634436A8F23}" destId="{7168D3D5-2B09-431D-878B-B06101669814}" srcOrd="1" destOrd="0" presId="urn:microsoft.com/office/officeart/2005/8/layout/hierarchy1"/>
-    <dgm:cxn modelId="{59F58C0F-F7BF-4ED2-B9A3-FDB37BAE9B31}" type="presParOf" srcId="{B05A281E-B557-4E10-89F9-150F1060BEE4}" destId="{0ECCBA03-00AE-4FE1-9FED-90AB2D6000D5}" srcOrd="1" destOrd="0" presId="urn:microsoft.com/office/officeart/2005/8/layout/hierarchy1"/>
-    <dgm:cxn modelId="{479E69EE-9A73-4C5A-888E-AC3CC8ECE2C2}" type="presParOf" srcId="{9DAF1B0D-7FA3-45B0-A3B3-302D479AB65B}" destId="{3A3095A9-FCAF-48F6-9D97-B7B4F990EC64}" srcOrd="2" destOrd="0" presId="urn:microsoft.com/office/officeart/2005/8/layout/hierarchy1"/>
-    <dgm:cxn modelId="{09E48F73-A4A1-405C-9D82-64FCB1DB097B}" type="presParOf" srcId="{9DAF1B0D-7FA3-45B0-A3B3-302D479AB65B}" destId="{A058BEDD-05D9-418A-B20D-FB3AACE45C6C}" srcOrd="3" destOrd="0" presId="urn:microsoft.com/office/officeart/2005/8/layout/hierarchy1"/>
-    <dgm:cxn modelId="{4E587219-A43D-4EFF-A8EE-32D05AF0DB98}" type="presParOf" srcId="{A058BEDD-05D9-418A-B20D-FB3AACE45C6C}" destId="{CC79C6B0-004A-42E0-8E0F-19BDC123DC32}" srcOrd="0" destOrd="0" presId="urn:microsoft.com/office/officeart/2005/8/layout/hierarchy1"/>
-    <dgm:cxn modelId="{27887B18-DD38-413F-81BA-B305AA2E83F4}" type="presParOf" srcId="{CC79C6B0-004A-42E0-8E0F-19BDC123DC32}" destId="{98637F26-FAB9-4697-B0B2-0BDB32DA9F46}" srcOrd="0" destOrd="0" presId="urn:microsoft.com/office/officeart/2005/8/layout/hierarchy1"/>
-    <dgm:cxn modelId="{C0466FC9-92CA-4E41-83CD-174C8092D032}" type="presParOf" srcId="{CC79C6B0-004A-42E0-8E0F-19BDC123DC32}" destId="{297C92E2-4493-4EC3-882A-FD0B3FB176F8}" srcOrd="1" destOrd="0" presId="urn:microsoft.com/office/officeart/2005/8/layout/hierarchy1"/>
-    <dgm:cxn modelId="{69C3E532-DE6D-45D5-807D-51EE7F85AD4D}" type="presParOf" srcId="{A058BEDD-05D9-418A-B20D-FB3AACE45C6C}" destId="{036053AB-B1A9-4E19-B43E-AE985AFAC13A}" srcOrd="1" destOrd="0" presId="urn:microsoft.com/office/officeart/2005/8/layout/hierarchy1"/>
-    <dgm:cxn modelId="{3A643C75-2C7B-4D90-9684-E5269B2420C2}" type="presParOf" srcId="{4EDAE9AE-E24F-4E39-9762-EB3936D65FD6}" destId="{454FB2B6-1B6D-4D29-8149-D973FB83F044}" srcOrd="2" destOrd="0" presId="urn:microsoft.com/office/officeart/2005/8/layout/hierarchy1"/>
-    <dgm:cxn modelId="{87D646A0-14D8-4FC8-886A-CAE7E3475E01}" type="presParOf" srcId="{4EDAE9AE-E24F-4E39-9762-EB3936D65FD6}" destId="{131195C7-B484-474A-B7D8-21C7C2F4367C}" srcOrd="3" destOrd="0" presId="urn:microsoft.com/office/officeart/2005/8/layout/hierarchy1"/>
-    <dgm:cxn modelId="{6EA1FF20-E9ED-4A04-9635-B71BE2860547}" type="presParOf" srcId="{131195C7-B484-474A-B7D8-21C7C2F4367C}" destId="{B3CBA81C-D984-455D-9F36-5E097278B4A1}" srcOrd="0" destOrd="0" presId="urn:microsoft.com/office/officeart/2005/8/layout/hierarchy1"/>
-    <dgm:cxn modelId="{E3201608-294B-46E5-BE36-8E04EE05287C}" type="presParOf" srcId="{B3CBA81C-D984-455D-9F36-5E097278B4A1}" destId="{D8CE0653-1A96-483B-BA20-AC4E94BC00D7}" srcOrd="0" destOrd="0" presId="urn:microsoft.com/office/officeart/2005/8/layout/hierarchy1"/>
-    <dgm:cxn modelId="{00052227-E56B-4424-8CFB-71C863719EB8}" type="presParOf" srcId="{B3CBA81C-D984-455D-9F36-5E097278B4A1}" destId="{6559CBCD-0971-4B08-A018-8154E0642DC0}" srcOrd="1" destOrd="0" presId="urn:microsoft.com/office/officeart/2005/8/layout/hierarchy1"/>
-    <dgm:cxn modelId="{C4E2F7D0-5985-40CB-B43E-4010E84A6C8B}" type="presParOf" srcId="{131195C7-B484-474A-B7D8-21C7C2F4367C}" destId="{EAC5A0B0-768E-44D5-A133-A02A5B17BCB4}" srcOrd="1" destOrd="0" presId="urn:microsoft.com/office/officeart/2005/8/layout/hierarchy1"/>
-    <dgm:cxn modelId="{E53A56E1-6D33-48BC-960E-0E7F41FB7418}" type="presParOf" srcId="{4EDAE9AE-E24F-4E39-9762-EB3936D65FD6}" destId="{EEA197E9-54DD-4A79-B2B2-0B73109648CF}" srcOrd="4" destOrd="0" presId="urn:microsoft.com/office/officeart/2005/8/layout/hierarchy1"/>
-    <dgm:cxn modelId="{9EE8A622-D886-4CFF-A5CF-8C16A333684A}" type="presParOf" srcId="{4EDAE9AE-E24F-4E39-9762-EB3936D65FD6}" destId="{3587B552-73E5-4FA2-BE64-F95A105F9FFA}" srcOrd="5" destOrd="0" presId="urn:microsoft.com/office/officeart/2005/8/layout/hierarchy1"/>
-    <dgm:cxn modelId="{32CD8591-6580-45D6-A4F1-35A597F40E1A}" type="presParOf" srcId="{3587B552-73E5-4FA2-BE64-F95A105F9FFA}" destId="{1A9AF896-DB43-403C-B692-D29F857BAF95}" srcOrd="0" destOrd="0" presId="urn:microsoft.com/office/officeart/2005/8/layout/hierarchy1"/>
-    <dgm:cxn modelId="{6FB4091F-138A-4D66-A1CB-277DD728B650}" type="presParOf" srcId="{1A9AF896-DB43-403C-B692-D29F857BAF95}" destId="{5C2D9B54-1C8A-4722-BF75-9974E5A27B78}" srcOrd="0" destOrd="0" presId="urn:microsoft.com/office/officeart/2005/8/layout/hierarchy1"/>
-    <dgm:cxn modelId="{DD2B21F4-825E-4E6E-A1E2-B0A91EA653C9}" type="presParOf" srcId="{1A9AF896-DB43-403C-B692-D29F857BAF95}" destId="{75B1F74C-4B03-4F82-A9DB-3A1C8E01F465}" srcOrd="1" destOrd="0" presId="urn:microsoft.com/office/officeart/2005/8/layout/hierarchy1"/>
-    <dgm:cxn modelId="{E98EF848-AB9A-466A-A3AE-B1B825BE749D}" type="presParOf" srcId="{3587B552-73E5-4FA2-BE64-F95A105F9FFA}" destId="{3ABA47A0-2847-4C62-BADF-716858982D6F}" srcOrd="1" destOrd="0" presId="urn:microsoft.com/office/officeart/2005/8/layout/hierarchy1"/>
-    <dgm:cxn modelId="{5FDCB500-4C1E-40C5-A0C1-C6034A05C831}" type="presParOf" srcId="{4EDAE9AE-E24F-4E39-9762-EB3936D65FD6}" destId="{D8FF3A0A-A261-4C4E-A484-C5C553E85B04}" srcOrd="6" destOrd="0" presId="urn:microsoft.com/office/officeart/2005/8/layout/hierarchy1"/>
-    <dgm:cxn modelId="{F2CD8EEF-E806-4493-A21A-3A98DC0D5562}" type="presParOf" srcId="{4EDAE9AE-E24F-4E39-9762-EB3936D65FD6}" destId="{63604EBA-1453-46EF-91FA-3DFB2CA0BA49}" srcOrd="7" destOrd="0" presId="urn:microsoft.com/office/officeart/2005/8/layout/hierarchy1"/>
-    <dgm:cxn modelId="{389E1732-BEBD-43EA-AD50-C9934ACFE3FC}" type="presParOf" srcId="{63604EBA-1453-46EF-91FA-3DFB2CA0BA49}" destId="{6F7E9EB2-8663-4C34-86E6-A8A8324B30EB}" srcOrd="0" destOrd="0" presId="urn:microsoft.com/office/officeart/2005/8/layout/hierarchy1"/>
-    <dgm:cxn modelId="{A3A3E689-C086-4261-81A8-5E26AF94AB4D}" type="presParOf" srcId="{6F7E9EB2-8663-4C34-86E6-A8A8324B30EB}" destId="{2F9BECCF-BF0C-47BC-B078-C367A8F67CC0}" srcOrd="0" destOrd="0" presId="urn:microsoft.com/office/officeart/2005/8/layout/hierarchy1"/>
-    <dgm:cxn modelId="{AA5C3F7E-779C-4BF6-89CE-721138E4C170}" type="presParOf" srcId="{6F7E9EB2-8663-4C34-86E6-A8A8324B30EB}" destId="{26FE4FE4-E44C-408F-A5EF-76D6BF6E55FC}" srcOrd="1" destOrd="0" presId="urn:microsoft.com/office/officeart/2005/8/layout/hierarchy1"/>
-    <dgm:cxn modelId="{B49B880D-D940-404B-8A28-212645C98569}" type="presParOf" srcId="{63604EBA-1453-46EF-91FA-3DFB2CA0BA49}" destId="{5A3AACE3-FC9A-444F-A082-A97E2D41946E}" srcOrd="1" destOrd="0" presId="urn:microsoft.com/office/officeart/2005/8/layout/hierarchy1"/>
-    <dgm:cxn modelId="{BBAFEE53-13E8-4114-9D82-4B6202140193}" type="presParOf" srcId="{4EDAE9AE-E24F-4E39-9762-EB3936D65FD6}" destId="{F33758A1-CB7F-44AA-A713-E18CE72721EC}" srcOrd="8" destOrd="0" presId="urn:microsoft.com/office/officeart/2005/8/layout/hierarchy1"/>
-    <dgm:cxn modelId="{BCE750D7-5D38-4013-8634-E6580674E1B3}" type="presParOf" srcId="{4EDAE9AE-E24F-4E39-9762-EB3936D65FD6}" destId="{4F6FD16D-561A-405E-9EFC-B8827F4451DA}" srcOrd="9" destOrd="0" presId="urn:microsoft.com/office/officeart/2005/8/layout/hierarchy1"/>
-    <dgm:cxn modelId="{8B6A4E2C-A9A1-41EC-BBA5-95446CD4AB7D}" type="presParOf" srcId="{4F6FD16D-561A-405E-9EFC-B8827F4451DA}" destId="{D7E7C238-4EBF-47D6-9133-0569AC7E1AC3}" srcOrd="0" destOrd="0" presId="urn:microsoft.com/office/officeart/2005/8/layout/hierarchy1"/>
-    <dgm:cxn modelId="{267DA3C9-5699-4093-8874-781F5356B17B}" type="presParOf" srcId="{D7E7C238-4EBF-47D6-9133-0569AC7E1AC3}" destId="{B4A47A28-26F2-44E5-9A2D-AE8A0B1C0946}" srcOrd="0" destOrd="0" presId="urn:microsoft.com/office/officeart/2005/8/layout/hierarchy1"/>
-    <dgm:cxn modelId="{CC349EAE-088D-48D8-8859-F772644B9004}" type="presParOf" srcId="{D7E7C238-4EBF-47D6-9133-0569AC7E1AC3}" destId="{E5FA4415-11F8-46A9-BCD0-38A4441708B1}" srcOrd="1" destOrd="0" presId="urn:microsoft.com/office/officeart/2005/8/layout/hierarchy1"/>
-    <dgm:cxn modelId="{9CF81959-CA71-464A-AFE6-EE2F0FA8F598}" type="presParOf" srcId="{4F6FD16D-561A-405E-9EFC-B8827F4451DA}" destId="{05C01AF7-6765-48C0-A525-DECE936ACB34}" srcOrd="1" destOrd="0" presId="urn:microsoft.com/office/officeart/2005/8/layout/hierarchy1"/>
+    <dgm:cxn modelId="{65DCD76B-05B7-424F-BC01-8BBD907B7510}" type="presParOf" srcId="{5B2CAF19-7785-40AE-9412-F3C8193F9964}" destId="{74DEA0E7-BD81-494C-9280-31DE25D2D931}" srcOrd="1" destOrd="0" presId="urn:microsoft.com/office/officeart/2005/8/layout/hierarchy1"/>
+    <dgm:cxn modelId="{5DC99FEE-5CD6-4B3E-A418-B9BE0F0B3DBA}" type="presParOf" srcId="{74DEA0E7-BD81-494C-9280-31DE25D2D931}" destId="{05C0A35C-94D8-484A-BDF0-A7258C80AECC}" srcOrd="0" destOrd="0" presId="urn:microsoft.com/office/officeart/2005/8/layout/hierarchy1"/>
+    <dgm:cxn modelId="{5D13433D-FCDC-4BA4-AEA0-FAD6721CB1D0}" type="presParOf" srcId="{05C0A35C-94D8-484A-BDF0-A7258C80AECC}" destId="{700D015B-AFA3-42BD-AB2A-27B0BB858A4E}" srcOrd="0" destOrd="0" presId="urn:microsoft.com/office/officeart/2005/8/layout/hierarchy1"/>
+    <dgm:cxn modelId="{AC19723C-8F01-4D14-8863-A07BE1ADB615}" type="presParOf" srcId="{05C0A35C-94D8-484A-BDF0-A7258C80AECC}" destId="{B3A9F12F-1A23-47D5-B037-71CF066C5B93}" srcOrd="1" destOrd="0" presId="urn:microsoft.com/office/officeart/2005/8/layout/hierarchy1"/>
+    <dgm:cxn modelId="{AF3D95EB-E702-48DC-9FAB-B936C4608C41}" type="presParOf" srcId="{74DEA0E7-BD81-494C-9280-31DE25D2D931}" destId="{F082CEA5-D7F5-4E8A-B28B-98416D2F30A8}" srcOrd="1" destOrd="0" presId="urn:microsoft.com/office/officeart/2005/8/layout/hierarchy1"/>
+    <dgm:cxn modelId="{4943A4C9-EBFD-4053-852E-D75E2F3CE48A}" type="presParOf" srcId="{F082CEA5-D7F5-4E8A-B28B-98416D2F30A8}" destId="{0D26666D-E0C7-41C1-AD6A-BAAF53322805}" srcOrd="0" destOrd="0" presId="urn:microsoft.com/office/officeart/2005/8/layout/hierarchy1"/>
+    <dgm:cxn modelId="{64B63DDE-47E9-45DA-8E79-F1203BB61022}" type="presParOf" srcId="{F082CEA5-D7F5-4E8A-B28B-98416D2F30A8}" destId="{A8715FE7-A315-4416-B4CE-389B29C311EE}" srcOrd="1" destOrd="0" presId="urn:microsoft.com/office/officeart/2005/8/layout/hierarchy1"/>
+    <dgm:cxn modelId="{3C97F2EB-48A4-4D65-A92D-737DD80530D1}" type="presParOf" srcId="{A8715FE7-A315-4416-B4CE-389B29C311EE}" destId="{11E7B09C-66E1-443B-A0E3-050BE9B7DCB1}" srcOrd="0" destOrd="0" presId="urn:microsoft.com/office/officeart/2005/8/layout/hierarchy1"/>
+    <dgm:cxn modelId="{B3F5FA7E-7AC0-45DD-B5D2-4F75888E5292}" type="presParOf" srcId="{11E7B09C-66E1-443B-A0E3-050BE9B7DCB1}" destId="{198B5CB9-012D-4ED7-BF20-6818AEAD4F86}" srcOrd="0" destOrd="0" presId="urn:microsoft.com/office/officeart/2005/8/layout/hierarchy1"/>
+    <dgm:cxn modelId="{A91298CE-DF01-4704-A49F-45FA2C3EDE32}" type="presParOf" srcId="{11E7B09C-66E1-443B-A0E3-050BE9B7DCB1}" destId="{3E214654-705B-46B4-B3C4-D9E378BDF068}" srcOrd="1" destOrd="0" presId="urn:microsoft.com/office/officeart/2005/8/layout/hierarchy1"/>
+    <dgm:cxn modelId="{81B265C9-EE3C-48C8-A036-9F4111B96AD0}" type="presParOf" srcId="{A8715FE7-A315-4416-B4CE-389B29C311EE}" destId="{03B47080-7876-474A-BCAA-84CF8147E4B1}" srcOrd="1" destOrd="0" presId="urn:microsoft.com/office/officeart/2005/8/layout/hierarchy1"/>
+    <dgm:cxn modelId="{53BCD7BE-95CE-4E50-9D5B-36FB23FB6E30}" type="presParOf" srcId="{03B47080-7876-474A-BCAA-84CF8147E4B1}" destId="{8F88C318-1FB4-4FB5-89D3-7562EB46706F}" srcOrd="0" destOrd="0" presId="urn:microsoft.com/office/officeart/2005/8/layout/hierarchy1"/>
+    <dgm:cxn modelId="{E76539DB-8617-424D-B050-7E15F8E31427}" type="presParOf" srcId="{03B47080-7876-474A-BCAA-84CF8147E4B1}" destId="{23E6F760-C4CF-4F61-B568-E3BAF0F3C275}" srcOrd="1" destOrd="0" presId="urn:microsoft.com/office/officeart/2005/8/layout/hierarchy1"/>
+    <dgm:cxn modelId="{733F6EFD-5BD6-42EE-BDDC-C7EC7BC1D346}" type="presParOf" srcId="{23E6F760-C4CF-4F61-B568-E3BAF0F3C275}" destId="{408368DC-D4AC-4C58-A00D-3BAA50D0B434}" srcOrd="0" destOrd="0" presId="urn:microsoft.com/office/officeart/2005/8/layout/hierarchy1"/>
+    <dgm:cxn modelId="{79855568-9489-480D-A565-D553D5A320F7}" type="presParOf" srcId="{408368DC-D4AC-4C58-A00D-3BAA50D0B434}" destId="{69114182-2411-4547-BCB0-E961F29EE7BA}" srcOrd="0" destOrd="0" presId="urn:microsoft.com/office/officeart/2005/8/layout/hierarchy1"/>
+    <dgm:cxn modelId="{5108EC32-E3A5-4D76-B758-2BD3D6970E16}" type="presParOf" srcId="{408368DC-D4AC-4C58-A00D-3BAA50D0B434}" destId="{85F1F78F-A02B-44C8-8B3E-083D3186FC23}" srcOrd="1" destOrd="0" presId="urn:microsoft.com/office/officeart/2005/8/layout/hierarchy1"/>
+    <dgm:cxn modelId="{D7E8E1FD-788D-4325-BEA8-96E4C4D13D08}" type="presParOf" srcId="{23E6F760-C4CF-4F61-B568-E3BAF0F3C275}" destId="{B5FFBD84-FEF6-4E77-885C-95B97461A493}" srcOrd="1" destOrd="0" presId="urn:microsoft.com/office/officeart/2005/8/layout/hierarchy1"/>
+    <dgm:cxn modelId="{DD88ADF3-F63D-4791-B5DA-F1C8BAC3045C}" type="presParOf" srcId="{03B47080-7876-474A-BCAA-84CF8147E4B1}" destId="{9E3A0485-679B-4A42-946A-81FE00B4E484}" srcOrd="2" destOrd="0" presId="urn:microsoft.com/office/officeart/2005/8/layout/hierarchy1"/>
+    <dgm:cxn modelId="{AD52265D-4786-42EF-9748-32C01D235E4B}" type="presParOf" srcId="{03B47080-7876-474A-BCAA-84CF8147E4B1}" destId="{F4059196-6432-4006-B59B-8FC9AA782349}" srcOrd="3" destOrd="0" presId="urn:microsoft.com/office/officeart/2005/8/layout/hierarchy1"/>
+    <dgm:cxn modelId="{1E17700D-BE15-4E20-A1BB-B4A121A34E93}" type="presParOf" srcId="{F4059196-6432-4006-B59B-8FC9AA782349}" destId="{52F737E1-5474-428F-99B5-9B22F911764E}" srcOrd="0" destOrd="0" presId="urn:microsoft.com/office/officeart/2005/8/layout/hierarchy1"/>
+    <dgm:cxn modelId="{59F14600-DA99-4A69-9F9D-89DD3D5AE709}" type="presParOf" srcId="{52F737E1-5474-428F-99B5-9B22F911764E}" destId="{AF17A29E-60B7-4261-90F0-B496B17E6AF2}" srcOrd="0" destOrd="0" presId="urn:microsoft.com/office/officeart/2005/8/layout/hierarchy1"/>
+    <dgm:cxn modelId="{5834ABB6-8164-4250-A4EC-468399C438CA}" type="presParOf" srcId="{52F737E1-5474-428F-99B5-9B22F911764E}" destId="{05E1CE2C-9F59-4B8D-AA6B-875C99D9C74F}" srcOrd="1" destOrd="0" presId="urn:microsoft.com/office/officeart/2005/8/layout/hierarchy1"/>
+    <dgm:cxn modelId="{1039A63C-AD93-4EAA-A12C-7356BA18CC15}" type="presParOf" srcId="{F4059196-6432-4006-B59B-8FC9AA782349}" destId="{9E3F7AC9-FF8F-4957-ADF3-5F341C5E6CAC}" srcOrd="1" destOrd="0" presId="urn:microsoft.com/office/officeart/2005/8/layout/hierarchy1"/>
+    <dgm:cxn modelId="{783C39C2-18C5-4E87-9ADF-E6BB2A060755}" type="presParOf" srcId="{F082CEA5-D7F5-4E8A-B28B-98416D2F30A8}" destId="{3A05B3A4-9FAB-4540-BD44-CBCF8DC7C8E6}" srcOrd="2" destOrd="0" presId="urn:microsoft.com/office/officeart/2005/8/layout/hierarchy1"/>
+    <dgm:cxn modelId="{DF160FA9-08AE-4109-B490-BD7650E2FB72}" type="presParOf" srcId="{F082CEA5-D7F5-4E8A-B28B-98416D2F30A8}" destId="{D2103F22-E340-40F7-89E3-C0D59AB5F2A0}" srcOrd="3" destOrd="0" presId="urn:microsoft.com/office/officeart/2005/8/layout/hierarchy1"/>
+    <dgm:cxn modelId="{AC3E6096-0B0B-4972-9675-F71DE2C51A1C}" type="presParOf" srcId="{D2103F22-E340-40F7-89E3-C0D59AB5F2A0}" destId="{EA74C249-4D7C-4624-81F5-0BC3F472C5A5}" srcOrd="0" destOrd="0" presId="urn:microsoft.com/office/officeart/2005/8/layout/hierarchy1"/>
+    <dgm:cxn modelId="{EC846A8F-55C9-4554-90B3-FF590EA1026D}" type="presParOf" srcId="{EA74C249-4D7C-4624-81F5-0BC3F472C5A5}" destId="{34D8B88C-46A1-4485-AE0B-2260F6D52822}" srcOrd="0" destOrd="0" presId="urn:microsoft.com/office/officeart/2005/8/layout/hierarchy1"/>
+    <dgm:cxn modelId="{20F9CC4D-713B-4A00-80E0-D04768264674}" type="presParOf" srcId="{EA74C249-4D7C-4624-81F5-0BC3F472C5A5}" destId="{6109C40D-5F71-46EE-87E7-2F61B4AAB7F0}" srcOrd="1" destOrd="0" presId="urn:microsoft.com/office/officeart/2005/8/layout/hierarchy1"/>
+    <dgm:cxn modelId="{185B185E-F1C6-4726-BBB2-8EB8ADC382C8}" type="presParOf" srcId="{D2103F22-E340-40F7-89E3-C0D59AB5F2A0}" destId="{81CB43EA-0286-4418-9A64-BCB08CC57000}" srcOrd="1" destOrd="0" presId="urn:microsoft.com/office/officeart/2005/8/layout/hierarchy1"/>
+    <dgm:cxn modelId="{6BC9B878-BF08-40CE-974C-CC09E5A4D0A2}" type="presParOf" srcId="{F082CEA5-D7F5-4E8A-B28B-98416D2F30A8}" destId="{4B2F8318-E95C-472D-B310-7E82E7B3D4EA}" srcOrd="4" destOrd="0" presId="urn:microsoft.com/office/officeart/2005/8/layout/hierarchy1"/>
+    <dgm:cxn modelId="{606A45F7-8CBB-494D-B974-D1264FFF1DD4}" type="presParOf" srcId="{F082CEA5-D7F5-4E8A-B28B-98416D2F30A8}" destId="{62E4F4C4-5849-4DDA-B26F-EC03D91CC366}" srcOrd="5" destOrd="0" presId="urn:microsoft.com/office/officeart/2005/8/layout/hierarchy1"/>
+    <dgm:cxn modelId="{E5505821-F8FD-42FE-AA0F-2CFCF3E8AF68}" type="presParOf" srcId="{62E4F4C4-5849-4DDA-B26F-EC03D91CC366}" destId="{BF42F58D-6948-41A2-853A-042C8AD2FD4C}" srcOrd="0" destOrd="0" presId="urn:microsoft.com/office/officeart/2005/8/layout/hierarchy1"/>
+    <dgm:cxn modelId="{7DD88F4F-D2C1-4FDD-BC54-A3614C427478}" type="presParOf" srcId="{BF42F58D-6948-41A2-853A-042C8AD2FD4C}" destId="{201B9BB5-326C-4775-B2D2-FAF54AA7DED8}" srcOrd="0" destOrd="0" presId="urn:microsoft.com/office/officeart/2005/8/layout/hierarchy1"/>
+    <dgm:cxn modelId="{BC0C53F2-B966-4649-A347-471BD33B3DA2}" type="presParOf" srcId="{BF42F58D-6948-41A2-853A-042C8AD2FD4C}" destId="{14B0BB6C-B295-4C7C-A331-B24145486038}" srcOrd="1" destOrd="0" presId="urn:microsoft.com/office/officeart/2005/8/layout/hierarchy1"/>
+    <dgm:cxn modelId="{4E6A18A1-0D1A-4F0F-A465-402D6B95A1BA}" type="presParOf" srcId="{62E4F4C4-5849-4DDA-B26F-EC03D91CC366}" destId="{505C30BE-9EDB-4FC4-A868-EC28798B47E2}" srcOrd="1" destOrd="0" presId="urn:microsoft.com/office/officeart/2005/8/layout/hierarchy1"/>
+    <dgm:cxn modelId="{3A95EFDB-E193-47AC-ABAB-0247F351EF8A}" type="presParOf" srcId="{F082CEA5-D7F5-4E8A-B28B-98416D2F30A8}" destId="{FFFB992C-BD62-41FC-9F12-2F98C6725967}" srcOrd="6" destOrd="0" presId="urn:microsoft.com/office/officeart/2005/8/layout/hierarchy1"/>
+    <dgm:cxn modelId="{F90040C1-9885-4ADD-9819-E42A15CFD5FE}" type="presParOf" srcId="{F082CEA5-D7F5-4E8A-B28B-98416D2F30A8}" destId="{3F0DE67C-33CB-4549-BA25-4F8EACDB9FA2}" srcOrd="7" destOrd="0" presId="urn:microsoft.com/office/officeart/2005/8/layout/hierarchy1"/>
+    <dgm:cxn modelId="{55C8D5FF-4C51-4462-B131-CD09032C9664}" type="presParOf" srcId="{3F0DE67C-33CB-4549-BA25-4F8EACDB9FA2}" destId="{242B953B-6399-46B1-95C7-767547FFB793}" srcOrd="0" destOrd="0" presId="urn:microsoft.com/office/officeart/2005/8/layout/hierarchy1"/>
+    <dgm:cxn modelId="{FB31008E-D624-4AE7-9AAB-00F68CB007AD}" type="presParOf" srcId="{242B953B-6399-46B1-95C7-767547FFB793}" destId="{E82329AD-5AE1-4847-8F65-722893B8F6CD}" srcOrd="0" destOrd="0" presId="urn:microsoft.com/office/officeart/2005/8/layout/hierarchy1"/>
+    <dgm:cxn modelId="{2F79B176-2F3E-4AF6-AD7F-75E91A1B1EAD}" type="presParOf" srcId="{242B953B-6399-46B1-95C7-767547FFB793}" destId="{9363CBE9-4805-41A1-8E99-B58790EC05D9}" srcOrd="1" destOrd="0" presId="urn:microsoft.com/office/officeart/2005/8/layout/hierarchy1"/>
+    <dgm:cxn modelId="{D4AE586A-F888-4E71-A36E-AB5451056F04}" type="presParOf" srcId="{3F0DE67C-33CB-4549-BA25-4F8EACDB9FA2}" destId="{F33D9C36-A56B-4434-A4CD-09DAB8EA9720}" srcOrd="1" destOrd="0" presId="urn:microsoft.com/office/officeart/2005/8/layout/hierarchy1"/>
+    <dgm:cxn modelId="{6D66253F-6FE2-4C14-A762-9F05EE577FEC}" type="presParOf" srcId="{F082CEA5-D7F5-4E8A-B28B-98416D2F30A8}" destId="{4CDE7DD9-2B1C-4CB1-9CEB-E0D8041096DD}" srcOrd="8" destOrd="0" presId="urn:microsoft.com/office/officeart/2005/8/layout/hierarchy1"/>
+    <dgm:cxn modelId="{F6024092-4726-4073-A190-8B3BD1BE2E43}" type="presParOf" srcId="{F082CEA5-D7F5-4E8A-B28B-98416D2F30A8}" destId="{A8CA3109-7384-4B5A-A558-28ADC2F8A19B}" srcOrd="9" destOrd="0" presId="urn:microsoft.com/office/officeart/2005/8/layout/hierarchy1"/>
+    <dgm:cxn modelId="{CB1F955E-1EAB-487E-A55E-F4B129D4BE3C}" type="presParOf" srcId="{A8CA3109-7384-4B5A-A558-28ADC2F8A19B}" destId="{E5BC9752-5763-45AB-A009-6AD784262571}" srcOrd="0" destOrd="0" presId="urn:microsoft.com/office/officeart/2005/8/layout/hierarchy1"/>
+    <dgm:cxn modelId="{9F484E17-4D36-412F-8551-8931D13B70C3}" type="presParOf" srcId="{E5BC9752-5763-45AB-A009-6AD784262571}" destId="{6AE033C5-5252-44DA-94C3-499D33540D4C}" srcOrd="0" destOrd="0" presId="urn:microsoft.com/office/officeart/2005/8/layout/hierarchy1"/>
+    <dgm:cxn modelId="{7878046C-87C4-41B4-827A-1899BECD28F2}" type="presParOf" srcId="{E5BC9752-5763-45AB-A009-6AD784262571}" destId="{CA9C1DC5-E930-4CBE-BEF3-B39299F08B4E}" srcOrd="1" destOrd="0" presId="urn:microsoft.com/office/officeart/2005/8/layout/hierarchy1"/>
+    <dgm:cxn modelId="{D2E6ABEC-E6E0-46D8-AF0F-DFE72F30AFD5}" type="presParOf" srcId="{A8CA3109-7384-4B5A-A558-28ADC2F8A19B}" destId="{ED7979DF-DC56-4FB0-AF16-53DD588C5EFB}" srcOrd="1" destOrd="0" presId="urn:microsoft.com/office/officeart/2005/8/layout/hierarchy1"/>
   </dgm:cxnLst>
   <dgm:bg/>
   <dgm:whole/>
@@ -1879,15 +1879,15 @@
       <dsp:cNvGrpSpPr/>
     </dsp:nvGrpSpPr>
     <dsp:grpSpPr/>
-    <dsp:sp modelId="{F33758A1-CB7F-44AA-A713-E18CE72721EC}">
+    <dsp:sp modelId="{4CDE7DD9-2B1C-4CB1-9CEB-E0D8041096DD}">
       <dsp:nvSpPr>
         <dsp:cNvPr id="0" name=""/>
         <dsp:cNvSpPr/>
       </dsp:nvSpPr>
       <dsp:spPr>
         <a:xfrm>
-          <a:off x="5222030" y="2041862"/>
-          <a:ext cx="3197083" cy="380380"/>
+          <a:off x="5265053" y="1322643"/>
+          <a:ext cx="3617752" cy="430430"/>
         </a:xfrm>
         <a:custGeom>
           <a:avLst/>
@@ -1901,13 +1901,247 @@
                 <a:pt x="0" y="0"/>
               </a:moveTo>
               <a:lnTo>
-                <a:pt x="0" y="259218"/>
+                <a:pt x="0" y="293325"/>
               </a:lnTo>
               <a:lnTo>
-                <a:pt x="3197083" y="259218"/>
+                <a:pt x="3617752" y="293325"/>
               </a:lnTo>
               <a:lnTo>
-                <a:pt x="3197083" y="380380"/>
+                <a:pt x="3617752" y="430430"/>
+              </a:lnTo>
+            </a:path>
+          </a:pathLst>
+        </a:custGeom>
+        <a:noFill/>
+        <a:ln w="19050" cap="rnd" cmpd="sng" algn="ctr">
+          <a:solidFill>
+            <a:schemeClr val="accent2">
+              <a:hueOff val="0"/>
+              <a:satOff val="0"/>
+              <a:lumOff val="0"/>
+              <a:alphaOff val="0"/>
+            </a:schemeClr>
+          </a:solidFill>
+          <a:prstDash val="solid"/>
+        </a:ln>
+        <a:effectLst/>
+      </dsp:spPr>
+      <dsp:style>
+        <a:lnRef idx="2">
+          <a:scrgbClr r="0" g="0" b="0"/>
+        </a:lnRef>
+        <a:fillRef idx="0">
+          <a:scrgbClr r="0" g="0" b="0"/>
+        </a:fillRef>
+        <a:effectRef idx="0">
+          <a:scrgbClr r="0" g="0" b="0"/>
+        </a:effectRef>
+        <a:fontRef idx="minor"/>
+      </dsp:style>
+    </dsp:sp>
+    <dsp:sp modelId="{FFFB992C-BD62-41FC-9F12-2F98C6725967}">
+      <dsp:nvSpPr>
+        <dsp:cNvPr id="0" name=""/>
+        <dsp:cNvSpPr/>
+      </dsp:nvSpPr>
+      <dsp:spPr>
+        <a:xfrm>
+          <a:off x="5265053" y="1322643"/>
+          <a:ext cx="1808876" cy="430430"/>
+        </a:xfrm>
+        <a:custGeom>
+          <a:avLst/>
+          <a:gdLst/>
+          <a:ahLst/>
+          <a:cxnLst/>
+          <a:rect l="0" t="0" r="0" b="0"/>
+          <a:pathLst>
+            <a:path>
+              <a:moveTo>
+                <a:pt x="0" y="0"/>
+              </a:moveTo>
+              <a:lnTo>
+                <a:pt x="0" y="293325"/>
+              </a:lnTo>
+              <a:lnTo>
+                <a:pt x="1808876" y="293325"/>
+              </a:lnTo>
+              <a:lnTo>
+                <a:pt x="1808876" y="430430"/>
+              </a:lnTo>
+            </a:path>
+          </a:pathLst>
+        </a:custGeom>
+        <a:noFill/>
+        <a:ln w="19050" cap="rnd" cmpd="sng" algn="ctr">
+          <a:solidFill>
+            <a:schemeClr val="accent2">
+              <a:hueOff val="0"/>
+              <a:satOff val="0"/>
+              <a:lumOff val="0"/>
+              <a:alphaOff val="0"/>
+            </a:schemeClr>
+          </a:solidFill>
+          <a:prstDash val="solid"/>
+        </a:ln>
+        <a:effectLst/>
+      </dsp:spPr>
+      <dsp:style>
+        <a:lnRef idx="2">
+          <a:scrgbClr r="0" g="0" b="0"/>
+        </a:lnRef>
+        <a:fillRef idx="0">
+          <a:scrgbClr r="0" g="0" b="0"/>
+        </a:fillRef>
+        <a:effectRef idx="0">
+          <a:scrgbClr r="0" g="0" b="0"/>
+        </a:effectRef>
+        <a:fontRef idx="minor"/>
+      </dsp:style>
+    </dsp:sp>
+    <dsp:sp modelId="{4B2F8318-E95C-472D-B310-7E82E7B3D4EA}">
+      <dsp:nvSpPr>
+        <dsp:cNvPr id="0" name=""/>
+        <dsp:cNvSpPr/>
+      </dsp:nvSpPr>
+      <dsp:spPr>
+        <a:xfrm>
+          <a:off x="5219333" y="1322643"/>
+          <a:ext cx="91440" cy="430430"/>
+        </a:xfrm>
+        <a:custGeom>
+          <a:avLst/>
+          <a:gdLst/>
+          <a:ahLst/>
+          <a:cxnLst/>
+          <a:rect l="0" t="0" r="0" b="0"/>
+          <a:pathLst>
+            <a:path>
+              <a:moveTo>
+                <a:pt x="45720" y="0"/>
+              </a:moveTo>
+              <a:lnTo>
+                <a:pt x="45720" y="430430"/>
+              </a:lnTo>
+            </a:path>
+          </a:pathLst>
+        </a:custGeom>
+        <a:noFill/>
+        <a:ln w="19050" cap="rnd" cmpd="sng" algn="ctr">
+          <a:solidFill>
+            <a:schemeClr val="accent2">
+              <a:hueOff val="0"/>
+              <a:satOff val="0"/>
+              <a:lumOff val="0"/>
+              <a:alphaOff val="0"/>
+            </a:schemeClr>
+          </a:solidFill>
+          <a:prstDash val="solid"/>
+        </a:ln>
+        <a:effectLst/>
+      </dsp:spPr>
+      <dsp:style>
+        <a:lnRef idx="2">
+          <a:scrgbClr r="0" g="0" b="0"/>
+        </a:lnRef>
+        <a:fillRef idx="0">
+          <a:scrgbClr r="0" g="0" b="0"/>
+        </a:fillRef>
+        <a:effectRef idx="0">
+          <a:scrgbClr r="0" g="0" b="0"/>
+        </a:effectRef>
+        <a:fontRef idx="minor"/>
+      </dsp:style>
+    </dsp:sp>
+    <dsp:sp modelId="{3A05B3A4-9FAB-4540-BD44-CBCF8DC7C8E6}">
+      <dsp:nvSpPr>
+        <dsp:cNvPr id="0" name=""/>
+        <dsp:cNvSpPr/>
+      </dsp:nvSpPr>
+      <dsp:spPr>
+        <a:xfrm>
+          <a:off x="3456177" y="1322643"/>
+          <a:ext cx="1808876" cy="430430"/>
+        </a:xfrm>
+        <a:custGeom>
+          <a:avLst/>
+          <a:gdLst/>
+          <a:ahLst/>
+          <a:cxnLst/>
+          <a:rect l="0" t="0" r="0" b="0"/>
+          <a:pathLst>
+            <a:path>
+              <a:moveTo>
+                <a:pt x="1808876" y="0"/>
+              </a:moveTo>
+              <a:lnTo>
+                <a:pt x="1808876" y="293325"/>
+              </a:lnTo>
+              <a:lnTo>
+                <a:pt x="0" y="293325"/>
+              </a:lnTo>
+              <a:lnTo>
+                <a:pt x="0" y="430430"/>
+              </a:lnTo>
+            </a:path>
+          </a:pathLst>
+        </a:custGeom>
+        <a:noFill/>
+        <a:ln w="19050" cap="rnd" cmpd="sng" algn="ctr">
+          <a:solidFill>
+            <a:schemeClr val="accent2">
+              <a:hueOff val="0"/>
+              <a:satOff val="0"/>
+              <a:lumOff val="0"/>
+              <a:alphaOff val="0"/>
+            </a:schemeClr>
+          </a:solidFill>
+          <a:prstDash val="solid"/>
+        </a:ln>
+        <a:effectLst/>
+      </dsp:spPr>
+      <dsp:style>
+        <a:lnRef idx="2">
+          <a:scrgbClr r="0" g="0" b="0"/>
+        </a:lnRef>
+        <a:fillRef idx="0">
+          <a:scrgbClr r="0" g="0" b="0"/>
+        </a:fillRef>
+        <a:effectRef idx="0">
+          <a:scrgbClr r="0" g="0" b="0"/>
+        </a:effectRef>
+        <a:fontRef idx="minor"/>
+      </dsp:style>
+    </dsp:sp>
+    <dsp:sp modelId="{9E3A0485-679B-4A42-946A-81FE00B4E484}">
+      <dsp:nvSpPr>
+        <dsp:cNvPr id="0" name=""/>
+        <dsp:cNvSpPr/>
+      </dsp:nvSpPr>
+      <dsp:spPr>
+        <a:xfrm>
+          <a:off x="1647301" y="2692867"/>
+          <a:ext cx="904438" cy="430430"/>
+        </a:xfrm>
+        <a:custGeom>
+          <a:avLst/>
+          <a:gdLst/>
+          <a:ahLst/>
+          <a:cxnLst/>
+          <a:rect l="0" t="0" r="0" b="0"/>
+          <a:pathLst>
+            <a:path>
+              <a:moveTo>
+                <a:pt x="0" y="0"/>
+              </a:moveTo>
+              <a:lnTo>
+                <a:pt x="0" y="293325"/>
+              </a:lnTo>
+              <a:lnTo>
+                <a:pt x="904438" y="293325"/>
+              </a:lnTo>
+              <a:lnTo>
+                <a:pt x="904438" y="430430"/>
               </a:lnTo>
             </a:path>
           </a:pathLst>
@@ -1939,15 +2173,15 @@
         <a:fontRef idx="minor"/>
       </dsp:style>
     </dsp:sp>
-    <dsp:sp modelId="{D8FF3A0A-A261-4C4E-A484-C5C553E85B04}">
+    <dsp:sp modelId="{8F88C318-1FB4-4FB5-89D3-7562EB46706F}">
       <dsp:nvSpPr>
         <dsp:cNvPr id="0" name=""/>
         <dsp:cNvSpPr/>
       </dsp:nvSpPr>
       <dsp:spPr>
         <a:xfrm>
-          <a:off x="5222030" y="2041862"/>
-          <a:ext cx="1598541" cy="380380"/>
+          <a:off x="742862" y="2692867"/>
+          <a:ext cx="904438" cy="430430"/>
         </a:xfrm>
         <a:custGeom>
           <a:avLst/>
@@ -1958,16 +2192,16 @@
           <a:pathLst>
             <a:path>
               <a:moveTo>
-                <a:pt x="0" y="0"/>
+                <a:pt x="904438" y="0"/>
               </a:moveTo>
               <a:lnTo>
-                <a:pt x="0" y="259218"/>
+                <a:pt x="904438" y="293325"/>
               </a:lnTo>
               <a:lnTo>
-                <a:pt x="1598541" y="259218"/>
+                <a:pt x="0" y="293325"/>
               </a:lnTo>
               <a:lnTo>
-                <a:pt x="1598541" y="380380"/>
+                <a:pt x="0" y="430430"/>
               </a:lnTo>
             </a:path>
           </a:pathLst>
@@ -1999,15 +2233,15 @@
         <a:fontRef idx="minor"/>
       </dsp:style>
     </dsp:sp>
-    <dsp:sp modelId="{EEA197E9-54DD-4A79-B2B2-0B73109648CF}">
+    <dsp:sp modelId="{0D26666D-E0C7-41C1-AD6A-BAAF53322805}">
       <dsp:nvSpPr>
         <dsp:cNvPr id="0" name=""/>
         <dsp:cNvSpPr/>
       </dsp:nvSpPr>
       <dsp:spPr>
         <a:xfrm>
-          <a:off x="5176310" y="2041862"/>
-          <a:ext cx="91440" cy="380380"/>
+          <a:off x="1647301" y="1322643"/>
+          <a:ext cx="3617752" cy="430430"/>
         </a:xfrm>
         <a:custGeom>
           <a:avLst/>
@@ -2018,304 +2252,16 @@
           <a:pathLst>
             <a:path>
               <a:moveTo>
-                <a:pt x="45720" y="0"/>
+                <a:pt x="3617752" y="0"/>
               </a:moveTo>
               <a:lnTo>
-                <a:pt x="45720" y="380380"/>
-              </a:lnTo>
-            </a:path>
-          </a:pathLst>
-        </a:custGeom>
-        <a:noFill/>
-        <a:ln w="19050" cap="rnd" cmpd="sng" algn="ctr">
-          <a:solidFill>
-            <a:schemeClr val="accent3">
-              <a:hueOff val="0"/>
-              <a:satOff val="0"/>
-              <a:lumOff val="0"/>
-              <a:alphaOff val="0"/>
-            </a:schemeClr>
-          </a:solidFill>
-          <a:prstDash val="solid"/>
-        </a:ln>
-        <a:effectLst/>
-      </dsp:spPr>
-      <dsp:style>
-        <a:lnRef idx="2">
-          <a:scrgbClr r="0" g="0" b="0"/>
-        </a:lnRef>
-        <a:fillRef idx="0">
-          <a:scrgbClr r="0" g="0" b="0"/>
-        </a:fillRef>
-        <a:effectRef idx="0">
-          <a:scrgbClr r="0" g="0" b="0"/>
-        </a:effectRef>
-        <a:fontRef idx="minor"/>
-      </dsp:style>
-    </dsp:sp>
-    <dsp:sp modelId="{454FB2B6-1B6D-4D29-8149-D973FB83F044}">
-      <dsp:nvSpPr>
-        <dsp:cNvPr id="0" name=""/>
-        <dsp:cNvSpPr/>
-      </dsp:nvSpPr>
-      <dsp:spPr>
-        <a:xfrm>
-          <a:off x="3623488" y="2041862"/>
-          <a:ext cx="1598541" cy="380380"/>
-        </a:xfrm>
-        <a:custGeom>
-          <a:avLst/>
-          <a:gdLst/>
-          <a:ahLst/>
-          <a:cxnLst/>
-          <a:rect l="0" t="0" r="0" b="0"/>
-          <a:pathLst>
-            <a:path>
-              <a:moveTo>
-                <a:pt x="1598541" y="0"/>
-              </a:moveTo>
-              <a:lnTo>
-                <a:pt x="1598541" y="259218"/>
+                <a:pt x="3617752" y="293325"/>
               </a:lnTo>
               <a:lnTo>
-                <a:pt x="0" y="259218"/>
+                <a:pt x="0" y="293325"/>
               </a:lnTo>
               <a:lnTo>
-                <a:pt x="0" y="380380"/>
-              </a:lnTo>
-            </a:path>
-          </a:pathLst>
-        </a:custGeom>
-        <a:noFill/>
-        <a:ln w="19050" cap="rnd" cmpd="sng" algn="ctr">
-          <a:solidFill>
-            <a:schemeClr val="accent3">
-              <a:hueOff val="0"/>
-              <a:satOff val="0"/>
-              <a:lumOff val="0"/>
-              <a:alphaOff val="0"/>
-            </a:schemeClr>
-          </a:solidFill>
-          <a:prstDash val="solid"/>
-        </a:ln>
-        <a:effectLst/>
-      </dsp:spPr>
-      <dsp:style>
-        <a:lnRef idx="2">
-          <a:scrgbClr r="0" g="0" b="0"/>
-        </a:lnRef>
-        <a:fillRef idx="0">
-          <a:scrgbClr r="0" g="0" b="0"/>
-        </a:fillRef>
-        <a:effectRef idx="0">
-          <a:scrgbClr r="0" g="0" b="0"/>
-        </a:effectRef>
-        <a:fontRef idx="minor"/>
-      </dsp:style>
-    </dsp:sp>
-    <dsp:sp modelId="{3A3095A9-FCAF-48F6-9D97-B7B4F990EC64}">
-      <dsp:nvSpPr>
-        <dsp:cNvPr id="0" name=""/>
-        <dsp:cNvSpPr/>
-      </dsp:nvSpPr>
-      <dsp:spPr>
-        <a:xfrm>
-          <a:off x="2024946" y="3252758"/>
-          <a:ext cx="799270" cy="380380"/>
-        </a:xfrm>
-        <a:custGeom>
-          <a:avLst/>
-          <a:gdLst/>
-          <a:ahLst/>
-          <a:cxnLst/>
-          <a:rect l="0" t="0" r="0" b="0"/>
-          <a:pathLst>
-            <a:path>
-              <a:moveTo>
-                <a:pt x="0" y="0"/>
-              </a:moveTo>
-              <a:lnTo>
-                <a:pt x="0" y="259218"/>
-              </a:lnTo>
-              <a:lnTo>
-                <a:pt x="799270" y="259218"/>
-              </a:lnTo>
-              <a:lnTo>
-                <a:pt x="799270" y="380380"/>
-              </a:lnTo>
-            </a:path>
-          </a:pathLst>
-        </a:custGeom>
-        <a:noFill/>
-        <a:ln w="19050" cap="rnd" cmpd="sng" algn="ctr">
-          <a:solidFill>
-            <a:schemeClr val="accent4">
-              <a:hueOff val="0"/>
-              <a:satOff val="0"/>
-              <a:lumOff val="0"/>
-              <a:alphaOff val="0"/>
-            </a:schemeClr>
-          </a:solidFill>
-          <a:prstDash val="solid"/>
-        </a:ln>
-        <a:effectLst/>
-      </dsp:spPr>
-      <dsp:style>
-        <a:lnRef idx="2">
-          <a:scrgbClr r="0" g="0" b="0"/>
-        </a:lnRef>
-        <a:fillRef idx="0">
-          <a:scrgbClr r="0" g="0" b="0"/>
-        </a:fillRef>
-        <a:effectRef idx="0">
-          <a:scrgbClr r="0" g="0" b="0"/>
-        </a:effectRef>
-        <a:fontRef idx="minor"/>
-      </dsp:style>
-    </dsp:sp>
-    <dsp:sp modelId="{761162DF-DD37-49E1-938B-6B47C019EA58}">
-      <dsp:nvSpPr>
-        <dsp:cNvPr id="0" name=""/>
-        <dsp:cNvSpPr/>
-      </dsp:nvSpPr>
-      <dsp:spPr>
-        <a:xfrm>
-          <a:off x="1225676" y="3252758"/>
-          <a:ext cx="799270" cy="380380"/>
-        </a:xfrm>
-        <a:custGeom>
-          <a:avLst/>
-          <a:gdLst/>
-          <a:ahLst/>
-          <a:cxnLst/>
-          <a:rect l="0" t="0" r="0" b="0"/>
-          <a:pathLst>
-            <a:path>
-              <a:moveTo>
-                <a:pt x="799270" y="0"/>
-              </a:moveTo>
-              <a:lnTo>
-                <a:pt x="799270" y="259218"/>
-              </a:lnTo>
-              <a:lnTo>
-                <a:pt x="0" y="259218"/>
-              </a:lnTo>
-              <a:lnTo>
-                <a:pt x="0" y="380380"/>
-              </a:lnTo>
-            </a:path>
-          </a:pathLst>
-        </a:custGeom>
-        <a:noFill/>
-        <a:ln w="19050" cap="rnd" cmpd="sng" algn="ctr">
-          <a:solidFill>
-            <a:schemeClr val="accent4">
-              <a:hueOff val="0"/>
-              <a:satOff val="0"/>
-              <a:lumOff val="0"/>
-              <a:alphaOff val="0"/>
-            </a:schemeClr>
-          </a:solidFill>
-          <a:prstDash val="solid"/>
-        </a:ln>
-        <a:effectLst/>
-      </dsp:spPr>
-      <dsp:style>
-        <a:lnRef idx="2">
-          <a:scrgbClr r="0" g="0" b="0"/>
-        </a:lnRef>
-        <a:fillRef idx="0">
-          <a:scrgbClr r="0" g="0" b="0"/>
-        </a:fillRef>
-        <a:effectRef idx="0">
-          <a:scrgbClr r="0" g="0" b="0"/>
-        </a:effectRef>
-        <a:fontRef idx="minor"/>
-      </dsp:style>
-    </dsp:sp>
-    <dsp:sp modelId="{32E4CE03-6BD6-4E23-9533-FE2C9E291D50}">
-      <dsp:nvSpPr>
-        <dsp:cNvPr id="0" name=""/>
-        <dsp:cNvSpPr/>
-      </dsp:nvSpPr>
-      <dsp:spPr>
-        <a:xfrm>
-          <a:off x="2024946" y="2041862"/>
-          <a:ext cx="3197083" cy="380380"/>
-        </a:xfrm>
-        <a:custGeom>
-          <a:avLst/>
-          <a:gdLst/>
-          <a:ahLst/>
-          <a:cxnLst/>
-          <a:rect l="0" t="0" r="0" b="0"/>
-          <a:pathLst>
-            <a:path>
-              <a:moveTo>
-                <a:pt x="3197083" y="0"/>
-              </a:moveTo>
-              <a:lnTo>
-                <a:pt x="3197083" y="259218"/>
-              </a:lnTo>
-              <a:lnTo>
-                <a:pt x="0" y="259218"/>
-              </a:lnTo>
-              <a:lnTo>
-                <a:pt x="0" y="380380"/>
-              </a:lnTo>
-            </a:path>
-          </a:pathLst>
-        </a:custGeom>
-        <a:noFill/>
-        <a:ln w="19050" cap="rnd" cmpd="sng" algn="ctr">
-          <a:solidFill>
-            <a:schemeClr val="accent3">
-              <a:hueOff val="0"/>
-              <a:satOff val="0"/>
-              <a:lumOff val="0"/>
-              <a:alphaOff val="0"/>
-            </a:schemeClr>
-          </a:solidFill>
-          <a:prstDash val="solid"/>
-        </a:ln>
-        <a:effectLst/>
-      </dsp:spPr>
-      <dsp:style>
-        <a:lnRef idx="2">
-          <a:scrgbClr r="0" g="0" b="0"/>
-        </a:lnRef>
-        <a:fillRef idx="0">
-          <a:scrgbClr r="0" g="0" b="0"/>
-        </a:fillRef>
-        <a:effectRef idx="0">
-          <a:scrgbClr r="0" g="0" b="0"/>
-        </a:effectRef>
-        <a:fontRef idx="minor"/>
-      </dsp:style>
-    </dsp:sp>
-    <dsp:sp modelId="{36811B36-195E-4CE9-9D79-8F5A635ABB72}">
-      <dsp:nvSpPr>
-        <dsp:cNvPr id="0" name=""/>
-        <dsp:cNvSpPr/>
-      </dsp:nvSpPr>
-      <dsp:spPr>
-        <a:xfrm>
-          <a:off x="5176310" y="830967"/>
-          <a:ext cx="91440" cy="380380"/>
-        </a:xfrm>
-        <a:custGeom>
-          <a:avLst/>
-          <a:gdLst/>
-          <a:ahLst/>
-          <a:cxnLst/>
-          <a:rect l="0" t="0" r="0" b="0"/>
-          <a:pathLst>
-            <a:path>
-              <a:moveTo>
-                <a:pt x="45720" y="0"/>
-              </a:moveTo>
-              <a:lnTo>
-                <a:pt x="45720" y="380380"/>
+                <a:pt x="0" y="430430"/>
               </a:lnTo>
             </a:path>
           </a:pathLst>
@@ -2354,8 +2300,8 @@
       </dsp:nvSpPr>
       <dsp:spPr>
         <a:xfrm>
-          <a:off x="4568081" y="452"/>
-          <a:ext cx="1307897" cy="830515"/>
+          <a:off x="2716182" y="382850"/>
+          <a:ext cx="1479989" cy="939793"/>
         </a:xfrm>
         <a:prstGeom prst="roundRect">
           <a:avLst>
@@ -2405,8 +2351,8 @@
       </dsp:nvSpPr>
       <dsp:spPr>
         <a:xfrm>
-          <a:off x="4713403" y="138508"/>
-          <a:ext cx="1307897" cy="830515"/>
+          <a:off x="2880625" y="539071"/>
+          <a:ext cx="1479989" cy="939793"/>
         </a:xfrm>
         <a:prstGeom prst="roundRect">
           <a:avLst>
@@ -2448,12 +2394,12 @@
         <a:fontRef idx="minor"/>
       </dsp:style>
       <dsp:txBody>
-        <a:bodyPr spcFirstLastPara="0" vert="horz" wrap="square" lIns="80010" tIns="80010" rIns="80010" bIns="80010" numCol="1" spcCol="1270" anchor="ctr" anchorCtr="0">
+        <a:bodyPr spcFirstLastPara="0" vert="horz" wrap="square" lIns="91440" tIns="91440" rIns="91440" bIns="91440" numCol="1" spcCol="1270" anchor="ctr" anchorCtr="0">
           <a:noAutofit/>
         </a:bodyPr>
         <a:lstStyle/>
         <a:p>
-          <a:pPr lvl="0" algn="ctr" defTabSz="933450">
+          <a:pPr lvl="0" algn="ctr" defTabSz="1066800">
             <a:lnSpc>
               <a:spcPct val="90000"/>
             </a:lnSpc>
@@ -2465,26 +2411,155 @@
             </a:spcAft>
           </a:pPr>
           <a:r>
-            <a:rPr lang="zh-TW" altLang="en-US" sz="2100" kern="1200" dirty="0" smtClean="0"/>
-            <a:t>首頁</a:t>
+            <a:rPr lang="zh-TW" altLang="en-US" sz="2400" kern="1200" dirty="0" smtClean="0"/>
+            <a:t>功能選擇</a:t>
           </a:r>
-          <a:endParaRPr lang="zh-TW" altLang="en-US" sz="2100" kern="1200" dirty="0"/>
+          <a:endParaRPr lang="zh-TW" altLang="en-US" sz="2400" kern="1200" dirty="0"/>
         </a:p>
       </dsp:txBody>
       <dsp:txXfrm>
-        <a:off x="4737728" y="162833"/>
-        <a:ext cx="1259247" cy="781865"/>
+        <a:off x="2908151" y="566597"/>
+        <a:ext cx="1424937" cy="884741"/>
       </dsp:txXfrm>
     </dsp:sp>
-    <dsp:sp modelId="{6DA792BB-418D-4625-8603-6A0FCA2EE64F}">
+    <dsp:sp modelId="{700D015B-AFA3-42BD-AB2A-27B0BB858A4E}">
       <dsp:nvSpPr>
         <dsp:cNvPr id="0" name=""/>
         <dsp:cNvSpPr/>
       </dsp:nvSpPr>
       <dsp:spPr>
         <a:xfrm>
-          <a:off x="4568081" y="1211347"/>
-          <a:ext cx="1307897" cy="830515"/>
+          <a:off x="4525058" y="382850"/>
+          <a:ext cx="1479989" cy="939793"/>
+        </a:xfrm>
+        <a:prstGeom prst="roundRect">
+          <a:avLst>
+            <a:gd name="adj" fmla="val 10000"/>
+          </a:avLst>
+        </a:prstGeom>
+        <a:solidFill>
+          <a:schemeClr val="accent1">
+            <a:hueOff val="0"/>
+            <a:satOff val="0"/>
+            <a:lumOff val="0"/>
+            <a:alphaOff val="0"/>
+          </a:schemeClr>
+        </a:solidFill>
+        <a:ln w="19050" cap="rnd" cmpd="sng" algn="ctr">
+          <a:solidFill>
+            <a:schemeClr val="lt1">
+              <a:hueOff val="0"/>
+              <a:satOff val="0"/>
+              <a:lumOff val="0"/>
+              <a:alphaOff val="0"/>
+            </a:schemeClr>
+          </a:solidFill>
+          <a:prstDash val="solid"/>
+        </a:ln>
+        <a:effectLst/>
+      </dsp:spPr>
+      <dsp:style>
+        <a:lnRef idx="2">
+          <a:scrgbClr r="0" g="0" b="0"/>
+        </a:lnRef>
+        <a:fillRef idx="1">
+          <a:scrgbClr r="0" g="0" b="0"/>
+        </a:fillRef>
+        <a:effectRef idx="0">
+          <a:scrgbClr r="0" g="0" b="0"/>
+        </a:effectRef>
+        <a:fontRef idx="minor">
+          <a:schemeClr val="lt1"/>
+        </a:fontRef>
+      </dsp:style>
+    </dsp:sp>
+    <dsp:sp modelId="{B3A9F12F-1A23-47D5-B037-71CF066C5B93}">
+      <dsp:nvSpPr>
+        <dsp:cNvPr id="0" name=""/>
+        <dsp:cNvSpPr/>
+      </dsp:nvSpPr>
+      <dsp:spPr>
+        <a:xfrm>
+          <a:off x="4689501" y="539071"/>
+          <a:ext cx="1479989" cy="939793"/>
+        </a:xfrm>
+        <a:prstGeom prst="roundRect">
+          <a:avLst>
+            <a:gd name="adj" fmla="val 10000"/>
+          </a:avLst>
+        </a:prstGeom>
+        <a:solidFill>
+          <a:schemeClr val="lt1">
+            <a:alpha val="90000"/>
+            <a:hueOff val="0"/>
+            <a:satOff val="0"/>
+            <a:lumOff val="0"/>
+            <a:alphaOff val="0"/>
+          </a:schemeClr>
+        </a:solidFill>
+        <a:ln w="19050" cap="rnd" cmpd="sng" algn="ctr">
+          <a:solidFill>
+            <a:schemeClr val="accent1">
+              <a:hueOff val="0"/>
+              <a:satOff val="0"/>
+              <a:lumOff val="0"/>
+              <a:alphaOff val="0"/>
+            </a:schemeClr>
+          </a:solidFill>
+          <a:prstDash val="solid"/>
+        </a:ln>
+        <a:effectLst/>
+      </dsp:spPr>
+      <dsp:style>
+        <a:lnRef idx="2">
+          <a:scrgbClr r="0" g="0" b="0"/>
+        </a:lnRef>
+        <a:fillRef idx="1">
+          <a:scrgbClr r="0" g="0" b="0"/>
+        </a:fillRef>
+        <a:effectRef idx="0">
+          <a:scrgbClr r="0" g="0" b="0"/>
+        </a:effectRef>
+        <a:fontRef idx="minor"/>
+      </dsp:style>
+      <dsp:txBody>
+        <a:bodyPr spcFirstLastPara="0" vert="horz" wrap="square" lIns="91440" tIns="91440" rIns="91440" bIns="91440" numCol="1" spcCol="1270" anchor="ctr" anchorCtr="0">
+          <a:noAutofit/>
+        </a:bodyPr>
+        <a:lstStyle/>
+        <a:p>
+          <a:pPr lvl="0" algn="ctr" defTabSz="1066800">
+            <a:lnSpc>
+              <a:spcPct val="90000"/>
+            </a:lnSpc>
+            <a:spcBef>
+              <a:spcPct val="0"/>
+            </a:spcBef>
+            <a:spcAft>
+              <a:spcPct val="35000"/>
+            </a:spcAft>
+          </a:pPr>
+          <a:r>
+            <a:rPr lang="zh-TW" altLang="en-US" sz="2400" kern="1200" dirty="0" smtClean="0"/>
+            <a:t>首頁</a:t>
+          </a:r>
+          <a:endParaRPr lang="zh-TW" altLang="en-US" sz="2400" kern="1200" dirty="0"/>
+        </a:p>
+      </dsp:txBody>
+      <dsp:txXfrm>
+        <a:off x="4717027" y="566597"/>
+        <a:ext cx="1424937" cy="884741"/>
+      </dsp:txXfrm>
+    </dsp:sp>
+    <dsp:sp modelId="{198B5CB9-012D-4ED7-BF20-6818AEAD4F86}">
+      <dsp:nvSpPr>
+        <dsp:cNvPr id="0" name=""/>
+        <dsp:cNvSpPr/>
+      </dsp:nvSpPr>
+      <dsp:spPr>
+        <a:xfrm>
+          <a:off x="907306" y="1753073"/>
+          <a:ext cx="1479989" cy="939793"/>
         </a:xfrm>
         <a:prstGeom prst="roundRect">
           <a:avLst>
@@ -2527,15 +2602,15 @@
         </a:fontRef>
       </dsp:style>
     </dsp:sp>
-    <dsp:sp modelId="{04A6D6E8-69FD-435E-B7F6-9EAADF162BAC}">
+    <dsp:sp modelId="{3E214654-705B-46B4-B3C4-D9E378BDF068}">
       <dsp:nvSpPr>
         <dsp:cNvPr id="0" name=""/>
         <dsp:cNvSpPr/>
       </dsp:nvSpPr>
       <dsp:spPr>
         <a:xfrm>
-          <a:off x="4713403" y="1349403"/>
-          <a:ext cx="1307897" cy="830515"/>
+          <a:off x="1071749" y="1909294"/>
+          <a:ext cx="1479989" cy="939793"/>
         </a:xfrm>
         <a:prstGeom prst="roundRect">
           <a:avLst>
@@ -2577,12 +2652,12 @@
         <a:fontRef idx="minor"/>
       </dsp:style>
       <dsp:txBody>
-        <a:bodyPr spcFirstLastPara="0" vert="horz" wrap="square" lIns="80010" tIns="80010" rIns="80010" bIns="80010" numCol="1" spcCol="1270" anchor="ctr" anchorCtr="0">
+        <a:bodyPr spcFirstLastPara="0" vert="horz" wrap="square" lIns="91440" tIns="91440" rIns="91440" bIns="91440" numCol="1" spcCol="1270" anchor="ctr" anchorCtr="0">
           <a:noAutofit/>
         </a:bodyPr>
         <a:lstStyle/>
         <a:p>
-          <a:pPr lvl="0" algn="ctr" defTabSz="933450">
+          <a:pPr lvl="0" algn="ctr" defTabSz="1066800">
             <a:lnSpc>
               <a:spcPct val="90000"/>
             </a:lnSpc>
@@ -2594,26 +2669,26 @@
             </a:spcAft>
           </a:pPr>
           <a:r>
-            <a:rPr lang="zh-TW" altLang="en-US" sz="2100" kern="1200" dirty="0" smtClean="0"/>
-            <a:t>功能選擇</a:t>
+            <a:rPr lang="zh-TW" altLang="en-US" sz="2400" kern="1200" dirty="0" smtClean="0"/>
+            <a:t>衣櫃</a:t>
           </a:r>
-          <a:endParaRPr lang="zh-TW" altLang="en-US" sz="2100" kern="1200" dirty="0"/>
+          <a:endParaRPr lang="zh-TW" altLang="en-US" sz="2400" kern="1200" dirty="0"/>
         </a:p>
       </dsp:txBody>
       <dsp:txXfrm>
-        <a:off x="4737728" y="1373728"/>
-        <a:ext cx="1259247" cy="781865"/>
+        <a:off x="1099275" y="1936820"/>
+        <a:ext cx="1424937" cy="884741"/>
       </dsp:txXfrm>
     </dsp:sp>
-    <dsp:sp modelId="{73189D5D-295E-4710-A67A-DB7EC7090F3A}">
+    <dsp:sp modelId="{69114182-2411-4547-BCB0-E961F29EE7BA}">
       <dsp:nvSpPr>
         <dsp:cNvPr id="0" name=""/>
         <dsp:cNvSpPr/>
       </dsp:nvSpPr>
       <dsp:spPr>
         <a:xfrm>
-          <a:off x="1370998" y="2422243"/>
-          <a:ext cx="1307897" cy="830515"/>
+          <a:off x="2868" y="3123297"/>
+          <a:ext cx="1479989" cy="939793"/>
         </a:xfrm>
         <a:prstGeom prst="roundRect">
           <a:avLst>
@@ -2656,15 +2731,15 @@
         </a:fontRef>
       </dsp:style>
     </dsp:sp>
-    <dsp:sp modelId="{2105AE26-7298-401F-9558-35641F84D83F}">
+    <dsp:sp modelId="{85F1F78F-A02B-44C8-8B3E-083D3186FC23}">
       <dsp:nvSpPr>
         <dsp:cNvPr id="0" name=""/>
         <dsp:cNvSpPr/>
       </dsp:nvSpPr>
       <dsp:spPr>
         <a:xfrm>
-          <a:off x="1516320" y="2560299"/>
-          <a:ext cx="1307897" cy="830515"/>
+          <a:off x="167311" y="3279518"/>
+          <a:ext cx="1479989" cy="939793"/>
         </a:xfrm>
         <a:prstGeom prst="roundRect">
           <a:avLst>
@@ -2706,12 +2781,12 @@
         <a:fontRef idx="minor"/>
       </dsp:style>
       <dsp:txBody>
-        <a:bodyPr spcFirstLastPara="0" vert="horz" wrap="square" lIns="80010" tIns="80010" rIns="80010" bIns="80010" numCol="1" spcCol="1270" anchor="ctr" anchorCtr="0">
+        <a:bodyPr spcFirstLastPara="0" vert="horz" wrap="square" lIns="91440" tIns="91440" rIns="91440" bIns="91440" numCol="1" spcCol="1270" anchor="ctr" anchorCtr="0">
           <a:noAutofit/>
         </a:bodyPr>
         <a:lstStyle/>
         <a:p>
-          <a:pPr lvl="0" algn="ctr" defTabSz="933450">
+          <a:pPr lvl="0" algn="ctr" defTabSz="1066800">
             <a:lnSpc>
               <a:spcPct val="90000"/>
             </a:lnSpc>
@@ -2723,284 +2798,26 @@
             </a:spcAft>
           </a:pPr>
           <a:r>
-            <a:rPr lang="zh-TW" altLang="en-US" sz="2100" kern="1200" dirty="0" smtClean="0"/>
-            <a:t>衣櫃</a:t>
+            <a:rPr lang="zh-TW" altLang="en-US" sz="2400" kern="1200" dirty="0" smtClean="0"/>
+            <a:t>男生</a:t>
           </a:r>
-          <a:endParaRPr lang="zh-TW" altLang="en-US" sz="2100" kern="1200" dirty="0"/>
+          <a:endParaRPr lang="zh-TW" altLang="en-US" sz="2400" kern="1200" dirty="0"/>
         </a:p>
       </dsp:txBody>
       <dsp:txXfrm>
-        <a:off x="1540645" y="2584624"/>
-        <a:ext cx="1259247" cy="781865"/>
+        <a:off x="194837" y="3307044"/>
+        <a:ext cx="1424937" cy="884741"/>
       </dsp:txXfrm>
     </dsp:sp>
-    <dsp:sp modelId="{0A68DD06-1E8E-4739-AA89-6975366A98A7}">
+    <dsp:sp modelId="{AF17A29E-60B7-4261-90F0-B496B17E6AF2}">
       <dsp:nvSpPr>
         <dsp:cNvPr id="0" name=""/>
         <dsp:cNvSpPr/>
       </dsp:nvSpPr>
       <dsp:spPr>
         <a:xfrm>
-          <a:off x="571727" y="3633138"/>
-          <a:ext cx="1307897" cy="830515"/>
-        </a:xfrm>
-        <a:prstGeom prst="roundRect">
-          <a:avLst>
-            <a:gd name="adj" fmla="val 10000"/>
-          </a:avLst>
-        </a:prstGeom>
-        <a:solidFill>
-          <a:schemeClr val="accent4">
-            <a:hueOff val="0"/>
-            <a:satOff val="0"/>
-            <a:lumOff val="0"/>
-            <a:alphaOff val="0"/>
-          </a:schemeClr>
-        </a:solidFill>
-        <a:ln w="19050" cap="rnd" cmpd="sng" algn="ctr">
-          <a:solidFill>
-            <a:schemeClr val="lt1">
-              <a:hueOff val="0"/>
-              <a:satOff val="0"/>
-              <a:lumOff val="0"/>
-              <a:alphaOff val="0"/>
-            </a:schemeClr>
-          </a:solidFill>
-          <a:prstDash val="solid"/>
-        </a:ln>
-        <a:effectLst/>
-      </dsp:spPr>
-      <dsp:style>
-        <a:lnRef idx="2">
-          <a:scrgbClr r="0" g="0" b="0"/>
-        </a:lnRef>
-        <a:fillRef idx="1">
-          <a:scrgbClr r="0" g="0" b="0"/>
-        </a:fillRef>
-        <a:effectRef idx="0">
-          <a:scrgbClr r="0" g="0" b="0"/>
-        </a:effectRef>
-        <a:fontRef idx="minor">
-          <a:schemeClr val="lt1"/>
-        </a:fontRef>
-      </dsp:style>
-    </dsp:sp>
-    <dsp:sp modelId="{7168D3D5-2B09-431D-878B-B06101669814}">
-      <dsp:nvSpPr>
-        <dsp:cNvPr id="0" name=""/>
-        <dsp:cNvSpPr/>
-      </dsp:nvSpPr>
-      <dsp:spPr>
-        <a:xfrm>
-          <a:off x="717049" y="3771194"/>
-          <a:ext cx="1307897" cy="830515"/>
-        </a:xfrm>
-        <a:prstGeom prst="roundRect">
-          <a:avLst>
-            <a:gd name="adj" fmla="val 10000"/>
-          </a:avLst>
-        </a:prstGeom>
-        <a:solidFill>
-          <a:schemeClr val="lt1">
-            <a:alpha val="90000"/>
-            <a:hueOff val="0"/>
-            <a:satOff val="0"/>
-            <a:lumOff val="0"/>
-            <a:alphaOff val="0"/>
-          </a:schemeClr>
-        </a:solidFill>
-        <a:ln w="19050" cap="rnd" cmpd="sng" algn="ctr">
-          <a:solidFill>
-            <a:schemeClr val="accent4">
-              <a:hueOff val="0"/>
-              <a:satOff val="0"/>
-              <a:lumOff val="0"/>
-              <a:alphaOff val="0"/>
-            </a:schemeClr>
-          </a:solidFill>
-          <a:prstDash val="solid"/>
-        </a:ln>
-        <a:effectLst/>
-      </dsp:spPr>
-      <dsp:style>
-        <a:lnRef idx="2">
-          <a:scrgbClr r="0" g="0" b="0"/>
-        </a:lnRef>
-        <a:fillRef idx="1">
-          <a:scrgbClr r="0" g="0" b="0"/>
-        </a:fillRef>
-        <a:effectRef idx="0">
-          <a:scrgbClr r="0" g="0" b="0"/>
-        </a:effectRef>
-        <a:fontRef idx="minor"/>
-      </dsp:style>
-      <dsp:txBody>
-        <a:bodyPr spcFirstLastPara="0" vert="horz" wrap="square" lIns="80010" tIns="80010" rIns="80010" bIns="80010" numCol="1" spcCol="1270" anchor="ctr" anchorCtr="0">
-          <a:noAutofit/>
-        </a:bodyPr>
-        <a:lstStyle/>
-        <a:p>
-          <a:pPr lvl="0" algn="ctr" defTabSz="933450">
-            <a:lnSpc>
-              <a:spcPct val="90000"/>
-            </a:lnSpc>
-            <a:spcBef>
-              <a:spcPct val="0"/>
-            </a:spcBef>
-            <a:spcAft>
-              <a:spcPct val="35000"/>
-            </a:spcAft>
-          </a:pPr>
-          <a:r>
-            <a:rPr lang="zh-TW" altLang="en-US" sz="2100" kern="1200" dirty="0" smtClean="0"/>
-            <a:t>男生</a:t>
-          </a:r>
-          <a:endParaRPr lang="zh-TW" altLang="en-US" sz="2100" kern="1200" dirty="0"/>
-        </a:p>
-      </dsp:txBody>
-      <dsp:txXfrm>
-        <a:off x="741374" y="3795519"/>
-        <a:ext cx="1259247" cy="781865"/>
-      </dsp:txXfrm>
-    </dsp:sp>
-    <dsp:sp modelId="{98637F26-FAB9-4697-B0B2-0BDB32DA9F46}">
-      <dsp:nvSpPr>
-        <dsp:cNvPr id="0" name=""/>
-        <dsp:cNvSpPr/>
-      </dsp:nvSpPr>
-      <dsp:spPr>
-        <a:xfrm>
-          <a:off x="2170268" y="3633138"/>
-          <a:ext cx="1307897" cy="830515"/>
-        </a:xfrm>
-        <a:prstGeom prst="roundRect">
-          <a:avLst>
-            <a:gd name="adj" fmla="val 10000"/>
-          </a:avLst>
-        </a:prstGeom>
-        <a:solidFill>
-          <a:schemeClr val="accent4">
-            <a:hueOff val="0"/>
-            <a:satOff val="0"/>
-            <a:lumOff val="0"/>
-            <a:alphaOff val="0"/>
-          </a:schemeClr>
-        </a:solidFill>
-        <a:ln w="19050" cap="rnd" cmpd="sng" algn="ctr">
-          <a:solidFill>
-            <a:schemeClr val="lt1">
-              <a:hueOff val="0"/>
-              <a:satOff val="0"/>
-              <a:lumOff val="0"/>
-              <a:alphaOff val="0"/>
-            </a:schemeClr>
-          </a:solidFill>
-          <a:prstDash val="solid"/>
-        </a:ln>
-        <a:effectLst/>
-      </dsp:spPr>
-      <dsp:style>
-        <a:lnRef idx="2">
-          <a:scrgbClr r="0" g="0" b="0"/>
-        </a:lnRef>
-        <a:fillRef idx="1">
-          <a:scrgbClr r="0" g="0" b="0"/>
-        </a:fillRef>
-        <a:effectRef idx="0">
-          <a:scrgbClr r="0" g="0" b="0"/>
-        </a:effectRef>
-        <a:fontRef idx="minor">
-          <a:schemeClr val="lt1"/>
-        </a:fontRef>
-      </dsp:style>
-    </dsp:sp>
-    <dsp:sp modelId="{297C92E2-4493-4EC3-882A-FD0B3FB176F8}">
-      <dsp:nvSpPr>
-        <dsp:cNvPr id="0" name=""/>
-        <dsp:cNvSpPr/>
-      </dsp:nvSpPr>
-      <dsp:spPr>
-        <a:xfrm>
-          <a:off x="2315590" y="3771194"/>
-          <a:ext cx="1307897" cy="830515"/>
-        </a:xfrm>
-        <a:prstGeom prst="roundRect">
-          <a:avLst>
-            <a:gd name="adj" fmla="val 10000"/>
-          </a:avLst>
-        </a:prstGeom>
-        <a:solidFill>
-          <a:schemeClr val="lt1">
-            <a:alpha val="90000"/>
-            <a:hueOff val="0"/>
-            <a:satOff val="0"/>
-            <a:lumOff val="0"/>
-            <a:alphaOff val="0"/>
-          </a:schemeClr>
-        </a:solidFill>
-        <a:ln w="19050" cap="rnd" cmpd="sng" algn="ctr">
-          <a:solidFill>
-            <a:schemeClr val="accent4">
-              <a:hueOff val="0"/>
-              <a:satOff val="0"/>
-              <a:lumOff val="0"/>
-              <a:alphaOff val="0"/>
-            </a:schemeClr>
-          </a:solidFill>
-          <a:prstDash val="solid"/>
-        </a:ln>
-        <a:effectLst/>
-      </dsp:spPr>
-      <dsp:style>
-        <a:lnRef idx="2">
-          <a:scrgbClr r="0" g="0" b="0"/>
-        </a:lnRef>
-        <a:fillRef idx="1">
-          <a:scrgbClr r="0" g="0" b="0"/>
-        </a:fillRef>
-        <a:effectRef idx="0">
-          <a:scrgbClr r="0" g="0" b="0"/>
-        </a:effectRef>
-        <a:fontRef idx="minor"/>
-      </dsp:style>
-      <dsp:txBody>
-        <a:bodyPr spcFirstLastPara="0" vert="horz" wrap="square" lIns="80010" tIns="80010" rIns="80010" bIns="80010" numCol="1" spcCol="1270" anchor="ctr" anchorCtr="0">
-          <a:noAutofit/>
-        </a:bodyPr>
-        <a:lstStyle/>
-        <a:p>
-          <a:pPr lvl="0" algn="ctr" defTabSz="933450">
-            <a:lnSpc>
-              <a:spcPct val="90000"/>
-            </a:lnSpc>
-            <a:spcBef>
-              <a:spcPct val="0"/>
-            </a:spcBef>
-            <a:spcAft>
-              <a:spcPct val="35000"/>
-            </a:spcAft>
-          </a:pPr>
-          <a:r>
-            <a:rPr lang="zh-TW" altLang="en-US" sz="2100" kern="1200" dirty="0" smtClean="0"/>
-            <a:t>女生</a:t>
-          </a:r>
-          <a:endParaRPr lang="zh-TW" altLang="en-US" sz="2100" kern="1200" dirty="0"/>
-        </a:p>
-      </dsp:txBody>
-      <dsp:txXfrm>
-        <a:off x="2339915" y="3795519"/>
-        <a:ext cx="1259247" cy="781865"/>
-      </dsp:txXfrm>
-    </dsp:sp>
-    <dsp:sp modelId="{D8CE0653-1A96-483B-BA20-AC4E94BC00D7}">
-      <dsp:nvSpPr>
-        <dsp:cNvPr id="0" name=""/>
-        <dsp:cNvSpPr/>
-      </dsp:nvSpPr>
-      <dsp:spPr>
-        <a:xfrm>
-          <a:off x="2969539" y="2422243"/>
-          <a:ext cx="1307897" cy="830515"/>
+          <a:off x="1811744" y="3123297"/>
+          <a:ext cx="1479989" cy="939793"/>
         </a:xfrm>
         <a:prstGeom prst="roundRect">
           <a:avLst>
@@ -3043,15 +2860,15 @@
         </a:fontRef>
       </dsp:style>
     </dsp:sp>
-    <dsp:sp modelId="{6559CBCD-0971-4B08-A018-8154E0642DC0}">
+    <dsp:sp modelId="{05E1CE2C-9F59-4B8D-AA6B-875C99D9C74F}">
       <dsp:nvSpPr>
         <dsp:cNvPr id="0" name=""/>
         <dsp:cNvSpPr/>
       </dsp:nvSpPr>
       <dsp:spPr>
         <a:xfrm>
-          <a:off x="3114861" y="2560299"/>
-          <a:ext cx="1307897" cy="830515"/>
+          <a:off x="1976187" y="3279518"/>
+          <a:ext cx="1479989" cy="939793"/>
         </a:xfrm>
         <a:prstGeom prst="roundRect">
           <a:avLst>
@@ -3093,12 +2910,12 @@
         <a:fontRef idx="minor"/>
       </dsp:style>
       <dsp:txBody>
-        <a:bodyPr spcFirstLastPara="0" vert="horz" wrap="square" lIns="80010" tIns="80010" rIns="80010" bIns="80010" numCol="1" spcCol="1270" anchor="ctr" anchorCtr="0">
+        <a:bodyPr spcFirstLastPara="0" vert="horz" wrap="square" lIns="91440" tIns="91440" rIns="91440" bIns="91440" numCol="1" spcCol="1270" anchor="ctr" anchorCtr="0">
           <a:noAutofit/>
         </a:bodyPr>
         <a:lstStyle/>
         <a:p>
-          <a:pPr lvl="0" algn="ctr" defTabSz="933450">
+          <a:pPr lvl="0" algn="ctr" defTabSz="1066800">
             <a:lnSpc>
               <a:spcPct val="90000"/>
             </a:lnSpc>
@@ -3110,26 +2927,26 @@
             </a:spcAft>
           </a:pPr>
           <a:r>
-            <a:rPr lang="zh-TW" altLang="en-US" sz="2100" kern="1200" dirty="0" smtClean="0"/>
-            <a:t>影音參考</a:t>
+            <a:rPr lang="zh-TW" altLang="en-US" sz="2400" kern="1200" dirty="0" smtClean="0"/>
+            <a:t>女生</a:t>
           </a:r>
-          <a:endParaRPr lang="zh-TW" altLang="en-US" sz="2100" kern="1200" dirty="0"/>
+          <a:endParaRPr lang="zh-TW" altLang="en-US" sz="2400" kern="1200" dirty="0"/>
         </a:p>
       </dsp:txBody>
       <dsp:txXfrm>
-        <a:off x="3139186" y="2584624"/>
-        <a:ext cx="1259247" cy="781865"/>
+        <a:off x="2003713" y="3307044"/>
+        <a:ext cx="1424937" cy="884741"/>
       </dsp:txXfrm>
     </dsp:sp>
-    <dsp:sp modelId="{5C2D9B54-1C8A-4722-BF75-9974E5A27B78}">
+    <dsp:sp modelId="{34D8B88C-46A1-4485-AE0B-2260F6D52822}">
       <dsp:nvSpPr>
         <dsp:cNvPr id="0" name=""/>
         <dsp:cNvSpPr/>
       </dsp:nvSpPr>
       <dsp:spPr>
         <a:xfrm>
-          <a:off x="4568081" y="2422243"/>
-          <a:ext cx="1307897" cy="830515"/>
+          <a:off x="2716182" y="1753073"/>
+          <a:ext cx="1479989" cy="939793"/>
         </a:xfrm>
         <a:prstGeom prst="roundRect">
           <a:avLst>
@@ -3137,7 +2954,7 @@
           </a:avLst>
         </a:prstGeom>
         <a:solidFill>
-          <a:schemeClr val="accent3">
+          <a:schemeClr val="accent2">
             <a:hueOff val="0"/>
             <a:satOff val="0"/>
             <a:lumOff val="0"/>
@@ -3172,15 +2989,15 @@
         </a:fontRef>
       </dsp:style>
     </dsp:sp>
-    <dsp:sp modelId="{75B1F74C-4B03-4F82-A9DB-3A1C8E01F465}">
+    <dsp:sp modelId="{6109C40D-5F71-46EE-87E7-2F61B4AAB7F0}">
       <dsp:nvSpPr>
         <dsp:cNvPr id="0" name=""/>
         <dsp:cNvSpPr/>
       </dsp:nvSpPr>
       <dsp:spPr>
         <a:xfrm>
-          <a:off x="4713403" y="2560299"/>
-          <a:ext cx="1307897" cy="830515"/>
+          <a:off x="2880625" y="1909294"/>
+          <a:ext cx="1479989" cy="939793"/>
         </a:xfrm>
         <a:prstGeom prst="roundRect">
           <a:avLst>
@@ -3198,7 +3015,7 @@
         </a:solidFill>
         <a:ln w="19050" cap="rnd" cmpd="sng" algn="ctr">
           <a:solidFill>
-            <a:schemeClr val="accent3">
+            <a:schemeClr val="accent2">
               <a:hueOff val="0"/>
               <a:satOff val="0"/>
               <a:lumOff val="0"/>
@@ -3222,12 +3039,12 @@
         <a:fontRef idx="minor"/>
       </dsp:style>
       <dsp:txBody>
-        <a:bodyPr spcFirstLastPara="0" vert="horz" wrap="square" lIns="80010" tIns="80010" rIns="80010" bIns="80010" numCol="1" spcCol="1270" anchor="ctr" anchorCtr="0">
+        <a:bodyPr spcFirstLastPara="0" vert="horz" wrap="square" lIns="91440" tIns="91440" rIns="91440" bIns="91440" numCol="1" spcCol="1270" anchor="ctr" anchorCtr="0">
           <a:noAutofit/>
         </a:bodyPr>
         <a:lstStyle/>
         <a:p>
-          <a:pPr lvl="0" algn="ctr" defTabSz="933450">
+          <a:pPr lvl="0" algn="ctr" defTabSz="1066800">
             <a:lnSpc>
               <a:spcPct val="90000"/>
             </a:lnSpc>
@@ -3239,26 +3056,26 @@
             </a:spcAft>
           </a:pPr>
           <a:r>
-            <a:rPr lang="zh-TW" altLang="en-US" sz="2100" kern="1200" dirty="0" smtClean="0"/>
-            <a:t>品牌連結</a:t>
+            <a:rPr lang="zh-TW" altLang="en-US" sz="2400" kern="1200" dirty="0" smtClean="0"/>
+            <a:t>影音參考</a:t>
           </a:r>
-          <a:endParaRPr lang="zh-TW" altLang="en-US" sz="2100" kern="1200" dirty="0"/>
+          <a:endParaRPr lang="zh-TW" altLang="en-US" sz="2400" kern="1200" dirty="0"/>
         </a:p>
       </dsp:txBody>
       <dsp:txXfrm>
-        <a:off x="4737728" y="2584624"/>
-        <a:ext cx="1259247" cy="781865"/>
+        <a:off x="2908151" y="1936820"/>
+        <a:ext cx="1424937" cy="884741"/>
       </dsp:txXfrm>
     </dsp:sp>
-    <dsp:sp modelId="{2F9BECCF-BF0C-47BC-B078-C367A8F67CC0}">
+    <dsp:sp modelId="{201B9BB5-326C-4775-B2D2-FAF54AA7DED8}">
       <dsp:nvSpPr>
         <dsp:cNvPr id="0" name=""/>
         <dsp:cNvSpPr/>
       </dsp:nvSpPr>
       <dsp:spPr>
         <a:xfrm>
-          <a:off x="6166623" y="2422243"/>
-          <a:ext cx="1307897" cy="830515"/>
+          <a:off x="4525058" y="1753073"/>
+          <a:ext cx="1479989" cy="939793"/>
         </a:xfrm>
         <a:prstGeom prst="roundRect">
           <a:avLst>
@@ -3266,7 +3083,7 @@
           </a:avLst>
         </a:prstGeom>
         <a:solidFill>
-          <a:schemeClr val="accent3">
+          <a:schemeClr val="accent2">
             <a:hueOff val="0"/>
             <a:satOff val="0"/>
             <a:lumOff val="0"/>
@@ -3301,15 +3118,15 @@
         </a:fontRef>
       </dsp:style>
     </dsp:sp>
-    <dsp:sp modelId="{26FE4FE4-E44C-408F-A5EF-76D6BF6E55FC}">
+    <dsp:sp modelId="{14B0BB6C-B295-4C7C-A331-B24145486038}">
       <dsp:nvSpPr>
         <dsp:cNvPr id="0" name=""/>
         <dsp:cNvSpPr/>
       </dsp:nvSpPr>
       <dsp:spPr>
         <a:xfrm>
-          <a:off x="6311945" y="2560299"/>
-          <a:ext cx="1307897" cy="830515"/>
+          <a:off x="4689501" y="1909294"/>
+          <a:ext cx="1479989" cy="939793"/>
         </a:xfrm>
         <a:prstGeom prst="roundRect">
           <a:avLst>
@@ -3327,7 +3144,7 @@
         </a:solidFill>
         <a:ln w="19050" cap="rnd" cmpd="sng" algn="ctr">
           <a:solidFill>
-            <a:schemeClr val="accent3">
+            <a:schemeClr val="accent2">
               <a:hueOff val="0"/>
               <a:satOff val="0"/>
               <a:lumOff val="0"/>
@@ -3351,12 +3168,12 @@
         <a:fontRef idx="minor"/>
       </dsp:style>
       <dsp:txBody>
-        <a:bodyPr spcFirstLastPara="0" vert="horz" wrap="square" lIns="80010" tIns="80010" rIns="80010" bIns="80010" numCol="1" spcCol="1270" anchor="ctr" anchorCtr="0">
+        <a:bodyPr spcFirstLastPara="0" vert="horz" wrap="square" lIns="91440" tIns="91440" rIns="91440" bIns="91440" numCol="1" spcCol="1270" anchor="ctr" anchorCtr="0">
           <a:noAutofit/>
         </a:bodyPr>
         <a:lstStyle/>
         <a:p>
-          <a:pPr lvl="0" algn="ctr" defTabSz="933450">
+          <a:pPr lvl="0" algn="ctr" defTabSz="1066800">
             <a:lnSpc>
               <a:spcPct val="90000"/>
             </a:lnSpc>
@@ -3368,26 +3185,26 @@
             </a:spcAft>
           </a:pPr>
           <a:r>
-            <a:rPr lang="zh-TW" altLang="en-US" sz="2100" kern="1200" dirty="0" smtClean="0"/>
-            <a:t>作者介紹</a:t>
+            <a:rPr lang="zh-TW" altLang="en-US" sz="2400" kern="1200" dirty="0" smtClean="0"/>
+            <a:t>品牌連結</a:t>
           </a:r>
-          <a:endParaRPr lang="zh-TW" altLang="en-US" sz="2100" kern="1200" dirty="0"/>
+          <a:endParaRPr lang="zh-TW" altLang="en-US" sz="2400" kern="1200" dirty="0"/>
         </a:p>
       </dsp:txBody>
       <dsp:txXfrm>
-        <a:off x="6336270" y="2584624"/>
-        <a:ext cx="1259247" cy="781865"/>
+        <a:off x="4717027" y="1936820"/>
+        <a:ext cx="1424937" cy="884741"/>
       </dsp:txXfrm>
     </dsp:sp>
-    <dsp:sp modelId="{B4A47A28-26F2-44E5-9A2D-AE8A0B1C0946}">
+    <dsp:sp modelId="{E82329AD-5AE1-4847-8F65-722893B8F6CD}">
       <dsp:nvSpPr>
         <dsp:cNvPr id="0" name=""/>
         <dsp:cNvSpPr/>
       </dsp:nvSpPr>
       <dsp:spPr>
         <a:xfrm>
-          <a:off x="7765165" y="2422243"/>
-          <a:ext cx="1307897" cy="830515"/>
+          <a:off x="6333934" y="1753073"/>
+          <a:ext cx="1479989" cy="939793"/>
         </a:xfrm>
         <a:prstGeom prst="roundRect">
           <a:avLst>
@@ -3395,7 +3212,7 @@
           </a:avLst>
         </a:prstGeom>
         <a:solidFill>
-          <a:schemeClr val="accent3">
+          <a:schemeClr val="accent2">
             <a:hueOff val="0"/>
             <a:satOff val="0"/>
             <a:lumOff val="0"/>
@@ -3430,15 +3247,15 @@
         </a:fontRef>
       </dsp:style>
     </dsp:sp>
-    <dsp:sp modelId="{E5FA4415-11F8-46A9-BCD0-38A4441708B1}">
+    <dsp:sp modelId="{9363CBE9-4805-41A1-8E99-B58790EC05D9}">
       <dsp:nvSpPr>
         <dsp:cNvPr id="0" name=""/>
         <dsp:cNvSpPr/>
       </dsp:nvSpPr>
       <dsp:spPr>
         <a:xfrm>
-          <a:off x="7910486" y="2560299"/>
-          <a:ext cx="1307897" cy="830515"/>
+          <a:off x="6498378" y="1909294"/>
+          <a:ext cx="1479989" cy="939793"/>
         </a:xfrm>
         <a:prstGeom prst="roundRect">
           <a:avLst>
@@ -3456,7 +3273,7 @@
         </a:solidFill>
         <a:ln w="19050" cap="rnd" cmpd="sng" algn="ctr">
           <a:solidFill>
-            <a:schemeClr val="accent3">
+            <a:schemeClr val="accent2">
               <a:hueOff val="0"/>
               <a:satOff val="0"/>
               <a:lumOff val="0"/>
@@ -3480,12 +3297,12 @@
         <a:fontRef idx="minor"/>
       </dsp:style>
       <dsp:txBody>
-        <a:bodyPr spcFirstLastPara="0" vert="horz" wrap="square" lIns="80010" tIns="80010" rIns="80010" bIns="80010" numCol="1" spcCol="1270" anchor="ctr" anchorCtr="0">
+        <a:bodyPr spcFirstLastPara="0" vert="horz" wrap="square" lIns="91440" tIns="91440" rIns="91440" bIns="91440" numCol="1" spcCol="1270" anchor="ctr" anchorCtr="0">
           <a:noAutofit/>
         </a:bodyPr>
         <a:lstStyle/>
         <a:p>
-          <a:pPr lvl="0" algn="ctr" defTabSz="933450">
+          <a:pPr lvl="0" algn="ctr" defTabSz="1066800">
             <a:lnSpc>
               <a:spcPct val="90000"/>
             </a:lnSpc>
@@ -3497,19 +3314,148 @@
             </a:spcAft>
           </a:pPr>
           <a:r>
-            <a:rPr lang="zh-TW" altLang="en-US" sz="2100" kern="1200" smtClean="0"/>
+            <a:rPr lang="zh-TW" altLang="en-US" sz="2400" kern="1200" dirty="0" smtClean="0"/>
+            <a:t>作者介紹</a:t>
+          </a:r>
+          <a:endParaRPr lang="zh-TW" altLang="en-US" sz="2400" kern="1200" dirty="0"/>
+        </a:p>
+      </dsp:txBody>
+      <dsp:txXfrm>
+        <a:off x="6525904" y="1936820"/>
+        <a:ext cx="1424937" cy="884741"/>
+      </dsp:txXfrm>
+    </dsp:sp>
+    <dsp:sp modelId="{6AE033C5-5252-44DA-94C3-499D33540D4C}">
+      <dsp:nvSpPr>
+        <dsp:cNvPr id="0" name=""/>
+        <dsp:cNvSpPr/>
+      </dsp:nvSpPr>
+      <dsp:spPr>
+        <a:xfrm>
+          <a:off x="8142810" y="1753073"/>
+          <a:ext cx="1479989" cy="939793"/>
+        </a:xfrm>
+        <a:prstGeom prst="roundRect">
+          <a:avLst>
+            <a:gd name="adj" fmla="val 10000"/>
+          </a:avLst>
+        </a:prstGeom>
+        <a:solidFill>
+          <a:schemeClr val="accent2">
+            <a:hueOff val="0"/>
+            <a:satOff val="0"/>
+            <a:lumOff val="0"/>
+            <a:alphaOff val="0"/>
+          </a:schemeClr>
+        </a:solidFill>
+        <a:ln w="19050" cap="rnd" cmpd="sng" algn="ctr">
+          <a:solidFill>
+            <a:schemeClr val="lt1">
+              <a:hueOff val="0"/>
+              <a:satOff val="0"/>
+              <a:lumOff val="0"/>
+              <a:alphaOff val="0"/>
+            </a:schemeClr>
+          </a:solidFill>
+          <a:prstDash val="solid"/>
+        </a:ln>
+        <a:effectLst/>
+      </dsp:spPr>
+      <dsp:style>
+        <a:lnRef idx="2">
+          <a:scrgbClr r="0" g="0" b="0"/>
+        </a:lnRef>
+        <a:fillRef idx="1">
+          <a:scrgbClr r="0" g="0" b="0"/>
+        </a:fillRef>
+        <a:effectRef idx="0">
+          <a:scrgbClr r="0" g="0" b="0"/>
+        </a:effectRef>
+        <a:fontRef idx="minor">
+          <a:schemeClr val="lt1"/>
+        </a:fontRef>
+      </dsp:style>
+    </dsp:sp>
+    <dsp:sp modelId="{CA9C1DC5-E930-4CBE-BEF3-B39299F08B4E}">
+      <dsp:nvSpPr>
+        <dsp:cNvPr id="0" name=""/>
+        <dsp:cNvSpPr/>
+      </dsp:nvSpPr>
+      <dsp:spPr>
+        <a:xfrm>
+          <a:off x="8307254" y="1909294"/>
+          <a:ext cx="1479989" cy="939793"/>
+        </a:xfrm>
+        <a:prstGeom prst="roundRect">
+          <a:avLst>
+            <a:gd name="adj" fmla="val 10000"/>
+          </a:avLst>
+        </a:prstGeom>
+        <a:solidFill>
+          <a:schemeClr val="lt1">
+            <a:alpha val="90000"/>
+            <a:hueOff val="0"/>
+            <a:satOff val="0"/>
+            <a:lumOff val="0"/>
+            <a:alphaOff val="0"/>
+          </a:schemeClr>
+        </a:solidFill>
+        <a:ln w="19050" cap="rnd" cmpd="sng" algn="ctr">
+          <a:solidFill>
+            <a:schemeClr val="accent2">
+              <a:hueOff val="0"/>
+              <a:satOff val="0"/>
+              <a:lumOff val="0"/>
+              <a:alphaOff val="0"/>
+            </a:schemeClr>
+          </a:solidFill>
+          <a:prstDash val="solid"/>
+        </a:ln>
+        <a:effectLst/>
+      </dsp:spPr>
+      <dsp:style>
+        <a:lnRef idx="2">
+          <a:scrgbClr r="0" g="0" b="0"/>
+        </a:lnRef>
+        <a:fillRef idx="1">
+          <a:scrgbClr r="0" g="0" b="0"/>
+        </a:fillRef>
+        <a:effectRef idx="0">
+          <a:scrgbClr r="0" g="0" b="0"/>
+        </a:effectRef>
+        <a:fontRef idx="minor"/>
+      </dsp:style>
+      <dsp:txBody>
+        <a:bodyPr spcFirstLastPara="0" vert="horz" wrap="square" lIns="91440" tIns="91440" rIns="91440" bIns="91440" numCol="1" spcCol="1270" anchor="ctr" anchorCtr="0">
+          <a:noAutofit/>
+        </a:bodyPr>
+        <a:lstStyle/>
+        <a:p>
+          <a:pPr lvl="0" algn="ctr" defTabSz="1066800">
+            <a:lnSpc>
+              <a:spcPct val="90000"/>
+            </a:lnSpc>
+            <a:spcBef>
+              <a:spcPct val="0"/>
+            </a:spcBef>
+            <a:spcAft>
+              <a:spcPct val="35000"/>
+            </a:spcAft>
+          </a:pPr>
+          <a:r>
+            <a:rPr lang="zh-TW" altLang="en-US" sz="2400" kern="1200" smtClean="0"/>
             <a:t>參考</a:t>
           </a:r>
           <a:r>
-            <a:rPr lang="zh-TW" altLang="en-US" sz="2100" kern="1200" dirty="0" smtClean="0"/>
+            <a:rPr lang="zh-TW" altLang="en-US" sz="2400" kern="1200" dirty="0" smtClean="0"/>
             <a:t>資料</a:t>
           </a:r>
-          <a:endParaRPr lang="zh-TW" altLang="en-US" sz="2100" kern="1200" dirty="0"/>
+          <a:endParaRPr lang="zh-TW" altLang="en-US" sz="2400" kern="1200" dirty="0"/>
         </a:p>
       </dsp:txBody>
       <dsp:txXfrm>
-        <a:off x="7934811" y="2584624"/>
-        <a:ext cx="1259247" cy="781865"/>
+        <a:off x="8334780" y="1936820"/>
+        <a:ext cx="1424937" cy="884741"/>
       </dsp:txXfrm>
     </dsp:sp>
   </dsp:spTree>
@@ -10808,16 +10754,6 @@
               <a:t>專案</a:t>
             </a:r>
             <a:r>
-              <a:rPr lang="zh-TW" altLang="en-US" sz="3600" dirty="0" smtClean="0">
-                <a:solidFill>
-                  <a:srgbClr val="729D51"/>
-                </a:solidFill>
-                <a:latin typeface="Calibri" pitchFamily="34" charset="0"/>
-                <a:ea typeface="超研澤Ｃ" panose="02010609010101010101" pitchFamily="49" charset="-120"/>
-              </a:rPr>
-              <a:t>提案報告</a:t>
-            </a:r>
-            <a:r>
               <a:rPr lang="en-US" altLang="zh-TW" sz="6600" dirty="0" smtClean="0">
                 <a:solidFill>
                   <a:srgbClr val="00B050"/>
@@ -11184,6 +11120,14 @@
               <a:rPr lang="en-US" altLang="zh-TW" sz="3200" dirty="0" smtClean="0"/>
               <a:t>JavaScript</a:t>
             </a:r>
+            <a:r>
+              <a:rPr lang="zh-TW" altLang="en-US" sz="3200" dirty="0" smtClean="0"/>
+              <a:t> 、</a:t>
+            </a:r>
+            <a:r>
+              <a:rPr lang="en-US" altLang="zh-TW" sz="3200" dirty="0" smtClean="0"/>
+              <a:t>jQuery</a:t>
+            </a:r>
           </a:p>
           <a:p>
             <a:pPr>
@@ -11228,6 +11172,496 @@
   <p:clrMapOvr>
     <a:masterClrMapping/>
   </p:clrMapOvr>
+  <p:timing>
+    <p:tnLst>
+      <p:par>
+        <p:cTn id="1" dur="indefinite" restart="never" nodeType="tmRoot"/>
+      </p:par>
+    </p:tnLst>
+  </p:timing>
+</p:sld>
+</file>
+
+<file path=ppt/slides/slide12.xml><?xml version="1.0" encoding="utf-8"?>
+<p:sld xmlns:a="http://schemas.openxmlformats.org/drawingml/2006/main" xmlns:r="http://schemas.openxmlformats.org/officeDocument/2006/relationships" xmlns:p="http://schemas.openxmlformats.org/presentationml/2006/main">
+  <p:cSld>
+    <p:spTree>
+      <p:nvGrpSpPr>
+        <p:cNvPr id="1" name=""/>
+        <p:cNvGrpSpPr/>
+        <p:nvPr/>
+      </p:nvGrpSpPr>
+      <p:grpSpPr>
+        <a:xfrm>
+          <a:off x="0" y="0"/>
+          <a:ext cx="0" cy="0"/>
+          <a:chOff x="0" y="0"/>
+          <a:chExt cx="0" cy="0"/>
+        </a:xfrm>
+      </p:grpSpPr>
+      <p:sp>
+        <p:nvSpPr>
+          <p:cNvPr id="2" name="標題 1"/>
+          <p:cNvSpPr>
+            <a:spLocks noGrp="1"/>
+          </p:cNvSpPr>
+          <p:nvPr>
+            <p:ph type="title"/>
+          </p:nvPr>
+        </p:nvSpPr>
+        <p:spPr/>
+        <p:txBody>
+          <a:bodyPr/>
+          <a:lstStyle/>
+          <a:p>
+            <a:pPr algn="ctr"/>
+            <a:r>
+              <a:rPr lang="zh-TW" altLang="en-US" dirty="0"/>
+              <a:t>分工</a:t>
+            </a:r>
+          </a:p>
+        </p:txBody>
+      </p:sp>
+      <p:graphicFrame>
+        <p:nvGraphicFramePr>
+          <p:cNvPr id="4" name="內容版面配置區 3"/>
+          <p:cNvGraphicFramePr>
+            <a:graphicFrameLocks noGrp="1"/>
+          </p:cNvGraphicFramePr>
+          <p:nvPr>
+            <p:ph idx="1"/>
+            <p:extLst>
+              <p:ext uri="{D42A27DB-BD31-4B8C-83A1-F6EECF244321}">
+                <p14:modId xmlns:p14="http://schemas.microsoft.com/office/powerpoint/2010/main" val="1897569081"/>
+              </p:ext>
+            </p:extLst>
+          </p:nvPr>
+        </p:nvGraphicFramePr>
+        <p:xfrm>
+          <a:off x="1593907" y="1744911"/>
+          <a:ext cx="6990278" cy="4198458"/>
+        </p:xfrm>
+        <a:graphic>
+          <a:graphicData uri="http://schemas.openxmlformats.org/drawingml/2006/table">
+            <a:tbl>
+              <a:tblPr firstRow="1" bandRow="1">
+                <a:tableStyleId>{5C22544A-7EE6-4342-B048-85BDC9FD1C3A}</a:tableStyleId>
+              </a:tblPr>
+              <a:tblGrid>
+                <a:gridCol w="3495139"/>
+                <a:gridCol w="3495139"/>
+              </a:tblGrid>
+              <a:tr h="668955">
+                <a:tc>
+                  <a:txBody>
+                    <a:bodyPr/>
+                    <a:lstStyle/>
+                    <a:p>
+                      <a:pPr algn="ctr"/>
+                      <a:r>
+                        <a:rPr lang="zh-TW" altLang="en-US" sz="2000" dirty="0" smtClean="0"/>
+                        <a:t>人員</a:t>
+                      </a:r>
+                      <a:endParaRPr lang="zh-TW" altLang="en-US" sz="2000" dirty="0"/>
+                    </a:p>
+                  </a:txBody>
+                  <a:tcPr anchor="ctr"/>
+                </a:tc>
+                <a:tc>
+                  <a:txBody>
+                    <a:bodyPr/>
+                    <a:lstStyle/>
+                    <a:p>
+                      <a:pPr algn="ctr"/>
+                      <a:r>
+                        <a:rPr lang="zh-TW" altLang="en-US" sz="2000" dirty="0" smtClean="0"/>
+                        <a:t>負責項目</a:t>
+                      </a:r>
+                      <a:endParaRPr lang="zh-TW" altLang="en-US" sz="2000" dirty="0"/>
+                    </a:p>
+                  </a:txBody>
+                  <a:tcPr anchor="ctr"/>
+                </a:tc>
+              </a:tr>
+              <a:tr h="1929534">
+                <a:tc>
+                  <a:txBody>
+                    <a:bodyPr/>
+                    <a:lstStyle/>
+                    <a:p>
+                      <a:pPr algn="ctr"/>
+                      <a:r>
+                        <a:rPr lang="zh-TW" altLang="en-US" sz="2000" dirty="0" smtClean="0"/>
+                        <a:t>顏佳儀</a:t>
+                      </a:r>
+                      <a:endParaRPr lang="zh-TW" altLang="en-US" sz="2000" dirty="0"/>
+                    </a:p>
+                  </a:txBody>
+                  <a:tcPr anchor="ctr"/>
+                </a:tc>
+                <a:tc>
+                  <a:txBody>
+                    <a:bodyPr/>
+                    <a:lstStyle/>
+                    <a:p>
+                      <a:pPr algn="ctr"/>
+                      <a:r>
+                        <a:rPr lang="en-US" altLang="zh-TW" sz="2000" dirty="0" smtClean="0"/>
+                        <a:t>1.</a:t>
+                      </a:r>
+                      <a:r>
+                        <a:rPr lang="zh-TW" altLang="en-US" sz="2000" smtClean="0"/>
+                        <a:t>首頁、選單</a:t>
+                      </a:r>
+                      <a:endParaRPr lang="en-US" altLang="zh-TW" sz="2000" dirty="0" smtClean="0"/>
+                    </a:p>
+                    <a:p>
+                      <a:pPr algn="ctr"/>
+                      <a:r>
+                        <a:rPr lang="en-US" altLang="zh-TW" sz="2000" dirty="0" smtClean="0"/>
+                        <a:t>2.</a:t>
+                      </a:r>
+                      <a:r>
+                        <a:rPr lang="zh-TW" altLang="en-US" sz="2000" dirty="0" smtClean="0"/>
+                        <a:t>品牌連結</a:t>
+                      </a:r>
+                      <a:endParaRPr lang="en-US" altLang="zh-TW" sz="2000" dirty="0" smtClean="0"/>
+                    </a:p>
+                    <a:p>
+                      <a:pPr algn="ctr"/>
+                      <a:r>
+                        <a:rPr lang="en-US" altLang="zh-TW" sz="2000" dirty="0" smtClean="0"/>
+                        <a:t>3.</a:t>
+                      </a:r>
+                      <a:r>
+                        <a:rPr lang="zh-TW" altLang="en-US" sz="2000" dirty="0" smtClean="0"/>
+                        <a:t>網站介紹</a:t>
+                      </a:r>
+                      <a:endParaRPr lang="en-US" altLang="zh-TW" sz="2000" dirty="0" smtClean="0"/>
+                    </a:p>
+                    <a:p>
+                      <a:pPr algn="ctr"/>
+                      <a:r>
+                        <a:rPr lang="en-US" altLang="zh-TW" sz="2000" dirty="0" smtClean="0"/>
+                        <a:t>4.</a:t>
+                      </a:r>
+                      <a:r>
+                        <a:rPr lang="zh-TW" altLang="en-US" sz="2000" dirty="0" smtClean="0"/>
+                        <a:t>衣櫃</a:t>
+                      </a:r>
+                      <a:endParaRPr lang="en-US" altLang="zh-TW" sz="2000" dirty="0" smtClean="0"/>
+                    </a:p>
+                    <a:p>
+                      <a:pPr algn="ctr"/>
+                      <a:r>
+                        <a:rPr lang="en-US" altLang="zh-TW" sz="2000" dirty="0" smtClean="0"/>
+                        <a:t>5.CSS</a:t>
+                      </a:r>
+                      <a:endParaRPr lang="zh-TW" altLang="en-US" sz="2000" dirty="0"/>
+                    </a:p>
+                  </a:txBody>
+                  <a:tcPr anchor="ctr"/>
+                </a:tc>
+              </a:tr>
+              <a:tr h="1599969">
+                <a:tc>
+                  <a:txBody>
+                    <a:bodyPr/>
+                    <a:lstStyle/>
+                    <a:p>
+                      <a:pPr marL="0" marR="0" indent="0" algn="ctr" defTabSz="457200" rtl="0" eaLnBrk="1" fontAlgn="auto" latinLnBrk="0" hangingPunct="1">
+                        <a:lnSpc>
+                          <a:spcPct val="100000"/>
+                        </a:lnSpc>
+                        <a:spcBef>
+                          <a:spcPts val="0"/>
+                        </a:spcBef>
+                        <a:spcAft>
+                          <a:spcPts val="0"/>
+                        </a:spcAft>
+                        <a:buClrTx/>
+                        <a:buSzTx/>
+                        <a:buFontTx/>
+                        <a:buNone/>
+                        <a:tabLst/>
+                        <a:defRPr/>
+                      </a:pPr>
+                      <a:r>
+                        <a:rPr lang="zh-TW" altLang="en-US" sz="2000" dirty="0" smtClean="0"/>
+                        <a:t>唐</a:t>
+                      </a:r>
+                      <a:r>
+                        <a:rPr lang="zh-TW" altLang="en-US" sz="2000" dirty="0" smtClean="0"/>
+                        <a:t>堇瑜</a:t>
+                      </a:r>
+                    </a:p>
+                  </a:txBody>
+                  <a:tcPr anchor="ctr"/>
+                </a:tc>
+                <a:tc>
+                  <a:txBody>
+                    <a:bodyPr/>
+                    <a:lstStyle/>
+                    <a:p>
+                      <a:pPr algn="ctr"/>
+                      <a:r>
+                        <a:rPr lang="en-US" altLang="zh-TW" sz="2000" dirty="0" smtClean="0"/>
+                        <a:t>1.</a:t>
+                      </a:r>
+                      <a:r>
+                        <a:rPr lang="zh-TW" altLang="en-US" sz="2000" dirty="0" smtClean="0"/>
+                        <a:t>影音參考</a:t>
+                      </a:r>
+                      <a:endParaRPr lang="en-US" altLang="zh-TW" sz="2000" dirty="0" smtClean="0"/>
+                    </a:p>
+                    <a:p>
+                      <a:pPr algn="ctr"/>
+                      <a:r>
+                        <a:rPr lang="en-US" altLang="zh-TW" sz="2000" dirty="0" smtClean="0"/>
+                        <a:t>2.</a:t>
+                      </a:r>
+                      <a:r>
+                        <a:rPr lang="zh-TW" altLang="en-US" sz="2000" dirty="0" smtClean="0"/>
+                        <a:t>作者介紹</a:t>
+                      </a:r>
+                      <a:endParaRPr lang="en-US" altLang="zh-TW" sz="2000" dirty="0" smtClean="0"/>
+                    </a:p>
+                    <a:p>
+                      <a:pPr marL="0" marR="0" indent="0" algn="ctr" defTabSz="457200" rtl="0" eaLnBrk="1" fontAlgn="auto" latinLnBrk="0" hangingPunct="1">
+                        <a:lnSpc>
+                          <a:spcPct val="100000"/>
+                        </a:lnSpc>
+                        <a:spcBef>
+                          <a:spcPts val="0"/>
+                        </a:spcBef>
+                        <a:spcAft>
+                          <a:spcPts val="0"/>
+                        </a:spcAft>
+                        <a:buClrTx/>
+                        <a:buSzTx/>
+                        <a:buFontTx/>
+                        <a:buNone/>
+                        <a:tabLst/>
+                        <a:defRPr/>
+                      </a:pPr>
+                      <a:r>
+                        <a:rPr lang="en-US" altLang="zh-TW" sz="2000" dirty="0" smtClean="0"/>
+                        <a:t>3.</a:t>
+                      </a:r>
+                      <a:r>
+                        <a:rPr lang="zh-TW" altLang="en-US" sz="2000" dirty="0" smtClean="0"/>
+                        <a:t>衣櫃</a:t>
+                      </a:r>
+                      <a:endParaRPr lang="en-US" altLang="zh-TW" sz="2000" dirty="0" smtClean="0"/>
+                    </a:p>
+                    <a:p>
+                      <a:pPr marL="0" marR="0" indent="0" algn="ctr" defTabSz="457200" rtl="0" eaLnBrk="1" fontAlgn="auto" latinLnBrk="0" hangingPunct="1">
+                        <a:lnSpc>
+                          <a:spcPct val="100000"/>
+                        </a:lnSpc>
+                        <a:spcBef>
+                          <a:spcPts val="0"/>
+                        </a:spcBef>
+                        <a:spcAft>
+                          <a:spcPts val="0"/>
+                        </a:spcAft>
+                        <a:buClrTx/>
+                        <a:buSzTx/>
+                        <a:buFontTx/>
+                        <a:buNone/>
+                        <a:tabLst/>
+                        <a:defRPr/>
+                      </a:pPr>
+                      <a:r>
+                        <a:rPr lang="en-US" altLang="zh-TW" sz="2000" dirty="0" smtClean="0"/>
+                        <a:t>4.CSS</a:t>
+                      </a:r>
+                      <a:endParaRPr lang="zh-TW" altLang="en-US" sz="2000" dirty="0" smtClean="0"/>
+                    </a:p>
+                  </a:txBody>
+                  <a:tcPr anchor="ctr"/>
+                </a:tc>
+              </a:tr>
+            </a:tbl>
+          </a:graphicData>
+        </a:graphic>
+      </p:graphicFrame>
+    </p:spTree>
+    <p:extLst>
+      <p:ext uri="{BB962C8B-B14F-4D97-AF65-F5344CB8AC3E}">
+        <p14:creationId xmlns:p14="http://schemas.microsoft.com/office/powerpoint/2010/main" val="1306155002"/>
+      </p:ext>
+    </p:extLst>
+  </p:cSld>
+  <p:clrMapOvr>
+    <a:masterClrMapping/>
+  </p:clrMapOvr>
+</p:sld>
+</file>
+
+<file path=ppt/slides/slide13.xml><?xml version="1.0" encoding="utf-8"?>
+<p:sld xmlns:a="http://schemas.openxmlformats.org/drawingml/2006/main" xmlns:r="http://schemas.openxmlformats.org/officeDocument/2006/relationships" xmlns:p="http://schemas.openxmlformats.org/presentationml/2006/main">
+  <p:cSld>
+    <p:spTree>
+      <p:nvGrpSpPr>
+        <p:cNvPr id="1" name=""/>
+        <p:cNvGrpSpPr/>
+        <p:nvPr/>
+      </p:nvGrpSpPr>
+      <p:grpSpPr>
+        <a:xfrm>
+          <a:off x="0" y="0"/>
+          <a:ext cx="0" cy="0"/>
+          <a:chOff x="0" y="0"/>
+          <a:chExt cx="0" cy="0"/>
+        </a:xfrm>
+      </p:grpSpPr>
+      <p:sp>
+        <p:nvSpPr>
+          <p:cNvPr id="2" name="標題 1"/>
+          <p:cNvSpPr>
+            <a:spLocks noGrp="1"/>
+          </p:cNvSpPr>
+          <p:nvPr>
+            <p:ph type="title"/>
+          </p:nvPr>
+        </p:nvSpPr>
+        <p:spPr/>
+        <p:txBody>
+          <a:bodyPr/>
+          <a:lstStyle/>
+          <a:p>
+            <a:pPr algn="ctr"/>
+            <a:r>
+              <a:rPr lang="zh-TW" altLang="en-US" dirty="0"/>
+              <a:t>參考資料</a:t>
+            </a:r>
+            <a:br>
+              <a:rPr lang="zh-TW" altLang="en-US" dirty="0"/>
+            </a:br>
+            <a:endParaRPr lang="zh-TW" altLang="en-US" dirty="0"/>
+          </a:p>
+        </p:txBody>
+      </p:sp>
+      <p:sp>
+        <p:nvSpPr>
+          <p:cNvPr id="3" name="內容版面配置區 2"/>
+          <p:cNvSpPr>
+            <a:spLocks noGrp="1"/>
+          </p:cNvSpPr>
+          <p:nvPr>
+            <p:ph idx="1"/>
+          </p:nvPr>
+        </p:nvSpPr>
+        <p:spPr/>
+        <p:txBody>
+          <a:bodyPr/>
+          <a:lstStyle/>
+          <a:p>
+            <a:r>
+              <a:rPr lang="en-US" altLang="zh-TW" sz="2800" dirty="0"/>
+              <a:t>1. </a:t>
+            </a:r>
+            <a:r>
+              <a:rPr lang="en-US" altLang="zh-TW" sz="2800" dirty="0">
+                <a:hlinkClick r:id="rId2"/>
+              </a:rPr>
+              <a:t>http://</a:t>
+            </a:r>
+            <a:r>
+              <a:rPr lang="en-US" altLang="zh-TW" sz="2800" dirty="0" smtClean="0">
+                <a:hlinkClick r:id="rId2"/>
+              </a:rPr>
+              <a:t>www.dmaku.com/jquery-662.html</a:t>
+            </a:r>
+            <a:endParaRPr lang="en-US" altLang="zh-TW" sz="2800" dirty="0" smtClean="0"/>
+          </a:p>
+          <a:p>
+            <a:r>
+              <a:rPr lang="en-US" altLang="zh-TW" sz="2800" dirty="0" smtClean="0"/>
+              <a:t>2</a:t>
+            </a:r>
+            <a:r>
+              <a:rPr lang="en-US" altLang="zh-TW" sz="2800" dirty="0"/>
+              <a:t>. </a:t>
+            </a:r>
+            <a:r>
+              <a:rPr lang="en-US" altLang="zh-TW" sz="2800" dirty="0">
+                <a:hlinkClick r:id="rId3"/>
+              </a:rPr>
+              <a:t>http://qrohlf.com/trianglify/#</a:t>
+            </a:r>
+            <a:r>
+              <a:rPr lang="en-US" altLang="zh-TW" sz="2800" dirty="0" smtClean="0">
+                <a:hlinkClick r:id="rId3"/>
+              </a:rPr>
+              <a:t>gettingstarted</a:t>
+            </a:r>
+            <a:endParaRPr lang="en-US" altLang="zh-TW" sz="2800" dirty="0" smtClean="0"/>
+          </a:p>
+          <a:p>
+            <a:r>
+              <a:rPr lang="en-US" altLang="zh-TW" sz="2800" dirty="0"/>
+              <a:t>3. </a:t>
+            </a:r>
+            <a:r>
+              <a:rPr lang="en-US" altLang="zh-TW" sz="2800" dirty="0">
+                <a:hlinkClick r:id="rId4"/>
+              </a:rPr>
+              <a:t>https://www.w3schools.com</a:t>
+            </a:r>
+            <a:r>
+              <a:rPr lang="en-US" altLang="zh-TW" sz="2800" dirty="0" smtClean="0">
+                <a:hlinkClick r:id="rId4"/>
+              </a:rPr>
+              <a:t>/</a:t>
+            </a:r>
+            <a:endParaRPr lang="en-US" altLang="zh-TW" sz="2800" dirty="0" smtClean="0"/>
+          </a:p>
+          <a:p>
+            <a:r>
+              <a:rPr lang="en-US" altLang="zh-TW" sz="2800" dirty="0"/>
+              <a:t>4. </a:t>
+            </a:r>
+            <a:r>
+              <a:rPr lang="en-US" altLang="zh-TW" sz="2800" dirty="0">
+                <a:hlinkClick r:id="rId5"/>
+              </a:rPr>
+              <a:t>https://webgradients.com</a:t>
+            </a:r>
+            <a:r>
+              <a:rPr lang="en-US" altLang="zh-TW" sz="2800" dirty="0" smtClean="0">
+                <a:hlinkClick r:id="rId5"/>
+              </a:rPr>
+              <a:t>/</a:t>
+            </a:r>
+            <a:endParaRPr lang="en-US" altLang="zh-TW" sz="2800" dirty="0" smtClean="0"/>
+          </a:p>
+          <a:p>
+            <a:endParaRPr lang="en-US" altLang="zh-TW" sz="2800" dirty="0" smtClean="0"/>
+          </a:p>
+          <a:p>
+            <a:endParaRPr lang="en-US" altLang="zh-TW" dirty="0" smtClean="0"/>
+          </a:p>
+        </p:txBody>
+      </p:sp>
+    </p:spTree>
+    <p:extLst>
+      <p:ext uri="{BB962C8B-B14F-4D97-AF65-F5344CB8AC3E}">
+        <p14:creationId xmlns:p14="http://schemas.microsoft.com/office/powerpoint/2010/main" val="3515307357"/>
+      </p:ext>
+    </p:extLst>
+  </p:cSld>
+  <p:clrMapOvr>
+    <a:masterClrMapping/>
+  </p:clrMapOvr>
+  <p:timing>
+    <p:tnLst>
+      <p:par>
+        <p:cTn id="1" dur="indefinite" restart="never" nodeType="tmRoot"/>
+      </p:par>
+    </p:tnLst>
+  </p:timing>
 </p:sld>
 </file>
 
@@ -11356,7 +11790,7 @@
         </p:nvSpPr>
         <p:spPr>
           <a:xfrm>
-            <a:off x="1210734" y="361950"/>
+            <a:off x="1258359" y="352425"/>
             <a:ext cx="8596668" cy="1320800"/>
           </a:xfrm>
         </p:spPr>
@@ -11389,13 +11823,13 @@
             <p:ph idx="1"/>
             <p:extLst>
               <p:ext uri="{D42A27DB-BD31-4B8C-83A1-F6EECF244321}">
-                <p14:modId xmlns:p14="http://schemas.microsoft.com/office/powerpoint/2010/main" val="1678965108"/>
+                <p14:modId xmlns:p14="http://schemas.microsoft.com/office/powerpoint/2010/main" val="1588672040"/>
               </p:ext>
             </p:extLst>
           </p:nvPr>
         </p:nvGraphicFramePr>
         <p:xfrm>
-          <a:off x="182563" y="1493838"/>
+          <a:off x="661637" y="1541463"/>
           <a:ext cx="9790112" cy="4602162"/>
         </p:xfrm>
         <a:graphic>
@@ -11404,6 +11838,41 @@
           </a:graphicData>
         </a:graphic>
       </p:graphicFrame>
+      <p:cxnSp>
+        <p:nvCxnSpPr>
+          <p:cNvPr id="5" name="直線接點 4"/>
+          <p:cNvCxnSpPr/>
+          <p:nvPr/>
+        </p:nvCxnSpPr>
+        <p:spPr>
+          <a:xfrm flipV="1">
+            <a:off x="5019675" y="2533650"/>
+            <a:ext cx="333375" cy="9525"/>
+          </a:xfrm>
+          <a:prstGeom prst="line">
+            <a:avLst/>
+          </a:prstGeom>
+          <a:ln w="19050">
+            <a:solidFill>
+              <a:srgbClr val="699841"/>
+            </a:solidFill>
+          </a:ln>
+        </p:spPr>
+        <p:style>
+          <a:lnRef idx="1">
+            <a:schemeClr val="accent1"/>
+          </a:lnRef>
+          <a:fillRef idx="0">
+            <a:schemeClr val="accent1"/>
+          </a:fillRef>
+          <a:effectRef idx="0">
+            <a:schemeClr val="accent1"/>
+          </a:effectRef>
+          <a:fontRef idx="minor">
+            <a:schemeClr val="tx1"/>
+          </a:fontRef>
+        </p:style>
+      </p:cxnSp>
     </p:spTree>
     <p:extLst>
       <p:ext uri="{BB962C8B-B14F-4D97-AF65-F5344CB8AC3E}">
@@ -11541,11 +12010,7 @@
             </a:pPr>
             <a:r>
               <a:rPr lang="zh-TW" altLang="en-US" sz="2400" dirty="0" smtClean="0"/>
-              <a:t>品牌連結：連結時尚品牌網路</a:t>
-            </a:r>
-            <a:r>
-              <a:rPr lang="zh-TW" altLang="en-US" sz="2400" dirty="0" smtClean="0"/>
-              <a:t>商店</a:t>
+              <a:t>品牌連結：連結時尚品牌網路商店</a:t>
             </a:r>
             <a:endParaRPr lang="en-US" altLang="zh-TW" sz="2400" dirty="0" smtClean="0"/>
           </a:p>
@@ -11563,6 +12028,11 @@
               <a:rPr lang="en-US" altLang="zh-TW" sz="2400" dirty="0" smtClean="0"/>
               <a:t>:</a:t>
             </a:r>
+            <a:r>
+              <a:rPr lang="zh-TW" altLang="en-US" sz="2400" dirty="0" smtClean="0"/>
+              <a:t> 簡單的網站介紹</a:t>
+            </a:r>
+            <a:endParaRPr lang="en-US" altLang="zh-TW" sz="2400" dirty="0" smtClean="0"/>
           </a:p>
           <a:p>
             <a:pPr>
@@ -11584,11 +12054,7 @@
             </a:pPr>
             <a:r>
               <a:rPr lang="zh-TW" altLang="en-US" sz="2400" dirty="0" smtClean="0"/>
-              <a:t>參考</a:t>
-            </a:r>
-            <a:r>
-              <a:rPr lang="zh-TW" altLang="en-US" sz="2400" dirty="0" smtClean="0"/>
-              <a:t>資料</a:t>
+              <a:t>參考資料</a:t>
             </a:r>
             <a:endParaRPr lang="zh-TW" altLang="en-US" sz="2400" dirty="0"/>
           </a:p>
@@ -11645,7 +12111,11 @@
             <a:pPr algn="ctr"/>
             <a:r>
               <a:rPr lang="zh-TW" altLang="en-US" dirty="0" smtClean="0"/>
-              <a:t>功能選擇</a:t>
+              <a:t>首頁、功能</a:t>
+            </a:r>
+            <a:r>
+              <a:rPr lang="zh-TW" altLang="en-US" dirty="0" smtClean="0"/>
+              <a:t>選擇</a:t>
             </a:r>
             <a:endParaRPr lang="zh-TW" altLang="en-US" dirty="0"/>
           </a:p>
@@ -11675,8 +12145,8 @@
         </p:blipFill>
         <p:spPr>
           <a:xfrm>
-            <a:off x="1011024" y="1853967"/>
-            <a:ext cx="7246846" cy="4230003"/>
+            <a:off x="1011023" y="1853967"/>
+            <a:ext cx="9304552" cy="4230003"/>
           </a:xfrm>
         </p:spPr>
       </p:pic>
@@ -11710,6 +12180,30 @@
           <a:chExt cx="0" cy="0"/>
         </a:xfrm>
       </p:grpSpPr>
+      <p:pic>
+        <p:nvPicPr>
+          <p:cNvPr id="7" name="圖片 6"/>
+          <p:cNvPicPr>
+            <a:picLocks noChangeAspect="1"/>
+          </p:cNvPicPr>
+          <p:nvPr/>
+        </p:nvPicPr>
+        <p:blipFill>
+          <a:blip r:embed="rId2"/>
+          <a:stretch>
+            <a:fillRect/>
+          </a:stretch>
+        </p:blipFill>
+        <p:spPr>
+          <a:xfrm>
+            <a:off x="6884649" y="2943224"/>
+            <a:ext cx="4912056" cy="3629025"/>
+          </a:xfrm>
+          <a:prstGeom prst="rect">
+            <a:avLst/>
+          </a:prstGeom>
+        </p:spPr>
+      </p:pic>
       <p:sp>
         <p:nvSpPr>
           <p:cNvPr id="2" name="標題 1"/>
@@ -11728,7 +12222,7 @@
             <a:pPr algn="ctr"/>
             <a:r>
               <a:rPr lang="zh-TW" altLang="en-US" dirty="0" smtClean="0"/>
-              <a:t>男女衣櫃</a:t>
+              <a:t>  男女衣櫃</a:t>
             </a:r>
             <a:endParaRPr lang="zh-TW" altLang="en-US" dirty="0"/>
           </a:p>
@@ -11736,57 +12230,21 @@
       </p:sp>
       <p:pic>
         <p:nvPicPr>
-          <p:cNvPr id="4" name="內容版面配置區 3"/>
-          <p:cNvPicPr>
-            <a:picLocks noGrp="1" noChangeAspect="1"/>
-          </p:cNvPicPr>
-          <p:nvPr>
-            <p:ph idx="1"/>
-          </p:nvPr>
-        </p:nvPicPr>
-        <p:blipFill>
-          <a:blip r:embed="rId2">
-            <a:extLst>
-              <a:ext uri="{28A0092B-C50C-407E-A947-70E740481C1C}">
-                <a14:useLocalDpi xmlns:a14="http://schemas.microsoft.com/office/drawing/2010/main" val="0"/>
-              </a:ext>
-            </a:extLst>
-          </a:blip>
-          <a:stretch>
-            <a:fillRect/>
-          </a:stretch>
-        </p:blipFill>
-        <p:spPr>
-          <a:xfrm>
-            <a:off x="206159" y="1421934"/>
-            <a:ext cx="5691302" cy="4362275"/>
-          </a:xfrm>
-        </p:spPr>
-      </p:pic>
-      <p:pic>
-        <p:nvPicPr>
-          <p:cNvPr id="5" name="圖片 4"/>
+          <p:cNvPr id="3" name="圖片 2"/>
           <p:cNvPicPr>
             <a:picLocks noChangeAspect="1"/>
           </p:cNvPicPr>
           <p:nvPr/>
         </p:nvPicPr>
-        <p:blipFill>
-          <a:blip r:embed="rId3">
-            <a:extLst>
-              <a:ext uri="{28A0092B-C50C-407E-A947-70E740481C1C}">
-                <a14:useLocalDpi xmlns:a14="http://schemas.microsoft.com/office/drawing/2010/main" val="0"/>
-              </a:ext>
-            </a:extLst>
-          </a:blip>
-          <a:stretch>
-            <a:fillRect/>
-          </a:stretch>
+        <p:blipFill rotWithShape="1">
+          <a:blip r:embed="rId3"/>
+          <a:srcRect r="3939"/>
+          <a:stretch/>
         </p:blipFill>
         <p:spPr>
           <a:xfrm>
-            <a:off x="6271938" y="1325461"/>
-            <a:ext cx="5685170" cy="4626528"/>
+            <a:off x="409575" y="1377268"/>
+            <a:ext cx="7210425" cy="3641271"/>
           </a:xfrm>
           <a:prstGeom prst="rect">
             <a:avLst/>
@@ -11840,12 +12298,8 @@
           <a:p>
             <a:pPr algn="ctr"/>
             <a:r>
-              <a:rPr lang="zh-TW" altLang="en-US" dirty="0"/>
-              <a:t>男女</a:t>
-            </a:r>
-            <a:r>
               <a:rPr lang="zh-TW" altLang="en-US" dirty="0" smtClean="0"/>
-              <a:t>衣櫃詳細作法</a:t>
+              <a:t>  男女衣櫃詳細作法範例</a:t>
             </a:r>
             <a:endParaRPr lang="zh-TW" altLang="en-US" dirty="0"/>
           </a:p>
@@ -11882,59 +12336,13 @@
       </p:pic>
       <p:sp>
         <p:nvSpPr>
-          <p:cNvPr id="7" name="直線圖說文字 1 6"/>
-          <p:cNvSpPr/>
-          <p:nvPr/>
-        </p:nvSpPr>
-        <p:spPr>
-          <a:xfrm>
-            <a:off x="5931017" y="1900107"/>
-            <a:ext cx="3028425" cy="696286"/>
-          </a:xfrm>
-          <a:prstGeom prst="borderCallout1">
-            <a:avLst/>
-          </a:prstGeom>
-          <a:solidFill>
-            <a:schemeClr val="accent2">
-              <a:lumMod val="40000"/>
-              <a:lumOff val="60000"/>
-            </a:schemeClr>
-          </a:solidFill>
-        </p:spPr>
-        <p:style>
-          <a:lnRef idx="2">
-            <a:schemeClr val="accent1">
-              <a:shade val="50000"/>
-            </a:schemeClr>
-          </a:lnRef>
-          <a:fillRef idx="1">
-            <a:schemeClr val="accent1"/>
-          </a:fillRef>
-          <a:effectRef idx="0">
-            <a:schemeClr val="accent1"/>
-          </a:effectRef>
-          <a:fontRef idx="minor">
-            <a:schemeClr val="lt1"/>
-          </a:fontRef>
-        </p:style>
-        <p:txBody>
-          <a:bodyPr rtlCol="0" anchor="ctr"/>
-          <a:lstStyle/>
-          <a:p>
-            <a:pPr algn="ctr"/>
-            <a:endParaRPr lang="zh-TW" altLang="en-US"/>
-          </a:p>
-        </p:txBody>
-      </p:sp>
-      <p:sp>
-        <p:nvSpPr>
           <p:cNvPr id="8" name="直線圖說文字 1 7"/>
           <p:cNvSpPr/>
           <p:nvPr/>
         </p:nvSpPr>
         <p:spPr>
           <a:xfrm>
-            <a:off x="5998129" y="3749879"/>
+            <a:off x="6837028" y="2558642"/>
             <a:ext cx="3112315" cy="1090569"/>
           </a:xfrm>
           <a:prstGeom prst="borderCallout1">
@@ -11968,7 +12376,59 @@
           <a:lstStyle/>
           <a:p>
             <a:pPr algn="ctr"/>
-            <a:endParaRPr lang="zh-TW" altLang="en-US"/>
+            <a:r>
+              <a:rPr lang="zh-TW" altLang="en-US" dirty="0">
+                <a:solidFill>
+                  <a:schemeClr val="tx1"/>
+                </a:solidFill>
+              </a:rPr>
+              <a:t>透過</a:t>
+            </a:r>
+            <a:r>
+              <a:rPr lang="en-US" altLang="zh-TW" dirty="0">
+                <a:solidFill>
+                  <a:schemeClr val="tx1"/>
+                </a:solidFill>
+              </a:rPr>
+              <a:t>remove</a:t>
+            </a:r>
+            <a:r>
+              <a:rPr lang="zh-TW" altLang="en-US" dirty="0">
+                <a:solidFill>
+                  <a:schemeClr val="tx1"/>
+                </a:solidFill>
+              </a:rPr>
+              <a:t>的</a:t>
+            </a:r>
+            <a:r>
+              <a:rPr lang="en-US" altLang="zh-TW" dirty="0">
+                <a:solidFill>
+                  <a:schemeClr val="tx1"/>
+                </a:solidFill>
+              </a:rPr>
+              <a:t>function</a:t>
+            </a:r>
+            <a:r>
+              <a:rPr lang="zh-TW" altLang="en-US" dirty="0">
+                <a:solidFill>
+                  <a:schemeClr val="tx1"/>
+                </a:solidFill>
+              </a:rPr>
+              <a:t>來</a:t>
+            </a:r>
+            <a:r>
+              <a:rPr lang="zh-TW" altLang="en-US" dirty="0" smtClean="0">
+                <a:solidFill>
+                  <a:schemeClr val="tx1"/>
+                </a:solidFill>
+              </a:rPr>
+              <a:t>調整衣服顯示</a:t>
+            </a:r>
+            <a:endParaRPr lang="zh-TW" altLang="en-US" dirty="0">
+              <a:solidFill>
+                <a:schemeClr val="tx1"/>
+              </a:solidFill>
+            </a:endParaRPr>
           </a:p>
         </p:txBody>
       </p:sp>
@@ -12019,8 +12479,12 @@
           <a:p>
             <a:pPr algn="ctr"/>
             <a:r>
+              <a:rPr lang="zh-TW" altLang="en-US" dirty="0" smtClean="0"/>
+              <a:t>  影</a:t>
+            </a:r>
+            <a:r>
               <a:rPr lang="zh-TW" altLang="en-US" dirty="0"/>
-              <a:t>影音</a:t>
+              <a:t>音</a:t>
             </a:r>
             <a:r>
               <a:rPr lang="zh-TW" altLang="en-US" dirty="0" smtClean="0"/>
@@ -12063,7 +12527,7 @@
         <p:spPr>
           <a:xfrm>
             <a:off x="66310" y="1786856"/>
-            <a:ext cx="6066665" cy="3938124"/>
+            <a:ext cx="6066665" cy="4332406"/>
           </a:xfrm>
         </p:spPr>
       </p:pic>
@@ -12144,12 +12608,8 @@
           <a:p>
             <a:pPr algn="ctr"/>
             <a:r>
-              <a:rPr lang="zh-TW" altLang="en-US" dirty="0"/>
-              <a:t>作者</a:t>
-            </a:r>
-            <a:r>
               <a:rPr lang="zh-TW" altLang="en-US" dirty="0" smtClean="0"/>
-              <a:t>介紹</a:t>
+              <a:t>  作者介紹</a:t>
             </a:r>
             <a:r>
               <a:rPr lang="en-US" altLang="zh-TW" dirty="0" smtClean="0"/>
@@ -12194,7 +12654,7 @@
       </p:pic>
       <p:pic>
         <p:nvPicPr>
-          <p:cNvPr id="5" name="圖片 4"/>
+          <p:cNvPr id="6" name="圖片 5"/>
           <p:cNvPicPr>
             <a:picLocks noChangeAspect="1"/>
           </p:cNvPicPr>
@@ -12214,8 +12674,8 @@
         </p:blipFill>
         <p:spPr>
           <a:xfrm>
-            <a:off x="6098796" y="1820412"/>
-            <a:ext cx="5989740" cy="4436220"/>
+            <a:off x="5953384" y="1912691"/>
+            <a:ext cx="5950594" cy="4311940"/>
           </a:xfrm>
           <a:prstGeom prst="rect">
             <a:avLst/>
@@ -12486,7 +12946,7 @@
   <a:extraClrSchemeLst/>
   <a:extLst>
     <a:ext uri="{05A4C25C-085E-4340-85A3-A5531E510DB2}">
-      <thm15:themeFamily xmlns="" xmlns:thm15="http://schemas.microsoft.com/office/thememl/2012/main" name="Facet" id="{C0C680CD-088A-49FC-A102-D699147F32B2}" vid="{CFBC31BA-B70F-4F30-BCAA-4F3011E16C4D}"/>
+      <thm15:themeFamily xmlns:thm15="http://schemas.microsoft.com/office/thememl/2012/main" name="Facet" id="{C0C680CD-088A-49FC-A102-D699147F32B2}" vid="{CFBC31BA-B70F-4F30-BCAA-4F3011E16C4D}"/>
     </a:ext>
   </a:extLst>
 </a:theme>

--- a/Webprograming/document/00457004+00457013.pptx
+++ b/Webprograming/document/00457004+00457013.pptx
@@ -9,13 +9,13 @@
     <p:sldId id="259" r:id="rId3"/>
     <p:sldId id="257" r:id="rId4"/>
     <p:sldId id="261" r:id="rId5"/>
-    <p:sldId id="262" r:id="rId6"/>
-    <p:sldId id="263" r:id="rId7"/>
-    <p:sldId id="266" r:id="rId8"/>
-    <p:sldId id="264" r:id="rId9"/>
-    <p:sldId id="265" r:id="rId10"/>
-    <p:sldId id="258" r:id="rId11"/>
-    <p:sldId id="260" r:id="rId12"/>
+    <p:sldId id="258" r:id="rId6"/>
+    <p:sldId id="260" r:id="rId7"/>
+    <p:sldId id="262" r:id="rId8"/>
+    <p:sldId id="263" r:id="rId9"/>
+    <p:sldId id="266" r:id="rId10"/>
+    <p:sldId id="264" r:id="rId11"/>
+    <p:sldId id="265" r:id="rId12"/>
     <p:sldId id="268" r:id="rId13"/>
     <p:sldId id="267" r:id="rId14"/>
   </p:sldIdLst>
@@ -1782,32 +1782,32 @@
     </dgm:pt>
   </dgm:ptLst>
   <dgm:cxnLst>
+    <dgm:cxn modelId="{3430F363-792E-4915-93E2-6B86BF267F33}" type="presOf" srcId="{D2B57D22-D67E-4F27-B031-1FAE99035A7F}" destId="{9E3A0485-679B-4A42-946A-81FE00B4E484}" srcOrd="0" destOrd="0" presId="urn:microsoft.com/office/officeart/2005/8/layout/hierarchy1"/>
+    <dgm:cxn modelId="{F116F06D-F942-47A6-9D65-1BDEDC2D1A23}" type="presOf" srcId="{942EEBBD-719A-4E60-81AB-5A163C490081}" destId="{3E214654-705B-46B4-B3C4-D9E378BDF068}" srcOrd="0" destOrd="0" presId="urn:microsoft.com/office/officeart/2005/8/layout/hierarchy1"/>
+    <dgm:cxn modelId="{5DFDF2C6-F2E0-4DA8-B2FC-BE199A008DF7}" type="presOf" srcId="{D36087A7-4E1F-4A6F-AFF9-2AEB5850EEEC}" destId="{CA9C1DC5-E930-4CBE-BEF3-B39299F08B4E}" srcOrd="0" destOrd="0" presId="urn:microsoft.com/office/officeart/2005/8/layout/hierarchy1"/>
+    <dgm:cxn modelId="{873177D6-75E4-4D9A-BAC9-BD5E5AE3F097}" type="presOf" srcId="{561BA732-D911-4441-8BB6-9A033D513B4F}" destId="{6109C40D-5F71-46EE-87E7-2F61B4AAB7F0}" srcOrd="0" destOrd="0" presId="urn:microsoft.com/office/officeart/2005/8/layout/hierarchy1"/>
+    <dgm:cxn modelId="{B2BF82D8-6360-4F3C-AFBB-84CBABD3DD7D}" srcId="{80E086D4-8AF4-4DC9-909A-89071C512D03}" destId="{D36087A7-4E1F-4A6F-AFF9-2AEB5850EEEC}" srcOrd="4" destOrd="0" parTransId="{233B99EF-287F-4C92-9520-E4BBE054E016}" sibTransId="{18907592-E2D1-44ED-9384-EABD278FA3DA}"/>
+    <dgm:cxn modelId="{B4F3434A-EAD4-4254-B5DD-3F176DC10019}" type="presOf" srcId="{0BC006F6-64CC-4624-B17C-A0108656211F}" destId="{FFFB992C-BD62-41FC-9F12-2F98C6725967}" srcOrd="0" destOrd="0" presId="urn:microsoft.com/office/officeart/2005/8/layout/hierarchy1"/>
+    <dgm:cxn modelId="{5DC9316C-931C-4DDF-921B-659F8BD9830B}" type="presOf" srcId="{8C4672CD-29D4-4CC0-A518-606805C5F8D2}" destId="{14B0BB6C-B295-4C7C-A331-B24145486038}" srcOrd="0" destOrd="0" presId="urn:microsoft.com/office/officeart/2005/8/layout/hierarchy1"/>
+    <dgm:cxn modelId="{A8FAEDAF-B4A3-4C7A-BFED-E8649C4E6597}" srcId="{80E086D4-8AF4-4DC9-909A-89071C512D03}" destId="{8C4672CD-29D4-4CC0-A518-606805C5F8D2}" srcOrd="2" destOrd="0" parTransId="{65E6B1D3-98DB-49FE-BC7B-8D02CC91EFD4}" sibTransId="{14596D0B-C5CF-4893-9F00-B217498A1F78}"/>
+    <dgm:cxn modelId="{5DB62B4C-14E2-4F8B-9162-B25B42015E29}" type="presOf" srcId="{947910A5-2ED1-4C87-BFAA-8B99A303BD1F}" destId="{85F1F78F-A02B-44C8-8B3E-083D3186FC23}" srcOrd="0" destOrd="0" presId="urn:microsoft.com/office/officeart/2005/8/layout/hierarchy1"/>
+    <dgm:cxn modelId="{FBD00F75-40C8-4783-BE7B-01C07FB93192}" type="presOf" srcId="{25708C8C-5BBA-48C9-B94C-B97274156E17}" destId="{5B2CAF19-7785-40AE-9412-F3C8193F9964}" srcOrd="0" destOrd="0" presId="urn:microsoft.com/office/officeart/2005/8/layout/hierarchy1"/>
+    <dgm:cxn modelId="{6E44A9B4-A6D6-4FDD-A785-4A5DEA582EC1}" srcId="{25708C8C-5BBA-48C9-B94C-B97274156E17}" destId="{80E086D4-8AF4-4DC9-909A-89071C512D03}" srcOrd="1" destOrd="0" parTransId="{2E319D96-F22C-4B56-81CA-466326F356A4}" sibTransId="{1B84EA08-9DEA-40C7-B201-4ECB0F34DFED}"/>
+    <dgm:cxn modelId="{9F2249C1-DDAC-4E59-A64A-0F7BEE4F8467}" srcId="{942EEBBD-719A-4E60-81AB-5A163C490081}" destId="{E0EDAE46-9807-48AA-ACF0-25686B48C9C5}" srcOrd="1" destOrd="0" parTransId="{D2B57D22-D67E-4F27-B031-1FAE99035A7F}" sibTransId="{C0297761-4082-4992-892F-3E77692C205E}"/>
+    <dgm:cxn modelId="{C7600F07-A569-4868-BF54-567399CD6076}" type="presOf" srcId="{917088CC-E6AF-41D9-88BA-B79265D02F3A}" destId="{0D26666D-E0C7-41C1-AD6A-BAAF53322805}" srcOrd="0" destOrd="0" presId="urn:microsoft.com/office/officeart/2005/8/layout/hierarchy1"/>
+    <dgm:cxn modelId="{F6B6D9B2-B124-4F8E-9EA5-C640B214B9C6}" srcId="{80E086D4-8AF4-4DC9-909A-89071C512D03}" destId="{561BA732-D911-4441-8BB6-9A033D513B4F}" srcOrd="1" destOrd="0" parTransId="{128787E6-1F89-41BB-AE63-DDA2587D0B09}" sibTransId="{6D3FE95D-9CCD-4D30-B4E9-67F3753E2190}"/>
+    <dgm:cxn modelId="{1A1B37DF-B535-4922-A09A-F1B78E1DB203}" type="presOf" srcId="{233B99EF-287F-4C92-9520-E4BBE054E016}" destId="{4CDE7DD9-2B1C-4CB1-9CEB-E0D8041096DD}" srcOrd="0" destOrd="0" presId="urn:microsoft.com/office/officeart/2005/8/layout/hierarchy1"/>
+    <dgm:cxn modelId="{467A0FA4-F59A-4E46-AD63-491A6FC9F127}" srcId="{80E086D4-8AF4-4DC9-909A-89071C512D03}" destId="{942EEBBD-719A-4E60-81AB-5A163C490081}" srcOrd="0" destOrd="0" parTransId="{917088CC-E6AF-41D9-88BA-B79265D02F3A}" sibTransId="{A841CA5E-C02A-43A0-BA9C-682C3B736911}"/>
+    <dgm:cxn modelId="{37F067C4-8206-4491-BD50-BDEA50E0713F}" srcId="{942EEBBD-719A-4E60-81AB-5A163C490081}" destId="{947910A5-2ED1-4C87-BFAA-8B99A303BD1F}" srcOrd="0" destOrd="0" parTransId="{35558115-465D-4208-89F3-87B190F4D001}" sibTransId="{38934D6F-8DA7-490B-9F4A-ED28BCA50BC1}"/>
+    <dgm:cxn modelId="{845A85FE-3BA4-4105-8491-B52AD897BCF5}" srcId="{80E086D4-8AF4-4DC9-909A-89071C512D03}" destId="{6D46922F-2638-4ABF-BC3D-7FEA9CCB81A6}" srcOrd="3" destOrd="0" parTransId="{0BC006F6-64CC-4624-B17C-A0108656211F}" sibTransId="{0D5E3624-BB25-4E41-B131-64A1EB5661B7}"/>
+    <dgm:cxn modelId="{2C2A4F0E-C62C-4FB6-A30D-F17FCAE3208B}" srcId="{25708C8C-5BBA-48C9-B94C-B97274156E17}" destId="{2E007763-D639-4EBA-A957-7222CABE5D20}" srcOrd="0" destOrd="0" parTransId="{3573CC21-A4CB-40A2-9B30-5EC573BECD25}" sibTransId="{DC53678F-9A1A-4E84-88DB-8ED90F1CE492}"/>
+    <dgm:cxn modelId="{43107609-82D6-4CDF-B0CC-E49A0530813E}" type="presOf" srcId="{35558115-465D-4208-89F3-87B190F4D001}" destId="{8F88C318-1FB4-4FB5-89D3-7562EB46706F}" srcOrd="0" destOrd="0" presId="urn:microsoft.com/office/officeart/2005/8/layout/hierarchy1"/>
+    <dgm:cxn modelId="{3FF86C61-BD40-4227-A915-D088EF7C49D4}" type="presOf" srcId="{65E6B1D3-98DB-49FE-BC7B-8D02CC91EFD4}" destId="{4B2F8318-E95C-472D-B310-7E82E7B3D4EA}" srcOrd="0" destOrd="0" presId="urn:microsoft.com/office/officeart/2005/8/layout/hierarchy1"/>
+    <dgm:cxn modelId="{974EF680-488F-497D-8A7C-99899F30FD0B}" type="presOf" srcId="{E0EDAE46-9807-48AA-ACF0-25686B48C9C5}" destId="{05E1CE2C-9F59-4B8D-AA6B-875C99D9C74F}" srcOrd="0" destOrd="0" presId="urn:microsoft.com/office/officeart/2005/8/layout/hierarchy1"/>
+    <dgm:cxn modelId="{F4F06DD8-FA0F-4AB7-AC70-19B83074ACFB}" type="presOf" srcId="{80E086D4-8AF4-4DC9-909A-89071C512D03}" destId="{B3A9F12F-1A23-47D5-B037-71CF066C5B93}" srcOrd="0" destOrd="0" presId="urn:microsoft.com/office/officeart/2005/8/layout/hierarchy1"/>
     <dgm:cxn modelId="{D71BEDF2-DD97-402C-9355-EB8B6DB23BCD}" type="presOf" srcId="{2E007763-D639-4EBA-A957-7222CABE5D20}" destId="{334B2A56-92C8-4EDF-A520-218111B4E723}" srcOrd="0" destOrd="0" presId="urn:microsoft.com/office/officeart/2005/8/layout/hierarchy1"/>
-    <dgm:cxn modelId="{845A85FE-3BA4-4105-8491-B52AD897BCF5}" srcId="{80E086D4-8AF4-4DC9-909A-89071C512D03}" destId="{6D46922F-2638-4ABF-BC3D-7FEA9CCB81A6}" srcOrd="3" destOrd="0" parTransId="{0BC006F6-64CC-4624-B17C-A0108656211F}" sibTransId="{0D5E3624-BB25-4E41-B131-64A1EB5661B7}"/>
-    <dgm:cxn modelId="{9F2249C1-DDAC-4E59-A64A-0F7BEE4F8467}" srcId="{942EEBBD-719A-4E60-81AB-5A163C490081}" destId="{E0EDAE46-9807-48AA-ACF0-25686B48C9C5}" srcOrd="1" destOrd="0" parTransId="{D2B57D22-D67E-4F27-B031-1FAE99035A7F}" sibTransId="{C0297761-4082-4992-892F-3E77692C205E}"/>
-    <dgm:cxn modelId="{FBD00F75-40C8-4783-BE7B-01C07FB93192}" type="presOf" srcId="{25708C8C-5BBA-48C9-B94C-B97274156E17}" destId="{5B2CAF19-7785-40AE-9412-F3C8193F9964}" srcOrd="0" destOrd="0" presId="urn:microsoft.com/office/officeart/2005/8/layout/hierarchy1"/>
-    <dgm:cxn modelId="{A8FAEDAF-B4A3-4C7A-BFED-E8649C4E6597}" srcId="{80E086D4-8AF4-4DC9-909A-89071C512D03}" destId="{8C4672CD-29D4-4CC0-A518-606805C5F8D2}" srcOrd="2" destOrd="0" parTransId="{65E6B1D3-98DB-49FE-BC7B-8D02CC91EFD4}" sibTransId="{14596D0B-C5CF-4893-9F00-B217498A1F78}"/>
-    <dgm:cxn modelId="{6E44A9B4-A6D6-4FDD-A785-4A5DEA582EC1}" srcId="{25708C8C-5BBA-48C9-B94C-B97274156E17}" destId="{80E086D4-8AF4-4DC9-909A-89071C512D03}" srcOrd="1" destOrd="0" parTransId="{2E319D96-F22C-4B56-81CA-466326F356A4}" sibTransId="{1B84EA08-9DEA-40C7-B201-4ECB0F34DFED}"/>
     <dgm:cxn modelId="{AB0F548A-71C8-4C5A-A8C7-EE8A133483EE}" type="presOf" srcId="{6D46922F-2638-4ABF-BC3D-7FEA9CCB81A6}" destId="{9363CBE9-4805-41A1-8E99-B58790EC05D9}" srcOrd="0" destOrd="0" presId="urn:microsoft.com/office/officeart/2005/8/layout/hierarchy1"/>
     <dgm:cxn modelId="{A0D02609-7264-4CEB-A703-D694D129610B}" type="presOf" srcId="{128787E6-1F89-41BB-AE63-DDA2587D0B09}" destId="{3A05B3A4-9FAB-4540-BD44-CBCF8DC7C8E6}" srcOrd="0" destOrd="0" presId="urn:microsoft.com/office/officeart/2005/8/layout/hierarchy1"/>
-    <dgm:cxn modelId="{F4F06DD8-FA0F-4AB7-AC70-19B83074ACFB}" type="presOf" srcId="{80E086D4-8AF4-4DC9-909A-89071C512D03}" destId="{B3A9F12F-1A23-47D5-B037-71CF066C5B93}" srcOrd="0" destOrd="0" presId="urn:microsoft.com/office/officeart/2005/8/layout/hierarchy1"/>
-    <dgm:cxn modelId="{5DFDF2C6-F2E0-4DA8-B2FC-BE199A008DF7}" type="presOf" srcId="{D36087A7-4E1F-4A6F-AFF9-2AEB5850EEEC}" destId="{CA9C1DC5-E930-4CBE-BEF3-B39299F08B4E}" srcOrd="0" destOrd="0" presId="urn:microsoft.com/office/officeart/2005/8/layout/hierarchy1"/>
-    <dgm:cxn modelId="{467A0FA4-F59A-4E46-AD63-491A6FC9F127}" srcId="{80E086D4-8AF4-4DC9-909A-89071C512D03}" destId="{942EEBBD-719A-4E60-81AB-5A163C490081}" srcOrd="0" destOrd="0" parTransId="{917088CC-E6AF-41D9-88BA-B79265D02F3A}" sibTransId="{A841CA5E-C02A-43A0-BA9C-682C3B736911}"/>
-    <dgm:cxn modelId="{974EF680-488F-497D-8A7C-99899F30FD0B}" type="presOf" srcId="{E0EDAE46-9807-48AA-ACF0-25686B48C9C5}" destId="{05E1CE2C-9F59-4B8D-AA6B-875C99D9C74F}" srcOrd="0" destOrd="0" presId="urn:microsoft.com/office/officeart/2005/8/layout/hierarchy1"/>
-    <dgm:cxn modelId="{873177D6-75E4-4D9A-BAC9-BD5E5AE3F097}" type="presOf" srcId="{561BA732-D911-4441-8BB6-9A033D513B4F}" destId="{6109C40D-5F71-46EE-87E7-2F61B4AAB7F0}" srcOrd="0" destOrd="0" presId="urn:microsoft.com/office/officeart/2005/8/layout/hierarchy1"/>
-    <dgm:cxn modelId="{37F067C4-8206-4491-BD50-BDEA50E0713F}" srcId="{942EEBBD-719A-4E60-81AB-5A163C490081}" destId="{947910A5-2ED1-4C87-BFAA-8B99A303BD1F}" srcOrd="0" destOrd="0" parTransId="{35558115-465D-4208-89F3-87B190F4D001}" sibTransId="{38934D6F-8DA7-490B-9F4A-ED28BCA50BC1}"/>
-    <dgm:cxn modelId="{5DC9316C-931C-4DDF-921B-659F8BD9830B}" type="presOf" srcId="{8C4672CD-29D4-4CC0-A518-606805C5F8D2}" destId="{14B0BB6C-B295-4C7C-A331-B24145486038}" srcOrd="0" destOrd="0" presId="urn:microsoft.com/office/officeart/2005/8/layout/hierarchy1"/>
-    <dgm:cxn modelId="{B4F3434A-EAD4-4254-B5DD-3F176DC10019}" type="presOf" srcId="{0BC006F6-64CC-4624-B17C-A0108656211F}" destId="{FFFB992C-BD62-41FC-9F12-2F98C6725967}" srcOrd="0" destOrd="0" presId="urn:microsoft.com/office/officeart/2005/8/layout/hierarchy1"/>
-    <dgm:cxn modelId="{F6B6D9B2-B124-4F8E-9EA5-C640B214B9C6}" srcId="{80E086D4-8AF4-4DC9-909A-89071C512D03}" destId="{561BA732-D911-4441-8BB6-9A033D513B4F}" srcOrd="1" destOrd="0" parTransId="{128787E6-1F89-41BB-AE63-DDA2587D0B09}" sibTransId="{6D3FE95D-9CCD-4D30-B4E9-67F3753E2190}"/>
-    <dgm:cxn modelId="{43107609-82D6-4CDF-B0CC-E49A0530813E}" type="presOf" srcId="{35558115-465D-4208-89F3-87B190F4D001}" destId="{8F88C318-1FB4-4FB5-89D3-7562EB46706F}" srcOrd="0" destOrd="0" presId="urn:microsoft.com/office/officeart/2005/8/layout/hierarchy1"/>
-    <dgm:cxn modelId="{1A1B37DF-B535-4922-A09A-F1B78E1DB203}" type="presOf" srcId="{233B99EF-287F-4C92-9520-E4BBE054E016}" destId="{4CDE7DD9-2B1C-4CB1-9CEB-E0D8041096DD}" srcOrd="0" destOrd="0" presId="urn:microsoft.com/office/officeart/2005/8/layout/hierarchy1"/>
-    <dgm:cxn modelId="{2C2A4F0E-C62C-4FB6-A30D-F17FCAE3208B}" srcId="{25708C8C-5BBA-48C9-B94C-B97274156E17}" destId="{2E007763-D639-4EBA-A957-7222CABE5D20}" srcOrd="0" destOrd="0" parTransId="{3573CC21-A4CB-40A2-9B30-5EC573BECD25}" sibTransId="{DC53678F-9A1A-4E84-88DB-8ED90F1CE492}"/>
-    <dgm:cxn modelId="{5DB62B4C-14E2-4F8B-9162-B25B42015E29}" type="presOf" srcId="{947910A5-2ED1-4C87-BFAA-8B99A303BD1F}" destId="{85F1F78F-A02B-44C8-8B3E-083D3186FC23}" srcOrd="0" destOrd="0" presId="urn:microsoft.com/office/officeart/2005/8/layout/hierarchy1"/>
-    <dgm:cxn modelId="{B2BF82D8-6360-4F3C-AFBB-84CBABD3DD7D}" srcId="{80E086D4-8AF4-4DC9-909A-89071C512D03}" destId="{D36087A7-4E1F-4A6F-AFF9-2AEB5850EEEC}" srcOrd="4" destOrd="0" parTransId="{233B99EF-287F-4C92-9520-E4BBE054E016}" sibTransId="{18907592-E2D1-44ED-9384-EABD278FA3DA}"/>
-    <dgm:cxn modelId="{3FF86C61-BD40-4227-A915-D088EF7C49D4}" type="presOf" srcId="{65E6B1D3-98DB-49FE-BC7B-8D02CC91EFD4}" destId="{4B2F8318-E95C-472D-B310-7E82E7B3D4EA}" srcOrd="0" destOrd="0" presId="urn:microsoft.com/office/officeart/2005/8/layout/hierarchy1"/>
-    <dgm:cxn modelId="{3430F363-792E-4915-93E2-6B86BF267F33}" type="presOf" srcId="{D2B57D22-D67E-4F27-B031-1FAE99035A7F}" destId="{9E3A0485-679B-4A42-946A-81FE00B4E484}" srcOrd="0" destOrd="0" presId="urn:microsoft.com/office/officeart/2005/8/layout/hierarchy1"/>
-    <dgm:cxn modelId="{C7600F07-A569-4868-BF54-567399CD6076}" type="presOf" srcId="{917088CC-E6AF-41D9-88BA-B79265D02F3A}" destId="{0D26666D-E0C7-41C1-AD6A-BAAF53322805}" srcOrd="0" destOrd="0" presId="urn:microsoft.com/office/officeart/2005/8/layout/hierarchy1"/>
-    <dgm:cxn modelId="{F116F06D-F942-47A6-9D65-1BDEDC2D1A23}" type="presOf" srcId="{942EEBBD-719A-4E60-81AB-5A163C490081}" destId="{3E214654-705B-46B4-B3C4-D9E378BDF068}" srcOrd="0" destOrd="0" presId="urn:microsoft.com/office/officeart/2005/8/layout/hierarchy1"/>
     <dgm:cxn modelId="{FAABF070-55F4-4AF3-9799-637DB7D54A94}" type="presParOf" srcId="{5B2CAF19-7785-40AE-9412-F3C8193F9964}" destId="{C4E1B831-E210-473F-A8F5-801FFCDAE190}" srcOrd="0" destOrd="0" presId="urn:microsoft.com/office/officeart/2005/8/layout/hierarchy1"/>
     <dgm:cxn modelId="{5A1A2C73-C47A-44A4-8F4D-26CAD4C30B53}" type="presParOf" srcId="{C4E1B831-E210-473F-A8F5-801FFCDAE190}" destId="{572B5933-66BB-4744-A617-993E382FBED9}" srcOrd="0" destOrd="0" presId="urn:microsoft.com/office/officeart/2005/8/layout/hierarchy1"/>
     <dgm:cxn modelId="{C1B7382A-70D9-4C6B-93D2-C6B5E7B25AE1}" type="presParOf" srcId="{572B5933-66BB-4744-A617-993E382FBED9}" destId="{C39A39C5-FBD0-45D5-9C17-2E3903270AE1}" srcOrd="0" destOrd="0" presId="urn:microsoft.com/office/officeart/2005/8/layout/hierarchy1"/>
@@ -1879,1585 +1879,6 @@
       <dsp:cNvGrpSpPr/>
     </dsp:nvGrpSpPr>
     <dsp:grpSpPr/>
-    <dsp:sp modelId="{4CDE7DD9-2B1C-4CB1-9CEB-E0D8041096DD}">
-      <dsp:nvSpPr>
-        <dsp:cNvPr id="0" name=""/>
-        <dsp:cNvSpPr/>
-      </dsp:nvSpPr>
-      <dsp:spPr>
-        <a:xfrm>
-          <a:off x="5265053" y="1322643"/>
-          <a:ext cx="3617752" cy="430430"/>
-        </a:xfrm>
-        <a:custGeom>
-          <a:avLst/>
-          <a:gdLst/>
-          <a:ahLst/>
-          <a:cxnLst/>
-          <a:rect l="0" t="0" r="0" b="0"/>
-          <a:pathLst>
-            <a:path>
-              <a:moveTo>
-                <a:pt x="0" y="0"/>
-              </a:moveTo>
-              <a:lnTo>
-                <a:pt x="0" y="293325"/>
-              </a:lnTo>
-              <a:lnTo>
-                <a:pt x="3617752" y="293325"/>
-              </a:lnTo>
-              <a:lnTo>
-                <a:pt x="3617752" y="430430"/>
-              </a:lnTo>
-            </a:path>
-          </a:pathLst>
-        </a:custGeom>
-        <a:noFill/>
-        <a:ln w="19050" cap="rnd" cmpd="sng" algn="ctr">
-          <a:solidFill>
-            <a:schemeClr val="accent2">
-              <a:hueOff val="0"/>
-              <a:satOff val="0"/>
-              <a:lumOff val="0"/>
-              <a:alphaOff val="0"/>
-            </a:schemeClr>
-          </a:solidFill>
-          <a:prstDash val="solid"/>
-        </a:ln>
-        <a:effectLst/>
-      </dsp:spPr>
-      <dsp:style>
-        <a:lnRef idx="2">
-          <a:scrgbClr r="0" g="0" b="0"/>
-        </a:lnRef>
-        <a:fillRef idx="0">
-          <a:scrgbClr r="0" g="0" b="0"/>
-        </a:fillRef>
-        <a:effectRef idx="0">
-          <a:scrgbClr r="0" g="0" b="0"/>
-        </a:effectRef>
-        <a:fontRef idx="minor"/>
-      </dsp:style>
-    </dsp:sp>
-    <dsp:sp modelId="{FFFB992C-BD62-41FC-9F12-2F98C6725967}">
-      <dsp:nvSpPr>
-        <dsp:cNvPr id="0" name=""/>
-        <dsp:cNvSpPr/>
-      </dsp:nvSpPr>
-      <dsp:spPr>
-        <a:xfrm>
-          <a:off x="5265053" y="1322643"/>
-          <a:ext cx="1808876" cy="430430"/>
-        </a:xfrm>
-        <a:custGeom>
-          <a:avLst/>
-          <a:gdLst/>
-          <a:ahLst/>
-          <a:cxnLst/>
-          <a:rect l="0" t="0" r="0" b="0"/>
-          <a:pathLst>
-            <a:path>
-              <a:moveTo>
-                <a:pt x="0" y="0"/>
-              </a:moveTo>
-              <a:lnTo>
-                <a:pt x="0" y="293325"/>
-              </a:lnTo>
-              <a:lnTo>
-                <a:pt x="1808876" y="293325"/>
-              </a:lnTo>
-              <a:lnTo>
-                <a:pt x="1808876" y="430430"/>
-              </a:lnTo>
-            </a:path>
-          </a:pathLst>
-        </a:custGeom>
-        <a:noFill/>
-        <a:ln w="19050" cap="rnd" cmpd="sng" algn="ctr">
-          <a:solidFill>
-            <a:schemeClr val="accent2">
-              <a:hueOff val="0"/>
-              <a:satOff val="0"/>
-              <a:lumOff val="0"/>
-              <a:alphaOff val="0"/>
-            </a:schemeClr>
-          </a:solidFill>
-          <a:prstDash val="solid"/>
-        </a:ln>
-        <a:effectLst/>
-      </dsp:spPr>
-      <dsp:style>
-        <a:lnRef idx="2">
-          <a:scrgbClr r="0" g="0" b="0"/>
-        </a:lnRef>
-        <a:fillRef idx="0">
-          <a:scrgbClr r="0" g="0" b="0"/>
-        </a:fillRef>
-        <a:effectRef idx="0">
-          <a:scrgbClr r="0" g="0" b="0"/>
-        </a:effectRef>
-        <a:fontRef idx="minor"/>
-      </dsp:style>
-    </dsp:sp>
-    <dsp:sp modelId="{4B2F8318-E95C-472D-B310-7E82E7B3D4EA}">
-      <dsp:nvSpPr>
-        <dsp:cNvPr id="0" name=""/>
-        <dsp:cNvSpPr/>
-      </dsp:nvSpPr>
-      <dsp:spPr>
-        <a:xfrm>
-          <a:off x="5219333" y="1322643"/>
-          <a:ext cx="91440" cy="430430"/>
-        </a:xfrm>
-        <a:custGeom>
-          <a:avLst/>
-          <a:gdLst/>
-          <a:ahLst/>
-          <a:cxnLst/>
-          <a:rect l="0" t="0" r="0" b="0"/>
-          <a:pathLst>
-            <a:path>
-              <a:moveTo>
-                <a:pt x="45720" y="0"/>
-              </a:moveTo>
-              <a:lnTo>
-                <a:pt x="45720" y="430430"/>
-              </a:lnTo>
-            </a:path>
-          </a:pathLst>
-        </a:custGeom>
-        <a:noFill/>
-        <a:ln w="19050" cap="rnd" cmpd="sng" algn="ctr">
-          <a:solidFill>
-            <a:schemeClr val="accent2">
-              <a:hueOff val="0"/>
-              <a:satOff val="0"/>
-              <a:lumOff val="0"/>
-              <a:alphaOff val="0"/>
-            </a:schemeClr>
-          </a:solidFill>
-          <a:prstDash val="solid"/>
-        </a:ln>
-        <a:effectLst/>
-      </dsp:spPr>
-      <dsp:style>
-        <a:lnRef idx="2">
-          <a:scrgbClr r="0" g="0" b="0"/>
-        </a:lnRef>
-        <a:fillRef idx="0">
-          <a:scrgbClr r="0" g="0" b="0"/>
-        </a:fillRef>
-        <a:effectRef idx="0">
-          <a:scrgbClr r="0" g="0" b="0"/>
-        </a:effectRef>
-        <a:fontRef idx="minor"/>
-      </dsp:style>
-    </dsp:sp>
-    <dsp:sp modelId="{3A05B3A4-9FAB-4540-BD44-CBCF8DC7C8E6}">
-      <dsp:nvSpPr>
-        <dsp:cNvPr id="0" name=""/>
-        <dsp:cNvSpPr/>
-      </dsp:nvSpPr>
-      <dsp:spPr>
-        <a:xfrm>
-          <a:off x="3456177" y="1322643"/>
-          <a:ext cx="1808876" cy="430430"/>
-        </a:xfrm>
-        <a:custGeom>
-          <a:avLst/>
-          <a:gdLst/>
-          <a:ahLst/>
-          <a:cxnLst/>
-          <a:rect l="0" t="0" r="0" b="0"/>
-          <a:pathLst>
-            <a:path>
-              <a:moveTo>
-                <a:pt x="1808876" y="0"/>
-              </a:moveTo>
-              <a:lnTo>
-                <a:pt x="1808876" y="293325"/>
-              </a:lnTo>
-              <a:lnTo>
-                <a:pt x="0" y="293325"/>
-              </a:lnTo>
-              <a:lnTo>
-                <a:pt x="0" y="430430"/>
-              </a:lnTo>
-            </a:path>
-          </a:pathLst>
-        </a:custGeom>
-        <a:noFill/>
-        <a:ln w="19050" cap="rnd" cmpd="sng" algn="ctr">
-          <a:solidFill>
-            <a:schemeClr val="accent2">
-              <a:hueOff val="0"/>
-              <a:satOff val="0"/>
-              <a:lumOff val="0"/>
-              <a:alphaOff val="0"/>
-            </a:schemeClr>
-          </a:solidFill>
-          <a:prstDash val="solid"/>
-        </a:ln>
-        <a:effectLst/>
-      </dsp:spPr>
-      <dsp:style>
-        <a:lnRef idx="2">
-          <a:scrgbClr r="0" g="0" b="0"/>
-        </a:lnRef>
-        <a:fillRef idx="0">
-          <a:scrgbClr r="0" g="0" b="0"/>
-        </a:fillRef>
-        <a:effectRef idx="0">
-          <a:scrgbClr r="0" g="0" b="0"/>
-        </a:effectRef>
-        <a:fontRef idx="minor"/>
-      </dsp:style>
-    </dsp:sp>
-    <dsp:sp modelId="{9E3A0485-679B-4A42-946A-81FE00B4E484}">
-      <dsp:nvSpPr>
-        <dsp:cNvPr id="0" name=""/>
-        <dsp:cNvSpPr/>
-      </dsp:nvSpPr>
-      <dsp:spPr>
-        <a:xfrm>
-          <a:off x="1647301" y="2692867"/>
-          <a:ext cx="904438" cy="430430"/>
-        </a:xfrm>
-        <a:custGeom>
-          <a:avLst/>
-          <a:gdLst/>
-          <a:ahLst/>
-          <a:cxnLst/>
-          <a:rect l="0" t="0" r="0" b="0"/>
-          <a:pathLst>
-            <a:path>
-              <a:moveTo>
-                <a:pt x="0" y="0"/>
-              </a:moveTo>
-              <a:lnTo>
-                <a:pt x="0" y="293325"/>
-              </a:lnTo>
-              <a:lnTo>
-                <a:pt x="904438" y="293325"/>
-              </a:lnTo>
-              <a:lnTo>
-                <a:pt x="904438" y="430430"/>
-              </a:lnTo>
-            </a:path>
-          </a:pathLst>
-        </a:custGeom>
-        <a:noFill/>
-        <a:ln w="19050" cap="rnd" cmpd="sng" algn="ctr">
-          <a:solidFill>
-            <a:schemeClr val="accent3">
-              <a:hueOff val="0"/>
-              <a:satOff val="0"/>
-              <a:lumOff val="0"/>
-              <a:alphaOff val="0"/>
-            </a:schemeClr>
-          </a:solidFill>
-          <a:prstDash val="solid"/>
-        </a:ln>
-        <a:effectLst/>
-      </dsp:spPr>
-      <dsp:style>
-        <a:lnRef idx="2">
-          <a:scrgbClr r="0" g="0" b="0"/>
-        </a:lnRef>
-        <a:fillRef idx="0">
-          <a:scrgbClr r="0" g="0" b="0"/>
-        </a:fillRef>
-        <a:effectRef idx="0">
-          <a:scrgbClr r="0" g="0" b="0"/>
-        </a:effectRef>
-        <a:fontRef idx="minor"/>
-      </dsp:style>
-    </dsp:sp>
-    <dsp:sp modelId="{8F88C318-1FB4-4FB5-89D3-7562EB46706F}">
-      <dsp:nvSpPr>
-        <dsp:cNvPr id="0" name=""/>
-        <dsp:cNvSpPr/>
-      </dsp:nvSpPr>
-      <dsp:spPr>
-        <a:xfrm>
-          <a:off x="742862" y="2692867"/>
-          <a:ext cx="904438" cy="430430"/>
-        </a:xfrm>
-        <a:custGeom>
-          <a:avLst/>
-          <a:gdLst/>
-          <a:ahLst/>
-          <a:cxnLst/>
-          <a:rect l="0" t="0" r="0" b="0"/>
-          <a:pathLst>
-            <a:path>
-              <a:moveTo>
-                <a:pt x="904438" y="0"/>
-              </a:moveTo>
-              <a:lnTo>
-                <a:pt x="904438" y="293325"/>
-              </a:lnTo>
-              <a:lnTo>
-                <a:pt x="0" y="293325"/>
-              </a:lnTo>
-              <a:lnTo>
-                <a:pt x="0" y="430430"/>
-              </a:lnTo>
-            </a:path>
-          </a:pathLst>
-        </a:custGeom>
-        <a:noFill/>
-        <a:ln w="19050" cap="rnd" cmpd="sng" algn="ctr">
-          <a:solidFill>
-            <a:schemeClr val="accent3">
-              <a:hueOff val="0"/>
-              <a:satOff val="0"/>
-              <a:lumOff val="0"/>
-              <a:alphaOff val="0"/>
-            </a:schemeClr>
-          </a:solidFill>
-          <a:prstDash val="solid"/>
-        </a:ln>
-        <a:effectLst/>
-      </dsp:spPr>
-      <dsp:style>
-        <a:lnRef idx="2">
-          <a:scrgbClr r="0" g="0" b="0"/>
-        </a:lnRef>
-        <a:fillRef idx="0">
-          <a:scrgbClr r="0" g="0" b="0"/>
-        </a:fillRef>
-        <a:effectRef idx="0">
-          <a:scrgbClr r="0" g="0" b="0"/>
-        </a:effectRef>
-        <a:fontRef idx="minor"/>
-      </dsp:style>
-    </dsp:sp>
-    <dsp:sp modelId="{0D26666D-E0C7-41C1-AD6A-BAAF53322805}">
-      <dsp:nvSpPr>
-        <dsp:cNvPr id="0" name=""/>
-        <dsp:cNvSpPr/>
-      </dsp:nvSpPr>
-      <dsp:spPr>
-        <a:xfrm>
-          <a:off x="1647301" y="1322643"/>
-          <a:ext cx="3617752" cy="430430"/>
-        </a:xfrm>
-        <a:custGeom>
-          <a:avLst/>
-          <a:gdLst/>
-          <a:ahLst/>
-          <a:cxnLst/>
-          <a:rect l="0" t="0" r="0" b="0"/>
-          <a:pathLst>
-            <a:path>
-              <a:moveTo>
-                <a:pt x="3617752" y="0"/>
-              </a:moveTo>
-              <a:lnTo>
-                <a:pt x="3617752" y="293325"/>
-              </a:lnTo>
-              <a:lnTo>
-                <a:pt x="0" y="293325"/>
-              </a:lnTo>
-              <a:lnTo>
-                <a:pt x="0" y="430430"/>
-              </a:lnTo>
-            </a:path>
-          </a:pathLst>
-        </a:custGeom>
-        <a:noFill/>
-        <a:ln w="19050" cap="rnd" cmpd="sng" algn="ctr">
-          <a:solidFill>
-            <a:schemeClr val="accent2">
-              <a:hueOff val="0"/>
-              <a:satOff val="0"/>
-              <a:lumOff val="0"/>
-              <a:alphaOff val="0"/>
-            </a:schemeClr>
-          </a:solidFill>
-          <a:prstDash val="solid"/>
-        </a:ln>
-        <a:effectLst/>
-      </dsp:spPr>
-      <dsp:style>
-        <a:lnRef idx="2">
-          <a:scrgbClr r="0" g="0" b="0"/>
-        </a:lnRef>
-        <a:fillRef idx="0">
-          <a:scrgbClr r="0" g="0" b="0"/>
-        </a:fillRef>
-        <a:effectRef idx="0">
-          <a:scrgbClr r="0" g="0" b="0"/>
-        </a:effectRef>
-        <a:fontRef idx="minor"/>
-      </dsp:style>
-    </dsp:sp>
-    <dsp:sp modelId="{C39A39C5-FBD0-45D5-9C17-2E3903270AE1}">
-      <dsp:nvSpPr>
-        <dsp:cNvPr id="0" name=""/>
-        <dsp:cNvSpPr/>
-      </dsp:nvSpPr>
-      <dsp:spPr>
-        <a:xfrm>
-          <a:off x="2716182" y="382850"/>
-          <a:ext cx="1479989" cy="939793"/>
-        </a:xfrm>
-        <a:prstGeom prst="roundRect">
-          <a:avLst>
-            <a:gd name="adj" fmla="val 10000"/>
-          </a:avLst>
-        </a:prstGeom>
-        <a:solidFill>
-          <a:schemeClr val="accent1">
-            <a:hueOff val="0"/>
-            <a:satOff val="0"/>
-            <a:lumOff val="0"/>
-            <a:alphaOff val="0"/>
-          </a:schemeClr>
-        </a:solidFill>
-        <a:ln w="19050" cap="rnd" cmpd="sng" algn="ctr">
-          <a:solidFill>
-            <a:schemeClr val="lt1">
-              <a:hueOff val="0"/>
-              <a:satOff val="0"/>
-              <a:lumOff val="0"/>
-              <a:alphaOff val="0"/>
-            </a:schemeClr>
-          </a:solidFill>
-          <a:prstDash val="solid"/>
-        </a:ln>
-        <a:effectLst/>
-      </dsp:spPr>
-      <dsp:style>
-        <a:lnRef idx="2">
-          <a:scrgbClr r="0" g="0" b="0"/>
-        </a:lnRef>
-        <a:fillRef idx="1">
-          <a:scrgbClr r="0" g="0" b="0"/>
-        </a:fillRef>
-        <a:effectRef idx="0">
-          <a:scrgbClr r="0" g="0" b="0"/>
-        </a:effectRef>
-        <a:fontRef idx="minor">
-          <a:schemeClr val="lt1"/>
-        </a:fontRef>
-      </dsp:style>
-    </dsp:sp>
-    <dsp:sp modelId="{334B2A56-92C8-4EDF-A520-218111B4E723}">
-      <dsp:nvSpPr>
-        <dsp:cNvPr id="0" name=""/>
-        <dsp:cNvSpPr/>
-      </dsp:nvSpPr>
-      <dsp:spPr>
-        <a:xfrm>
-          <a:off x="2880625" y="539071"/>
-          <a:ext cx="1479989" cy="939793"/>
-        </a:xfrm>
-        <a:prstGeom prst="roundRect">
-          <a:avLst>
-            <a:gd name="adj" fmla="val 10000"/>
-          </a:avLst>
-        </a:prstGeom>
-        <a:solidFill>
-          <a:schemeClr val="lt1">
-            <a:alpha val="90000"/>
-            <a:hueOff val="0"/>
-            <a:satOff val="0"/>
-            <a:lumOff val="0"/>
-            <a:alphaOff val="0"/>
-          </a:schemeClr>
-        </a:solidFill>
-        <a:ln w="19050" cap="rnd" cmpd="sng" algn="ctr">
-          <a:solidFill>
-            <a:schemeClr val="accent1">
-              <a:hueOff val="0"/>
-              <a:satOff val="0"/>
-              <a:lumOff val="0"/>
-              <a:alphaOff val="0"/>
-            </a:schemeClr>
-          </a:solidFill>
-          <a:prstDash val="solid"/>
-        </a:ln>
-        <a:effectLst/>
-      </dsp:spPr>
-      <dsp:style>
-        <a:lnRef idx="2">
-          <a:scrgbClr r="0" g="0" b="0"/>
-        </a:lnRef>
-        <a:fillRef idx="1">
-          <a:scrgbClr r="0" g="0" b="0"/>
-        </a:fillRef>
-        <a:effectRef idx="0">
-          <a:scrgbClr r="0" g="0" b="0"/>
-        </a:effectRef>
-        <a:fontRef idx="minor"/>
-      </dsp:style>
-      <dsp:txBody>
-        <a:bodyPr spcFirstLastPara="0" vert="horz" wrap="square" lIns="91440" tIns="91440" rIns="91440" bIns="91440" numCol="1" spcCol="1270" anchor="ctr" anchorCtr="0">
-          <a:noAutofit/>
-        </a:bodyPr>
-        <a:lstStyle/>
-        <a:p>
-          <a:pPr lvl="0" algn="ctr" defTabSz="1066800">
-            <a:lnSpc>
-              <a:spcPct val="90000"/>
-            </a:lnSpc>
-            <a:spcBef>
-              <a:spcPct val="0"/>
-            </a:spcBef>
-            <a:spcAft>
-              <a:spcPct val="35000"/>
-            </a:spcAft>
-          </a:pPr>
-          <a:r>
-            <a:rPr lang="zh-TW" altLang="en-US" sz="2400" kern="1200" dirty="0" smtClean="0"/>
-            <a:t>功能選擇</a:t>
-          </a:r>
-          <a:endParaRPr lang="zh-TW" altLang="en-US" sz="2400" kern="1200" dirty="0"/>
-        </a:p>
-      </dsp:txBody>
-      <dsp:txXfrm>
-        <a:off x="2908151" y="566597"/>
-        <a:ext cx="1424937" cy="884741"/>
-      </dsp:txXfrm>
-    </dsp:sp>
-    <dsp:sp modelId="{700D015B-AFA3-42BD-AB2A-27B0BB858A4E}">
-      <dsp:nvSpPr>
-        <dsp:cNvPr id="0" name=""/>
-        <dsp:cNvSpPr/>
-      </dsp:nvSpPr>
-      <dsp:spPr>
-        <a:xfrm>
-          <a:off x="4525058" y="382850"/>
-          <a:ext cx="1479989" cy="939793"/>
-        </a:xfrm>
-        <a:prstGeom prst="roundRect">
-          <a:avLst>
-            <a:gd name="adj" fmla="val 10000"/>
-          </a:avLst>
-        </a:prstGeom>
-        <a:solidFill>
-          <a:schemeClr val="accent1">
-            <a:hueOff val="0"/>
-            <a:satOff val="0"/>
-            <a:lumOff val="0"/>
-            <a:alphaOff val="0"/>
-          </a:schemeClr>
-        </a:solidFill>
-        <a:ln w="19050" cap="rnd" cmpd="sng" algn="ctr">
-          <a:solidFill>
-            <a:schemeClr val="lt1">
-              <a:hueOff val="0"/>
-              <a:satOff val="0"/>
-              <a:lumOff val="0"/>
-              <a:alphaOff val="0"/>
-            </a:schemeClr>
-          </a:solidFill>
-          <a:prstDash val="solid"/>
-        </a:ln>
-        <a:effectLst/>
-      </dsp:spPr>
-      <dsp:style>
-        <a:lnRef idx="2">
-          <a:scrgbClr r="0" g="0" b="0"/>
-        </a:lnRef>
-        <a:fillRef idx="1">
-          <a:scrgbClr r="0" g="0" b="0"/>
-        </a:fillRef>
-        <a:effectRef idx="0">
-          <a:scrgbClr r="0" g="0" b="0"/>
-        </a:effectRef>
-        <a:fontRef idx="minor">
-          <a:schemeClr val="lt1"/>
-        </a:fontRef>
-      </dsp:style>
-    </dsp:sp>
-    <dsp:sp modelId="{B3A9F12F-1A23-47D5-B037-71CF066C5B93}">
-      <dsp:nvSpPr>
-        <dsp:cNvPr id="0" name=""/>
-        <dsp:cNvSpPr/>
-      </dsp:nvSpPr>
-      <dsp:spPr>
-        <a:xfrm>
-          <a:off x="4689501" y="539071"/>
-          <a:ext cx="1479989" cy="939793"/>
-        </a:xfrm>
-        <a:prstGeom prst="roundRect">
-          <a:avLst>
-            <a:gd name="adj" fmla="val 10000"/>
-          </a:avLst>
-        </a:prstGeom>
-        <a:solidFill>
-          <a:schemeClr val="lt1">
-            <a:alpha val="90000"/>
-            <a:hueOff val="0"/>
-            <a:satOff val="0"/>
-            <a:lumOff val="0"/>
-            <a:alphaOff val="0"/>
-          </a:schemeClr>
-        </a:solidFill>
-        <a:ln w="19050" cap="rnd" cmpd="sng" algn="ctr">
-          <a:solidFill>
-            <a:schemeClr val="accent1">
-              <a:hueOff val="0"/>
-              <a:satOff val="0"/>
-              <a:lumOff val="0"/>
-              <a:alphaOff val="0"/>
-            </a:schemeClr>
-          </a:solidFill>
-          <a:prstDash val="solid"/>
-        </a:ln>
-        <a:effectLst/>
-      </dsp:spPr>
-      <dsp:style>
-        <a:lnRef idx="2">
-          <a:scrgbClr r="0" g="0" b="0"/>
-        </a:lnRef>
-        <a:fillRef idx="1">
-          <a:scrgbClr r="0" g="0" b="0"/>
-        </a:fillRef>
-        <a:effectRef idx="0">
-          <a:scrgbClr r="0" g="0" b="0"/>
-        </a:effectRef>
-        <a:fontRef idx="minor"/>
-      </dsp:style>
-      <dsp:txBody>
-        <a:bodyPr spcFirstLastPara="0" vert="horz" wrap="square" lIns="91440" tIns="91440" rIns="91440" bIns="91440" numCol="1" spcCol="1270" anchor="ctr" anchorCtr="0">
-          <a:noAutofit/>
-        </a:bodyPr>
-        <a:lstStyle/>
-        <a:p>
-          <a:pPr lvl="0" algn="ctr" defTabSz="1066800">
-            <a:lnSpc>
-              <a:spcPct val="90000"/>
-            </a:lnSpc>
-            <a:spcBef>
-              <a:spcPct val="0"/>
-            </a:spcBef>
-            <a:spcAft>
-              <a:spcPct val="35000"/>
-            </a:spcAft>
-          </a:pPr>
-          <a:r>
-            <a:rPr lang="zh-TW" altLang="en-US" sz="2400" kern="1200" dirty="0" smtClean="0"/>
-            <a:t>首頁</a:t>
-          </a:r>
-          <a:endParaRPr lang="zh-TW" altLang="en-US" sz="2400" kern="1200" dirty="0"/>
-        </a:p>
-      </dsp:txBody>
-      <dsp:txXfrm>
-        <a:off x="4717027" y="566597"/>
-        <a:ext cx="1424937" cy="884741"/>
-      </dsp:txXfrm>
-    </dsp:sp>
-    <dsp:sp modelId="{198B5CB9-012D-4ED7-BF20-6818AEAD4F86}">
-      <dsp:nvSpPr>
-        <dsp:cNvPr id="0" name=""/>
-        <dsp:cNvSpPr/>
-      </dsp:nvSpPr>
-      <dsp:spPr>
-        <a:xfrm>
-          <a:off x="907306" y="1753073"/>
-          <a:ext cx="1479989" cy="939793"/>
-        </a:xfrm>
-        <a:prstGeom prst="roundRect">
-          <a:avLst>
-            <a:gd name="adj" fmla="val 10000"/>
-          </a:avLst>
-        </a:prstGeom>
-        <a:solidFill>
-          <a:schemeClr val="accent2">
-            <a:hueOff val="0"/>
-            <a:satOff val="0"/>
-            <a:lumOff val="0"/>
-            <a:alphaOff val="0"/>
-          </a:schemeClr>
-        </a:solidFill>
-        <a:ln w="19050" cap="rnd" cmpd="sng" algn="ctr">
-          <a:solidFill>
-            <a:schemeClr val="lt1">
-              <a:hueOff val="0"/>
-              <a:satOff val="0"/>
-              <a:lumOff val="0"/>
-              <a:alphaOff val="0"/>
-            </a:schemeClr>
-          </a:solidFill>
-          <a:prstDash val="solid"/>
-        </a:ln>
-        <a:effectLst/>
-      </dsp:spPr>
-      <dsp:style>
-        <a:lnRef idx="2">
-          <a:scrgbClr r="0" g="0" b="0"/>
-        </a:lnRef>
-        <a:fillRef idx="1">
-          <a:scrgbClr r="0" g="0" b="0"/>
-        </a:fillRef>
-        <a:effectRef idx="0">
-          <a:scrgbClr r="0" g="0" b="0"/>
-        </a:effectRef>
-        <a:fontRef idx="minor">
-          <a:schemeClr val="lt1"/>
-        </a:fontRef>
-      </dsp:style>
-    </dsp:sp>
-    <dsp:sp modelId="{3E214654-705B-46B4-B3C4-D9E378BDF068}">
-      <dsp:nvSpPr>
-        <dsp:cNvPr id="0" name=""/>
-        <dsp:cNvSpPr/>
-      </dsp:nvSpPr>
-      <dsp:spPr>
-        <a:xfrm>
-          <a:off x="1071749" y="1909294"/>
-          <a:ext cx="1479989" cy="939793"/>
-        </a:xfrm>
-        <a:prstGeom prst="roundRect">
-          <a:avLst>
-            <a:gd name="adj" fmla="val 10000"/>
-          </a:avLst>
-        </a:prstGeom>
-        <a:solidFill>
-          <a:schemeClr val="lt1">
-            <a:alpha val="90000"/>
-            <a:hueOff val="0"/>
-            <a:satOff val="0"/>
-            <a:lumOff val="0"/>
-            <a:alphaOff val="0"/>
-          </a:schemeClr>
-        </a:solidFill>
-        <a:ln w="19050" cap="rnd" cmpd="sng" algn="ctr">
-          <a:solidFill>
-            <a:schemeClr val="accent2">
-              <a:hueOff val="0"/>
-              <a:satOff val="0"/>
-              <a:lumOff val="0"/>
-              <a:alphaOff val="0"/>
-            </a:schemeClr>
-          </a:solidFill>
-          <a:prstDash val="solid"/>
-        </a:ln>
-        <a:effectLst/>
-      </dsp:spPr>
-      <dsp:style>
-        <a:lnRef idx="2">
-          <a:scrgbClr r="0" g="0" b="0"/>
-        </a:lnRef>
-        <a:fillRef idx="1">
-          <a:scrgbClr r="0" g="0" b="0"/>
-        </a:fillRef>
-        <a:effectRef idx="0">
-          <a:scrgbClr r="0" g="0" b="0"/>
-        </a:effectRef>
-        <a:fontRef idx="minor"/>
-      </dsp:style>
-      <dsp:txBody>
-        <a:bodyPr spcFirstLastPara="0" vert="horz" wrap="square" lIns="91440" tIns="91440" rIns="91440" bIns="91440" numCol="1" spcCol="1270" anchor="ctr" anchorCtr="0">
-          <a:noAutofit/>
-        </a:bodyPr>
-        <a:lstStyle/>
-        <a:p>
-          <a:pPr lvl="0" algn="ctr" defTabSz="1066800">
-            <a:lnSpc>
-              <a:spcPct val="90000"/>
-            </a:lnSpc>
-            <a:spcBef>
-              <a:spcPct val="0"/>
-            </a:spcBef>
-            <a:spcAft>
-              <a:spcPct val="35000"/>
-            </a:spcAft>
-          </a:pPr>
-          <a:r>
-            <a:rPr lang="zh-TW" altLang="en-US" sz="2400" kern="1200" dirty="0" smtClean="0"/>
-            <a:t>衣櫃</a:t>
-          </a:r>
-          <a:endParaRPr lang="zh-TW" altLang="en-US" sz="2400" kern="1200" dirty="0"/>
-        </a:p>
-      </dsp:txBody>
-      <dsp:txXfrm>
-        <a:off x="1099275" y="1936820"/>
-        <a:ext cx="1424937" cy="884741"/>
-      </dsp:txXfrm>
-    </dsp:sp>
-    <dsp:sp modelId="{69114182-2411-4547-BCB0-E961F29EE7BA}">
-      <dsp:nvSpPr>
-        <dsp:cNvPr id="0" name=""/>
-        <dsp:cNvSpPr/>
-      </dsp:nvSpPr>
-      <dsp:spPr>
-        <a:xfrm>
-          <a:off x="2868" y="3123297"/>
-          <a:ext cx="1479989" cy="939793"/>
-        </a:xfrm>
-        <a:prstGeom prst="roundRect">
-          <a:avLst>
-            <a:gd name="adj" fmla="val 10000"/>
-          </a:avLst>
-        </a:prstGeom>
-        <a:solidFill>
-          <a:schemeClr val="accent3">
-            <a:hueOff val="0"/>
-            <a:satOff val="0"/>
-            <a:lumOff val="0"/>
-            <a:alphaOff val="0"/>
-          </a:schemeClr>
-        </a:solidFill>
-        <a:ln w="19050" cap="rnd" cmpd="sng" algn="ctr">
-          <a:solidFill>
-            <a:schemeClr val="lt1">
-              <a:hueOff val="0"/>
-              <a:satOff val="0"/>
-              <a:lumOff val="0"/>
-              <a:alphaOff val="0"/>
-            </a:schemeClr>
-          </a:solidFill>
-          <a:prstDash val="solid"/>
-        </a:ln>
-        <a:effectLst/>
-      </dsp:spPr>
-      <dsp:style>
-        <a:lnRef idx="2">
-          <a:scrgbClr r="0" g="0" b="0"/>
-        </a:lnRef>
-        <a:fillRef idx="1">
-          <a:scrgbClr r="0" g="0" b="0"/>
-        </a:fillRef>
-        <a:effectRef idx="0">
-          <a:scrgbClr r="0" g="0" b="0"/>
-        </a:effectRef>
-        <a:fontRef idx="minor">
-          <a:schemeClr val="lt1"/>
-        </a:fontRef>
-      </dsp:style>
-    </dsp:sp>
-    <dsp:sp modelId="{85F1F78F-A02B-44C8-8B3E-083D3186FC23}">
-      <dsp:nvSpPr>
-        <dsp:cNvPr id="0" name=""/>
-        <dsp:cNvSpPr/>
-      </dsp:nvSpPr>
-      <dsp:spPr>
-        <a:xfrm>
-          <a:off x="167311" y="3279518"/>
-          <a:ext cx="1479989" cy="939793"/>
-        </a:xfrm>
-        <a:prstGeom prst="roundRect">
-          <a:avLst>
-            <a:gd name="adj" fmla="val 10000"/>
-          </a:avLst>
-        </a:prstGeom>
-        <a:solidFill>
-          <a:schemeClr val="lt1">
-            <a:alpha val="90000"/>
-            <a:hueOff val="0"/>
-            <a:satOff val="0"/>
-            <a:lumOff val="0"/>
-            <a:alphaOff val="0"/>
-          </a:schemeClr>
-        </a:solidFill>
-        <a:ln w="19050" cap="rnd" cmpd="sng" algn="ctr">
-          <a:solidFill>
-            <a:schemeClr val="accent3">
-              <a:hueOff val="0"/>
-              <a:satOff val="0"/>
-              <a:lumOff val="0"/>
-              <a:alphaOff val="0"/>
-            </a:schemeClr>
-          </a:solidFill>
-          <a:prstDash val="solid"/>
-        </a:ln>
-        <a:effectLst/>
-      </dsp:spPr>
-      <dsp:style>
-        <a:lnRef idx="2">
-          <a:scrgbClr r="0" g="0" b="0"/>
-        </a:lnRef>
-        <a:fillRef idx="1">
-          <a:scrgbClr r="0" g="0" b="0"/>
-        </a:fillRef>
-        <a:effectRef idx="0">
-          <a:scrgbClr r="0" g="0" b="0"/>
-        </a:effectRef>
-        <a:fontRef idx="minor"/>
-      </dsp:style>
-      <dsp:txBody>
-        <a:bodyPr spcFirstLastPara="0" vert="horz" wrap="square" lIns="91440" tIns="91440" rIns="91440" bIns="91440" numCol="1" spcCol="1270" anchor="ctr" anchorCtr="0">
-          <a:noAutofit/>
-        </a:bodyPr>
-        <a:lstStyle/>
-        <a:p>
-          <a:pPr lvl="0" algn="ctr" defTabSz="1066800">
-            <a:lnSpc>
-              <a:spcPct val="90000"/>
-            </a:lnSpc>
-            <a:spcBef>
-              <a:spcPct val="0"/>
-            </a:spcBef>
-            <a:spcAft>
-              <a:spcPct val="35000"/>
-            </a:spcAft>
-          </a:pPr>
-          <a:r>
-            <a:rPr lang="zh-TW" altLang="en-US" sz="2400" kern="1200" dirty="0" smtClean="0"/>
-            <a:t>男生</a:t>
-          </a:r>
-          <a:endParaRPr lang="zh-TW" altLang="en-US" sz="2400" kern="1200" dirty="0"/>
-        </a:p>
-      </dsp:txBody>
-      <dsp:txXfrm>
-        <a:off x="194837" y="3307044"/>
-        <a:ext cx="1424937" cy="884741"/>
-      </dsp:txXfrm>
-    </dsp:sp>
-    <dsp:sp modelId="{AF17A29E-60B7-4261-90F0-B496B17E6AF2}">
-      <dsp:nvSpPr>
-        <dsp:cNvPr id="0" name=""/>
-        <dsp:cNvSpPr/>
-      </dsp:nvSpPr>
-      <dsp:spPr>
-        <a:xfrm>
-          <a:off x="1811744" y="3123297"/>
-          <a:ext cx="1479989" cy="939793"/>
-        </a:xfrm>
-        <a:prstGeom prst="roundRect">
-          <a:avLst>
-            <a:gd name="adj" fmla="val 10000"/>
-          </a:avLst>
-        </a:prstGeom>
-        <a:solidFill>
-          <a:schemeClr val="accent3">
-            <a:hueOff val="0"/>
-            <a:satOff val="0"/>
-            <a:lumOff val="0"/>
-            <a:alphaOff val="0"/>
-          </a:schemeClr>
-        </a:solidFill>
-        <a:ln w="19050" cap="rnd" cmpd="sng" algn="ctr">
-          <a:solidFill>
-            <a:schemeClr val="lt1">
-              <a:hueOff val="0"/>
-              <a:satOff val="0"/>
-              <a:lumOff val="0"/>
-              <a:alphaOff val="0"/>
-            </a:schemeClr>
-          </a:solidFill>
-          <a:prstDash val="solid"/>
-        </a:ln>
-        <a:effectLst/>
-      </dsp:spPr>
-      <dsp:style>
-        <a:lnRef idx="2">
-          <a:scrgbClr r="0" g="0" b="0"/>
-        </a:lnRef>
-        <a:fillRef idx="1">
-          <a:scrgbClr r="0" g="0" b="0"/>
-        </a:fillRef>
-        <a:effectRef idx="0">
-          <a:scrgbClr r="0" g="0" b="0"/>
-        </a:effectRef>
-        <a:fontRef idx="minor">
-          <a:schemeClr val="lt1"/>
-        </a:fontRef>
-      </dsp:style>
-    </dsp:sp>
-    <dsp:sp modelId="{05E1CE2C-9F59-4B8D-AA6B-875C99D9C74F}">
-      <dsp:nvSpPr>
-        <dsp:cNvPr id="0" name=""/>
-        <dsp:cNvSpPr/>
-      </dsp:nvSpPr>
-      <dsp:spPr>
-        <a:xfrm>
-          <a:off x="1976187" y="3279518"/>
-          <a:ext cx="1479989" cy="939793"/>
-        </a:xfrm>
-        <a:prstGeom prst="roundRect">
-          <a:avLst>
-            <a:gd name="adj" fmla="val 10000"/>
-          </a:avLst>
-        </a:prstGeom>
-        <a:solidFill>
-          <a:schemeClr val="lt1">
-            <a:alpha val="90000"/>
-            <a:hueOff val="0"/>
-            <a:satOff val="0"/>
-            <a:lumOff val="0"/>
-            <a:alphaOff val="0"/>
-          </a:schemeClr>
-        </a:solidFill>
-        <a:ln w="19050" cap="rnd" cmpd="sng" algn="ctr">
-          <a:solidFill>
-            <a:schemeClr val="accent3">
-              <a:hueOff val="0"/>
-              <a:satOff val="0"/>
-              <a:lumOff val="0"/>
-              <a:alphaOff val="0"/>
-            </a:schemeClr>
-          </a:solidFill>
-          <a:prstDash val="solid"/>
-        </a:ln>
-        <a:effectLst/>
-      </dsp:spPr>
-      <dsp:style>
-        <a:lnRef idx="2">
-          <a:scrgbClr r="0" g="0" b="0"/>
-        </a:lnRef>
-        <a:fillRef idx="1">
-          <a:scrgbClr r="0" g="0" b="0"/>
-        </a:fillRef>
-        <a:effectRef idx="0">
-          <a:scrgbClr r="0" g="0" b="0"/>
-        </a:effectRef>
-        <a:fontRef idx="minor"/>
-      </dsp:style>
-      <dsp:txBody>
-        <a:bodyPr spcFirstLastPara="0" vert="horz" wrap="square" lIns="91440" tIns="91440" rIns="91440" bIns="91440" numCol="1" spcCol="1270" anchor="ctr" anchorCtr="0">
-          <a:noAutofit/>
-        </a:bodyPr>
-        <a:lstStyle/>
-        <a:p>
-          <a:pPr lvl="0" algn="ctr" defTabSz="1066800">
-            <a:lnSpc>
-              <a:spcPct val="90000"/>
-            </a:lnSpc>
-            <a:spcBef>
-              <a:spcPct val="0"/>
-            </a:spcBef>
-            <a:spcAft>
-              <a:spcPct val="35000"/>
-            </a:spcAft>
-          </a:pPr>
-          <a:r>
-            <a:rPr lang="zh-TW" altLang="en-US" sz="2400" kern="1200" dirty="0" smtClean="0"/>
-            <a:t>女生</a:t>
-          </a:r>
-          <a:endParaRPr lang="zh-TW" altLang="en-US" sz="2400" kern="1200" dirty="0"/>
-        </a:p>
-      </dsp:txBody>
-      <dsp:txXfrm>
-        <a:off x="2003713" y="3307044"/>
-        <a:ext cx="1424937" cy="884741"/>
-      </dsp:txXfrm>
-    </dsp:sp>
-    <dsp:sp modelId="{34D8B88C-46A1-4485-AE0B-2260F6D52822}">
-      <dsp:nvSpPr>
-        <dsp:cNvPr id="0" name=""/>
-        <dsp:cNvSpPr/>
-      </dsp:nvSpPr>
-      <dsp:spPr>
-        <a:xfrm>
-          <a:off x="2716182" y="1753073"/>
-          <a:ext cx="1479989" cy="939793"/>
-        </a:xfrm>
-        <a:prstGeom prst="roundRect">
-          <a:avLst>
-            <a:gd name="adj" fmla="val 10000"/>
-          </a:avLst>
-        </a:prstGeom>
-        <a:solidFill>
-          <a:schemeClr val="accent2">
-            <a:hueOff val="0"/>
-            <a:satOff val="0"/>
-            <a:lumOff val="0"/>
-            <a:alphaOff val="0"/>
-          </a:schemeClr>
-        </a:solidFill>
-        <a:ln w="19050" cap="rnd" cmpd="sng" algn="ctr">
-          <a:solidFill>
-            <a:schemeClr val="lt1">
-              <a:hueOff val="0"/>
-              <a:satOff val="0"/>
-              <a:lumOff val="0"/>
-              <a:alphaOff val="0"/>
-            </a:schemeClr>
-          </a:solidFill>
-          <a:prstDash val="solid"/>
-        </a:ln>
-        <a:effectLst/>
-      </dsp:spPr>
-      <dsp:style>
-        <a:lnRef idx="2">
-          <a:scrgbClr r="0" g="0" b="0"/>
-        </a:lnRef>
-        <a:fillRef idx="1">
-          <a:scrgbClr r="0" g="0" b="0"/>
-        </a:fillRef>
-        <a:effectRef idx="0">
-          <a:scrgbClr r="0" g="0" b="0"/>
-        </a:effectRef>
-        <a:fontRef idx="minor">
-          <a:schemeClr val="lt1"/>
-        </a:fontRef>
-      </dsp:style>
-    </dsp:sp>
-    <dsp:sp modelId="{6109C40D-5F71-46EE-87E7-2F61B4AAB7F0}">
-      <dsp:nvSpPr>
-        <dsp:cNvPr id="0" name=""/>
-        <dsp:cNvSpPr/>
-      </dsp:nvSpPr>
-      <dsp:spPr>
-        <a:xfrm>
-          <a:off x="2880625" y="1909294"/>
-          <a:ext cx="1479989" cy="939793"/>
-        </a:xfrm>
-        <a:prstGeom prst="roundRect">
-          <a:avLst>
-            <a:gd name="adj" fmla="val 10000"/>
-          </a:avLst>
-        </a:prstGeom>
-        <a:solidFill>
-          <a:schemeClr val="lt1">
-            <a:alpha val="90000"/>
-            <a:hueOff val="0"/>
-            <a:satOff val="0"/>
-            <a:lumOff val="0"/>
-            <a:alphaOff val="0"/>
-          </a:schemeClr>
-        </a:solidFill>
-        <a:ln w="19050" cap="rnd" cmpd="sng" algn="ctr">
-          <a:solidFill>
-            <a:schemeClr val="accent2">
-              <a:hueOff val="0"/>
-              <a:satOff val="0"/>
-              <a:lumOff val="0"/>
-              <a:alphaOff val="0"/>
-            </a:schemeClr>
-          </a:solidFill>
-          <a:prstDash val="solid"/>
-        </a:ln>
-        <a:effectLst/>
-      </dsp:spPr>
-      <dsp:style>
-        <a:lnRef idx="2">
-          <a:scrgbClr r="0" g="0" b="0"/>
-        </a:lnRef>
-        <a:fillRef idx="1">
-          <a:scrgbClr r="0" g="0" b="0"/>
-        </a:fillRef>
-        <a:effectRef idx="0">
-          <a:scrgbClr r="0" g="0" b="0"/>
-        </a:effectRef>
-        <a:fontRef idx="minor"/>
-      </dsp:style>
-      <dsp:txBody>
-        <a:bodyPr spcFirstLastPara="0" vert="horz" wrap="square" lIns="91440" tIns="91440" rIns="91440" bIns="91440" numCol="1" spcCol="1270" anchor="ctr" anchorCtr="0">
-          <a:noAutofit/>
-        </a:bodyPr>
-        <a:lstStyle/>
-        <a:p>
-          <a:pPr lvl="0" algn="ctr" defTabSz="1066800">
-            <a:lnSpc>
-              <a:spcPct val="90000"/>
-            </a:lnSpc>
-            <a:spcBef>
-              <a:spcPct val="0"/>
-            </a:spcBef>
-            <a:spcAft>
-              <a:spcPct val="35000"/>
-            </a:spcAft>
-          </a:pPr>
-          <a:r>
-            <a:rPr lang="zh-TW" altLang="en-US" sz="2400" kern="1200" dirty="0" smtClean="0"/>
-            <a:t>影音參考</a:t>
-          </a:r>
-          <a:endParaRPr lang="zh-TW" altLang="en-US" sz="2400" kern="1200" dirty="0"/>
-        </a:p>
-      </dsp:txBody>
-      <dsp:txXfrm>
-        <a:off x="2908151" y="1936820"/>
-        <a:ext cx="1424937" cy="884741"/>
-      </dsp:txXfrm>
-    </dsp:sp>
-    <dsp:sp modelId="{201B9BB5-326C-4775-B2D2-FAF54AA7DED8}">
-      <dsp:nvSpPr>
-        <dsp:cNvPr id="0" name=""/>
-        <dsp:cNvSpPr/>
-      </dsp:nvSpPr>
-      <dsp:spPr>
-        <a:xfrm>
-          <a:off x="4525058" y="1753073"/>
-          <a:ext cx="1479989" cy="939793"/>
-        </a:xfrm>
-        <a:prstGeom prst="roundRect">
-          <a:avLst>
-            <a:gd name="adj" fmla="val 10000"/>
-          </a:avLst>
-        </a:prstGeom>
-        <a:solidFill>
-          <a:schemeClr val="accent2">
-            <a:hueOff val="0"/>
-            <a:satOff val="0"/>
-            <a:lumOff val="0"/>
-            <a:alphaOff val="0"/>
-          </a:schemeClr>
-        </a:solidFill>
-        <a:ln w="19050" cap="rnd" cmpd="sng" algn="ctr">
-          <a:solidFill>
-            <a:schemeClr val="lt1">
-              <a:hueOff val="0"/>
-              <a:satOff val="0"/>
-              <a:lumOff val="0"/>
-              <a:alphaOff val="0"/>
-            </a:schemeClr>
-          </a:solidFill>
-          <a:prstDash val="solid"/>
-        </a:ln>
-        <a:effectLst/>
-      </dsp:spPr>
-      <dsp:style>
-        <a:lnRef idx="2">
-          <a:scrgbClr r="0" g="0" b="0"/>
-        </a:lnRef>
-        <a:fillRef idx="1">
-          <a:scrgbClr r="0" g="0" b="0"/>
-        </a:fillRef>
-        <a:effectRef idx="0">
-          <a:scrgbClr r="0" g="0" b="0"/>
-        </a:effectRef>
-        <a:fontRef idx="minor">
-          <a:schemeClr val="lt1"/>
-        </a:fontRef>
-      </dsp:style>
-    </dsp:sp>
-    <dsp:sp modelId="{14B0BB6C-B295-4C7C-A331-B24145486038}">
-      <dsp:nvSpPr>
-        <dsp:cNvPr id="0" name=""/>
-        <dsp:cNvSpPr/>
-      </dsp:nvSpPr>
-      <dsp:spPr>
-        <a:xfrm>
-          <a:off x="4689501" y="1909294"/>
-          <a:ext cx="1479989" cy="939793"/>
-        </a:xfrm>
-        <a:prstGeom prst="roundRect">
-          <a:avLst>
-            <a:gd name="adj" fmla="val 10000"/>
-          </a:avLst>
-        </a:prstGeom>
-        <a:solidFill>
-          <a:schemeClr val="lt1">
-            <a:alpha val="90000"/>
-            <a:hueOff val="0"/>
-            <a:satOff val="0"/>
-            <a:lumOff val="0"/>
-            <a:alphaOff val="0"/>
-          </a:schemeClr>
-        </a:solidFill>
-        <a:ln w="19050" cap="rnd" cmpd="sng" algn="ctr">
-          <a:solidFill>
-            <a:schemeClr val="accent2">
-              <a:hueOff val="0"/>
-              <a:satOff val="0"/>
-              <a:lumOff val="0"/>
-              <a:alphaOff val="0"/>
-            </a:schemeClr>
-          </a:solidFill>
-          <a:prstDash val="solid"/>
-        </a:ln>
-        <a:effectLst/>
-      </dsp:spPr>
-      <dsp:style>
-        <a:lnRef idx="2">
-          <a:scrgbClr r="0" g="0" b="0"/>
-        </a:lnRef>
-        <a:fillRef idx="1">
-          <a:scrgbClr r="0" g="0" b="0"/>
-        </a:fillRef>
-        <a:effectRef idx="0">
-          <a:scrgbClr r="0" g="0" b="0"/>
-        </a:effectRef>
-        <a:fontRef idx="minor"/>
-      </dsp:style>
-      <dsp:txBody>
-        <a:bodyPr spcFirstLastPara="0" vert="horz" wrap="square" lIns="91440" tIns="91440" rIns="91440" bIns="91440" numCol="1" spcCol="1270" anchor="ctr" anchorCtr="0">
-          <a:noAutofit/>
-        </a:bodyPr>
-        <a:lstStyle/>
-        <a:p>
-          <a:pPr lvl="0" algn="ctr" defTabSz="1066800">
-            <a:lnSpc>
-              <a:spcPct val="90000"/>
-            </a:lnSpc>
-            <a:spcBef>
-              <a:spcPct val="0"/>
-            </a:spcBef>
-            <a:spcAft>
-              <a:spcPct val="35000"/>
-            </a:spcAft>
-          </a:pPr>
-          <a:r>
-            <a:rPr lang="zh-TW" altLang="en-US" sz="2400" kern="1200" dirty="0" smtClean="0"/>
-            <a:t>品牌連結</a:t>
-          </a:r>
-          <a:endParaRPr lang="zh-TW" altLang="en-US" sz="2400" kern="1200" dirty="0"/>
-        </a:p>
-      </dsp:txBody>
-      <dsp:txXfrm>
-        <a:off x="4717027" y="1936820"/>
-        <a:ext cx="1424937" cy="884741"/>
-      </dsp:txXfrm>
-    </dsp:sp>
-    <dsp:sp modelId="{E82329AD-5AE1-4847-8F65-722893B8F6CD}">
-      <dsp:nvSpPr>
-        <dsp:cNvPr id="0" name=""/>
-        <dsp:cNvSpPr/>
-      </dsp:nvSpPr>
-      <dsp:spPr>
-        <a:xfrm>
-          <a:off x="6333934" y="1753073"/>
-          <a:ext cx="1479989" cy="939793"/>
-        </a:xfrm>
-        <a:prstGeom prst="roundRect">
-          <a:avLst>
-            <a:gd name="adj" fmla="val 10000"/>
-          </a:avLst>
-        </a:prstGeom>
-        <a:solidFill>
-          <a:schemeClr val="accent2">
-            <a:hueOff val="0"/>
-            <a:satOff val="0"/>
-            <a:lumOff val="0"/>
-            <a:alphaOff val="0"/>
-          </a:schemeClr>
-        </a:solidFill>
-        <a:ln w="19050" cap="rnd" cmpd="sng" algn="ctr">
-          <a:solidFill>
-            <a:schemeClr val="lt1">
-              <a:hueOff val="0"/>
-              <a:satOff val="0"/>
-              <a:lumOff val="0"/>
-              <a:alphaOff val="0"/>
-            </a:schemeClr>
-          </a:solidFill>
-          <a:prstDash val="solid"/>
-        </a:ln>
-        <a:effectLst/>
-      </dsp:spPr>
-      <dsp:style>
-        <a:lnRef idx="2">
-          <a:scrgbClr r="0" g="0" b="0"/>
-        </a:lnRef>
-        <a:fillRef idx="1">
-          <a:scrgbClr r="0" g="0" b="0"/>
-        </a:fillRef>
-        <a:effectRef idx="0">
-          <a:scrgbClr r="0" g="0" b="0"/>
-        </a:effectRef>
-        <a:fontRef idx="minor">
-          <a:schemeClr val="lt1"/>
-        </a:fontRef>
-      </dsp:style>
-    </dsp:sp>
-    <dsp:sp modelId="{9363CBE9-4805-41A1-8E99-B58790EC05D9}">
-      <dsp:nvSpPr>
-        <dsp:cNvPr id="0" name=""/>
-        <dsp:cNvSpPr/>
-      </dsp:nvSpPr>
-      <dsp:spPr>
-        <a:xfrm>
-          <a:off x="6498378" y="1909294"/>
-          <a:ext cx="1479989" cy="939793"/>
-        </a:xfrm>
-        <a:prstGeom prst="roundRect">
-          <a:avLst>
-            <a:gd name="adj" fmla="val 10000"/>
-          </a:avLst>
-        </a:prstGeom>
-        <a:solidFill>
-          <a:schemeClr val="lt1">
-            <a:alpha val="90000"/>
-            <a:hueOff val="0"/>
-            <a:satOff val="0"/>
-            <a:lumOff val="0"/>
-            <a:alphaOff val="0"/>
-          </a:schemeClr>
-        </a:solidFill>
-        <a:ln w="19050" cap="rnd" cmpd="sng" algn="ctr">
-          <a:solidFill>
-            <a:schemeClr val="accent2">
-              <a:hueOff val="0"/>
-              <a:satOff val="0"/>
-              <a:lumOff val="0"/>
-              <a:alphaOff val="0"/>
-            </a:schemeClr>
-          </a:solidFill>
-          <a:prstDash val="solid"/>
-        </a:ln>
-        <a:effectLst/>
-      </dsp:spPr>
-      <dsp:style>
-        <a:lnRef idx="2">
-          <a:scrgbClr r="0" g="0" b="0"/>
-        </a:lnRef>
-        <a:fillRef idx="1">
-          <a:scrgbClr r="0" g="0" b="0"/>
-        </a:fillRef>
-        <a:effectRef idx="0">
-          <a:scrgbClr r="0" g="0" b="0"/>
-        </a:effectRef>
-        <a:fontRef idx="minor"/>
-      </dsp:style>
-      <dsp:txBody>
-        <a:bodyPr spcFirstLastPara="0" vert="horz" wrap="square" lIns="91440" tIns="91440" rIns="91440" bIns="91440" numCol="1" spcCol="1270" anchor="ctr" anchorCtr="0">
-          <a:noAutofit/>
-        </a:bodyPr>
-        <a:lstStyle/>
-        <a:p>
-          <a:pPr lvl="0" algn="ctr" defTabSz="1066800">
-            <a:lnSpc>
-              <a:spcPct val="90000"/>
-            </a:lnSpc>
-            <a:spcBef>
-              <a:spcPct val="0"/>
-            </a:spcBef>
-            <a:spcAft>
-              <a:spcPct val="35000"/>
-            </a:spcAft>
-          </a:pPr>
-          <a:r>
-            <a:rPr lang="zh-TW" altLang="en-US" sz="2400" kern="1200" dirty="0" smtClean="0"/>
-            <a:t>作者介紹</a:t>
-          </a:r>
-          <a:endParaRPr lang="zh-TW" altLang="en-US" sz="2400" kern="1200" dirty="0"/>
-        </a:p>
-      </dsp:txBody>
-      <dsp:txXfrm>
-        <a:off x="6525904" y="1936820"/>
-        <a:ext cx="1424937" cy="884741"/>
-      </dsp:txXfrm>
-    </dsp:sp>
-    <dsp:sp modelId="{6AE033C5-5252-44DA-94C3-499D33540D4C}">
-      <dsp:nvSpPr>
-        <dsp:cNvPr id="0" name=""/>
-        <dsp:cNvSpPr/>
-      </dsp:nvSpPr>
-      <dsp:spPr>
-        <a:xfrm>
-          <a:off x="8142810" y="1753073"/>
-          <a:ext cx="1479989" cy="939793"/>
-        </a:xfrm>
-        <a:prstGeom prst="roundRect">
-          <a:avLst>
-            <a:gd name="adj" fmla="val 10000"/>
-          </a:avLst>
-        </a:prstGeom>
-        <a:solidFill>
-          <a:schemeClr val="accent2">
-            <a:hueOff val="0"/>
-            <a:satOff val="0"/>
-            <a:lumOff val="0"/>
-            <a:alphaOff val="0"/>
-          </a:schemeClr>
-        </a:solidFill>
-        <a:ln w="19050" cap="rnd" cmpd="sng" algn="ctr">
-          <a:solidFill>
-            <a:schemeClr val="lt1">
-              <a:hueOff val="0"/>
-              <a:satOff val="0"/>
-              <a:lumOff val="0"/>
-              <a:alphaOff val="0"/>
-            </a:schemeClr>
-          </a:solidFill>
-          <a:prstDash val="solid"/>
-        </a:ln>
-        <a:effectLst/>
-      </dsp:spPr>
-      <dsp:style>
-        <a:lnRef idx="2">
-          <a:scrgbClr r="0" g="0" b="0"/>
-        </a:lnRef>
-        <a:fillRef idx="1">
-          <a:scrgbClr r="0" g="0" b="0"/>
-        </a:fillRef>
-        <a:effectRef idx="0">
-          <a:scrgbClr r="0" g="0" b="0"/>
-        </a:effectRef>
-        <a:fontRef idx="minor">
-          <a:schemeClr val="lt1"/>
-        </a:fontRef>
-      </dsp:style>
-    </dsp:sp>
-    <dsp:sp modelId="{CA9C1DC5-E930-4CBE-BEF3-B39299F08B4E}">
-      <dsp:nvSpPr>
-        <dsp:cNvPr id="0" name=""/>
-        <dsp:cNvSpPr/>
-      </dsp:nvSpPr>
-      <dsp:spPr>
-        <a:xfrm>
-          <a:off x="8307254" y="1909294"/>
-          <a:ext cx="1479989" cy="939793"/>
-        </a:xfrm>
-        <a:prstGeom prst="roundRect">
-          <a:avLst>
-            <a:gd name="adj" fmla="val 10000"/>
-          </a:avLst>
-        </a:prstGeom>
-        <a:solidFill>
-          <a:schemeClr val="lt1">
-            <a:alpha val="90000"/>
-            <a:hueOff val="0"/>
-            <a:satOff val="0"/>
-            <a:lumOff val="0"/>
-            <a:alphaOff val="0"/>
-          </a:schemeClr>
-        </a:solidFill>
-        <a:ln w="19050" cap="rnd" cmpd="sng" algn="ctr">
-          <a:solidFill>
-            <a:schemeClr val="accent2">
-              <a:hueOff val="0"/>
-              <a:satOff val="0"/>
-              <a:lumOff val="0"/>
-              <a:alphaOff val="0"/>
-            </a:schemeClr>
-          </a:solidFill>
-          <a:prstDash val="solid"/>
-        </a:ln>
-        <a:effectLst/>
-      </dsp:spPr>
-      <dsp:style>
-        <a:lnRef idx="2">
-          <a:scrgbClr r="0" g="0" b="0"/>
-        </a:lnRef>
-        <a:fillRef idx="1">
-          <a:scrgbClr r="0" g="0" b="0"/>
-        </a:fillRef>
-        <a:effectRef idx="0">
-          <a:scrgbClr r="0" g="0" b="0"/>
-        </a:effectRef>
-        <a:fontRef idx="minor"/>
-      </dsp:style>
-      <dsp:txBody>
-        <a:bodyPr spcFirstLastPara="0" vert="horz" wrap="square" lIns="91440" tIns="91440" rIns="91440" bIns="91440" numCol="1" spcCol="1270" anchor="ctr" anchorCtr="0">
-          <a:noAutofit/>
-        </a:bodyPr>
-        <a:lstStyle/>
-        <a:p>
-          <a:pPr lvl="0" algn="ctr" defTabSz="1066800">
-            <a:lnSpc>
-              <a:spcPct val="90000"/>
-            </a:lnSpc>
-            <a:spcBef>
-              <a:spcPct val="0"/>
-            </a:spcBef>
-            <a:spcAft>
-              <a:spcPct val="35000"/>
-            </a:spcAft>
-          </a:pPr>
-          <a:r>
-            <a:rPr lang="zh-TW" altLang="en-US" sz="2400" kern="1200" smtClean="0"/>
-            <a:t>參考</a:t>
-          </a:r>
-          <a:r>
-            <a:rPr lang="zh-TW" altLang="en-US" sz="2400" kern="1200" dirty="0" smtClean="0"/>
-            <a:t>資料</a:t>
-          </a:r>
-          <a:endParaRPr lang="zh-TW" altLang="en-US" sz="2400" kern="1200" dirty="0"/>
-        </a:p>
-      </dsp:txBody>
-      <dsp:txXfrm>
-        <a:off x="8334780" y="1936820"/>
-        <a:ext cx="1424937" cy="884741"/>
-      </dsp:txXfrm>
-    </dsp:sp>
   </dsp:spTree>
 </dsp:drawing>
 </file>
@@ -10905,104 +9326,97 @@
         </p:nvSpPr>
         <p:spPr/>
         <p:txBody>
-          <a:bodyPr>
-            <a:normAutofit/>
-          </a:bodyPr>
+          <a:bodyPr/>
           <a:lstStyle/>
           <a:p>
             <a:pPr algn="ctr"/>
             <a:r>
-              <a:rPr lang="zh-TW" altLang="en-US" sz="5400" b="1" dirty="0" smtClean="0"/>
-              <a:t>特色</a:t>
-            </a:r>
-            <a:endParaRPr lang="zh-TW" altLang="en-US" sz="5400" b="1" dirty="0"/>
-          </a:p>
-        </p:txBody>
-      </p:sp>
-      <p:sp>
-        <p:nvSpPr>
-          <p:cNvPr id="3" name="內容版面配置區 2"/>
-          <p:cNvSpPr>
-            <a:spLocks noGrp="1"/>
-          </p:cNvSpPr>
+              <a:rPr lang="zh-TW" altLang="en-US" dirty="0" smtClean="0"/>
+              <a:t>  影</a:t>
+            </a:r>
+            <a:r>
+              <a:rPr lang="zh-TW" altLang="en-US" dirty="0"/>
+              <a:t>音</a:t>
+            </a:r>
+            <a:r>
+              <a:rPr lang="zh-TW" altLang="en-US" dirty="0" smtClean="0"/>
+              <a:t>參考</a:t>
+            </a:r>
+            <a:r>
+              <a:rPr lang="en-US" altLang="zh-TW" dirty="0" smtClean="0"/>
+              <a:t>&amp;</a:t>
+            </a:r>
+            <a:r>
+              <a:rPr lang="zh-TW" altLang="en-US" dirty="0" smtClean="0"/>
+              <a:t>品牌連結</a:t>
+            </a:r>
+            <a:endParaRPr lang="zh-TW" altLang="en-US" dirty="0"/>
+          </a:p>
+        </p:txBody>
+      </p:sp>
+      <p:pic>
+        <p:nvPicPr>
+          <p:cNvPr id="4" name="內容版面配置區 3"/>
+          <p:cNvPicPr>
+            <a:picLocks noGrp="1" noChangeAspect="1"/>
+          </p:cNvPicPr>
           <p:nvPr>
             <p:ph idx="1"/>
           </p:nvPr>
-        </p:nvSpPr>
+        </p:nvPicPr>
+        <p:blipFill>
+          <a:blip r:embed="rId2">
+            <a:extLst>
+              <a:ext uri="{28A0092B-C50C-407E-A947-70E740481C1C}">
+                <a14:useLocalDpi xmlns:a14="http://schemas.microsoft.com/office/drawing/2010/main" val="0"/>
+              </a:ext>
+            </a:extLst>
+          </a:blip>
+          <a:stretch>
+            <a:fillRect/>
+          </a:stretch>
+        </p:blipFill>
         <p:spPr>
           <a:xfrm>
-            <a:off x="1067859" y="2170114"/>
-            <a:ext cx="8596668" cy="3880773"/>
+            <a:off x="66310" y="1786856"/>
+            <a:ext cx="6066665" cy="4332406"/>
           </a:xfrm>
         </p:spPr>
-        <p:txBody>
-          <a:bodyPr/>
-          <a:lstStyle/>
-          <a:p>
-            <a:pPr>
-              <a:lnSpc>
-                <a:spcPct val="150000"/>
-              </a:lnSpc>
-            </a:pPr>
-            <a:r>
-              <a:rPr lang="en-US" altLang="zh-TW" sz="2800" dirty="0" smtClean="0"/>
-              <a:t>1.</a:t>
-            </a:r>
-            <a:r>
-              <a:rPr lang="zh-TW" altLang="en-US" sz="2800" dirty="0" smtClean="0"/>
-              <a:t>衣櫃系統以類似紙娃娃的方式，自我搭配。</a:t>
-            </a:r>
-            <a:endParaRPr lang="en-US" altLang="zh-TW" sz="2800" dirty="0" smtClean="0"/>
-          </a:p>
-          <a:p>
-            <a:pPr>
-              <a:lnSpc>
-                <a:spcPct val="150000"/>
-              </a:lnSpc>
-            </a:pPr>
-            <a:r>
-              <a:rPr lang="en-US" altLang="zh-TW" sz="2800" dirty="0" smtClean="0"/>
-              <a:t>2.</a:t>
-            </a:r>
-            <a:r>
-              <a:rPr lang="zh-TW" altLang="en-US" sz="2800" dirty="0" smtClean="0"/>
-              <a:t>連結至其他網站、影音</a:t>
-            </a:r>
-            <a:r>
-              <a:rPr lang="zh-TW" altLang="en-US" sz="2800" dirty="0"/>
-              <a:t>提供穿搭</a:t>
-            </a:r>
-            <a:r>
-              <a:rPr lang="zh-TW" altLang="en-US" sz="2800" dirty="0" smtClean="0"/>
-              <a:t>參考。</a:t>
-            </a:r>
-            <a:endParaRPr lang="en-US" altLang="zh-TW" sz="2800" dirty="0" smtClean="0"/>
-          </a:p>
-          <a:p>
-            <a:pPr>
-              <a:lnSpc>
-                <a:spcPct val="150000"/>
-              </a:lnSpc>
-            </a:pPr>
-            <a:r>
-              <a:rPr lang="en-US" altLang="zh-TW" sz="2800" dirty="0" smtClean="0"/>
-              <a:t>3.</a:t>
-            </a:r>
-            <a:r>
-              <a:rPr lang="zh-TW" altLang="en-US" sz="2800" dirty="0" smtClean="0"/>
-              <a:t>匯集其他品牌衣著介紹。</a:t>
-            </a:r>
-            <a:endParaRPr lang="en-US" altLang="zh-TW" sz="2800" dirty="0" smtClean="0"/>
-          </a:p>
-          <a:p>
-            <a:endParaRPr lang="zh-TW" altLang="en-US" dirty="0"/>
-          </a:p>
-        </p:txBody>
-      </p:sp>
+      </p:pic>
+      <p:pic>
+        <p:nvPicPr>
+          <p:cNvPr id="5" name="圖片 4"/>
+          <p:cNvPicPr>
+            <a:picLocks noChangeAspect="1"/>
+          </p:cNvPicPr>
+          <p:nvPr/>
+        </p:nvPicPr>
+        <p:blipFill>
+          <a:blip r:embed="rId3">
+            <a:extLst>
+              <a:ext uri="{28A0092B-C50C-407E-A947-70E740481C1C}">
+                <a14:useLocalDpi xmlns:a14="http://schemas.microsoft.com/office/drawing/2010/main" val="0"/>
+              </a:ext>
+            </a:extLst>
+          </a:blip>
+          <a:stretch>
+            <a:fillRect/>
+          </a:stretch>
+        </p:blipFill>
+        <p:spPr>
+          <a:xfrm>
+            <a:off x="6222997" y="1786856"/>
+            <a:ext cx="5828853" cy="4332406"/>
+          </a:xfrm>
+          <a:prstGeom prst="rect">
+            <a:avLst/>
+          </a:prstGeom>
+        </p:spPr>
+      </p:pic>
     </p:spTree>
     <p:extLst>
       <p:ext uri="{BB962C8B-B14F-4D97-AF65-F5344CB8AC3E}">
-        <p14:creationId xmlns:p14="http://schemas.microsoft.com/office/powerpoint/2010/main" val="3738001807"/>
+        <p14:creationId xmlns:p14="http://schemas.microsoft.com/office/powerpoint/2010/main" val="3759668717"/>
       </p:ext>
     </p:extLst>
   </p:cSld>
@@ -11041,144 +9455,95 @@
         </p:nvSpPr>
         <p:spPr/>
         <p:txBody>
-          <a:bodyPr>
-            <a:normAutofit/>
-          </a:bodyPr>
+          <a:bodyPr/>
           <a:lstStyle/>
           <a:p>
             <a:pPr algn="ctr"/>
             <a:r>
-              <a:rPr lang="zh-TW" altLang="en-US" sz="4400" b="1" dirty="0" smtClean="0"/>
-              <a:t>使用技術</a:t>
-            </a:r>
-            <a:endParaRPr lang="zh-TW" altLang="en-US" sz="4400" b="1" dirty="0"/>
-          </a:p>
-        </p:txBody>
-      </p:sp>
-      <p:sp>
-        <p:nvSpPr>
-          <p:cNvPr id="3" name="內容版面配置區 2"/>
-          <p:cNvSpPr>
-            <a:spLocks noGrp="1"/>
-          </p:cNvSpPr>
+              <a:rPr lang="zh-TW" altLang="en-US" dirty="0" smtClean="0"/>
+              <a:t>  作者介紹</a:t>
+            </a:r>
+            <a:r>
+              <a:rPr lang="en-US" altLang="zh-TW" dirty="0" smtClean="0"/>
+              <a:t>&amp;</a:t>
+            </a:r>
+            <a:r>
+              <a:rPr lang="zh-TW" altLang="en-US" dirty="0" smtClean="0"/>
+              <a:t>網站介紹</a:t>
+            </a:r>
+            <a:endParaRPr lang="zh-TW" altLang="en-US" dirty="0"/>
+          </a:p>
+        </p:txBody>
+      </p:sp>
+      <p:pic>
+        <p:nvPicPr>
+          <p:cNvPr id="4" name="內容版面配置區 3"/>
+          <p:cNvPicPr>
+            <a:picLocks noGrp="1" noChangeAspect="1"/>
+          </p:cNvPicPr>
           <p:nvPr>
             <p:ph idx="1"/>
           </p:nvPr>
-        </p:nvSpPr>
+        </p:nvPicPr>
+        <p:blipFill>
+          <a:blip r:embed="rId2">
+            <a:extLst>
+              <a:ext uri="{28A0092B-C50C-407E-A947-70E740481C1C}">
+                <a14:useLocalDpi xmlns:a14="http://schemas.microsoft.com/office/drawing/2010/main" val="0"/>
+              </a:ext>
+            </a:extLst>
+          </a:blip>
+          <a:stretch>
+            <a:fillRect/>
+          </a:stretch>
+        </p:blipFill>
         <p:spPr>
           <a:xfrm>
-            <a:off x="1029759" y="2103439"/>
-            <a:ext cx="8596668" cy="3880773"/>
+            <a:off x="83890" y="1858849"/>
+            <a:ext cx="5805181" cy="4397783"/>
           </a:xfrm>
         </p:spPr>
-        <p:txBody>
-          <a:bodyPr/>
-          <a:lstStyle/>
-          <a:p>
-            <a:pPr>
-              <a:lnSpc>
-                <a:spcPct val="150000"/>
-              </a:lnSpc>
-            </a:pPr>
-            <a:r>
-              <a:rPr lang="zh-TW" altLang="en-US" sz="3200" dirty="0" smtClean="0"/>
-              <a:t>美工</a:t>
-            </a:r>
-            <a:r>
-              <a:rPr lang="zh-TW" altLang="en-US" sz="3200" dirty="0"/>
-              <a:t>：</a:t>
-            </a:r>
-            <a:r>
-              <a:rPr lang="en-US" altLang="zh-TW" sz="3200" dirty="0" smtClean="0"/>
-              <a:t>CSS</a:t>
-            </a:r>
-            <a:endParaRPr lang="en-US" altLang="zh-TW" sz="3200" dirty="0"/>
-          </a:p>
-          <a:p>
-            <a:pPr>
-              <a:lnSpc>
-                <a:spcPct val="150000"/>
-              </a:lnSpc>
-            </a:pPr>
-            <a:r>
-              <a:rPr lang="zh-TW" altLang="en-US" sz="3200" dirty="0" smtClean="0"/>
-              <a:t>架構</a:t>
-            </a:r>
-            <a:r>
-              <a:rPr lang="zh-TW" altLang="en-US" sz="3200" dirty="0"/>
-              <a:t>：</a:t>
-            </a:r>
-            <a:r>
-              <a:rPr lang="en-US" altLang="zh-TW" sz="3200" dirty="0" smtClean="0"/>
-              <a:t>HTML5</a:t>
-            </a:r>
-            <a:r>
-              <a:rPr lang="zh-TW" altLang="en-US" sz="3200" dirty="0" smtClean="0"/>
-              <a:t>、</a:t>
-            </a:r>
-            <a:r>
-              <a:rPr lang="en-US" altLang="zh-TW" sz="3200" dirty="0" smtClean="0"/>
-              <a:t>JavaScript</a:t>
-            </a:r>
-            <a:r>
-              <a:rPr lang="zh-TW" altLang="en-US" sz="3200" dirty="0" smtClean="0"/>
-              <a:t> 、</a:t>
-            </a:r>
-            <a:r>
-              <a:rPr lang="en-US" altLang="zh-TW" sz="3200" dirty="0" smtClean="0"/>
-              <a:t>jQuery</a:t>
-            </a:r>
-          </a:p>
-          <a:p>
-            <a:pPr>
-              <a:lnSpc>
-                <a:spcPct val="150000"/>
-              </a:lnSpc>
-            </a:pPr>
-            <a:r>
-              <a:rPr lang="zh-TW" altLang="en-US" sz="3200" dirty="0" smtClean="0"/>
-              <a:t>其他連結：</a:t>
-            </a:r>
-            <a:r>
-              <a:rPr lang="en-US" altLang="zh-TW" sz="3200" dirty="0" smtClean="0"/>
-              <a:t>YouTube</a:t>
-            </a:r>
-            <a:r>
-              <a:rPr lang="zh-TW" altLang="en-US" sz="3200" dirty="0" smtClean="0"/>
-              <a:t>、</a:t>
-            </a:r>
-            <a:r>
-              <a:rPr lang="en-US" altLang="zh-TW" sz="3200" dirty="0"/>
-              <a:t>Google </a:t>
-            </a:r>
-            <a:r>
-              <a:rPr lang="en-US" altLang="zh-TW" sz="3200" dirty="0" smtClean="0"/>
-              <a:t>Search</a:t>
-            </a:r>
-            <a:endParaRPr lang="en-US" altLang="zh-TW" sz="3200" dirty="0"/>
-          </a:p>
-          <a:p>
-            <a:endParaRPr lang="zh-TW" altLang="en-US" dirty="0"/>
-          </a:p>
-        </p:txBody>
-      </p:sp>
+      </p:pic>
+      <p:pic>
+        <p:nvPicPr>
+          <p:cNvPr id="6" name="圖片 5"/>
+          <p:cNvPicPr>
+            <a:picLocks noChangeAspect="1"/>
+          </p:cNvPicPr>
+          <p:nvPr/>
+        </p:nvPicPr>
+        <p:blipFill>
+          <a:blip r:embed="rId3">
+            <a:extLst>
+              <a:ext uri="{28A0092B-C50C-407E-A947-70E740481C1C}">
+                <a14:useLocalDpi xmlns:a14="http://schemas.microsoft.com/office/drawing/2010/main" val="0"/>
+              </a:ext>
+            </a:extLst>
+          </a:blip>
+          <a:stretch>
+            <a:fillRect/>
+          </a:stretch>
+        </p:blipFill>
+        <p:spPr>
+          <a:xfrm>
+            <a:off x="5953384" y="1912691"/>
+            <a:ext cx="5950594" cy="4311940"/>
+          </a:xfrm>
+          <a:prstGeom prst="rect">
+            <a:avLst/>
+          </a:prstGeom>
+        </p:spPr>
+      </p:pic>
     </p:spTree>
     <p:extLst>
       <p:ext uri="{BB962C8B-B14F-4D97-AF65-F5344CB8AC3E}">
-        <p14:creationId xmlns:p14="http://schemas.microsoft.com/office/powerpoint/2010/main" val="4185133950"/>
+        <p14:creationId xmlns:p14="http://schemas.microsoft.com/office/powerpoint/2010/main" val="1953919702"/>
       </p:ext>
     </p:extLst>
   </p:cSld>
   <p:clrMapOvr>
     <a:masterClrMapping/>
   </p:clrMapOvr>
-  <p:timing>
-    <p:tnLst>
-      <p:par>
-        <p:cTn id="1" dur="indefinite" restart="never" nodeType="tmRoot"/>
-      </p:par>
-    </p:tnLst>
-  </p:timing>
 </p:sld>
 </file>
 
@@ -11388,11 +9753,7 @@
                       </a:pPr>
                       <a:r>
                         <a:rPr lang="zh-TW" altLang="en-US" sz="2000" dirty="0" smtClean="0"/>
-                        <a:t>唐</a:t>
-                      </a:r>
-                      <a:r>
-                        <a:rPr lang="zh-TW" altLang="en-US" sz="2000" dirty="0" smtClean="0"/>
-                        <a:t>堇瑜</a:t>
+                        <a:t>唐堇瑜</a:t>
                       </a:r>
                     </a:p>
                   </a:txBody>
@@ -12105,17 +10466,319 @@
         </p:nvSpPr>
         <p:spPr/>
         <p:txBody>
+          <a:bodyPr>
+            <a:normAutofit/>
+          </a:bodyPr>
+          <a:lstStyle/>
+          <a:p>
+            <a:pPr algn="ctr"/>
+            <a:r>
+              <a:rPr lang="zh-TW" altLang="en-US" sz="5400" b="1" dirty="0" smtClean="0"/>
+              <a:t>特色</a:t>
+            </a:r>
+            <a:endParaRPr lang="zh-TW" altLang="en-US" sz="5400" b="1" dirty="0"/>
+          </a:p>
+        </p:txBody>
+      </p:sp>
+      <p:sp>
+        <p:nvSpPr>
+          <p:cNvPr id="3" name="內容版面配置區 2"/>
+          <p:cNvSpPr>
+            <a:spLocks noGrp="1"/>
+          </p:cNvSpPr>
+          <p:nvPr>
+            <p:ph idx="1"/>
+          </p:nvPr>
+        </p:nvSpPr>
+        <p:spPr>
+          <a:xfrm>
+            <a:off x="1067859" y="2170114"/>
+            <a:ext cx="8596668" cy="3880773"/>
+          </a:xfrm>
+        </p:spPr>
+        <p:txBody>
           <a:bodyPr/>
           <a:lstStyle/>
           <a:p>
+            <a:pPr>
+              <a:lnSpc>
+                <a:spcPct val="150000"/>
+              </a:lnSpc>
+            </a:pPr>
+            <a:r>
+              <a:rPr lang="en-US" altLang="zh-TW" sz="2800" dirty="0" smtClean="0"/>
+              <a:t>1.</a:t>
+            </a:r>
+            <a:r>
+              <a:rPr lang="zh-TW" altLang="en-US" sz="2800" dirty="0" smtClean="0"/>
+              <a:t>衣櫃系統以類似紙娃娃的方式，自我搭配。</a:t>
+            </a:r>
+            <a:endParaRPr lang="en-US" altLang="zh-TW" sz="2800" dirty="0" smtClean="0"/>
+          </a:p>
+          <a:p>
+            <a:pPr>
+              <a:lnSpc>
+                <a:spcPct val="150000"/>
+              </a:lnSpc>
+            </a:pPr>
+            <a:r>
+              <a:rPr lang="en-US" altLang="zh-TW" sz="2800" dirty="0" smtClean="0"/>
+              <a:t>2.</a:t>
+            </a:r>
+            <a:r>
+              <a:rPr lang="zh-TW" altLang="en-US" sz="2800" dirty="0" smtClean="0"/>
+              <a:t>連結至其他網站、影音</a:t>
+            </a:r>
+            <a:r>
+              <a:rPr lang="zh-TW" altLang="en-US" sz="2800" dirty="0"/>
+              <a:t>提供穿搭</a:t>
+            </a:r>
+            <a:r>
+              <a:rPr lang="zh-TW" altLang="en-US" sz="2800" dirty="0" smtClean="0"/>
+              <a:t>參考。</a:t>
+            </a:r>
+            <a:endParaRPr lang="en-US" altLang="zh-TW" sz="2800" dirty="0" smtClean="0"/>
+          </a:p>
+          <a:p>
+            <a:pPr>
+              <a:lnSpc>
+                <a:spcPct val="150000"/>
+              </a:lnSpc>
+            </a:pPr>
+            <a:r>
+              <a:rPr lang="en-US" altLang="zh-TW" sz="2800" dirty="0" smtClean="0"/>
+              <a:t>3.</a:t>
+            </a:r>
+            <a:r>
+              <a:rPr lang="zh-TW" altLang="en-US" sz="2800" dirty="0" smtClean="0"/>
+              <a:t>匯集其他品牌衣著介紹。</a:t>
+            </a:r>
+            <a:endParaRPr lang="en-US" altLang="zh-TW" sz="2800" dirty="0" smtClean="0"/>
+          </a:p>
+          <a:p>
+            <a:endParaRPr lang="zh-TW" altLang="en-US" dirty="0"/>
+          </a:p>
+        </p:txBody>
+      </p:sp>
+    </p:spTree>
+    <p:extLst>
+      <p:ext uri="{BB962C8B-B14F-4D97-AF65-F5344CB8AC3E}">
+        <p14:creationId xmlns:p14="http://schemas.microsoft.com/office/powerpoint/2010/main" val="3738001807"/>
+      </p:ext>
+    </p:extLst>
+  </p:cSld>
+  <p:clrMapOvr>
+    <a:masterClrMapping/>
+  </p:clrMapOvr>
+</p:sld>
+</file>
+
+<file path=ppt/slides/slide6.xml><?xml version="1.0" encoding="utf-8"?>
+<p:sld xmlns:a="http://schemas.openxmlformats.org/drawingml/2006/main" xmlns:r="http://schemas.openxmlformats.org/officeDocument/2006/relationships" xmlns:p="http://schemas.openxmlformats.org/presentationml/2006/main">
+  <p:cSld>
+    <p:spTree>
+      <p:nvGrpSpPr>
+        <p:cNvPr id="1" name=""/>
+        <p:cNvGrpSpPr/>
+        <p:nvPr/>
+      </p:nvGrpSpPr>
+      <p:grpSpPr>
+        <a:xfrm>
+          <a:off x="0" y="0"/>
+          <a:ext cx="0" cy="0"/>
+          <a:chOff x="0" y="0"/>
+          <a:chExt cx="0" cy="0"/>
+        </a:xfrm>
+      </p:grpSpPr>
+      <p:sp>
+        <p:nvSpPr>
+          <p:cNvPr id="2" name="標題 1"/>
+          <p:cNvSpPr>
+            <a:spLocks noGrp="1"/>
+          </p:cNvSpPr>
+          <p:nvPr>
+            <p:ph type="title"/>
+          </p:nvPr>
+        </p:nvSpPr>
+        <p:spPr/>
+        <p:txBody>
+          <a:bodyPr>
+            <a:normAutofit/>
+          </a:bodyPr>
+          <a:lstStyle/>
+          <a:p>
             <a:pPr algn="ctr"/>
             <a:r>
+              <a:rPr lang="zh-TW" altLang="en-US" sz="4400" b="1" dirty="0" smtClean="0"/>
+              <a:t>使用技術</a:t>
+            </a:r>
+            <a:endParaRPr lang="zh-TW" altLang="en-US" sz="4400" b="1" dirty="0"/>
+          </a:p>
+        </p:txBody>
+      </p:sp>
+      <p:sp>
+        <p:nvSpPr>
+          <p:cNvPr id="3" name="內容版面配置區 2"/>
+          <p:cNvSpPr>
+            <a:spLocks noGrp="1"/>
+          </p:cNvSpPr>
+          <p:nvPr>
+            <p:ph idx="1"/>
+          </p:nvPr>
+        </p:nvSpPr>
+        <p:spPr>
+          <a:xfrm>
+            <a:off x="1029759" y="2103439"/>
+            <a:ext cx="8596668" cy="3880773"/>
+          </a:xfrm>
+        </p:spPr>
+        <p:txBody>
+          <a:bodyPr/>
+          <a:lstStyle/>
+          <a:p>
+            <a:pPr>
+              <a:lnSpc>
+                <a:spcPct val="150000"/>
+              </a:lnSpc>
+            </a:pPr>
+            <a:r>
+              <a:rPr lang="zh-TW" altLang="en-US" sz="3200" dirty="0" smtClean="0"/>
+              <a:t>美工</a:t>
+            </a:r>
+            <a:r>
+              <a:rPr lang="zh-TW" altLang="en-US" sz="3200" dirty="0"/>
+              <a:t>：</a:t>
+            </a:r>
+            <a:r>
+              <a:rPr lang="en-US" altLang="zh-TW" sz="3200" dirty="0" smtClean="0"/>
+              <a:t>CSS</a:t>
+            </a:r>
+            <a:endParaRPr lang="en-US" altLang="zh-TW" sz="3200" dirty="0"/>
+          </a:p>
+          <a:p>
+            <a:pPr>
+              <a:lnSpc>
+                <a:spcPct val="150000"/>
+              </a:lnSpc>
+            </a:pPr>
+            <a:r>
+              <a:rPr lang="zh-TW" altLang="en-US" sz="3200" dirty="0" smtClean="0"/>
+              <a:t>架構</a:t>
+            </a:r>
+            <a:r>
+              <a:rPr lang="zh-TW" altLang="en-US" sz="3200" dirty="0"/>
+              <a:t>：</a:t>
+            </a:r>
+            <a:r>
+              <a:rPr lang="en-US" altLang="zh-TW" sz="3200" dirty="0" smtClean="0"/>
+              <a:t>HTML5</a:t>
+            </a:r>
+            <a:r>
+              <a:rPr lang="zh-TW" altLang="en-US" sz="3200" dirty="0" smtClean="0"/>
+              <a:t>、</a:t>
+            </a:r>
+            <a:r>
+              <a:rPr lang="en-US" altLang="zh-TW" sz="3200" dirty="0" smtClean="0"/>
+              <a:t>JavaScript</a:t>
+            </a:r>
+            <a:r>
+              <a:rPr lang="zh-TW" altLang="en-US" sz="3200" dirty="0" smtClean="0"/>
+              <a:t> 、</a:t>
+            </a:r>
+            <a:r>
+              <a:rPr lang="en-US" altLang="zh-TW" sz="3200" dirty="0" smtClean="0"/>
+              <a:t>jQuery</a:t>
+            </a:r>
+          </a:p>
+          <a:p>
+            <a:pPr>
+              <a:lnSpc>
+                <a:spcPct val="150000"/>
+              </a:lnSpc>
+            </a:pPr>
+            <a:r>
+              <a:rPr lang="zh-TW" altLang="en-US" sz="3200" dirty="0" smtClean="0"/>
+              <a:t>其他連結：</a:t>
+            </a:r>
+            <a:r>
+              <a:rPr lang="en-US" altLang="zh-TW" sz="3200" dirty="0" smtClean="0"/>
+              <a:t>YouTube</a:t>
+            </a:r>
+            <a:r>
+              <a:rPr lang="zh-TW" altLang="en-US" sz="3200" dirty="0" smtClean="0"/>
+              <a:t>、</a:t>
+            </a:r>
+            <a:r>
+              <a:rPr lang="en-US" altLang="zh-TW" sz="3200" dirty="0"/>
+              <a:t>Google </a:t>
+            </a:r>
+            <a:r>
+              <a:rPr lang="en-US" altLang="zh-TW" sz="3200" dirty="0" smtClean="0"/>
+              <a:t>Search</a:t>
+            </a:r>
+            <a:endParaRPr lang="en-US" altLang="zh-TW" sz="3200" dirty="0"/>
+          </a:p>
+          <a:p>
+            <a:endParaRPr lang="zh-TW" altLang="en-US" dirty="0"/>
+          </a:p>
+        </p:txBody>
+      </p:sp>
+    </p:spTree>
+    <p:extLst>
+      <p:ext uri="{BB962C8B-B14F-4D97-AF65-F5344CB8AC3E}">
+        <p14:creationId xmlns:p14="http://schemas.microsoft.com/office/powerpoint/2010/main" val="4185133950"/>
+      </p:ext>
+    </p:extLst>
+  </p:cSld>
+  <p:clrMapOvr>
+    <a:masterClrMapping/>
+  </p:clrMapOvr>
+  <p:timing>
+    <p:tnLst>
+      <p:par>
+        <p:cTn id="1" dur="indefinite" restart="never" nodeType="tmRoot"/>
+      </p:par>
+    </p:tnLst>
+  </p:timing>
+</p:sld>
+</file>
+
+<file path=ppt/slides/slide7.xml><?xml version="1.0" encoding="utf-8"?>
+<p:sld xmlns:a="http://schemas.openxmlformats.org/drawingml/2006/main" xmlns:r="http://schemas.openxmlformats.org/officeDocument/2006/relationships" xmlns:p="http://schemas.openxmlformats.org/presentationml/2006/main">
+  <p:cSld>
+    <p:spTree>
+      <p:nvGrpSpPr>
+        <p:cNvPr id="1" name=""/>
+        <p:cNvGrpSpPr/>
+        <p:nvPr/>
+      </p:nvGrpSpPr>
+      <p:grpSpPr>
+        <a:xfrm>
+          <a:off x="0" y="0"/>
+          <a:ext cx="0" cy="0"/>
+          <a:chOff x="0" y="0"/>
+          <a:chExt cx="0" cy="0"/>
+        </a:xfrm>
+      </p:grpSpPr>
+      <p:sp>
+        <p:nvSpPr>
+          <p:cNvPr id="2" name="標題 1"/>
+          <p:cNvSpPr>
+            <a:spLocks noGrp="1"/>
+          </p:cNvSpPr>
+          <p:nvPr>
+            <p:ph type="title"/>
+          </p:nvPr>
+        </p:nvSpPr>
+        <p:spPr/>
+        <p:txBody>
+          <a:bodyPr/>
+          <a:lstStyle/>
+          <a:p>
+            <a:pPr algn="ctr"/>
+            <a:r>
               <a:rPr lang="zh-TW" altLang="en-US" dirty="0" smtClean="0"/>
-              <a:t>首頁、功能</a:t>
-            </a:r>
-            <a:r>
-              <a:rPr lang="zh-TW" altLang="en-US" dirty="0" smtClean="0"/>
-              <a:t>選擇</a:t>
+              <a:t>首頁、功能選擇</a:t>
             </a:r>
             <a:endParaRPr lang="zh-TW" altLang="en-US" dirty="0"/>
           </a:p>
@@ -12163,7 +10826,7 @@
 </p:sld>
 </file>
 
-<file path=ppt/slides/slide6.xml><?xml version="1.0" encoding="utf-8"?>
+<file path=ppt/slides/slide8.xml><?xml version="1.0" encoding="utf-8"?>
 <p:sld xmlns:a="http://schemas.openxmlformats.org/drawingml/2006/main" xmlns:r="http://schemas.openxmlformats.org/officeDocument/2006/relationships" xmlns:p="http://schemas.openxmlformats.org/presentationml/2006/main">
   <p:cSld>
     <p:spTree>
@@ -12264,7 +10927,7 @@
 </p:sld>
 </file>
 
-<file path=ppt/slides/slide7.xml><?xml version="1.0" encoding="utf-8"?>
+<file path=ppt/slides/slide9.xml><?xml version="1.0" encoding="utf-8"?>
 <p:sld xmlns:a="http://schemas.openxmlformats.org/drawingml/2006/main" xmlns:r="http://schemas.openxmlformats.org/officeDocument/2006/relationships" xmlns:p="http://schemas.openxmlformats.org/presentationml/2006/main">
   <p:cSld>
     <p:spTree>
@@ -12436,256 +11099,6 @@
     <p:extLst>
       <p:ext uri="{BB962C8B-B14F-4D97-AF65-F5344CB8AC3E}">
         <p14:creationId xmlns:p14="http://schemas.microsoft.com/office/powerpoint/2010/main" val="3928238835"/>
-      </p:ext>
-    </p:extLst>
-  </p:cSld>
-  <p:clrMapOvr>
-    <a:masterClrMapping/>
-  </p:clrMapOvr>
-</p:sld>
-</file>
-
-<file path=ppt/slides/slide8.xml><?xml version="1.0" encoding="utf-8"?>
-<p:sld xmlns:a="http://schemas.openxmlformats.org/drawingml/2006/main" xmlns:r="http://schemas.openxmlformats.org/officeDocument/2006/relationships" xmlns:p="http://schemas.openxmlformats.org/presentationml/2006/main">
-  <p:cSld>
-    <p:spTree>
-      <p:nvGrpSpPr>
-        <p:cNvPr id="1" name=""/>
-        <p:cNvGrpSpPr/>
-        <p:nvPr/>
-      </p:nvGrpSpPr>
-      <p:grpSpPr>
-        <a:xfrm>
-          <a:off x="0" y="0"/>
-          <a:ext cx="0" cy="0"/>
-          <a:chOff x="0" y="0"/>
-          <a:chExt cx="0" cy="0"/>
-        </a:xfrm>
-      </p:grpSpPr>
-      <p:sp>
-        <p:nvSpPr>
-          <p:cNvPr id="2" name="標題 1"/>
-          <p:cNvSpPr>
-            <a:spLocks noGrp="1"/>
-          </p:cNvSpPr>
-          <p:nvPr>
-            <p:ph type="title"/>
-          </p:nvPr>
-        </p:nvSpPr>
-        <p:spPr/>
-        <p:txBody>
-          <a:bodyPr/>
-          <a:lstStyle/>
-          <a:p>
-            <a:pPr algn="ctr"/>
-            <a:r>
-              <a:rPr lang="zh-TW" altLang="en-US" dirty="0" smtClean="0"/>
-              <a:t>  影</a:t>
-            </a:r>
-            <a:r>
-              <a:rPr lang="zh-TW" altLang="en-US" dirty="0"/>
-              <a:t>音</a:t>
-            </a:r>
-            <a:r>
-              <a:rPr lang="zh-TW" altLang="en-US" dirty="0" smtClean="0"/>
-              <a:t>參考</a:t>
-            </a:r>
-            <a:r>
-              <a:rPr lang="en-US" altLang="zh-TW" dirty="0" smtClean="0"/>
-              <a:t>&amp;</a:t>
-            </a:r>
-            <a:r>
-              <a:rPr lang="zh-TW" altLang="en-US" dirty="0" smtClean="0"/>
-              <a:t>品牌連結</a:t>
-            </a:r>
-            <a:endParaRPr lang="zh-TW" altLang="en-US" dirty="0"/>
-          </a:p>
-        </p:txBody>
-      </p:sp>
-      <p:pic>
-        <p:nvPicPr>
-          <p:cNvPr id="4" name="內容版面配置區 3"/>
-          <p:cNvPicPr>
-            <a:picLocks noGrp="1" noChangeAspect="1"/>
-          </p:cNvPicPr>
-          <p:nvPr>
-            <p:ph idx="1"/>
-          </p:nvPr>
-        </p:nvPicPr>
-        <p:blipFill>
-          <a:blip r:embed="rId2">
-            <a:extLst>
-              <a:ext uri="{28A0092B-C50C-407E-A947-70E740481C1C}">
-                <a14:useLocalDpi xmlns:a14="http://schemas.microsoft.com/office/drawing/2010/main" val="0"/>
-              </a:ext>
-            </a:extLst>
-          </a:blip>
-          <a:stretch>
-            <a:fillRect/>
-          </a:stretch>
-        </p:blipFill>
-        <p:spPr>
-          <a:xfrm>
-            <a:off x="66310" y="1786856"/>
-            <a:ext cx="6066665" cy="4332406"/>
-          </a:xfrm>
-        </p:spPr>
-      </p:pic>
-      <p:pic>
-        <p:nvPicPr>
-          <p:cNvPr id="5" name="圖片 4"/>
-          <p:cNvPicPr>
-            <a:picLocks noChangeAspect="1"/>
-          </p:cNvPicPr>
-          <p:nvPr/>
-        </p:nvPicPr>
-        <p:blipFill>
-          <a:blip r:embed="rId3">
-            <a:extLst>
-              <a:ext uri="{28A0092B-C50C-407E-A947-70E740481C1C}">
-                <a14:useLocalDpi xmlns:a14="http://schemas.microsoft.com/office/drawing/2010/main" val="0"/>
-              </a:ext>
-            </a:extLst>
-          </a:blip>
-          <a:stretch>
-            <a:fillRect/>
-          </a:stretch>
-        </p:blipFill>
-        <p:spPr>
-          <a:xfrm>
-            <a:off x="6222997" y="1786856"/>
-            <a:ext cx="5828853" cy="4332406"/>
-          </a:xfrm>
-          <a:prstGeom prst="rect">
-            <a:avLst/>
-          </a:prstGeom>
-        </p:spPr>
-      </p:pic>
-    </p:spTree>
-    <p:extLst>
-      <p:ext uri="{BB962C8B-B14F-4D97-AF65-F5344CB8AC3E}">
-        <p14:creationId xmlns:p14="http://schemas.microsoft.com/office/powerpoint/2010/main" val="3759668717"/>
-      </p:ext>
-    </p:extLst>
-  </p:cSld>
-  <p:clrMapOvr>
-    <a:masterClrMapping/>
-  </p:clrMapOvr>
-</p:sld>
-</file>
-
-<file path=ppt/slides/slide9.xml><?xml version="1.0" encoding="utf-8"?>
-<p:sld xmlns:a="http://schemas.openxmlformats.org/drawingml/2006/main" xmlns:r="http://schemas.openxmlformats.org/officeDocument/2006/relationships" xmlns:p="http://schemas.openxmlformats.org/presentationml/2006/main">
-  <p:cSld>
-    <p:spTree>
-      <p:nvGrpSpPr>
-        <p:cNvPr id="1" name=""/>
-        <p:cNvGrpSpPr/>
-        <p:nvPr/>
-      </p:nvGrpSpPr>
-      <p:grpSpPr>
-        <a:xfrm>
-          <a:off x="0" y="0"/>
-          <a:ext cx="0" cy="0"/>
-          <a:chOff x="0" y="0"/>
-          <a:chExt cx="0" cy="0"/>
-        </a:xfrm>
-      </p:grpSpPr>
-      <p:sp>
-        <p:nvSpPr>
-          <p:cNvPr id="2" name="標題 1"/>
-          <p:cNvSpPr>
-            <a:spLocks noGrp="1"/>
-          </p:cNvSpPr>
-          <p:nvPr>
-            <p:ph type="title"/>
-          </p:nvPr>
-        </p:nvSpPr>
-        <p:spPr/>
-        <p:txBody>
-          <a:bodyPr/>
-          <a:lstStyle/>
-          <a:p>
-            <a:pPr algn="ctr"/>
-            <a:r>
-              <a:rPr lang="zh-TW" altLang="en-US" dirty="0" smtClean="0"/>
-              <a:t>  作者介紹</a:t>
-            </a:r>
-            <a:r>
-              <a:rPr lang="en-US" altLang="zh-TW" dirty="0" smtClean="0"/>
-              <a:t>&amp;</a:t>
-            </a:r>
-            <a:r>
-              <a:rPr lang="zh-TW" altLang="en-US" dirty="0" smtClean="0"/>
-              <a:t>網站介紹</a:t>
-            </a:r>
-            <a:endParaRPr lang="zh-TW" altLang="en-US" dirty="0"/>
-          </a:p>
-        </p:txBody>
-      </p:sp>
-      <p:pic>
-        <p:nvPicPr>
-          <p:cNvPr id="4" name="內容版面配置區 3"/>
-          <p:cNvPicPr>
-            <a:picLocks noGrp="1" noChangeAspect="1"/>
-          </p:cNvPicPr>
-          <p:nvPr>
-            <p:ph idx="1"/>
-          </p:nvPr>
-        </p:nvPicPr>
-        <p:blipFill>
-          <a:blip r:embed="rId2">
-            <a:extLst>
-              <a:ext uri="{28A0092B-C50C-407E-A947-70E740481C1C}">
-                <a14:useLocalDpi xmlns:a14="http://schemas.microsoft.com/office/drawing/2010/main" val="0"/>
-              </a:ext>
-            </a:extLst>
-          </a:blip>
-          <a:stretch>
-            <a:fillRect/>
-          </a:stretch>
-        </p:blipFill>
-        <p:spPr>
-          <a:xfrm>
-            <a:off x="83890" y="1858849"/>
-            <a:ext cx="5805181" cy="4397783"/>
-          </a:xfrm>
-        </p:spPr>
-      </p:pic>
-      <p:pic>
-        <p:nvPicPr>
-          <p:cNvPr id="6" name="圖片 5"/>
-          <p:cNvPicPr>
-            <a:picLocks noChangeAspect="1"/>
-          </p:cNvPicPr>
-          <p:nvPr/>
-        </p:nvPicPr>
-        <p:blipFill>
-          <a:blip r:embed="rId3">
-            <a:extLst>
-              <a:ext uri="{28A0092B-C50C-407E-A947-70E740481C1C}">
-                <a14:useLocalDpi xmlns:a14="http://schemas.microsoft.com/office/drawing/2010/main" val="0"/>
-              </a:ext>
-            </a:extLst>
-          </a:blip>
-          <a:stretch>
-            <a:fillRect/>
-          </a:stretch>
-        </p:blipFill>
-        <p:spPr>
-          <a:xfrm>
-            <a:off x="5953384" y="1912691"/>
-            <a:ext cx="5950594" cy="4311940"/>
-          </a:xfrm>
-          <a:prstGeom prst="rect">
-            <a:avLst/>
-          </a:prstGeom>
-        </p:spPr>
-      </p:pic>
-    </p:spTree>
-    <p:extLst>
-      <p:ext uri="{BB962C8B-B14F-4D97-AF65-F5344CB8AC3E}">
-        <p14:creationId xmlns:p14="http://schemas.microsoft.com/office/powerpoint/2010/main" val="1953919702"/>
       </p:ext>
     </p:extLst>
   </p:cSld>

--- a/Webprograming/document/00457004+00457013.pptx
+++ b/Webprograming/document/00457004+00457013.pptx
@@ -9597,7 +9597,7 @@
             <p:ph idx="1"/>
             <p:extLst>
               <p:ext uri="{D42A27DB-BD31-4B8C-83A1-F6EECF244321}">
-                <p14:modId xmlns:p14="http://schemas.microsoft.com/office/powerpoint/2010/main" val="1897569081"/>
+                <p14:modId xmlns:p14="http://schemas.microsoft.com/office/powerpoint/2010/main" val="2093284509"/>
               </p:ext>
             </p:extLst>
           </p:nvPr>
@@ -9675,7 +9675,7 @@
                         <a:t>1.</a:t>
                       </a:r>
                       <a:r>
-                        <a:rPr lang="zh-TW" altLang="en-US" sz="2000" smtClean="0"/>
+                        <a:rPr lang="zh-TW" altLang="en-US" sz="2000" dirty="0" smtClean="0"/>
                         <a:t>首頁、選單</a:t>
                       </a:r>
                       <a:endParaRPr lang="en-US" altLang="zh-TW" sz="2000" dirty="0" smtClean="0"/>
@@ -9712,7 +9712,7 @@
                       </a:r>
                       <a:r>
                         <a:rPr lang="zh-TW" altLang="en-US" sz="2000" dirty="0" smtClean="0"/>
-                        <a:t>衣櫃</a:t>
+                        <a:t>衣櫃功能</a:t>
                       </a:r>
                       <a:endParaRPr lang="en-US" altLang="zh-TW" sz="2000" dirty="0" smtClean="0"/>
                     </a:p>
@@ -9811,7 +9811,7 @@
                       </a:r>
                       <a:r>
                         <a:rPr lang="zh-TW" altLang="en-US" sz="2000" dirty="0" smtClean="0"/>
-                        <a:t>衣櫃</a:t>
+                        <a:t>衣櫃圖片</a:t>
                       </a:r>
                       <a:endParaRPr lang="en-US" altLang="zh-TW" sz="2000" dirty="0" smtClean="0"/>
                     </a:p>
